--- a/Система альтернативного управления ПК.pptx
+++ b/Система альтернативного управления ПК.pptx
@@ -9,8 +9,8 @@
     <p:sldId id="258" r:id="rId3"/>
     <p:sldId id="257" r:id="rId4"/>
     <p:sldId id="268" r:id="rId5"/>
-    <p:sldId id="259" r:id="rId6"/>
-    <p:sldId id="270" r:id="rId7"/>
+    <p:sldId id="273" r:id="rId6"/>
+    <p:sldId id="259" r:id="rId7"/>
     <p:sldId id="271" r:id="rId8"/>
     <p:sldId id="272" r:id="rId9"/>
     <p:sldId id="260" r:id="rId10"/>
@@ -24,94 +24,124 @@
     <a:defPPr>
       <a:defRPr lang="ru-RU"/>
     </a:defPPr>
-    <a:lvl1pPr marL="0" algn="l" defTabSz="914400" rtl="0" eaLnBrk="1" latinLnBrk="0" hangingPunct="1">
-      <a:defRPr sz="1800" kern="1200">
+    <a:lvl1pPr algn="l" rtl="0" fontAlgn="base">
+      <a:spcBef>
+        <a:spcPct val="0"/>
+      </a:spcBef>
+      <a:spcAft>
+        <a:spcPct val="0"/>
+      </a:spcAft>
+      <a:defRPr kern="1200">
         <a:solidFill>
           <a:schemeClr val="tx1"/>
         </a:solidFill>
-        <a:latin typeface="+mn-lt"/>
+        <a:latin typeface="Arial" charset="0"/>
         <a:ea typeface="+mn-ea"/>
-        <a:cs typeface="+mn-cs"/>
+        <a:cs typeface="Arial" charset="0"/>
       </a:defRPr>
     </a:lvl1pPr>
-    <a:lvl2pPr marL="457200" algn="l" defTabSz="914400" rtl="0" eaLnBrk="1" latinLnBrk="0" hangingPunct="1">
-      <a:defRPr sz="1800" kern="1200">
+    <a:lvl2pPr marL="457200" algn="l" rtl="0" fontAlgn="base">
+      <a:spcBef>
+        <a:spcPct val="0"/>
+      </a:spcBef>
+      <a:spcAft>
+        <a:spcPct val="0"/>
+      </a:spcAft>
+      <a:defRPr kern="1200">
         <a:solidFill>
           <a:schemeClr val="tx1"/>
         </a:solidFill>
-        <a:latin typeface="+mn-lt"/>
+        <a:latin typeface="Arial" charset="0"/>
         <a:ea typeface="+mn-ea"/>
-        <a:cs typeface="+mn-cs"/>
+        <a:cs typeface="Arial" charset="0"/>
       </a:defRPr>
     </a:lvl2pPr>
-    <a:lvl3pPr marL="914400" algn="l" defTabSz="914400" rtl="0" eaLnBrk="1" latinLnBrk="0" hangingPunct="1">
-      <a:defRPr sz="1800" kern="1200">
+    <a:lvl3pPr marL="914400" algn="l" rtl="0" fontAlgn="base">
+      <a:spcBef>
+        <a:spcPct val="0"/>
+      </a:spcBef>
+      <a:spcAft>
+        <a:spcPct val="0"/>
+      </a:spcAft>
+      <a:defRPr kern="1200">
         <a:solidFill>
           <a:schemeClr val="tx1"/>
         </a:solidFill>
-        <a:latin typeface="+mn-lt"/>
+        <a:latin typeface="Arial" charset="0"/>
         <a:ea typeface="+mn-ea"/>
-        <a:cs typeface="+mn-cs"/>
+        <a:cs typeface="Arial" charset="0"/>
       </a:defRPr>
     </a:lvl3pPr>
-    <a:lvl4pPr marL="1371600" algn="l" defTabSz="914400" rtl="0" eaLnBrk="1" latinLnBrk="0" hangingPunct="1">
-      <a:defRPr sz="1800" kern="1200">
+    <a:lvl4pPr marL="1371600" algn="l" rtl="0" fontAlgn="base">
+      <a:spcBef>
+        <a:spcPct val="0"/>
+      </a:spcBef>
+      <a:spcAft>
+        <a:spcPct val="0"/>
+      </a:spcAft>
+      <a:defRPr kern="1200">
         <a:solidFill>
           <a:schemeClr val="tx1"/>
         </a:solidFill>
-        <a:latin typeface="+mn-lt"/>
+        <a:latin typeface="Arial" charset="0"/>
         <a:ea typeface="+mn-ea"/>
-        <a:cs typeface="+mn-cs"/>
+        <a:cs typeface="Arial" charset="0"/>
       </a:defRPr>
     </a:lvl4pPr>
-    <a:lvl5pPr marL="1828800" algn="l" defTabSz="914400" rtl="0" eaLnBrk="1" latinLnBrk="0" hangingPunct="1">
-      <a:defRPr sz="1800" kern="1200">
+    <a:lvl5pPr marL="1828800" algn="l" rtl="0" fontAlgn="base">
+      <a:spcBef>
+        <a:spcPct val="0"/>
+      </a:spcBef>
+      <a:spcAft>
+        <a:spcPct val="0"/>
+      </a:spcAft>
+      <a:defRPr kern="1200">
         <a:solidFill>
           <a:schemeClr val="tx1"/>
         </a:solidFill>
-        <a:latin typeface="+mn-lt"/>
+        <a:latin typeface="Arial" charset="0"/>
         <a:ea typeface="+mn-ea"/>
-        <a:cs typeface="+mn-cs"/>
+        <a:cs typeface="Arial" charset="0"/>
       </a:defRPr>
     </a:lvl5pPr>
     <a:lvl6pPr marL="2286000" algn="l" defTabSz="914400" rtl="0" eaLnBrk="1" latinLnBrk="0" hangingPunct="1">
-      <a:defRPr sz="1800" kern="1200">
+      <a:defRPr kern="1200">
         <a:solidFill>
           <a:schemeClr val="tx1"/>
         </a:solidFill>
-        <a:latin typeface="+mn-lt"/>
+        <a:latin typeface="Arial" charset="0"/>
         <a:ea typeface="+mn-ea"/>
-        <a:cs typeface="+mn-cs"/>
+        <a:cs typeface="Arial" charset="0"/>
       </a:defRPr>
     </a:lvl6pPr>
     <a:lvl7pPr marL="2743200" algn="l" defTabSz="914400" rtl="0" eaLnBrk="1" latinLnBrk="0" hangingPunct="1">
-      <a:defRPr sz="1800" kern="1200">
+      <a:defRPr kern="1200">
         <a:solidFill>
           <a:schemeClr val="tx1"/>
         </a:solidFill>
-        <a:latin typeface="+mn-lt"/>
+        <a:latin typeface="Arial" charset="0"/>
         <a:ea typeface="+mn-ea"/>
-        <a:cs typeface="+mn-cs"/>
+        <a:cs typeface="Arial" charset="0"/>
       </a:defRPr>
     </a:lvl7pPr>
     <a:lvl8pPr marL="3200400" algn="l" defTabSz="914400" rtl="0" eaLnBrk="1" latinLnBrk="0" hangingPunct="1">
-      <a:defRPr sz="1800" kern="1200">
+      <a:defRPr kern="1200">
         <a:solidFill>
           <a:schemeClr val="tx1"/>
         </a:solidFill>
-        <a:latin typeface="+mn-lt"/>
+        <a:latin typeface="Arial" charset="0"/>
         <a:ea typeface="+mn-ea"/>
-        <a:cs typeface="+mn-cs"/>
+        <a:cs typeface="Arial" charset="0"/>
       </a:defRPr>
     </a:lvl8pPr>
     <a:lvl9pPr marL="3657600" algn="l" defTabSz="914400" rtl="0" eaLnBrk="1" latinLnBrk="0" hangingPunct="1">
-      <a:defRPr sz="1800" kern="1200">
+      <a:defRPr kern="1200">
         <a:solidFill>
           <a:schemeClr val="tx1"/>
         </a:solidFill>
-        <a:latin typeface="+mn-lt"/>
+        <a:latin typeface="Arial" charset="0"/>
         <a:ea typeface="+mn-ea"/>
-        <a:cs typeface="+mn-cs"/>
+        <a:cs typeface="Arial" charset="0"/>
       </a:defRPr>
     </a:lvl9pPr>
   </p:defaultTextStyle>
@@ -295,12 +325,21 @@
         <p:spPr/>
         <p:txBody>
           <a:bodyPr/>
-          <a:lstStyle/>
-          <a:p>
-            <a:fld id="{0FF848B0-DD1A-4711-9E6E-213E10A33411}" type="datetimeFigureOut">
-              <a:rPr lang="ru-RU" smtClean="0"/>
-              <a:pPr/>
-              <a:t>14.05.2017</a:t>
+          <a:lstStyle>
+            <a:lvl1pPr>
+              <a:defRPr/>
+            </a:lvl1pPr>
+          </a:lstStyle>
+          <a:p>
+            <a:pPr>
+              <a:defRPr/>
+            </a:pPr>
+            <a:fld id="{3203FDBE-E6A7-40D6-9586-D9A95422338E}" type="datetimeFigureOut">
+              <a:rPr lang="ru-RU"/>
+              <a:pPr>
+                <a:defRPr/>
+              </a:pPr>
+              <a:t>25.12.2017</a:t>
             </a:fld>
             <a:endParaRPr lang="ru-RU"/>
           </a:p>
@@ -319,8 +358,15 @@
         <p:spPr/>
         <p:txBody>
           <a:bodyPr/>
-          <a:lstStyle/>
-          <a:p>
+          <a:lstStyle>
+            <a:lvl1pPr>
+              <a:defRPr/>
+            </a:lvl1pPr>
+          </a:lstStyle>
+          <a:p>
+            <a:pPr>
+              <a:defRPr/>
+            </a:pPr>
             <a:endParaRPr lang="ru-RU"/>
           </a:p>
         </p:txBody>
@@ -338,11 +384,20 @@
         <p:spPr/>
         <p:txBody>
           <a:bodyPr/>
-          <a:lstStyle/>
-          <a:p>
-            <a:fld id="{57DD9BF4-C1DF-42B9-9192-F3BD5A757A56}" type="slidenum">
-              <a:rPr lang="ru-RU" smtClean="0"/>
-              <a:pPr/>
+          <a:lstStyle>
+            <a:lvl1pPr>
+              <a:defRPr/>
+            </a:lvl1pPr>
+          </a:lstStyle>
+          <a:p>
+            <a:pPr>
+              <a:defRPr/>
+            </a:pPr>
+            <a:fld id="{ABAEC130-9BDB-466B-A25B-D34538118DCC}" type="slidenum">
+              <a:rPr lang="ru-RU"/>
+              <a:pPr>
+                <a:defRPr/>
+              </a:pPr>
               <a:t>‹#›</a:t>
             </a:fld>
             <a:endParaRPr lang="ru-RU"/>
@@ -462,12 +517,21 @@
         <p:spPr/>
         <p:txBody>
           <a:bodyPr/>
-          <a:lstStyle/>
-          <a:p>
-            <a:fld id="{0FF848B0-DD1A-4711-9E6E-213E10A33411}" type="datetimeFigureOut">
-              <a:rPr lang="ru-RU" smtClean="0"/>
-              <a:pPr/>
-              <a:t>14.05.2017</a:t>
+          <a:lstStyle>
+            <a:lvl1pPr>
+              <a:defRPr/>
+            </a:lvl1pPr>
+          </a:lstStyle>
+          <a:p>
+            <a:pPr>
+              <a:defRPr/>
+            </a:pPr>
+            <a:fld id="{268FA175-5153-4E70-80AB-010446C36F72}" type="datetimeFigureOut">
+              <a:rPr lang="ru-RU"/>
+              <a:pPr>
+                <a:defRPr/>
+              </a:pPr>
+              <a:t>25.12.2017</a:t>
             </a:fld>
             <a:endParaRPr lang="ru-RU"/>
           </a:p>
@@ -486,8 +550,15 @@
         <p:spPr/>
         <p:txBody>
           <a:bodyPr/>
-          <a:lstStyle/>
-          <a:p>
+          <a:lstStyle>
+            <a:lvl1pPr>
+              <a:defRPr/>
+            </a:lvl1pPr>
+          </a:lstStyle>
+          <a:p>
+            <a:pPr>
+              <a:defRPr/>
+            </a:pPr>
             <a:endParaRPr lang="ru-RU"/>
           </a:p>
         </p:txBody>
@@ -505,11 +576,20 @@
         <p:spPr/>
         <p:txBody>
           <a:bodyPr/>
-          <a:lstStyle/>
-          <a:p>
-            <a:fld id="{57DD9BF4-C1DF-42B9-9192-F3BD5A757A56}" type="slidenum">
-              <a:rPr lang="ru-RU" smtClean="0"/>
-              <a:pPr/>
+          <a:lstStyle>
+            <a:lvl1pPr>
+              <a:defRPr/>
+            </a:lvl1pPr>
+          </a:lstStyle>
+          <a:p>
+            <a:pPr>
+              <a:defRPr/>
+            </a:pPr>
+            <a:fld id="{3D897DDA-4A45-4D84-95F8-CC094964FDCC}" type="slidenum">
+              <a:rPr lang="ru-RU"/>
+              <a:pPr>
+                <a:defRPr/>
+              </a:pPr>
               <a:t>‹#›</a:t>
             </a:fld>
             <a:endParaRPr lang="ru-RU"/>
@@ -639,12 +719,21 @@
         <p:spPr/>
         <p:txBody>
           <a:bodyPr/>
-          <a:lstStyle/>
-          <a:p>
-            <a:fld id="{0FF848B0-DD1A-4711-9E6E-213E10A33411}" type="datetimeFigureOut">
-              <a:rPr lang="ru-RU" smtClean="0"/>
-              <a:pPr/>
-              <a:t>14.05.2017</a:t>
+          <a:lstStyle>
+            <a:lvl1pPr>
+              <a:defRPr/>
+            </a:lvl1pPr>
+          </a:lstStyle>
+          <a:p>
+            <a:pPr>
+              <a:defRPr/>
+            </a:pPr>
+            <a:fld id="{C5BC90A8-0EC3-4538-9D0F-2994D364E924}" type="datetimeFigureOut">
+              <a:rPr lang="ru-RU"/>
+              <a:pPr>
+                <a:defRPr/>
+              </a:pPr>
+              <a:t>25.12.2017</a:t>
             </a:fld>
             <a:endParaRPr lang="ru-RU"/>
           </a:p>
@@ -663,8 +752,15 @@
         <p:spPr/>
         <p:txBody>
           <a:bodyPr/>
-          <a:lstStyle/>
-          <a:p>
+          <a:lstStyle>
+            <a:lvl1pPr>
+              <a:defRPr/>
+            </a:lvl1pPr>
+          </a:lstStyle>
+          <a:p>
+            <a:pPr>
+              <a:defRPr/>
+            </a:pPr>
             <a:endParaRPr lang="ru-RU"/>
           </a:p>
         </p:txBody>
@@ -682,11 +778,20 @@
         <p:spPr/>
         <p:txBody>
           <a:bodyPr/>
-          <a:lstStyle/>
-          <a:p>
-            <a:fld id="{57DD9BF4-C1DF-42B9-9192-F3BD5A757A56}" type="slidenum">
-              <a:rPr lang="ru-RU" smtClean="0"/>
-              <a:pPr/>
+          <a:lstStyle>
+            <a:lvl1pPr>
+              <a:defRPr/>
+            </a:lvl1pPr>
+          </a:lstStyle>
+          <a:p>
+            <a:pPr>
+              <a:defRPr/>
+            </a:pPr>
+            <a:fld id="{270A9876-37D3-4DC2-8FDF-7AA2B63D5E04}" type="slidenum">
+              <a:rPr lang="ru-RU"/>
+              <a:pPr>
+                <a:defRPr/>
+              </a:pPr>
               <a:t>‹#›</a:t>
             </a:fld>
             <a:endParaRPr lang="ru-RU"/>
@@ -806,12 +911,21 @@
         <p:spPr/>
         <p:txBody>
           <a:bodyPr/>
-          <a:lstStyle/>
-          <a:p>
-            <a:fld id="{0FF848B0-DD1A-4711-9E6E-213E10A33411}" type="datetimeFigureOut">
-              <a:rPr lang="ru-RU" smtClean="0"/>
-              <a:pPr/>
-              <a:t>14.05.2017</a:t>
+          <a:lstStyle>
+            <a:lvl1pPr>
+              <a:defRPr/>
+            </a:lvl1pPr>
+          </a:lstStyle>
+          <a:p>
+            <a:pPr>
+              <a:defRPr/>
+            </a:pPr>
+            <a:fld id="{3605616C-344F-472A-883C-D76626E8F606}" type="datetimeFigureOut">
+              <a:rPr lang="ru-RU"/>
+              <a:pPr>
+                <a:defRPr/>
+              </a:pPr>
+              <a:t>25.12.2017</a:t>
             </a:fld>
             <a:endParaRPr lang="ru-RU"/>
           </a:p>
@@ -830,8 +944,15 @@
         <p:spPr/>
         <p:txBody>
           <a:bodyPr/>
-          <a:lstStyle/>
-          <a:p>
+          <a:lstStyle>
+            <a:lvl1pPr>
+              <a:defRPr/>
+            </a:lvl1pPr>
+          </a:lstStyle>
+          <a:p>
+            <a:pPr>
+              <a:defRPr/>
+            </a:pPr>
             <a:endParaRPr lang="ru-RU"/>
           </a:p>
         </p:txBody>
@@ -849,11 +970,20 @@
         <p:spPr/>
         <p:txBody>
           <a:bodyPr/>
-          <a:lstStyle/>
-          <a:p>
-            <a:fld id="{57DD9BF4-C1DF-42B9-9192-F3BD5A757A56}" type="slidenum">
-              <a:rPr lang="ru-RU" smtClean="0"/>
-              <a:pPr/>
+          <a:lstStyle>
+            <a:lvl1pPr>
+              <a:defRPr/>
+            </a:lvl1pPr>
+          </a:lstStyle>
+          <a:p>
+            <a:pPr>
+              <a:defRPr/>
+            </a:pPr>
+            <a:fld id="{E7479B1F-4242-4698-B932-91DE62DAF79C}" type="slidenum">
+              <a:rPr lang="ru-RU"/>
+              <a:pPr>
+                <a:defRPr/>
+              </a:pPr>
               <a:t>‹#›</a:t>
             </a:fld>
             <a:endParaRPr lang="ru-RU"/>
@@ -1049,12 +1179,21 @@
         <p:spPr/>
         <p:txBody>
           <a:bodyPr/>
-          <a:lstStyle/>
-          <a:p>
-            <a:fld id="{0FF848B0-DD1A-4711-9E6E-213E10A33411}" type="datetimeFigureOut">
-              <a:rPr lang="ru-RU" smtClean="0"/>
-              <a:pPr/>
-              <a:t>14.05.2017</a:t>
+          <a:lstStyle>
+            <a:lvl1pPr>
+              <a:defRPr/>
+            </a:lvl1pPr>
+          </a:lstStyle>
+          <a:p>
+            <a:pPr>
+              <a:defRPr/>
+            </a:pPr>
+            <a:fld id="{701FE511-8740-4753-B5CA-59063C4EB389}" type="datetimeFigureOut">
+              <a:rPr lang="ru-RU"/>
+              <a:pPr>
+                <a:defRPr/>
+              </a:pPr>
+              <a:t>25.12.2017</a:t>
             </a:fld>
             <a:endParaRPr lang="ru-RU"/>
           </a:p>
@@ -1073,8 +1212,15 @@
         <p:spPr/>
         <p:txBody>
           <a:bodyPr/>
-          <a:lstStyle/>
-          <a:p>
+          <a:lstStyle>
+            <a:lvl1pPr>
+              <a:defRPr/>
+            </a:lvl1pPr>
+          </a:lstStyle>
+          <a:p>
+            <a:pPr>
+              <a:defRPr/>
+            </a:pPr>
             <a:endParaRPr lang="ru-RU"/>
           </a:p>
         </p:txBody>
@@ -1092,11 +1238,20 @@
         <p:spPr/>
         <p:txBody>
           <a:bodyPr/>
-          <a:lstStyle/>
-          <a:p>
-            <a:fld id="{57DD9BF4-C1DF-42B9-9192-F3BD5A757A56}" type="slidenum">
-              <a:rPr lang="ru-RU" smtClean="0"/>
-              <a:pPr/>
+          <a:lstStyle>
+            <a:lvl1pPr>
+              <a:defRPr/>
+            </a:lvl1pPr>
+          </a:lstStyle>
+          <a:p>
+            <a:pPr>
+              <a:defRPr/>
+            </a:pPr>
+            <a:fld id="{23D75A07-AAA5-4671-B496-4628FB0C729D}" type="slidenum">
+              <a:rPr lang="ru-RU"/>
+              <a:pPr>
+                <a:defRPr/>
+              </a:pPr>
               <a:t>‹#›</a:t>
             </a:fld>
             <a:endParaRPr lang="ru-RU"/>
@@ -1323,7 +1478,7 @@
       </p:sp>
       <p:sp>
         <p:nvSpPr>
-          <p:cNvPr id="5" name="Дата 4"/>
+          <p:cNvPr id="5" name="Дата 3"/>
           <p:cNvSpPr>
             <a:spLocks noGrp="1"/>
           </p:cNvSpPr>
@@ -1334,12 +1489,21 @@
         <p:spPr/>
         <p:txBody>
           <a:bodyPr/>
-          <a:lstStyle/>
-          <a:p>
-            <a:fld id="{0FF848B0-DD1A-4711-9E6E-213E10A33411}" type="datetimeFigureOut">
-              <a:rPr lang="ru-RU" smtClean="0"/>
-              <a:pPr/>
-              <a:t>14.05.2017</a:t>
+          <a:lstStyle>
+            <a:lvl1pPr>
+              <a:defRPr/>
+            </a:lvl1pPr>
+          </a:lstStyle>
+          <a:p>
+            <a:pPr>
+              <a:defRPr/>
+            </a:pPr>
+            <a:fld id="{9DEE3836-5BEC-4741-B646-33745C1389C5}" type="datetimeFigureOut">
+              <a:rPr lang="ru-RU"/>
+              <a:pPr>
+                <a:defRPr/>
+              </a:pPr>
+              <a:t>25.12.2017</a:t>
             </a:fld>
             <a:endParaRPr lang="ru-RU"/>
           </a:p>
@@ -1347,7 +1511,7 @@
       </p:sp>
       <p:sp>
         <p:nvSpPr>
-          <p:cNvPr id="6" name="Нижний колонтитул 5"/>
+          <p:cNvPr id="6" name="Нижний колонтитул 4"/>
           <p:cNvSpPr>
             <a:spLocks noGrp="1"/>
           </p:cNvSpPr>
@@ -1358,15 +1522,22 @@
         <p:spPr/>
         <p:txBody>
           <a:bodyPr/>
-          <a:lstStyle/>
-          <a:p>
+          <a:lstStyle>
+            <a:lvl1pPr>
+              <a:defRPr/>
+            </a:lvl1pPr>
+          </a:lstStyle>
+          <a:p>
+            <a:pPr>
+              <a:defRPr/>
+            </a:pPr>
             <a:endParaRPr lang="ru-RU"/>
           </a:p>
         </p:txBody>
       </p:sp>
       <p:sp>
         <p:nvSpPr>
-          <p:cNvPr id="7" name="Номер слайда 6"/>
+          <p:cNvPr id="7" name="Номер слайда 5"/>
           <p:cNvSpPr>
             <a:spLocks noGrp="1"/>
           </p:cNvSpPr>
@@ -1377,11 +1548,20 @@
         <p:spPr/>
         <p:txBody>
           <a:bodyPr/>
-          <a:lstStyle/>
-          <a:p>
-            <a:fld id="{57DD9BF4-C1DF-42B9-9192-F3BD5A757A56}" type="slidenum">
-              <a:rPr lang="ru-RU" smtClean="0"/>
-              <a:pPr/>
+          <a:lstStyle>
+            <a:lvl1pPr>
+              <a:defRPr/>
+            </a:lvl1pPr>
+          </a:lstStyle>
+          <a:p>
+            <a:pPr>
+              <a:defRPr/>
+            </a:pPr>
+            <a:fld id="{509FBED0-AA71-413A-B3AA-4AE2298ED50B}" type="slidenum">
+              <a:rPr lang="ru-RU"/>
+              <a:pPr>
+                <a:defRPr/>
+              </a:pPr>
               <a:t>‹#›</a:t>
             </a:fld>
             <a:endParaRPr lang="ru-RU"/>
@@ -1742,7 +1922,7 @@
       </p:sp>
       <p:sp>
         <p:nvSpPr>
-          <p:cNvPr id="7" name="Дата 6"/>
+          <p:cNvPr id="7" name="Дата 3"/>
           <p:cNvSpPr>
             <a:spLocks noGrp="1"/>
           </p:cNvSpPr>
@@ -1753,12 +1933,21 @@
         <p:spPr/>
         <p:txBody>
           <a:bodyPr/>
-          <a:lstStyle/>
-          <a:p>
-            <a:fld id="{0FF848B0-DD1A-4711-9E6E-213E10A33411}" type="datetimeFigureOut">
-              <a:rPr lang="ru-RU" smtClean="0"/>
-              <a:pPr/>
-              <a:t>14.05.2017</a:t>
+          <a:lstStyle>
+            <a:lvl1pPr>
+              <a:defRPr/>
+            </a:lvl1pPr>
+          </a:lstStyle>
+          <a:p>
+            <a:pPr>
+              <a:defRPr/>
+            </a:pPr>
+            <a:fld id="{9CCC6D80-EBB8-488C-B04F-DCDEB27F5B77}" type="datetimeFigureOut">
+              <a:rPr lang="ru-RU"/>
+              <a:pPr>
+                <a:defRPr/>
+              </a:pPr>
+              <a:t>25.12.2017</a:t>
             </a:fld>
             <a:endParaRPr lang="ru-RU"/>
           </a:p>
@@ -1766,7 +1955,7 @@
       </p:sp>
       <p:sp>
         <p:nvSpPr>
-          <p:cNvPr id="8" name="Нижний колонтитул 7"/>
+          <p:cNvPr id="8" name="Нижний колонтитул 4"/>
           <p:cNvSpPr>
             <a:spLocks noGrp="1"/>
           </p:cNvSpPr>
@@ -1777,15 +1966,22 @@
         <p:spPr/>
         <p:txBody>
           <a:bodyPr/>
-          <a:lstStyle/>
-          <a:p>
+          <a:lstStyle>
+            <a:lvl1pPr>
+              <a:defRPr/>
+            </a:lvl1pPr>
+          </a:lstStyle>
+          <a:p>
+            <a:pPr>
+              <a:defRPr/>
+            </a:pPr>
             <a:endParaRPr lang="ru-RU"/>
           </a:p>
         </p:txBody>
       </p:sp>
       <p:sp>
         <p:nvSpPr>
-          <p:cNvPr id="9" name="Номер слайда 8"/>
+          <p:cNvPr id="9" name="Номер слайда 5"/>
           <p:cNvSpPr>
             <a:spLocks noGrp="1"/>
           </p:cNvSpPr>
@@ -1796,11 +1992,20 @@
         <p:spPr/>
         <p:txBody>
           <a:bodyPr/>
-          <a:lstStyle/>
-          <a:p>
-            <a:fld id="{57DD9BF4-C1DF-42B9-9192-F3BD5A757A56}" type="slidenum">
-              <a:rPr lang="ru-RU" smtClean="0"/>
-              <a:pPr/>
+          <a:lstStyle>
+            <a:lvl1pPr>
+              <a:defRPr/>
+            </a:lvl1pPr>
+          </a:lstStyle>
+          <a:p>
+            <a:pPr>
+              <a:defRPr/>
+            </a:pPr>
+            <a:fld id="{5CB89F86-0275-461D-B7CE-6C2D417D743B}" type="slidenum">
+              <a:rPr lang="ru-RU"/>
+              <a:pPr>
+                <a:defRPr/>
+              </a:pPr>
               <a:t>‹#›</a:t>
             </a:fld>
             <a:endParaRPr lang="ru-RU"/>
@@ -1857,7 +2062,7 @@
       </p:sp>
       <p:sp>
         <p:nvSpPr>
-          <p:cNvPr id="3" name="Дата 2"/>
+          <p:cNvPr id="3" name="Дата 3"/>
           <p:cNvSpPr>
             <a:spLocks noGrp="1"/>
           </p:cNvSpPr>
@@ -1868,12 +2073,21 @@
         <p:spPr/>
         <p:txBody>
           <a:bodyPr/>
-          <a:lstStyle/>
-          <a:p>
-            <a:fld id="{0FF848B0-DD1A-4711-9E6E-213E10A33411}" type="datetimeFigureOut">
-              <a:rPr lang="ru-RU" smtClean="0"/>
-              <a:pPr/>
-              <a:t>14.05.2017</a:t>
+          <a:lstStyle>
+            <a:lvl1pPr>
+              <a:defRPr/>
+            </a:lvl1pPr>
+          </a:lstStyle>
+          <a:p>
+            <a:pPr>
+              <a:defRPr/>
+            </a:pPr>
+            <a:fld id="{8AC57CCE-97F3-4469-AD01-FC03755A01B6}" type="datetimeFigureOut">
+              <a:rPr lang="ru-RU"/>
+              <a:pPr>
+                <a:defRPr/>
+              </a:pPr>
+              <a:t>25.12.2017</a:t>
             </a:fld>
             <a:endParaRPr lang="ru-RU"/>
           </a:p>
@@ -1881,7 +2095,7 @@
       </p:sp>
       <p:sp>
         <p:nvSpPr>
-          <p:cNvPr id="4" name="Нижний колонтитул 3"/>
+          <p:cNvPr id="4" name="Нижний колонтитул 4"/>
           <p:cNvSpPr>
             <a:spLocks noGrp="1"/>
           </p:cNvSpPr>
@@ -1892,15 +2106,22 @@
         <p:spPr/>
         <p:txBody>
           <a:bodyPr/>
-          <a:lstStyle/>
-          <a:p>
+          <a:lstStyle>
+            <a:lvl1pPr>
+              <a:defRPr/>
+            </a:lvl1pPr>
+          </a:lstStyle>
+          <a:p>
+            <a:pPr>
+              <a:defRPr/>
+            </a:pPr>
             <a:endParaRPr lang="ru-RU"/>
           </a:p>
         </p:txBody>
       </p:sp>
       <p:sp>
         <p:nvSpPr>
-          <p:cNvPr id="5" name="Номер слайда 4"/>
+          <p:cNvPr id="5" name="Номер слайда 5"/>
           <p:cNvSpPr>
             <a:spLocks noGrp="1"/>
           </p:cNvSpPr>
@@ -1911,11 +2132,20 @@
         <p:spPr/>
         <p:txBody>
           <a:bodyPr/>
-          <a:lstStyle/>
-          <a:p>
-            <a:fld id="{57DD9BF4-C1DF-42B9-9192-F3BD5A757A56}" type="slidenum">
-              <a:rPr lang="ru-RU" smtClean="0"/>
-              <a:pPr/>
+          <a:lstStyle>
+            <a:lvl1pPr>
+              <a:defRPr/>
+            </a:lvl1pPr>
+          </a:lstStyle>
+          <a:p>
+            <a:pPr>
+              <a:defRPr/>
+            </a:pPr>
+            <a:fld id="{75763E36-C797-4BE2-BBAC-00333A16E534}" type="slidenum">
+              <a:rPr lang="ru-RU"/>
+              <a:pPr>
+                <a:defRPr/>
+              </a:pPr>
               <a:t>‹#›</a:t>
             </a:fld>
             <a:endParaRPr lang="ru-RU"/>
@@ -1949,7 +2179,7 @@
       </p:grpSpPr>
       <p:sp>
         <p:nvSpPr>
-          <p:cNvPr id="2" name="Дата 1"/>
+          <p:cNvPr id="2" name="Дата 3"/>
           <p:cNvSpPr>
             <a:spLocks noGrp="1"/>
           </p:cNvSpPr>
@@ -1960,12 +2190,21 @@
         <p:spPr/>
         <p:txBody>
           <a:bodyPr/>
-          <a:lstStyle/>
-          <a:p>
-            <a:fld id="{0FF848B0-DD1A-4711-9E6E-213E10A33411}" type="datetimeFigureOut">
-              <a:rPr lang="ru-RU" smtClean="0"/>
-              <a:pPr/>
-              <a:t>14.05.2017</a:t>
+          <a:lstStyle>
+            <a:lvl1pPr>
+              <a:defRPr/>
+            </a:lvl1pPr>
+          </a:lstStyle>
+          <a:p>
+            <a:pPr>
+              <a:defRPr/>
+            </a:pPr>
+            <a:fld id="{921A4004-487E-4CC4-B7D6-EC176F6CA8A0}" type="datetimeFigureOut">
+              <a:rPr lang="ru-RU"/>
+              <a:pPr>
+                <a:defRPr/>
+              </a:pPr>
+              <a:t>25.12.2017</a:t>
             </a:fld>
             <a:endParaRPr lang="ru-RU"/>
           </a:p>
@@ -1973,7 +2212,7 @@
       </p:sp>
       <p:sp>
         <p:nvSpPr>
-          <p:cNvPr id="3" name="Нижний колонтитул 2"/>
+          <p:cNvPr id="3" name="Нижний колонтитул 4"/>
           <p:cNvSpPr>
             <a:spLocks noGrp="1"/>
           </p:cNvSpPr>
@@ -1984,15 +2223,22 @@
         <p:spPr/>
         <p:txBody>
           <a:bodyPr/>
-          <a:lstStyle/>
-          <a:p>
+          <a:lstStyle>
+            <a:lvl1pPr>
+              <a:defRPr/>
+            </a:lvl1pPr>
+          </a:lstStyle>
+          <a:p>
+            <a:pPr>
+              <a:defRPr/>
+            </a:pPr>
             <a:endParaRPr lang="ru-RU"/>
           </a:p>
         </p:txBody>
       </p:sp>
       <p:sp>
         <p:nvSpPr>
-          <p:cNvPr id="4" name="Номер слайда 3"/>
+          <p:cNvPr id="4" name="Номер слайда 5"/>
           <p:cNvSpPr>
             <a:spLocks noGrp="1"/>
           </p:cNvSpPr>
@@ -2003,11 +2249,20 @@
         <p:spPr/>
         <p:txBody>
           <a:bodyPr/>
-          <a:lstStyle/>
-          <a:p>
-            <a:fld id="{57DD9BF4-C1DF-42B9-9192-F3BD5A757A56}" type="slidenum">
-              <a:rPr lang="ru-RU" smtClean="0"/>
-              <a:pPr/>
+          <a:lstStyle>
+            <a:lvl1pPr>
+              <a:defRPr/>
+            </a:lvl1pPr>
+          </a:lstStyle>
+          <a:p>
+            <a:pPr>
+              <a:defRPr/>
+            </a:pPr>
+            <a:fld id="{4B13F686-88CD-421C-958F-50B3068133C7}" type="slidenum">
+              <a:rPr lang="ru-RU"/>
+              <a:pPr>
+                <a:defRPr/>
+              </a:pPr>
               <a:t>‹#›</a:t>
             </a:fld>
             <a:endParaRPr lang="ru-RU"/>
@@ -2223,7 +2478,7 @@
       </p:sp>
       <p:sp>
         <p:nvSpPr>
-          <p:cNvPr id="5" name="Дата 4"/>
+          <p:cNvPr id="5" name="Дата 3"/>
           <p:cNvSpPr>
             <a:spLocks noGrp="1"/>
           </p:cNvSpPr>
@@ -2234,12 +2489,21 @@
         <p:spPr/>
         <p:txBody>
           <a:bodyPr/>
-          <a:lstStyle/>
-          <a:p>
-            <a:fld id="{0FF848B0-DD1A-4711-9E6E-213E10A33411}" type="datetimeFigureOut">
-              <a:rPr lang="ru-RU" smtClean="0"/>
-              <a:pPr/>
-              <a:t>14.05.2017</a:t>
+          <a:lstStyle>
+            <a:lvl1pPr>
+              <a:defRPr/>
+            </a:lvl1pPr>
+          </a:lstStyle>
+          <a:p>
+            <a:pPr>
+              <a:defRPr/>
+            </a:pPr>
+            <a:fld id="{40AFA6F9-DEA5-4E71-8798-FD4B69EF2B5F}" type="datetimeFigureOut">
+              <a:rPr lang="ru-RU"/>
+              <a:pPr>
+                <a:defRPr/>
+              </a:pPr>
+              <a:t>25.12.2017</a:t>
             </a:fld>
             <a:endParaRPr lang="ru-RU"/>
           </a:p>
@@ -2247,7 +2511,7 @@
       </p:sp>
       <p:sp>
         <p:nvSpPr>
-          <p:cNvPr id="6" name="Нижний колонтитул 5"/>
+          <p:cNvPr id="6" name="Нижний колонтитул 4"/>
           <p:cNvSpPr>
             <a:spLocks noGrp="1"/>
           </p:cNvSpPr>
@@ -2258,15 +2522,22 @@
         <p:spPr/>
         <p:txBody>
           <a:bodyPr/>
-          <a:lstStyle/>
-          <a:p>
+          <a:lstStyle>
+            <a:lvl1pPr>
+              <a:defRPr/>
+            </a:lvl1pPr>
+          </a:lstStyle>
+          <a:p>
+            <a:pPr>
+              <a:defRPr/>
+            </a:pPr>
             <a:endParaRPr lang="ru-RU"/>
           </a:p>
         </p:txBody>
       </p:sp>
       <p:sp>
         <p:nvSpPr>
-          <p:cNvPr id="7" name="Номер слайда 6"/>
+          <p:cNvPr id="7" name="Номер слайда 5"/>
           <p:cNvSpPr>
             <a:spLocks noGrp="1"/>
           </p:cNvSpPr>
@@ -2277,11 +2548,20 @@
         <p:spPr/>
         <p:txBody>
           <a:bodyPr/>
-          <a:lstStyle/>
-          <a:p>
-            <a:fld id="{57DD9BF4-C1DF-42B9-9192-F3BD5A757A56}" type="slidenum">
-              <a:rPr lang="ru-RU" smtClean="0"/>
-              <a:pPr/>
+          <a:lstStyle>
+            <a:lvl1pPr>
+              <a:defRPr/>
+            </a:lvl1pPr>
+          </a:lstStyle>
+          <a:p>
+            <a:pPr>
+              <a:defRPr/>
+            </a:pPr>
+            <a:fld id="{664D79E1-0D2D-4F3A-89EA-E54B9CCB4143}" type="slidenum">
+              <a:rPr lang="ru-RU"/>
+              <a:pPr>
+                <a:defRPr/>
+              </a:pPr>
               <a:t>‹#›</a:t>
             </a:fld>
             <a:endParaRPr lang="ru-RU"/>
@@ -2362,7 +2642,9 @@
           </a:xfrm>
         </p:spPr>
         <p:txBody>
-          <a:bodyPr/>
+          <a:bodyPr rtlCol="0">
+            <a:normAutofit/>
+          </a:bodyPr>
           <a:lstStyle>
             <a:lvl1pPr marL="0" indent="0">
               <a:buNone/>
@@ -2402,7 +2684,8 @@
             </a:lvl9pPr>
           </a:lstStyle>
           <a:p>
-            <a:endParaRPr lang="ru-RU"/>
+            <a:pPr lvl="0"/>
+            <a:endParaRPr lang="ru-RU" noProof="0"/>
           </a:p>
         </p:txBody>
       </p:sp>
@@ -2473,7 +2756,7 @@
       </p:sp>
       <p:sp>
         <p:nvSpPr>
-          <p:cNvPr id="5" name="Дата 4"/>
+          <p:cNvPr id="5" name="Дата 3"/>
           <p:cNvSpPr>
             <a:spLocks noGrp="1"/>
           </p:cNvSpPr>
@@ -2484,12 +2767,21 @@
         <p:spPr/>
         <p:txBody>
           <a:bodyPr/>
-          <a:lstStyle/>
-          <a:p>
-            <a:fld id="{0FF848B0-DD1A-4711-9E6E-213E10A33411}" type="datetimeFigureOut">
-              <a:rPr lang="ru-RU" smtClean="0"/>
-              <a:pPr/>
-              <a:t>14.05.2017</a:t>
+          <a:lstStyle>
+            <a:lvl1pPr>
+              <a:defRPr/>
+            </a:lvl1pPr>
+          </a:lstStyle>
+          <a:p>
+            <a:pPr>
+              <a:defRPr/>
+            </a:pPr>
+            <a:fld id="{FB7D436F-7646-49C7-9D25-BADEB30FCABF}" type="datetimeFigureOut">
+              <a:rPr lang="ru-RU"/>
+              <a:pPr>
+                <a:defRPr/>
+              </a:pPr>
+              <a:t>25.12.2017</a:t>
             </a:fld>
             <a:endParaRPr lang="ru-RU"/>
           </a:p>
@@ -2497,7 +2789,7 @@
       </p:sp>
       <p:sp>
         <p:nvSpPr>
-          <p:cNvPr id="6" name="Нижний колонтитул 5"/>
+          <p:cNvPr id="6" name="Нижний колонтитул 4"/>
           <p:cNvSpPr>
             <a:spLocks noGrp="1"/>
           </p:cNvSpPr>
@@ -2508,15 +2800,22 @@
         <p:spPr/>
         <p:txBody>
           <a:bodyPr/>
-          <a:lstStyle/>
-          <a:p>
+          <a:lstStyle>
+            <a:lvl1pPr>
+              <a:defRPr/>
+            </a:lvl1pPr>
+          </a:lstStyle>
+          <a:p>
+            <a:pPr>
+              <a:defRPr/>
+            </a:pPr>
             <a:endParaRPr lang="ru-RU"/>
           </a:p>
         </p:txBody>
       </p:sp>
       <p:sp>
         <p:nvSpPr>
-          <p:cNvPr id="7" name="Номер слайда 6"/>
+          <p:cNvPr id="7" name="Номер слайда 5"/>
           <p:cNvSpPr>
             <a:spLocks noGrp="1"/>
           </p:cNvSpPr>
@@ -2527,11 +2826,20 @@
         <p:spPr/>
         <p:txBody>
           <a:bodyPr/>
-          <a:lstStyle/>
-          <a:p>
-            <a:fld id="{57DD9BF4-C1DF-42B9-9192-F3BD5A757A56}" type="slidenum">
-              <a:rPr lang="ru-RU" smtClean="0"/>
-              <a:pPr/>
+          <a:lstStyle>
+            <a:lvl1pPr>
+              <a:defRPr/>
+            </a:lvl1pPr>
+          </a:lstStyle>
+          <a:p>
+            <a:pPr>
+              <a:defRPr/>
+            </a:pPr>
+            <a:fld id="{71DA3197-E7DB-443E-8732-70DDA05E41BB}" type="slidenum">
+              <a:rPr lang="ru-RU"/>
+              <a:pPr>
+                <a:defRPr/>
+              </a:pPr>
               <a:t>‹#›</a:t>
             </a:fld>
             <a:endParaRPr lang="ru-RU"/>
@@ -2550,9 +2858,12 @@
 <p:sldMaster xmlns:a="http://schemas.openxmlformats.org/drawingml/2006/main" xmlns:r="http://schemas.openxmlformats.org/officeDocument/2006/relationships" xmlns:p="http://schemas.openxmlformats.org/presentationml/2006/main">
   <p:cSld>
     <p:bg>
-      <p:bgRef idx="1001">
-        <a:schemeClr val="bg1"/>
-      </p:bgRef>
+      <p:bgPr>
+        <a:solidFill>
+          <a:schemeClr val="bg1"/>
+        </a:solidFill>
+        <a:effectLst/>
+      </p:bgPr>
     </p:bg>
     <p:spTree>
       <p:nvGrpSpPr>
@@ -2570,7 +2881,7 @@
       </p:grpSpPr>
       <p:sp>
         <p:nvSpPr>
-          <p:cNvPr id="2" name="Заголовок 1"/>
+          <p:cNvPr id="1026" name="Заголовок 1"/>
           <p:cNvSpPr>
             <a:spLocks noGrp="1"/>
           </p:cNvSpPr>
@@ -2578,7 +2889,7 @@
             <p:ph type="title"/>
           </p:nvPr>
         </p:nvSpPr>
-        <p:spPr>
+        <p:spPr bwMode="auto">
           <a:xfrm>
             <a:off x="457200" y="274638"/>
             <a:ext cx="8229600" cy="1143000"/>
@@ -2586,24 +2897,33 @@
           <a:prstGeom prst="rect">
             <a:avLst/>
           </a:prstGeom>
-        </p:spPr>
-        <p:txBody>
-          <a:bodyPr vert="horz" lIns="91440" tIns="45720" rIns="91440" bIns="45720" rtlCol="0" anchor="ctr">
-            <a:normAutofit/>
+          <a:noFill/>
+          <a:ln w="9525">
+            <a:noFill/>
+            <a:miter lim="800000"/>
+            <a:headEnd/>
+            <a:tailEnd/>
+          </a:ln>
+        </p:spPr>
+        <p:txBody>
+          <a:bodyPr vert="horz" wrap="square" lIns="91440" tIns="45720" rIns="91440" bIns="45720" numCol="1" anchor="ctr" anchorCtr="0" compatLnSpc="1">
+            <a:prstTxWarp prst="textNoShape">
+              <a:avLst/>
+            </a:prstTxWarp>
           </a:bodyPr>
           <a:lstStyle/>
           <a:p>
+            <a:pPr lvl="0"/>
             <a:r>
               <a:rPr lang="ru-RU" smtClean="0"/>
               <a:t>Образец заголовка</a:t>
             </a:r>
-            <a:endParaRPr lang="ru-RU"/>
-          </a:p>
-        </p:txBody>
-      </p:sp>
-      <p:sp>
-        <p:nvSpPr>
-          <p:cNvPr id="3" name="Текст 2"/>
+          </a:p>
+        </p:txBody>
+      </p:sp>
+      <p:sp>
+        <p:nvSpPr>
+          <p:cNvPr id="1027" name="Текст 2"/>
           <p:cNvSpPr>
             <a:spLocks noGrp="1"/>
           </p:cNvSpPr>
@@ -2611,7 +2931,7 @@
             <p:ph type="body" idx="1"/>
           </p:nvPr>
         </p:nvSpPr>
-        <p:spPr>
+        <p:spPr bwMode="auto">
           <a:xfrm>
             <a:off x="457200" y="1600200"/>
             <a:ext cx="8229600" cy="4525963"/>
@@ -2619,10 +2939,19 @@
           <a:prstGeom prst="rect">
             <a:avLst/>
           </a:prstGeom>
-        </p:spPr>
-        <p:txBody>
-          <a:bodyPr vert="horz" lIns="91440" tIns="45720" rIns="91440" bIns="45720" rtlCol="0">
-            <a:normAutofit/>
+          <a:noFill/>
+          <a:ln w="9525">
+            <a:noFill/>
+            <a:miter lim="800000"/>
+            <a:headEnd/>
+            <a:tailEnd/>
+          </a:ln>
+        </p:spPr>
+        <p:txBody>
+          <a:bodyPr vert="horz" wrap="square" lIns="91440" tIns="45720" rIns="91440" bIns="45720" numCol="1" anchor="t" anchorCtr="0" compatLnSpc="1">
+            <a:prstTxWarp prst="textNoShape">
+              <a:avLst/>
+            </a:prstTxWarp>
           </a:bodyPr>
           <a:lstStyle/>
           <a:p>
@@ -2659,7 +2988,6 @@
               <a:rPr lang="ru-RU" smtClean="0"/>
               <a:t>Пятый уровень</a:t>
             </a:r>
-            <a:endParaRPr lang="ru-RU"/>
           </a:p>
         </p:txBody>
       </p:sp>
@@ -2685,40 +3013,101 @@
         <p:txBody>
           <a:bodyPr vert="horz" lIns="91440" tIns="45720" rIns="91440" bIns="45720" rtlCol="0" anchor="ctr"/>
           <a:lstStyle>
-            <a:lvl1pPr algn="l">
+            <a:lvl1pPr algn="l" fontAlgn="auto">
+              <a:spcBef>
+                <a:spcPts val="0"/>
+              </a:spcBef>
+              <a:spcAft>
+                <a:spcPts val="0"/>
+              </a:spcAft>
+              <a:defRPr sz="1200" smtClean="0">
+                <a:solidFill>
+                  <a:schemeClr val="tx1">
+                    <a:tint val="75000"/>
+                  </a:schemeClr>
+                </a:solidFill>
+                <a:latin typeface="+mn-lt"/>
+                <a:cs typeface="+mn-cs"/>
+              </a:defRPr>
+            </a:lvl1pPr>
+          </a:lstStyle>
+          <a:p>
+            <a:pPr>
+              <a:defRPr/>
+            </a:pPr>
+            <a:fld id="{B0D84EE1-3531-4AC7-80CF-5476EC379A83}" type="datetimeFigureOut">
+              <a:rPr lang="ru-RU"/>
+              <a:pPr>
+                <a:defRPr/>
+              </a:pPr>
+              <a:t>25.12.2017</a:t>
+            </a:fld>
+            <a:endParaRPr lang="ru-RU"/>
+          </a:p>
+        </p:txBody>
+      </p:sp>
+      <p:sp>
+        <p:nvSpPr>
+          <p:cNvPr id="5" name="Нижний колонтитул 4"/>
+          <p:cNvSpPr>
+            <a:spLocks noGrp="1"/>
+          </p:cNvSpPr>
+          <p:nvPr>
+            <p:ph type="ftr" sz="quarter" idx="3"/>
+          </p:nvPr>
+        </p:nvSpPr>
+        <p:spPr>
+          <a:xfrm>
+            <a:off x="3124200" y="6356350"/>
+            <a:ext cx="2895600" cy="365125"/>
+          </a:xfrm>
+          <a:prstGeom prst="rect">
+            <a:avLst/>
+          </a:prstGeom>
+        </p:spPr>
+        <p:txBody>
+          <a:bodyPr vert="horz" lIns="91440" tIns="45720" rIns="91440" bIns="45720" rtlCol="0" anchor="ctr"/>
+          <a:lstStyle>
+            <a:lvl1pPr algn="ctr" fontAlgn="auto">
+              <a:spcBef>
+                <a:spcPts val="0"/>
+              </a:spcBef>
+              <a:spcAft>
+                <a:spcPts val="0"/>
+              </a:spcAft>
               <a:defRPr sz="1200">
                 <a:solidFill>
                   <a:schemeClr val="tx1">
                     <a:tint val="75000"/>
                   </a:schemeClr>
                 </a:solidFill>
+                <a:latin typeface="+mn-lt"/>
+                <a:cs typeface="+mn-cs"/>
               </a:defRPr>
             </a:lvl1pPr>
           </a:lstStyle>
           <a:p>
-            <a:fld id="{0FF848B0-DD1A-4711-9E6E-213E10A33411}" type="datetimeFigureOut">
-              <a:rPr lang="ru-RU" smtClean="0"/>
-              <a:pPr/>
-              <a:t>14.05.2017</a:t>
-            </a:fld>
+            <a:pPr>
+              <a:defRPr/>
+            </a:pPr>
             <a:endParaRPr lang="ru-RU"/>
           </a:p>
         </p:txBody>
       </p:sp>
       <p:sp>
         <p:nvSpPr>
-          <p:cNvPr id="5" name="Нижний колонтитул 4"/>
-          <p:cNvSpPr>
-            <a:spLocks noGrp="1"/>
-          </p:cNvSpPr>
-          <p:nvPr>
-            <p:ph type="ftr" sz="quarter" idx="3"/>
+          <p:cNvPr id="6" name="Номер слайда 5"/>
+          <p:cNvSpPr>
+            <a:spLocks noGrp="1"/>
+          </p:cNvSpPr>
+          <p:nvPr>
+            <p:ph type="sldNum" sz="quarter" idx="4"/>
           </p:nvPr>
         </p:nvSpPr>
         <p:spPr>
           <a:xfrm>
-            <a:off x="3124200" y="6356350"/>
-            <a:ext cx="2895600" cy="365125"/>
+            <a:off x="6553200" y="6356350"/>
+            <a:ext cx="2133600" cy="365125"/>
           </a:xfrm>
           <a:prstGeom prst="rect">
             <a:avLst/>
@@ -2727,57 +3116,33 @@
         <p:txBody>
           <a:bodyPr vert="horz" lIns="91440" tIns="45720" rIns="91440" bIns="45720" rtlCol="0" anchor="ctr"/>
           <a:lstStyle>
-            <a:lvl1pPr algn="ctr">
-              <a:defRPr sz="1200">
+            <a:lvl1pPr algn="r" fontAlgn="auto">
+              <a:spcBef>
+                <a:spcPts val="0"/>
+              </a:spcBef>
+              <a:spcAft>
+                <a:spcPts val="0"/>
+              </a:spcAft>
+              <a:defRPr sz="1200" smtClean="0">
                 <a:solidFill>
                   <a:schemeClr val="tx1">
                     <a:tint val="75000"/>
                   </a:schemeClr>
                 </a:solidFill>
+                <a:latin typeface="+mn-lt"/>
+                <a:cs typeface="+mn-cs"/>
               </a:defRPr>
             </a:lvl1pPr>
           </a:lstStyle>
           <a:p>
-            <a:endParaRPr lang="ru-RU"/>
-          </a:p>
-        </p:txBody>
-      </p:sp>
-      <p:sp>
-        <p:nvSpPr>
-          <p:cNvPr id="6" name="Номер слайда 5"/>
-          <p:cNvSpPr>
-            <a:spLocks noGrp="1"/>
-          </p:cNvSpPr>
-          <p:nvPr>
-            <p:ph type="sldNum" sz="quarter" idx="4"/>
-          </p:nvPr>
-        </p:nvSpPr>
-        <p:spPr>
-          <a:xfrm>
-            <a:off x="6553200" y="6356350"/>
-            <a:ext cx="2133600" cy="365125"/>
-          </a:xfrm>
-          <a:prstGeom prst="rect">
-            <a:avLst/>
-          </a:prstGeom>
-        </p:spPr>
-        <p:txBody>
-          <a:bodyPr vert="horz" lIns="91440" tIns="45720" rIns="91440" bIns="45720" rtlCol="0" anchor="ctr"/>
-          <a:lstStyle>
-            <a:lvl1pPr algn="r">
-              <a:defRPr sz="1200">
-                <a:solidFill>
-                  <a:schemeClr val="tx1">
-                    <a:tint val="75000"/>
-                  </a:schemeClr>
-                </a:solidFill>
-              </a:defRPr>
-            </a:lvl1pPr>
-          </a:lstStyle>
-          <a:p>
-            <a:fld id="{57DD9BF4-C1DF-42B9-9192-F3BD5A757A56}" type="slidenum">
-              <a:rPr lang="ru-RU" smtClean="0"/>
-              <a:pPr/>
+            <a:pPr>
+              <a:defRPr/>
+            </a:pPr>
+            <a:fld id="{63006A98-1F3B-408C-86DC-E977BE6A6ED6}" type="slidenum">
+              <a:rPr lang="ru-RU"/>
+              <a:pPr>
+                <a:defRPr/>
+              </a:pPr>
               <a:t>‹#›</a:t>
             </a:fld>
             <a:endParaRPr lang="ru-RU"/>
@@ -2802,11 +3167,13 @@
   </p:sldLayoutIdLst>
   <p:txStyles>
     <p:titleStyle>
-      <a:lvl1pPr algn="ctr" defTabSz="914400" rtl="0" eaLnBrk="1" latinLnBrk="0" hangingPunct="1">
+      <a:lvl1pPr algn="ctr" rtl="0" fontAlgn="base">
         <a:spcBef>
           <a:spcPct val="0"/>
         </a:spcBef>
-        <a:buNone/>
+        <a:spcAft>
+          <a:spcPct val="0"/>
+        </a:spcAft>
         <a:defRPr sz="4400" kern="1200">
           <a:solidFill>
             <a:schemeClr val="tx1"/>
@@ -2816,13 +3183,128 @@
           <a:cs typeface="+mj-cs"/>
         </a:defRPr>
       </a:lvl1pPr>
+      <a:lvl2pPr algn="ctr" rtl="0" fontAlgn="base">
+        <a:spcBef>
+          <a:spcPct val="0"/>
+        </a:spcBef>
+        <a:spcAft>
+          <a:spcPct val="0"/>
+        </a:spcAft>
+        <a:defRPr sz="4400">
+          <a:solidFill>
+            <a:schemeClr val="tx1"/>
+          </a:solidFill>
+          <a:latin typeface="Calibri" pitchFamily="34" charset="0"/>
+        </a:defRPr>
+      </a:lvl2pPr>
+      <a:lvl3pPr algn="ctr" rtl="0" fontAlgn="base">
+        <a:spcBef>
+          <a:spcPct val="0"/>
+        </a:spcBef>
+        <a:spcAft>
+          <a:spcPct val="0"/>
+        </a:spcAft>
+        <a:defRPr sz="4400">
+          <a:solidFill>
+            <a:schemeClr val="tx1"/>
+          </a:solidFill>
+          <a:latin typeface="Calibri" pitchFamily="34" charset="0"/>
+        </a:defRPr>
+      </a:lvl3pPr>
+      <a:lvl4pPr algn="ctr" rtl="0" fontAlgn="base">
+        <a:spcBef>
+          <a:spcPct val="0"/>
+        </a:spcBef>
+        <a:spcAft>
+          <a:spcPct val="0"/>
+        </a:spcAft>
+        <a:defRPr sz="4400">
+          <a:solidFill>
+            <a:schemeClr val="tx1"/>
+          </a:solidFill>
+          <a:latin typeface="Calibri" pitchFamily="34" charset="0"/>
+        </a:defRPr>
+      </a:lvl4pPr>
+      <a:lvl5pPr algn="ctr" rtl="0" fontAlgn="base">
+        <a:spcBef>
+          <a:spcPct val="0"/>
+        </a:spcBef>
+        <a:spcAft>
+          <a:spcPct val="0"/>
+        </a:spcAft>
+        <a:defRPr sz="4400">
+          <a:solidFill>
+            <a:schemeClr val="tx1"/>
+          </a:solidFill>
+          <a:latin typeface="Calibri" pitchFamily="34" charset="0"/>
+        </a:defRPr>
+      </a:lvl5pPr>
+      <a:lvl6pPr marL="457200" algn="ctr" rtl="0" fontAlgn="base">
+        <a:spcBef>
+          <a:spcPct val="0"/>
+        </a:spcBef>
+        <a:spcAft>
+          <a:spcPct val="0"/>
+        </a:spcAft>
+        <a:defRPr sz="4400">
+          <a:solidFill>
+            <a:schemeClr val="tx1"/>
+          </a:solidFill>
+          <a:latin typeface="Calibri" pitchFamily="34" charset="0"/>
+        </a:defRPr>
+      </a:lvl6pPr>
+      <a:lvl7pPr marL="914400" algn="ctr" rtl="0" fontAlgn="base">
+        <a:spcBef>
+          <a:spcPct val="0"/>
+        </a:spcBef>
+        <a:spcAft>
+          <a:spcPct val="0"/>
+        </a:spcAft>
+        <a:defRPr sz="4400">
+          <a:solidFill>
+            <a:schemeClr val="tx1"/>
+          </a:solidFill>
+          <a:latin typeface="Calibri" pitchFamily="34" charset="0"/>
+        </a:defRPr>
+      </a:lvl7pPr>
+      <a:lvl8pPr marL="1371600" algn="ctr" rtl="0" fontAlgn="base">
+        <a:spcBef>
+          <a:spcPct val="0"/>
+        </a:spcBef>
+        <a:spcAft>
+          <a:spcPct val="0"/>
+        </a:spcAft>
+        <a:defRPr sz="4400">
+          <a:solidFill>
+            <a:schemeClr val="tx1"/>
+          </a:solidFill>
+          <a:latin typeface="Calibri" pitchFamily="34" charset="0"/>
+        </a:defRPr>
+      </a:lvl8pPr>
+      <a:lvl9pPr marL="1828800" algn="ctr" rtl="0" fontAlgn="base">
+        <a:spcBef>
+          <a:spcPct val="0"/>
+        </a:spcBef>
+        <a:spcAft>
+          <a:spcPct val="0"/>
+        </a:spcAft>
+        <a:defRPr sz="4400">
+          <a:solidFill>
+            <a:schemeClr val="tx1"/>
+          </a:solidFill>
+          <a:latin typeface="Calibri" pitchFamily="34" charset="0"/>
+        </a:defRPr>
+      </a:lvl9pPr>
     </p:titleStyle>
     <p:bodyStyle>
-      <a:lvl1pPr marL="342900" indent="-342900" algn="l" defTabSz="914400" rtl="0" eaLnBrk="1" latinLnBrk="0" hangingPunct="1">
+      <a:lvl1pPr marL="342900" indent="-342900" algn="l" rtl="0" fontAlgn="base">
         <a:spcBef>
           <a:spcPct val="20000"/>
         </a:spcBef>
-        <a:buFont typeface="Arial" pitchFamily="34" charset="0"/>
+        <a:spcAft>
+          <a:spcPct val="0"/>
+        </a:spcAft>
+        <a:buFont typeface="Arial" charset="0"/>
         <a:buChar char="•"/>
         <a:defRPr sz="3200" kern="1200">
           <a:solidFill>
@@ -2833,11 +3315,14 @@
           <a:cs typeface="+mn-cs"/>
         </a:defRPr>
       </a:lvl1pPr>
-      <a:lvl2pPr marL="742950" indent="-285750" algn="l" defTabSz="914400" rtl="0" eaLnBrk="1" latinLnBrk="0" hangingPunct="1">
+      <a:lvl2pPr marL="742950" indent="-285750" algn="l" rtl="0" fontAlgn="base">
         <a:spcBef>
           <a:spcPct val="20000"/>
         </a:spcBef>
-        <a:buFont typeface="Arial" pitchFamily="34" charset="0"/>
+        <a:spcAft>
+          <a:spcPct val="0"/>
+        </a:spcAft>
+        <a:buFont typeface="Arial" charset="0"/>
         <a:buChar char="–"/>
         <a:defRPr sz="2800" kern="1200">
           <a:solidFill>
@@ -2848,11 +3333,14 @@
           <a:cs typeface="+mn-cs"/>
         </a:defRPr>
       </a:lvl2pPr>
-      <a:lvl3pPr marL="1143000" indent="-228600" algn="l" defTabSz="914400" rtl="0" eaLnBrk="1" latinLnBrk="0" hangingPunct="1">
+      <a:lvl3pPr marL="1143000" indent="-228600" algn="l" rtl="0" fontAlgn="base">
         <a:spcBef>
           <a:spcPct val="20000"/>
         </a:spcBef>
-        <a:buFont typeface="Arial" pitchFamily="34" charset="0"/>
+        <a:spcAft>
+          <a:spcPct val="0"/>
+        </a:spcAft>
+        <a:buFont typeface="Arial" charset="0"/>
         <a:buChar char="•"/>
         <a:defRPr sz="2400" kern="1200">
           <a:solidFill>
@@ -2863,11 +3351,14 @@
           <a:cs typeface="+mn-cs"/>
         </a:defRPr>
       </a:lvl3pPr>
-      <a:lvl4pPr marL="1600200" indent="-228600" algn="l" defTabSz="914400" rtl="0" eaLnBrk="1" latinLnBrk="0" hangingPunct="1">
+      <a:lvl4pPr marL="1600200" indent="-228600" algn="l" rtl="0" fontAlgn="base">
         <a:spcBef>
           <a:spcPct val="20000"/>
         </a:spcBef>
-        <a:buFont typeface="Arial" pitchFamily="34" charset="0"/>
+        <a:spcAft>
+          <a:spcPct val="0"/>
+        </a:spcAft>
+        <a:buFont typeface="Arial" charset="0"/>
         <a:buChar char="–"/>
         <a:defRPr sz="2000" kern="1200">
           <a:solidFill>
@@ -2878,11 +3369,14 @@
           <a:cs typeface="+mn-cs"/>
         </a:defRPr>
       </a:lvl4pPr>
-      <a:lvl5pPr marL="2057400" indent="-228600" algn="l" defTabSz="914400" rtl="0" eaLnBrk="1" latinLnBrk="0" hangingPunct="1">
+      <a:lvl5pPr marL="2057400" indent="-228600" algn="l" rtl="0" fontAlgn="base">
         <a:spcBef>
           <a:spcPct val="20000"/>
         </a:spcBef>
-        <a:buFont typeface="Arial" pitchFamily="34" charset="0"/>
+        <a:spcAft>
+          <a:spcPct val="0"/>
+        </a:spcAft>
+        <a:buFont typeface="Arial" charset="0"/>
         <a:buChar char="»"/>
         <a:defRPr sz="2000" kern="1200">
           <a:solidFill>
@@ -3072,7 +3566,7 @@
       </p:grpSpPr>
       <p:sp>
         <p:nvSpPr>
-          <p:cNvPr id="2" name="Заголовок 1"/>
+          <p:cNvPr id="2050" name="Заголовок 1"/>
           <p:cNvSpPr>
             <a:spLocks noGrp="1"/>
           </p:cNvSpPr>
@@ -3082,7 +3576,7 @@
         </p:nvSpPr>
         <p:spPr>
           <a:xfrm>
-            <a:off x="683568" y="116632"/>
+            <a:off x="684213" y="115888"/>
             <a:ext cx="7772400" cy="1470025"/>
           </a:xfrm>
         </p:spPr>
@@ -3091,10 +3585,9 @@
           <a:lstStyle/>
           <a:p>
             <a:r>
-              <a:rPr lang="ru-RU" dirty="0" smtClean="0"/>
+              <a:rPr lang="ru-RU" smtClean="0"/>
               <a:t>Система альтернативного управления ПК </a:t>
             </a:r>
-            <a:endParaRPr lang="ru-RU" dirty="0"/>
           </a:p>
         </p:txBody>
       </p:sp>
@@ -3108,7 +3601,7 @@
         </p:nvSpPr>
         <p:spPr>
           <a:xfrm>
-            <a:off x="4283968" y="3573016"/>
+            <a:off x="4284663" y="3573463"/>
             <a:ext cx="4679950" cy="2039937"/>
           </a:xfrm>
           <a:prstGeom prst="rect">
@@ -3116,335 +3609,171 @@
           </a:prstGeom>
         </p:spPr>
         <p:txBody>
-          <a:bodyPr vert="horz" lIns="91440" tIns="45720" rIns="91440" bIns="45720" rtlCol="0">
+          <a:bodyPr>
             <a:normAutofit fontScale="70000" lnSpcReduction="20000"/>
           </a:bodyPr>
           <a:lstStyle/>
           <a:p>
-            <a:pPr marL="0" marR="0" lvl="0" indent="0" algn="l" defTabSz="914400" rtl="0" eaLnBrk="1" fontAlgn="auto" latinLnBrk="0" hangingPunct="1">
-              <a:lnSpc>
-                <a:spcPct val="100000"/>
-              </a:lnSpc>
+            <a:pPr fontAlgn="auto">
               <a:spcBef>
                 <a:spcPct val="20000"/>
               </a:spcBef>
               <a:spcAft>
                 <a:spcPts val="0"/>
               </a:spcAft>
-              <a:buClrTx/>
-              <a:buSzTx/>
               <a:buFont typeface="Arial" pitchFamily="34" charset="0"/>
               <a:buNone/>
-              <a:tabLst/>
               <a:defRPr/>
             </a:pPr>
             <a:r>
-              <a:rPr kumimoji="0" lang="ru-RU" sz="3200" b="0" i="0" u="none" strike="noStrike" kern="1200" cap="none" spc="0" normalizeH="0" baseline="0" noProof="0" dirty="0" smtClean="0">
-                <a:ln>
-                  <a:noFill/>
-                </a:ln>
-                <a:solidFill>
-                  <a:schemeClr val="tx1"/>
-                </a:solidFill>
-                <a:effectLst/>
-                <a:uLnTx/>
-                <a:uFillTx/>
+              <a:rPr lang="ru-RU" sz="3200" dirty="0">
                 <a:latin typeface="+mn-lt"/>
-                <a:ea typeface="+mn-ea"/>
                 <a:cs typeface="+mn-cs"/>
               </a:rPr>
               <a:t>Научный руководитель</a:t>
             </a:r>
-            <a:endParaRPr kumimoji="0" lang="ru-RU" sz="3200" b="1" i="0" u="none" strike="noStrike" kern="1200" cap="none" spc="0" normalizeH="0" baseline="0" noProof="0" dirty="0" smtClean="0">
-              <a:ln>
-                <a:noFill/>
-              </a:ln>
-              <a:solidFill>
-                <a:schemeClr val="tx1"/>
-              </a:solidFill>
-              <a:effectLst/>
-              <a:uLnTx/>
-              <a:uFillTx/>
+            <a:endParaRPr lang="ru-RU" sz="3200" b="1" dirty="0">
               <a:latin typeface="+mn-lt"/>
-              <a:ea typeface="+mn-ea"/>
               <a:cs typeface="+mn-cs"/>
             </a:endParaRPr>
           </a:p>
           <a:p>
-            <a:pPr marL="0" marR="0" lvl="0" indent="0" algn="l" defTabSz="914400" rtl="0" eaLnBrk="1" fontAlgn="auto" latinLnBrk="0" hangingPunct="1">
-              <a:lnSpc>
-                <a:spcPct val="100000"/>
-              </a:lnSpc>
+            <a:pPr fontAlgn="auto">
               <a:spcBef>
                 <a:spcPct val="20000"/>
               </a:spcBef>
               <a:spcAft>
                 <a:spcPts val="0"/>
               </a:spcAft>
-              <a:buClrTx/>
-              <a:buSzTx/>
               <a:buFont typeface="Arial" pitchFamily="34" charset="0"/>
               <a:buNone/>
-              <a:tabLst/>
               <a:defRPr/>
             </a:pPr>
             <a:r>
-              <a:rPr kumimoji="0" lang="ru-RU" sz="3200" b="0" i="0" u="none" strike="noStrike" kern="1200" cap="none" spc="0" normalizeH="0" baseline="0" noProof="0" dirty="0" smtClean="0">
-                <a:ln>
-                  <a:noFill/>
-                </a:ln>
-                <a:solidFill>
-                  <a:schemeClr val="tx1"/>
-                </a:solidFill>
-                <a:effectLst/>
-                <a:uLnTx/>
-                <a:uFillTx/>
+              <a:rPr lang="ru-RU" sz="3200" dirty="0">
                 <a:latin typeface="+mn-lt"/>
-                <a:ea typeface="+mn-ea"/>
                 <a:cs typeface="+mn-cs"/>
               </a:rPr>
               <a:t>Д-р наук, профессор</a:t>
             </a:r>
           </a:p>
           <a:p>
-            <a:pPr marL="0" marR="0" lvl="0" indent="0" algn="l" defTabSz="914400" rtl="0" eaLnBrk="1" fontAlgn="auto" latinLnBrk="0" hangingPunct="1">
-              <a:lnSpc>
-                <a:spcPct val="100000"/>
-              </a:lnSpc>
+            <a:pPr fontAlgn="auto">
               <a:spcBef>
                 <a:spcPct val="20000"/>
               </a:spcBef>
               <a:spcAft>
                 <a:spcPts val="0"/>
               </a:spcAft>
-              <a:buClrTx/>
-              <a:buSzTx/>
               <a:buFont typeface="Arial" pitchFamily="34" charset="0"/>
               <a:buNone/>
-              <a:tabLst/>
               <a:defRPr/>
             </a:pPr>
             <a:r>
-              <a:rPr lang="ru-RU" sz="3200" dirty="0" smtClean="0"/>
+              <a:rPr lang="ru-RU" sz="3200" dirty="0">
+                <a:latin typeface="+mn-lt"/>
+                <a:cs typeface="+mn-cs"/>
+              </a:rPr>
               <a:t>В.Г. Дурнев</a:t>
             </a:r>
-            <a:endParaRPr kumimoji="0" lang="ru-RU" sz="3200" b="0" i="0" u="none" strike="noStrike" kern="1200" cap="none" spc="0" normalizeH="0" baseline="0" noProof="0" dirty="0" smtClean="0">
-              <a:ln>
-                <a:noFill/>
-              </a:ln>
-              <a:solidFill>
-                <a:schemeClr val="tx1"/>
-              </a:solidFill>
-              <a:effectLst/>
-              <a:uLnTx/>
-              <a:uFillTx/>
-              <a:latin typeface="+mn-lt"/>
-              <a:ea typeface="+mn-ea"/>
-              <a:cs typeface="+mn-cs"/>
-            </a:endParaRPr>
-          </a:p>
-          <a:p>
-            <a:pPr marL="0" marR="0" lvl="0" indent="0" algn="l" defTabSz="914400" rtl="0" eaLnBrk="1" fontAlgn="auto" latinLnBrk="0" hangingPunct="1">
-              <a:lnSpc>
-                <a:spcPct val="100000"/>
-              </a:lnSpc>
+          </a:p>
+          <a:p>
+            <a:pPr fontAlgn="auto">
               <a:spcBef>
                 <a:spcPct val="20000"/>
               </a:spcBef>
               <a:spcAft>
                 <a:spcPts val="0"/>
               </a:spcAft>
-              <a:buClrTx/>
-              <a:buSzTx/>
               <a:buFont typeface="Arial" pitchFamily="34" charset="0"/>
               <a:buNone/>
-              <a:tabLst/>
               <a:defRPr/>
             </a:pPr>
             <a:r>
-              <a:rPr kumimoji="0" lang="ru-RU" sz="3200" b="0" i="0" u="none" strike="noStrike" kern="1200" cap="none" spc="0" normalizeH="0" baseline="0" noProof="0" dirty="0" smtClean="0">
-                <a:ln>
-                  <a:noFill/>
-                </a:ln>
-                <a:solidFill>
-                  <a:schemeClr val="tx1"/>
-                </a:solidFill>
-                <a:effectLst/>
-                <a:uLnTx/>
-                <a:uFillTx/>
+              <a:rPr lang="ru-RU" sz="3200" dirty="0">
                 <a:latin typeface="+mn-lt"/>
-                <a:ea typeface="+mn-ea"/>
                 <a:cs typeface="+mn-cs"/>
               </a:rPr>
               <a:t> </a:t>
             </a:r>
-            <a:endParaRPr kumimoji="0" lang="ru-RU" sz="3200" b="1" i="0" u="none" strike="noStrike" kern="1200" cap="none" spc="0" normalizeH="0" baseline="0" noProof="0" dirty="0" smtClean="0">
-              <a:ln>
-                <a:noFill/>
-              </a:ln>
-              <a:solidFill>
-                <a:schemeClr val="tx1"/>
-              </a:solidFill>
-              <a:effectLst/>
-              <a:uLnTx/>
-              <a:uFillTx/>
+            <a:endParaRPr lang="ru-RU" sz="3200" b="1" dirty="0">
               <a:latin typeface="+mn-lt"/>
-              <a:ea typeface="+mn-ea"/>
               <a:cs typeface="+mn-cs"/>
             </a:endParaRPr>
           </a:p>
           <a:p>
-            <a:pPr marL="0" marR="0" lvl="0" indent="0" algn="l" defTabSz="914400" rtl="0" eaLnBrk="1" fontAlgn="auto" latinLnBrk="0" hangingPunct="1">
-              <a:lnSpc>
-                <a:spcPct val="100000"/>
-              </a:lnSpc>
+            <a:pPr fontAlgn="auto">
               <a:spcBef>
                 <a:spcPct val="20000"/>
               </a:spcBef>
               <a:spcAft>
                 <a:spcPts val="0"/>
               </a:spcAft>
-              <a:buClrTx/>
-              <a:buSzTx/>
               <a:buFont typeface="Arial" pitchFamily="34" charset="0"/>
               <a:buNone/>
-              <a:tabLst/>
               <a:defRPr/>
             </a:pPr>
             <a:r>
-              <a:rPr kumimoji="0" lang="ru-RU" sz="3200" b="0" i="0" u="none" strike="noStrike" kern="1200" cap="none" spc="0" normalizeH="0" baseline="0" noProof="0" dirty="0" smtClean="0">
-                <a:ln>
-                  <a:noFill/>
-                </a:ln>
-                <a:solidFill>
-                  <a:schemeClr val="tx1"/>
-                </a:solidFill>
-                <a:effectLst/>
-                <a:uLnTx/>
-                <a:uFillTx/>
+              <a:rPr lang="ru-RU" sz="3200" dirty="0">
                 <a:latin typeface="+mn-lt"/>
-                <a:ea typeface="+mn-ea"/>
                 <a:cs typeface="+mn-cs"/>
               </a:rPr>
               <a:t>Студент группы </a:t>
             </a:r>
             <a:r>
-              <a:rPr kumimoji="0" lang="ru-RU" sz="3200" b="0" i="0" u="none" strike="noStrike" kern="1200" cap="none" spc="0" normalizeH="0" baseline="0" noProof="0" dirty="0" smtClean="0">
-                <a:ln>
-                  <a:noFill/>
-                </a:ln>
-                <a:solidFill>
-                  <a:schemeClr val="tx1"/>
-                </a:solidFill>
-                <a:effectLst/>
-                <a:uLnTx/>
-                <a:uFillTx/>
+              <a:rPr lang="ru-RU" sz="3200" dirty="0" smtClean="0">
                 <a:latin typeface="+mn-lt"/>
-                <a:ea typeface="+mn-ea"/>
                 <a:cs typeface="+mn-cs"/>
               </a:rPr>
               <a:t>КБ-</a:t>
             </a:r>
             <a:r>
-              <a:rPr kumimoji="0" lang="en-US" sz="3200" b="0" i="0" u="none" strike="noStrike" kern="1200" cap="none" spc="0" normalizeH="0" baseline="0" noProof="0" dirty="0" smtClean="0">
-                <a:ln>
-                  <a:noFill/>
-                </a:ln>
-                <a:solidFill>
-                  <a:schemeClr val="tx1"/>
-                </a:solidFill>
-                <a:effectLst/>
-                <a:uLnTx/>
-                <a:uFillTx/>
+              <a:rPr lang="en-US" sz="3200" dirty="0" smtClean="0">
                 <a:latin typeface="+mn-lt"/>
-                <a:ea typeface="+mn-ea"/>
                 <a:cs typeface="+mn-cs"/>
               </a:rPr>
-              <a:t>5</a:t>
-            </a:r>
-            <a:r>
-              <a:rPr kumimoji="0" lang="ru-RU" sz="3200" b="0" i="0" u="none" strike="noStrike" kern="1200" cap="none" spc="0" normalizeH="0" baseline="0" noProof="0" dirty="0" smtClean="0">
-                <a:ln>
-                  <a:noFill/>
-                </a:ln>
-                <a:solidFill>
-                  <a:schemeClr val="tx1"/>
-                </a:solidFill>
-                <a:effectLst/>
-                <a:uLnTx/>
-                <a:uFillTx/>
+              <a:t>6</a:t>
+            </a:r>
+            <a:r>
+              <a:rPr lang="ru-RU" sz="3200" dirty="0" smtClean="0">
                 <a:latin typeface="+mn-lt"/>
-                <a:ea typeface="+mn-ea"/>
                 <a:cs typeface="+mn-cs"/>
               </a:rPr>
               <a:t>1 </a:t>
             </a:r>
             <a:r>
-              <a:rPr kumimoji="0" lang="ru-RU" sz="3200" b="0" i="0" u="none" strike="noStrike" kern="1200" cap="none" spc="0" normalizeH="0" baseline="0" noProof="0" dirty="0" smtClean="0">
-                <a:ln>
-                  <a:noFill/>
-                </a:ln>
-                <a:solidFill>
-                  <a:schemeClr val="tx1"/>
-                </a:solidFill>
-                <a:effectLst/>
-                <a:uLnTx/>
-                <a:uFillTx/>
+              <a:rPr lang="ru-RU" sz="3200" dirty="0">
                 <a:latin typeface="+mn-lt"/>
-                <a:ea typeface="+mn-ea"/>
                 <a:cs typeface="+mn-cs"/>
               </a:rPr>
               <a:t>СО</a:t>
             </a:r>
-            <a:endParaRPr kumimoji="0" lang="ru-RU" sz="3200" b="1" i="0" u="none" strike="noStrike" kern="1200" cap="none" spc="0" normalizeH="0" baseline="0" noProof="0" dirty="0" smtClean="0">
-              <a:ln>
-                <a:noFill/>
-              </a:ln>
-              <a:solidFill>
-                <a:schemeClr val="tx1"/>
-              </a:solidFill>
-              <a:effectLst/>
-              <a:uLnTx/>
-              <a:uFillTx/>
+            <a:endParaRPr lang="ru-RU" sz="3200" b="1" dirty="0">
               <a:latin typeface="+mn-lt"/>
-              <a:ea typeface="+mn-ea"/>
               <a:cs typeface="+mn-cs"/>
             </a:endParaRPr>
           </a:p>
           <a:p>
-            <a:pPr marL="0" marR="0" lvl="0" indent="0" algn="l" defTabSz="914400" rtl="0" eaLnBrk="1" fontAlgn="auto" latinLnBrk="0" hangingPunct="1">
-              <a:lnSpc>
-                <a:spcPct val="100000"/>
-              </a:lnSpc>
+            <a:pPr fontAlgn="auto">
               <a:spcBef>
                 <a:spcPct val="20000"/>
               </a:spcBef>
               <a:spcAft>
                 <a:spcPts val="0"/>
               </a:spcAft>
-              <a:buClrTx/>
-              <a:buSzTx/>
               <a:buFont typeface="Arial" pitchFamily="34" charset="0"/>
               <a:buNone/>
-              <a:tabLst/>
               <a:defRPr/>
             </a:pPr>
             <a:r>
-              <a:rPr lang="ru-RU" sz="3200" dirty="0" smtClean="0"/>
+              <a:rPr lang="ru-RU" sz="3200" dirty="0">
+                <a:latin typeface="+mn-lt"/>
+                <a:cs typeface="+mn-cs"/>
+              </a:rPr>
               <a:t>С.М. Соловьев</a:t>
             </a:r>
-            <a:endParaRPr kumimoji="0" lang="ru-RU" sz="3200" b="1" i="0" u="none" strike="noStrike" kern="1200" cap="none" spc="0" normalizeH="0" baseline="0" noProof="0" dirty="0">
-              <a:ln>
-                <a:noFill/>
-              </a:ln>
-              <a:solidFill>
-                <a:schemeClr val="tx1"/>
-              </a:solidFill>
-              <a:effectLst/>
-              <a:uLnTx/>
-              <a:uFillTx/>
+            <a:endParaRPr lang="ru-RU" sz="3200" b="1" dirty="0">
               <a:latin typeface="+mn-lt"/>
-              <a:ea typeface="+mn-ea"/>
               <a:cs typeface="+mn-cs"/>
             </a:endParaRPr>
           </a:p>
@@ -3452,7 +3781,7 @@
       </p:sp>
       <p:sp>
         <p:nvSpPr>
-          <p:cNvPr id="5" name="TextBox 1"/>
+          <p:cNvPr id="2052" name="TextBox 1"/>
           <p:cNvSpPr txBox="1">
             <a:spLocks noChangeArrowheads="1"/>
           </p:cNvSpPr>
@@ -3460,7 +3789,7 @@
         </p:nvSpPr>
         <p:spPr bwMode="auto">
           <a:xfrm>
-            <a:off x="3203848" y="6093296"/>
+            <a:off x="3203575" y="6092825"/>
             <a:ext cx="2159000" cy="369888"/>
           </a:xfrm>
           <a:prstGeom prst="rect">
@@ -3482,18 +3811,20 @@
           <a:p>
             <a:pPr algn="ctr"/>
             <a:r>
-              <a:rPr lang="ru-RU" altLang="ru-RU" dirty="0"/>
-              <a:t>Ярославль </a:t>
-            </a:r>
-            <a:r>
-              <a:rPr lang="ru-RU" altLang="ru-RU" dirty="0" smtClean="0"/>
-              <a:t>201</a:t>
-            </a:r>
-            <a:r>
-              <a:rPr lang="en-US" altLang="ru-RU" dirty="0" smtClean="0"/>
+              <a:rPr lang="ru-RU" altLang="ru-RU">
+                <a:latin typeface="Calibri" pitchFamily="34" charset="0"/>
+              </a:rPr>
+              <a:t>Ярославль 201</a:t>
+            </a:r>
+            <a:r>
+              <a:rPr lang="en-US" altLang="ru-RU">
+                <a:latin typeface="Calibri" pitchFamily="34" charset="0"/>
+              </a:rPr>
               <a:t>7</a:t>
             </a:r>
-            <a:endParaRPr lang="ru-RU" altLang="ru-RU" dirty="0"/>
+            <a:endParaRPr lang="ru-RU" altLang="ru-RU">
+              <a:latin typeface="Calibri" pitchFamily="34" charset="0"/>
+            </a:endParaRPr>
           </a:p>
         </p:txBody>
       </p:sp>
@@ -3531,7 +3862,7 @@
       </p:grpSpPr>
       <p:sp>
         <p:nvSpPr>
-          <p:cNvPr id="2" name="Заголовок 1"/>
+          <p:cNvPr id="11266" name="Заголовок 1"/>
           <p:cNvSpPr>
             <a:spLocks noGrp="1"/>
           </p:cNvSpPr>
@@ -3545,16 +3876,15 @@
           <a:lstStyle/>
           <a:p>
             <a:r>
-              <a:rPr lang="ru-RU" dirty="0" smtClean="0"/>
+              <a:rPr lang="ru-RU" smtClean="0"/>
               <a:t>Результаты проекта</a:t>
             </a:r>
-            <a:endParaRPr lang="ru-RU" dirty="0"/>
-          </a:p>
-        </p:txBody>
-      </p:sp>
-      <p:sp>
-        <p:nvSpPr>
-          <p:cNvPr id="3" name="Содержимое 2"/>
+          </a:p>
+        </p:txBody>
+      </p:sp>
+      <p:sp>
+        <p:nvSpPr>
+          <p:cNvPr id="11267" name="Содержимое 2"/>
           <p:cNvSpPr>
             <a:spLocks noGrp="1"/>
           </p:cNvSpPr>
@@ -3575,14 +3905,31 @@
           <a:p>
             <a:r>
               <a:rPr lang="ru-RU" dirty="0" smtClean="0"/>
-              <a:t>Определены основные механизмы определения направленности взгляда</a:t>
-            </a:r>
-            <a:endParaRPr lang="ru-RU" dirty="0" smtClean="0"/>
-          </a:p>
-          <a:p>
+              <a:t>Найдены </a:t>
+            </a:r>
             <a:r>
               <a:rPr lang="ru-RU" dirty="0" smtClean="0"/>
-              <a:t>Реализован прототип системы управления ПК</a:t>
+              <a:t>основные механизмы определения направленности взгляда</a:t>
+            </a:r>
+          </a:p>
+          <a:p>
+            <a:r>
+              <a:rPr lang="ru-RU" dirty="0" smtClean="0"/>
+              <a:t>Реализован прототип системы управления </a:t>
+            </a:r>
+            <a:r>
+              <a:rPr lang="ru-RU" dirty="0" smtClean="0"/>
+              <a:t>ПК</a:t>
+            </a:r>
+          </a:p>
+          <a:p>
+            <a:r>
+              <a:rPr lang="ru-RU" dirty="0" smtClean="0"/>
+              <a:t>Проведен анализ </a:t>
+            </a:r>
+            <a:r>
+              <a:rPr lang="ru-RU" dirty="0" smtClean="0"/>
+              <a:t>алгоритмов управления ПК.</a:t>
             </a:r>
             <a:endParaRPr lang="ru-RU" dirty="0" smtClean="0"/>
           </a:p>
@@ -3593,6 +3940,13 @@
   <p:clrMapOvr>
     <a:masterClrMapping/>
   </p:clrMapOvr>
+  <p:timing>
+    <p:tnLst>
+      <p:par>
+        <p:cTn id="1" dur="indefinite" restart="never" nodeType="tmRoot"/>
+      </p:par>
+    </p:tnLst>
+  </p:timing>
 </p:sld>
 </file>
 
@@ -3615,7 +3969,7 @@
       </p:grpSpPr>
       <p:sp>
         <p:nvSpPr>
-          <p:cNvPr id="2" name="Заголовок 1"/>
+          <p:cNvPr id="12290" name="Заголовок 1"/>
           <p:cNvSpPr>
             <a:spLocks noGrp="1"/>
           </p:cNvSpPr>
@@ -3632,13 +3986,12 @@
               <a:rPr lang="ru-RU" dirty="0" smtClean="0"/>
               <a:t>Развитие проекта</a:t>
             </a:r>
-            <a:endParaRPr lang="ru-RU" dirty="0"/>
-          </a:p>
-        </p:txBody>
-      </p:sp>
-      <p:sp>
-        <p:nvSpPr>
-          <p:cNvPr id="3" name="Содержимое 2"/>
+          </a:p>
+        </p:txBody>
+      </p:sp>
+      <p:sp>
+        <p:nvSpPr>
+          <p:cNvPr id="12291" name="Содержимое 2"/>
           <p:cNvSpPr>
             <a:spLocks noGrp="1"/>
           </p:cNvSpPr>
@@ -3652,6 +4005,7 @@
           <a:lstStyle/>
           <a:p>
             <a:pPr>
+              <a:buFont typeface="Arial" charset="0"/>
               <a:buNone/>
             </a:pPr>
             <a:r>
@@ -3662,20 +4016,39 @@
           <a:p>
             <a:r>
               <a:rPr lang="ru-RU" dirty="0" smtClean="0"/>
-              <a:t>Добавить калибровку в существующий проект</a:t>
+              <a:t>Реализация приложения для чтения книг, статей</a:t>
             </a:r>
             <a:endParaRPr lang="en-US" dirty="0" smtClean="0"/>
           </a:p>
           <a:p>
             <a:r>
               <a:rPr lang="ru-RU" dirty="0" smtClean="0"/>
-              <a:t>Произвести сравнительный анализ точности с другими алгоритмами</a:t>
-            </a:r>
-          </a:p>
-          <a:p>
+              <a:t>Произвести сравнительный анализ точности с </a:t>
+            </a:r>
             <a:r>
               <a:rPr lang="ru-RU" dirty="0" smtClean="0"/>
-              <a:t>Разработать обучающее приложение</a:t>
+              <a:t>алгоритмом построенном на нейронной сети</a:t>
+            </a:r>
+            <a:endParaRPr lang="ru-RU" dirty="0" smtClean="0"/>
+          </a:p>
+          <a:p>
+            <a:r>
+              <a:rPr lang="ru-RU" dirty="0" smtClean="0"/>
+              <a:t>Разработать обучающее </a:t>
+            </a:r>
+            <a:r>
+              <a:rPr lang="ru-RU" dirty="0" smtClean="0"/>
+              <a:t>приложение</a:t>
+            </a:r>
+          </a:p>
+          <a:p>
+            <a:r>
+              <a:rPr lang="ru-RU" dirty="0" smtClean="0"/>
+              <a:t>Внедрить приложение в мед. </a:t>
+            </a:r>
+            <a:r>
+              <a:rPr lang="ru-RU" dirty="0" err="1" smtClean="0"/>
+              <a:t>учереждение</a:t>
             </a:r>
             <a:endParaRPr lang="ru-RU" dirty="0" smtClean="0"/>
           </a:p>
@@ -3718,7 +4091,7 @@
       </p:grpSpPr>
       <p:sp>
         <p:nvSpPr>
-          <p:cNvPr id="2" name="Заголовок 1"/>
+          <p:cNvPr id="13314" name="Заголовок 1"/>
           <p:cNvSpPr>
             <a:spLocks noGrp="1"/>
           </p:cNvSpPr>
@@ -3728,7 +4101,7 @@
         </p:nvSpPr>
         <p:spPr>
           <a:xfrm>
-            <a:off x="467544" y="2564904"/>
+            <a:off x="468313" y="2565400"/>
             <a:ext cx="8229600" cy="1143000"/>
           </a:xfrm>
         </p:spPr>
@@ -3737,10 +4110,9 @@
           <a:lstStyle/>
           <a:p>
             <a:r>
-              <a:rPr lang="ru-RU" dirty="0" smtClean="0"/>
+              <a:rPr lang="ru-RU" smtClean="0"/>
               <a:t>Спасибо за внимание</a:t>
             </a:r>
-            <a:endParaRPr lang="ru-RU" dirty="0"/>
           </a:p>
         </p:txBody>
       </p:sp>
@@ -3778,7 +4150,7 @@
       </p:grpSpPr>
       <p:sp>
         <p:nvSpPr>
-          <p:cNvPr id="2" name="Заголовок 1"/>
+          <p:cNvPr id="3074" name="Заголовок 1"/>
           <p:cNvSpPr>
             <a:spLocks noGrp="1"/>
           </p:cNvSpPr>
@@ -3788,22 +4160,19 @@
         </p:nvSpPr>
         <p:spPr/>
         <p:txBody>
-          <a:bodyPr>
-            <a:normAutofit/>
-          </a:bodyPr>
-          <a:lstStyle/>
-          <a:p>
-            <a:r>
-              <a:rPr lang="ru-RU" dirty="0" smtClean="0"/>
+          <a:bodyPr/>
+          <a:lstStyle/>
+          <a:p>
+            <a:r>
+              <a:rPr lang="ru-RU" smtClean="0"/>
               <a:t>Цель работы</a:t>
             </a:r>
-            <a:endParaRPr lang="ru-RU" dirty="0"/>
-          </a:p>
-        </p:txBody>
-      </p:sp>
-      <p:sp>
-        <p:nvSpPr>
-          <p:cNvPr id="3" name="Содержимое 2"/>
+          </a:p>
+        </p:txBody>
+      </p:sp>
+      <p:sp>
+        <p:nvSpPr>
+          <p:cNvPr id="3075" name="Содержимое 2"/>
           <p:cNvSpPr>
             <a:spLocks noGrp="1"/>
           </p:cNvSpPr>
@@ -3813,7 +4182,7 @@
         </p:nvSpPr>
         <p:spPr>
           <a:xfrm>
-            <a:off x="457200" y="1628800"/>
+            <a:off x="457200" y="1628775"/>
             <a:ext cx="8229600" cy="4525963"/>
           </a:xfrm>
         </p:spPr>
@@ -3821,28 +4190,27 @@
           <a:bodyPr/>
           <a:lstStyle/>
           <a:p>
-            <a:pPr lvl="0"/>
             <a:r>
               <a:rPr lang="ru-RU" dirty="0" smtClean="0"/>
               <a:t>Спроектировать приложение для управления ПК взглядом.</a:t>
             </a:r>
           </a:p>
           <a:p>
-            <a:pPr lvl="0"/>
             <a:r>
               <a:rPr lang="ru-RU" dirty="0" smtClean="0"/>
               <a:t>Разработать прототип приложения.</a:t>
             </a:r>
           </a:p>
           <a:p>
-            <a:pPr lvl="0"/>
             <a:r>
               <a:rPr lang="ru-RU" dirty="0" smtClean="0"/>
-              <a:t>Спланировать дальнейшее развитие приложения.</a:t>
-            </a:r>
+              <a:t>Провести анализ работы алгоритмов управления ПК.</a:t>
+            </a:r>
+            <a:endParaRPr lang="ru-RU" dirty="0" smtClean="0"/>
           </a:p>
           <a:p>
             <a:pPr>
+              <a:buFont typeface="Arial" charset="0"/>
               <a:buNone/>
             </a:pPr>
             <a:endParaRPr lang="ru-RU" dirty="0" smtClean="0"/>
@@ -3851,7 +4219,7 @@
             <a:endParaRPr lang="ru-RU" dirty="0" smtClean="0"/>
           </a:p>
           <a:p>
-            <a:endParaRPr lang="ru-RU" dirty="0"/>
+            <a:endParaRPr lang="ru-RU" dirty="0" smtClean="0"/>
           </a:p>
         </p:txBody>
       </p:sp>
@@ -3889,7 +4257,7 @@
       </p:grpSpPr>
       <p:sp>
         <p:nvSpPr>
-          <p:cNvPr id="2" name="Заголовок 1"/>
+          <p:cNvPr id="4098" name="Заголовок 1"/>
           <p:cNvSpPr>
             <a:spLocks noGrp="1"/>
           </p:cNvSpPr>
@@ -3899,22 +4267,19 @@
         </p:nvSpPr>
         <p:spPr/>
         <p:txBody>
-          <a:bodyPr>
-            <a:normAutofit/>
-          </a:bodyPr>
-          <a:lstStyle/>
-          <a:p>
-            <a:r>
-              <a:rPr lang="ru-RU" dirty="0" smtClean="0"/>
+          <a:bodyPr/>
+          <a:lstStyle/>
+          <a:p>
+            <a:r>
+              <a:rPr lang="ru-RU" smtClean="0"/>
               <a:t>Введение в биологию</a:t>
             </a:r>
-            <a:endParaRPr lang="ru-RU" dirty="0"/>
-          </a:p>
-        </p:txBody>
-      </p:sp>
-      <p:sp>
-        <p:nvSpPr>
-          <p:cNvPr id="2050" name="AutoShape 2" descr="data:image/jpeg;base64,/9j/4AAQSkZJRgABAQAAAQABAAD/2wCEAAkGBxAQDxAPDxAVFRUQFRUWEhUYEhYWGBUSFRUWGBUWFxgYHSggGBolGxUWIzEhJiktLi4uFx8zODMtNygtLisBCgoKDg0OGBAQGC0mHx0rLTcrLSstLSstKystNjcrKystLSstLSstLSsrNy0rLS0tKysrMSs3ListLTctLSsrK//AABEIALcBEwMBIgACEQEDEQH/xAAcAAEAAgMBAQEAAAAAAAAAAAAAAQUCBAYHAwj/xABIEAABAwICBQgGBQkHBQAAAAABAAIDBBEFIQYSMUFREyJhcYGRsfAHMkJSYqEUI3KC0SQzc5KissHh8SU0Q2OTs8IVFlOU0//EABkBAQEAAwEAAAAAAAAAAAAAAAABAgMEBf/EAC4RAQACAgAEAwcDBQAAAAAAAAABAgMRBBIx8CFBcRMiMmGRseFTgaEUI0JRUv/aAAwDAQACEQMRAD8A9xREQEREBERAREQEREBERAREQEREBERAREQEREBERAREQEREBERAREQEREBERAREQEREBERAREQEREBERARatfXxQN15Xho69q4nHPSE1jSYy1jB7bzbuv4IO+e8NzJA6zZac2LQN2yBeFYt6TNYnkxJMeN+TZ3nM9ypotKcVqSRSxDbb6qB0rh1k3HyCuh+hzj8G4nuWbcbiPHuXgLcP0leL/Xj/Qj/AHrLNmF6TtzDp/8AVp3fLWKvKP0CzEoj7S2WTNOwhfnV+M6R0mcrJXD/ADKQOb2vjaLd63cJ9LkjbfSaW43vgfv+w8/8lND9AIuF0a09pauwgna92+N3MkH3XZnsyXYUteyTfY8CoNpFCIJRQiCUUKUBERAREQEREBERAREQEREBERAREQEREBczpVpbHRgxss+U7G7m9JXx030qFIzkYiDM8fqDieleA4ti01XLyMBc/lHWLhm6Vx9lvw+PVtC20n03klkdqu5R+d3E/Vs6vePm+5amH6JVNUW1FbLyTHZtdICXuH+VCLZdJ1R1q3wXBIaGznBktQLcHRQH4Rskk+I5DcDtVk6oc5xc9xLjtJNz3qxA+mG4NQU9uTphI4f4k9pD1iP1G9x61eDEZCAC8gDY0c0D7rclRskX1bMuimPbLS5ZOtqKdcZX6UUtOdWWUaw2taNYjrAvbtXypNPKFzg3lS2+9zCB32yWzlrHhMq9GgqyNjiOokL44jhlLVj8qpo5CfbLdWQdUjbO+aq6Sta9ocxwc1wuCDcEdBG1WUEywvj0mnE4/wCisH6zDpTrDMRSkNdcbOTlFhfhrW61X4LpzXYdL9GxKOSRrLAlwtPGNxufzg6zc8SvVYnrWxzBaeui5KpZew5kjbCSM8WO4fCbg8FzzCLnR7SWKoiZJHIJI3+q8buhwOYI3g5hdG1wIuF+bqmkrsAqg+Mh8UnWIqho2gjPUkA7R0jb7FodpTFVQtmiddjsnNPrRvG1jhuIuOsEEZEKI7BFAN80UEoiIClQiCUREBERAREQEREBERAREQEREBVekeLtpKd0pzdsYOLzsVovH/SfpDd0jgbsg5kY3OkOXj8gUHAaY4zJNK+LWLnyG8ztpz2MHSfC3FXGD4YKKO1vyh4tK7byLD/hN+L3iPs7Ab1mheHkufWyZlriIr+1Oc3P+4CLfE4e6r97EHw8+fxWQf58+KhzfPncvm4+fO9bKQr7iRVeLVMsskVFTu1XzXL5NvJQj1nZb8iB3bSFt6/nztWlo+8nE6k5XbEwAnhkSO/wXXrVdR5sp6OnwfDqeiZq00YBtnLYGRx3lz93ULBb1ZNyrXMnY2RpGbXND29ZBWmH5ZZXBJvv6k19pzAsLg7T1KxSNa0wcrVObhFZGYnn6LUk8pFckQuuBrtJz1c/kQb5L0OllXjmlda6cyvuAxrtVjT62qNh7Tn2r0/R6Yup6dx2uijJ6y0LKcfL7vy2yh1NO9brCqylcrGNceSPFJYYjQRVML4J2a0b9o3gjY9p9lw3H+C8kZ9IwHETe74n217DKaC51ZGjc9ueXEEbDdeyBUmmOAiupXRgfWx3fAfitzmdTgLdeqdy1wOr0fxNkrGarw5j2h0bgcnNIuLdiul4h6Kcbc0voHk8y8lPfaBf6yPsJuB0u4L2qlm12B3Hb1qTGkl9URFBKIiCUREBERAREQEREBERAREQEREFfjtZyNNJINtrN+0cgvz/AKXwvmmjgYCdTnEcZH5NHXb95e16aSXbHHxJcezIeK4umwYA/SHDNzi4eDO7moKuGgEMccDfVibq34nMvd2uLj95YPiV06n8/NfCSm8+elBRyR+fPBakrVeTU3nz0qvqIFtxrCqcVraMtJxKq5ut9UzLsC+UOI8pK6LUI1S4Xvt1TbhvWzoo1v8A1Gp1ta3JM9Xau+td8vq2VjcxDqAy4y59mm49xVukEpELg062uADJ/wCNvtHzxV46Pmt18hqHV1Np+2qHFYi+Vxf61oxGG/myL5a/au7HhiZb64duLxql/J5XhuuAfzvYMrL0bRv+7U/6KP8AcC5PSmlAp6jXuH3GTb8nsHzV7BiX0Wggm1C+0cI1QbbWtG1auJrrJ+zXkpyy7alKsolzmi+J/Sqdk+oWaxcNUm9tVxbtt0XXRxLysvVpl9gslipWhHlWmlMaDE2VkQyc4TtA43tOztu7/UXsuj1WHDmm7XgOYeIIv4FcD6TKMPpGS74ZB+pINU/taisfRrXF1FTE7YiYj1McQ39nVWdo3WJWem3o6IiwYilQpCgKVCkICIiAiIgIiICIiAiIgIoRBy+krdacDg0DvumMUwYyNoH9AP5r64q29Qfu+AWxjwuY+o/wQc2YF8nU/n5q15NYmLz2IKSWlVdU0a6l8K056dbKdVh5Bhkd6yVvTN8nq80PjIxOps8M+qZmR0DJV2BN/tOZp3uqAOx5PgF0OjkRbi1Q3UDi+NpAOywAzXp4fJ0YI3eF5UN1WENPJF8ZuXZ8px1fO9V5pQA9rW8m0hl4nZuk+yd3BW07dthypa0tcCMos9o87liWAkgXkFma0pHOjtwXp01Ed99+D1601Dl9K6fVoqlrSI23/Mkc7dndaeKj+yovsweDVe6YMtQzu1Q9r3WbKfWOwKgxp9sNjYdtoR2gfyXHxUxvfy776vP4yNWj0dN6O/7hF9qX/ccuxiXD6Ay2oYx8Un+45dbHOvJydXDKwumstQTpyvnsWhGnpawPoKoHdGXdrCHj5tCovRnJaGobwlDv1o2j/grnSKT8jqv0MvzYVQej42ZUdLmfulboj+3Pqzj4ZexxOu1p4gH5LNfCiP1cf2W+AX3C0tYiIoJQIgQSiIgIiICIiAiIgKERARFCoosVbaYnoafPcvtiwvqHrHeL/wAExplnMdxBHaMx4lRUu1oGu921/A/JFaNkIRRdEYuWrOFtFfGQLKqvINLInUWJioaOa8iVvSDzZW9e39YK8xGJz+SrqQ6zmNvZu2SA5kDeSLk225neF0elGBMrITE46rmnWjf7r+n4TsP4gLzWgxOpwuV1PPG4sBuWXzbf24nbCD3HoN124smmylprMTD0PDcYp6ljnRSCI6oBZfNx6eKsK17Wa5mnawagyGQcBuK5BtXhlYdcuYHnaQ/kZCfiacnHpt2r5VlPQR857i62zlKkW7mgE967Yzx3p6McdGvGPFjjmItrXjk26lPEQX8HvGxoG+/hc8FzmkFaZXshbmWm5A3vdk1vXn+0ssXx8O5kFrNyaQ3VYwfA3eenxWxgeFGK00w55zjadov7buB4DpvwXLly7cOXLOS25dXg7RDFHED6jQCeJ2uPffvVvFU+fmucglW9FP589K4bztoXrZ19BMqdk/nz0r7Nm8/L8VgGk1Tajm+IBv67gPArT0NbqwyH35MuoNaPEnuWlpRU3EUQPrOLz9losPmR3K+0Ypf7tDvJBd94657gbdi361h9ZbOlPWXp1O2zGjg0D5L6hQpC52tKIiiJQIpCAiIgIiICIiAiIghEQoIREVGji8WtESNrOd2Db8rrSoXBzHRnYR8irkrnC0wylm4Zt6WHZ3bOxWFfGInNp2sJa7rG/tFj2rJY4ueTe2f2H2bL0e6/q3HoPQpVtGlmArFylQVEfB7FXYphUNSzk54mvaNl8i08WuGbexWxCwLVnFtK81xz0ewMjlmime0Rtc/UewPvqgmwcLcOC5rRbRuOr5Rxk1BHq5BmsXa19mYtsXrukLPyOq/Qy/uOXn/owbdlV1xeD1n7Q23KbA6emziYS8bJJLOcOlrQLNPTa/SvnLHmSe3+f4LoKqLz/RVc8fnzsWM2Gi3Lz5zX3ZIsHt8+dgWF/PnwWCN5kvnzwX3ZJ589CrmuWtiVUbCFh50m34Wbz1nzsVpSbWiseaxG51DKl/KakvPqbB+iZcuPbnbrC9F0HpzJM+cjJgsPtO/l4riaKn5KNrGjny6uXCP2B942d1Bq9a0dw76PTsj9o85/2jtW7iJjcUjpXuWeWY3yx5LRSFAUhczWlERREqVClAREQEREBERAREQQiIghQpUFUQVXYvSGRgcwc9mbekb29viArErFFc7TyNkjMbhcOBFj8welUtNUGnkFNMeacoHneN0bjxG7j17egxehLHGaMXBzkaNv229PEb1V19KyqiLTZ2sP1ulvxLdjms+7ZspqfdlsKFzVPjD6R3JVhLo9jJ7XLR7so/5d/FdHHIHNDmkEOFwQbgjiCFL47UnUpek0nUpXnOlmEY9JWzPonTiA6nJ6lVCxuUbQ6zXSAjnB20L0ZFgweQSaPaSuBa81DmuBDmmspyCDkQfrdi1YNEschvyEUkWtbW1aqmF7bL2l6SvZ3rUmU0aeSP0f0g3mf/26f/6rqqaGRsMTZr8o1jRJchx1w0B13C4JvfMXXQVDfP8AVV07UFVIzz58Stdw8+fFb8rFUV9e1juTYNeQ+yN3S47llWs2nULETPhCKyqEYB2udkxu9x/gF9sIotVrqmozucx7790Y+EC1+A6SFOGYTYGpqnbcr2zJ9yIHx2Df09BgGDSYhMHObqQR5ADYG7dVvEned6651w8aj45/j8t86xRr/L7LbQTB3TSmtmFwCSy49Z3G3AL0NfKngbGxrGCzWiwHQvquJzpCyCxCyUBSFCkKIKVClAREQEREBERAREQFClQghCpUKjEqFkViUViVR4jhTmkyU425vj2Ani33XfIq9KxKo46eOKpa5sgs4ZOuMweD27+vxXLVOD1dATJSPswm5YefC49XsHuK9LxDC45szdrxse3Jw/EdBVPLTVMF+byjfeZk63xMOR7O5dOPiJrHLaNx/qW+maYjltG476OTpdNWN5tZC+E+80GSM9w1h3dqvqHF6af8zPG/oa8EjrbtCwlgo57h7AHb9XmO7WOFvkqiu0DpZb2c3qewj5tv4LPl4e/S019fFlNMNultev4dK9akoXLnQOVv5uqLbbNWpe38Fg7Qic+vWPI6atx/ip/T1/UhPYx/3H1XVZKxgJe5rQN5cAucrdI6YG0bjK7hGNb9rZ8192aCU4OtLMwnjz5D4fxW9Hh1FAMmOefiIjb3NuT3p7PDX4r79IPZ4462+jmmMrax2oxhiafZbznkdLt3nNWVLhdPRjnASSe403aD/mPG3qb3roIKSqqRqQx6kZ22bybO07Xdt10WDaHxREPm+seN1uaD1b0niOWNYo18/NJyxHhSNfdzOC6Nz1rxNUXbGNgtbmjY1jdjWr0ejpWRMbHG0Na3YAvqBbIKVyNKVIUBZBRAKURRBSiIClQpQEREBERAREQEREBQpUIChSiCFiVkhVGChZEKLIrAhRZZqLKjUqqCKUWkja7rAVe/RyH/AA3yR9DZDbuNwruyWVVzztHn7qp3bGw+AWH/AG1IdtSeyNq6OymyDnWaKx+3NI7tDf3QrCkwOmiN2RNvxPOPeVZWRREALJFKCFNkAWQCgBSiIgpRFARFKAiIgIiICIiAiIgIiICIiCEREBQiICiyhFRFksiIqERFQRSiCFKIgKbIiglSiIgpRFAREQSiIgIiICIiAiIg/9k="/>
+          </a:p>
+        </p:txBody>
+      </p:sp>
+      <p:sp>
+        <p:nvSpPr>
+          <p:cNvPr id="4099" name="AutoShape 2" descr="data:image/jpeg;base64,/9j/4AAQSkZJRgABAQAAAQABAAD/2wCEAAkGBxAQDxAPDxAVFRUQFRUWEhUYEhYWGBUSFRUWGBUWFxgYHSggGBolGxUWIzEhJiktLi4uFx8zODMtNygtLisBCgoKDg0OGBAQGC0mHx0rLTcrLSstLSstKystNjcrKystLSstLSstLSsrNy0rLS0tKysrMSs3ListLTctLSsrK//AABEIALcBEwMBIgACEQEDEQH/xAAcAAEAAgMBAQEAAAAAAAAAAAAAAQUCBAYHAwj/xABIEAABAwICBQgGBQkHBQAAAAABAAIDBBEFIQYSMUFREyJhcYGRsfAHMkJSYqEUI3KC0SQzc5KissHh8SU0Q2OTs8IVFlOU0//EABkBAQEAAwEAAAAAAAAAAAAAAAABAgMEBf/EAC4RAQACAgAEAwcDBQAAAAAAAAABAgMRBBIx8CFBcRMiMmGRseFTgaEUI0JRUv/aAAwDAQACEQMRAD8A9xREQEREBERAREQEREBERAREQEREBERAREQEREBERAREQEREBERAREQEREBERAREQEREBERAREQEREBERARatfXxQN15Xho69q4nHPSE1jSYy1jB7bzbuv4IO+e8NzJA6zZac2LQN2yBeFYt6TNYnkxJMeN+TZ3nM9ypotKcVqSRSxDbb6qB0rh1k3HyCuh+hzj8G4nuWbcbiPHuXgLcP0leL/Xj/Qj/AHrLNmF6TtzDp/8AVp3fLWKvKP0CzEoj7S2WTNOwhfnV+M6R0mcrJXD/ADKQOb2vjaLd63cJ9LkjbfSaW43vgfv+w8/8lND9AIuF0a09pauwgna92+N3MkH3XZnsyXYUteyTfY8CoNpFCIJRQiCUUKUBERAREQEREBERAREQEREBERAREQEREBczpVpbHRgxss+U7G7m9JXx030qFIzkYiDM8fqDieleA4ti01XLyMBc/lHWLhm6Vx9lvw+PVtC20n03klkdqu5R+d3E/Vs6vePm+5amH6JVNUW1FbLyTHZtdICXuH+VCLZdJ1R1q3wXBIaGznBktQLcHRQH4Rskk+I5DcDtVk6oc5xc9xLjtJNz3qxA+mG4NQU9uTphI4f4k9pD1iP1G9x61eDEZCAC8gDY0c0D7rclRskX1bMuimPbLS5ZOtqKdcZX6UUtOdWWUaw2taNYjrAvbtXypNPKFzg3lS2+9zCB32yWzlrHhMq9GgqyNjiOokL44jhlLVj8qpo5CfbLdWQdUjbO+aq6Sta9ocxwc1wuCDcEdBG1WUEywvj0mnE4/wCisH6zDpTrDMRSkNdcbOTlFhfhrW61X4LpzXYdL9GxKOSRrLAlwtPGNxufzg6zc8SvVYnrWxzBaeui5KpZew5kjbCSM8WO4fCbg8FzzCLnR7SWKoiZJHIJI3+q8buhwOYI3g5hdG1wIuF+bqmkrsAqg+Mh8UnWIqho2gjPUkA7R0jb7FodpTFVQtmiddjsnNPrRvG1jhuIuOsEEZEKI7BFAN80UEoiIClQiCUREBERAREQEREBERAREQEREBVekeLtpKd0pzdsYOLzsVovH/SfpDd0jgbsg5kY3OkOXj8gUHAaY4zJNK+LWLnyG8ztpz2MHSfC3FXGD4YKKO1vyh4tK7byLD/hN+L3iPs7Ab1mheHkufWyZlriIr+1Oc3P+4CLfE4e6r97EHw8+fxWQf58+KhzfPncvm4+fO9bKQr7iRVeLVMsskVFTu1XzXL5NvJQj1nZb8iB3bSFt6/nztWlo+8nE6k5XbEwAnhkSO/wXXrVdR5sp6OnwfDqeiZq00YBtnLYGRx3lz93ULBb1ZNyrXMnY2RpGbXND29ZBWmH5ZZXBJvv6k19pzAsLg7T1KxSNa0wcrVObhFZGYnn6LUk8pFckQuuBrtJz1c/kQb5L0OllXjmlda6cyvuAxrtVjT62qNh7Tn2r0/R6Yup6dx2uijJ6y0LKcfL7vy2yh1NO9brCqylcrGNceSPFJYYjQRVML4J2a0b9o3gjY9p9lw3H+C8kZ9IwHETe74n217DKaC51ZGjc9ueXEEbDdeyBUmmOAiupXRgfWx3fAfitzmdTgLdeqdy1wOr0fxNkrGarw5j2h0bgcnNIuLdiul4h6Kcbc0voHk8y8lPfaBf6yPsJuB0u4L2qlm12B3Hb1qTGkl9URFBKIiCUREBERAREQEREBERAREQEREFfjtZyNNJINtrN+0cgvz/AKXwvmmjgYCdTnEcZH5NHXb95e16aSXbHHxJcezIeK4umwYA/SHDNzi4eDO7moKuGgEMccDfVibq34nMvd2uLj95YPiV06n8/NfCSm8+elBRyR+fPBakrVeTU3nz0qvqIFtxrCqcVraMtJxKq5ut9UzLsC+UOI8pK6LUI1S4Xvt1TbhvWzoo1v8A1Gp1ta3JM9Xau+td8vq2VjcxDqAy4y59mm49xVukEpELg062uADJ/wCNvtHzxV46Pmt18hqHV1Np+2qHFYi+Vxf61oxGG/myL5a/au7HhiZb64duLxql/J5XhuuAfzvYMrL0bRv+7U/6KP8AcC5PSmlAp6jXuH3GTb8nsHzV7BiX0Wggm1C+0cI1QbbWtG1auJrrJ+zXkpyy7alKsolzmi+J/Sqdk+oWaxcNUm9tVxbtt0XXRxLysvVpl9gslipWhHlWmlMaDE2VkQyc4TtA43tOztu7/UXsuj1WHDmm7XgOYeIIv4FcD6TKMPpGS74ZB+pINU/taisfRrXF1FTE7YiYj1McQ39nVWdo3WJWem3o6IiwYilQpCgKVCkICIiAiIgIiICIiAiIgIoRBy+krdacDg0DvumMUwYyNoH9AP5r64q29Qfu+AWxjwuY+o/wQc2YF8nU/n5q15NYmLz2IKSWlVdU0a6l8K056dbKdVh5Bhkd6yVvTN8nq80PjIxOps8M+qZmR0DJV2BN/tOZp3uqAOx5PgF0OjkRbi1Q3UDi+NpAOywAzXp4fJ0YI3eF5UN1WENPJF8ZuXZ8px1fO9V5pQA9rW8m0hl4nZuk+yd3BW07dthypa0tcCMos9o87liWAkgXkFma0pHOjtwXp01Ed99+D1601Dl9K6fVoqlrSI23/Mkc7dndaeKj+yovsweDVe6YMtQzu1Q9r3WbKfWOwKgxp9sNjYdtoR2gfyXHxUxvfy776vP4yNWj0dN6O/7hF9qX/ccuxiXD6Ay2oYx8Un+45dbHOvJydXDKwumstQTpyvnsWhGnpawPoKoHdGXdrCHj5tCovRnJaGobwlDv1o2j/grnSKT8jqv0MvzYVQej42ZUdLmfulboj+3Pqzj4ZexxOu1p4gH5LNfCiP1cf2W+AX3C0tYiIoJQIgQSiIgIiICIiAiIgKERARFCoosVbaYnoafPcvtiwvqHrHeL/wAExplnMdxBHaMx4lRUu1oGu921/A/JFaNkIRRdEYuWrOFtFfGQLKqvINLInUWJioaOa8iVvSDzZW9e39YK8xGJz+SrqQ6zmNvZu2SA5kDeSLk225neF0elGBMrITE46rmnWjf7r+n4TsP4gLzWgxOpwuV1PPG4sBuWXzbf24nbCD3HoN124smmylprMTD0PDcYp6ljnRSCI6oBZfNx6eKsK17Wa5mnawagyGQcBuK5BtXhlYdcuYHnaQ/kZCfiacnHpt2r5VlPQR857i62zlKkW7mgE967Yzx3p6McdGvGPFjjmItrXjk26lPEQX8HvGxoG+/hc8FzmkFaZXshbmWm5A3vdk1vXn+0ssXx8O5kFrNyaQ3VYwfA3eenxWxgeFGK00w55zjadov7buB4DpvwXLly7cOXLOS25dXg7RDFHED6jQCeJ2uPffvVvFU+fmucglW9FP589K4bztoXrZ19BMqdk/nz0r7Nm8/L8VgGk1Tajm+IBv67gPArT0NbqwyH35MuoNaPEnuWlpRU3EUQPrOLz9losPmR3K+0Ypf7tDvJBd94657gbdi361h9ZbOlPWXp1O2zGjg0D5L6hQpC52tKIiiJQIpCAiIgIiICIiAiIghEQoIREVGji8WtESNrOd2Db8rrSoXBzHRnYR8irkrnC0wylm4Zt6WHZ3bOxWFfGInNp2sJa7rG/tFj2rJY4ueTe2f2H2bL0e6/q3HoPQpVtGlmArFylQVEfB7FXYphUNSzk54mvaNl8i08WuGbexWxCwLVnFtK81xz0ewMjlmime0Rtc/UewPvqgmwcLcOC5rRbRuOr5Rxk1BHq5BmsXa19mYtsXrukLPyOq/Qy/uOXn/owbdlV1xeD1n7Q23KbA6emziYS8bJJLOcOlrQLNPTa/SvnLHmSe3+f4LoKqLz/RVc8fnzsWM2Gi3Lz5zX3ZIsHt8+dgWF/PnwWCN5kvnzwX3ZJ589CrmuWtiVUbCFh50m34Wbz1nzsVpSbWiseaxG51DKl/KakvPqbB+iZcuPbnbrC9F0HpzJM+cjJgsPtO/l4riaKn5KNrGjny6uXCP2B942d1Bq9a0dw76PTsj9o85/2jtW7iJjcUjpXuWeWY3yx5LRSFAUhczWlERREqVClAREQEREBERAREQQiIghQpUFUQVXYvSGRgcwc9mbekb29viArErFFc7TyNkjMbhcOBFj8welUtNUGnkFNMeacoHneN0bjxG7j17egxehLHGaMXBzkaNv229PEb1V19KyqiLTZ2sP1ulvxLdjms+7ZspqfdlsKFzVPjD6R3JVhLo9jJ7XLR7so/5d/FdHHIHNDmkEOFwQbgjiCFL47UnUpek0nUpXnOlmEY9JWzPonTiA6nJ6lVCxuUbQ6zXSAjnB20L0ZFgweQSaPaSuBa81DmuBDmmspyCDkQfrdi1YNEschvyEUkWtbW1aqmF7bL2l6SvZ3rUmU0aeSP0f0g3mf/26f/6rqqaGRsMTZr8o1jRJchx1w0B13C4JvfMXXQVDfP8AVV07UFVIzz58Stdw8+fFb8rFUV9e1juTYNeQ+yN3S47llWs2nULETPhCKyqEYB2udkxu9x/gF9sIotVrqmozucx7790Y+EC1+A6SFOGYTYGpqnbcr2zJ9yIHx2Df09BgGDSYhMHObqQR5ADYG7dVvEned6651w8aj45/j8t86xRr/L7LbQTB3TSmtmFwCSy49Z3G3AL0NfKngbGxrGCzWiwHQvquJzpCyCxCyUBSFCkKIKVClAREQEREBERAREQFClQghCpUKjEqFkViUViVR4jhTmkyU425vj2Ani33XfIq9KxKo46eOKpa5sgs4ZOuMweD27+vxXLVOD1dATJSPswm5YefC49XsHuK9LxDC45szdrxse3Jw/EdBVPLTVMF+byjfeZk63xMOR7O5dOPiJrHLaNx/qW+maYjltG476OTpdNWN5tZC+E+80GSM9w1h3dqvqHF6af8zPG/oa8EjrbtCwlgo57h7AHb9XmO7WOFvkqiu0DpZb2c3qewj5tv4LPl4e/S019fFlNMNultev4dK9akoXLnQOVv5uqLbbNWpe38Fg7Qic+vWPI6atx/ip/T1/UhPYx/3H1XVZKxgJe5rQN5cAucrdI6YG0bjK7hGNb9rZ8192aCU4OtLMwnjz5D4fxW9Hh1FAMmOefiIjb3NuT3p7PDX4r79IPZ4462+jmmMrax2oxhiafZbznkdLt3nNWVLhdPRjnASSe403aD/mPG3qb3roIKSqqRqQx6kZ22bybO07Xdt10WDaHxREPm+seN1uaD1b0niOWNYo18/NJyxHhSNfdzOC6Nz1rxNUXbGNgtbmjY1jdjWr0ejpWRMbHG0Na3YAvqBbIKVyNKVIUBZBRAKURRBSiIClQpQEREBERAREQEREBQpUIChSiCFiVkhVGChZEKLIrAhRZZqLKjUqqCKUWkja7rAVe/RyH/AA3yR9DZDbuNwruyWVVzztHn7qp3bGw+AWH/AG1IdtSeyNq6OymyDnWaKx+3NI7tDf3QrCkwOmiN2RNvxPOPeVZWRREALJFKCFNkAWQCgBSiIgpRFARFKAiIgIiICIiAiIgIiICIiCEREBQiICiyhFRFksiIqERFQRSiCFKIgKbIiglSiIgpRFAREQSiIgIiICIiAiIg/9k="/>
           <p:cNvSpPr>
             <a:spLocks noChangeAspect="1" noChangeArrowheads="1"/>
           </p:cNvSpPr>
@@ -3929,22 +4294,26 @@
             <a:avLst/>
           </a:prstGeom>
           <a:noFill/>
-        </p:spPr>
-        <p:txBody>
-          <a:bodyPr vert="horz" wrap="square" lIns="91440" tIns="45720" rIns="91440" bIns="45720" numCol="1" anchor="t" anchorCtr="0" compatLnSpc="1">
-            <a:prstTxWarp prst="textNoShape">
-              <a:avLst/>
-            </a:prstTxWarp>
-          </a:bodyPr>
-          <a:lstStyle/>
-          <a:p>
-            <a:endParaRPr lang="ru-RU"/>
-          </a:p>
-        </p:txBody>
-      </p:sp>
-      <p:sp>
-        <p:nvSpPr>
-          <p:cNvPr id="2052" name="AutoShape 4" descr="data:image/jpeg;base64,/9j/4AAQSkZJRgABAQAAAQABAAD/2wCEAAkGBxAQDxAPDxAVFRUQFRUWEhUYEhYWGBUSFRUWGBUWFxgYHSggGBolGxUWIzEhJiktLi4uFx8zODMtNygtLisBCgoKDg0OGBAQGC0mHx0rLTcrLSstLSstKystNjcrKystLSstLSstLSsrNy0rLS0tKysrMSs3ListLTctLSsrK//AABEIALcBEwMBIgACEQEDEQH/xAAcAAEAAgMBAQEAAAAAAAAAAAAAAQUCBAYHAwj/xABIEAABAwICBQgGBQkHBQAAAAABAAIDBBEFIQYSMUFREyJhcYGRsfAHMkJSYqEUI3KC0SQzc5KissHh8SU0Q2OTs8IVFlOU0//EABkBAQEAAwEAAAAAAAAAAAAAAAABAgMEBf/EAC4RAQACAgAEAwcDBQAAAAAAAAABAgMRBBIx8CFBcRMiMmGRseFTgaEUI0JRUv/aAAwDAQACEQMRAD8A9xREQEREBERAREQEREBERAREQEREBERAREQEREBERAREQEREBERAREQEREBERAREQEREBERAREQEREBERARatfXxQN15Xho69q4nHPSE1jSYy1jB7bzbuv4IO+e8NzJA6zZac2LQN2yBeFYt6TNYnkxJMeN+TZ3nM9ypotKcVqSRSxDbb6qB0rh1k3HyCuh+hzj8G4nuWbcbiPHuXgLcP0leL/Xj/Qj/AHrLNmF6TtzDp/8AVp3fLWKvKP0CzEoj7S2WTNOwhfnV+M6R0mcrJXD/ADKQOb2vjaLd63cJ9LkjbfSaW43vgfv+w8/8lND9AIuF0a09pauwgna92+N3MkH3XZnsyXYUteyTfY8CoNpFCIJRQiCUUKUBERAREQEREBERAREQEREBERAREQEREBczpVpbHRgxss+U7G7m9JXx030qFIzkYiDM8fqDieleA4ti01XLyMBc/lHWLhm6Vx9lvw+PVtC20n03klkdqu5R+d3E/Vs6vePm+5amH6JVNUW1FbLyTHZtdICXuH+VCLZdJ1R1q3wXBIaGznBktQLcHRQH4Rskk+I5DcDtVk6oc5xc9xLjtJNz3qxA+mG4NQU9uTphI4f4k9pD1iP1G9x61eDEZCAC8gDY0c0D7rclRskX1bMuimPbLS5ZOtqKdcZX6UUtOdWWUaw2taNYjrAvbtXypNPKFzg3lS2+9zCB32yWzlrHhMq9GgqyNjiOokL44jhlLVj8qpo5CfbLdWQdUjbO+aq6Sta9ocxwc1wuCDcEdBG1WUEywvj0mnE4/wCisH6zDpTrDMRSkNdcbOTlFhfhrW61X4LpzXYdL9GxKOSRrLAlwtPGNxufzg6zc8SvVYnrWxzBaeui5KpZew5kjbCSM8WO4fCbg8FzzCLnR7SWKoiZJHIJI3+q8buhwOYI3g5hdG1wIuF+bqmkrsAqg+Mh8UnWIqho2gjPUkA7R0jb7FodpTFVQtmiddjsnNPrRvG1jhuIuOsEEZEKI7BFAN80UEoiIClQiCUREBERAREQEREBERAREQEREBVekeLtpKd0pzdsYOLzsVovH/SfpDd0jgbsg5kY3OkOXj8gUHAaY4zJNK+LWLnyG8ztpz2MHSfC3FXGD4YKKO1vyh4tK7byLD/hN+L3iPs7Ab1mheHkufWyZlriIr+1Oc3P+4CLfE4e6r97EHw8+fxWQf58+KhzfPncvm4+fO9bKQr7iRVeLVMsskVFTu1XzXL5NvJQj1nZb8iB3bSFt6/nztWlo+8nE6k5XbEwAnhkSO/wXXrVdR5sp6OnwfDqeiZq00YBtnLYGRx3lz93ULBb1ZNyrXMnY2RpGbXND29ZBWmH5ZZXBJvv6k19pzAsLg7T1KxSNa0wcrVObhFZGYnn6LUk8pFckQuuBrtJz1c/kQb5L0OllXjmlda6cyvuAxrtVjT62qNh7Tn2r0/R6Yup6dx2uijJ6y0LKcfL7vy2yh1NO9brCqylcrGNceSPFJYYjQRVML4J2a0b9o3gjY9p9lw3H+C8kZ9IwHETe74n217DKaC51ZGjc9ueXEEbDdeyBUmmOAiupXRgfWx3fAfitzmdTgLdeqdy1wOr0fxNkrGarw5j2h0bgcnNIuLdiul4h6Kcbc0voHk8y8lPfaBf6yPsJuB0u4L2qlm12B3Hb1qTGkl9URFBKIiCUREBERAREQEREBERAREQEREFfjtZyNNJINtrN+0cgvz/AKXwvmmjgYCdTnEcZH5NHXb95e16aSXbHHxJcezIeK4umwYA/SHDNzi4eDO7moKuGgEMccDfVibq34nMvd2uLj95YPiV06n8/NfCSm8+elBRyR+fPBakrVeTU3nz0qvqIFtxrCqcVraMtJxKq5ut9UzLsC+UOI8pK6LUI1S4Xvt1TbhvWzoo1v8A1Gp1ta3JM9Xau+td8vq2VjcxDqAy4y59mm49xVukEpELg062uADJ/wCNvtHzxV46Pmt18hqHV1Np+2qHFYi+Vxf61oxGG/myL5a/au7HhiZb64duLxql/J5XhuuAfzvYMrL0bRv+7U/6KP8AcC5PSmlAp6jXuH3GTb8nsHzV7BiX0Wggm1C+0cI1QbbWtG1auJrrJ+zXkpyy7alKsolzmi+J/Sqdk+oWaxcNUm9tVxbtt0XXRxLysvVpl9gslipWhHlWmlMaDE2VkQyc4TtA43tOztu7/UXsuj1WHDmm7XgOYeIIv4FcD6TKMPpGS74ZB+pINU/taisfRrXF1FTE7YiYj1McQ39nVWdo3WJWem3o6IiwYilQpCgKVCkICIiAiIgIiICIiAiIgIoRBy+krdacDg0DvumMUwYyNoH9AP5r64q29Qfu+AWxjwuY+o/wQc2YF8nU/n5q15NYmLz2IKSWlVdU0a6l8K056dbKdVh5Bhkd6yVvTN8nq80PjIxOps8M+qZmR0DJV2BN/tOZp3uqAOx5PgF0OjkRbi1Q3UDi+NpAOywAzXp4fJ0YI3eF5UN1WENPJF8ZuXZ8px1fO9V5pQA9rW8m0hl4nZuk+yd3BW07dthypa0tcCMos9o87liWAkgXkFma0pHOjtwXp01Ed99+D1601Dl9K6fVoqlrSI23/Mkc7dndaeKj+yovsweDVe6YMtQzu1Q9r3WbKfWOwKgxp9sNjYdtoR2gfyXHxUxvfy776vP4yNWj0dN6O/7hF9qX/ccuxiXD6Ay2oYx8Un+45dbHOvJydXDKwumstQTpyvnsWhGnpawPoKoHdGXdrCHj5tCovRnJaGobwlDv1o2j/grnSKT8jqv0MvzYVQej42ZUdLmfulboj+3Pqzj4ZexxOu1p4gH5LNfCiP1cf2W+AX3C0tYiIoJQIgQSiIgIiICIiAiIgKERARFCoosVbaYnoafPcvtiwvqHrHeL/wAExplnMdxBHaMx4lRUu1oGu921/A/JFaNkIRRdEYuWrOFtFfGQLKqvINLInUWJioaOa8iVvSDzZW9e39YK8xGJz+SrqQ6zmNvZu2SA5kDeSLk225neF0elGBMrITE46rmnWjf7r+n4TsP4gLzWgxOpwuV1PPG4sBuWXzbf24nbCD3HoN124smmylprMTD0PDcYp6ljnRSCI6oBZfNx6eKsK17Wa5mnawagyGQcBuK5BtXhlYdcuYHnaQ/kZCfiacnHpt2r5VlPQR857i62zlKkW7mgE967Yzx3p6McdGvGPFjjmItrXjk26lPEQX8HvGxoG+/hc8FzmkFaZXshbmWm5A3vdk1vXn+0ssXx8O5kFrNyaQ3VYwfA3eenxWxgeFGK00w55zjadov7buB4DpvwXLly7cOXLOS25dXg7RDFHED6jQCeJ2uPffvVvFU+fmucglW9FP589K4bztoXrZ19BMqdk/nz0r7Nm8/L8VgGk1Tajm+IBv67gPArT0NbqwyH35MuoNaPEnuWlpRU3EUQPrOLz9losPmR3K+0Ypf7tDvJBd94657gbdi361h9ZbOlPWXp1O2zGjg0D5L6hQpC52tKIiiJQIpCAiIgIiICIiAiIghEQoIREVGji8WtESNrOd2Db8rrSoXBzHRnYR8irkrnC0wylm4Zt6WHZ3bOxWFfGInNp2sJa7rG/tFj2rJY4ueTe2f2H2bL0e6/q3HoPQpVtGlmArFylQVEfB7FXYphUNSzk54mvaNl8i08WuGbexWxCwLVnFtK81xz0ewMjlmime0Rtc/UewPvqgmwcLcOC5rRbRuOr5Rxk1BHq5BmsXa19mYtsXrukLPyOq/Qy/uOXn/owbdlV1xeD1n7Q23KbA6emziYS8bJJLOcOlrQLNPTa/SvnLHmSe3+f4LoKqLz/RVc8fnzsWM2Gi3Lz5zX3ZIsHt8+dgWF/PnwWCN5kvnzwX3ZJ589CrmuWtiVUbCFh50m34Wbz1nzsVpSbWiseaxG51DKl/KakvPqbB+iZcuPbnbrC9F0HpzJM+cjJgsPtO/l4riaKn5KNrGjny6uXCP2B942d1Bq9a0dw76PTsj9o85/2jtW7iJjcUjpXuWeWY3yx5LRSFAUhczWlERREqVClAREQEREBERAREQQiIghQpUFUQVXYvSGRgcwc9mbekb29viArErFFc7TyNkjMbhcOBFj8welUtNUGnkFNMeacoHneN0bjxG7j17egxehLHGaMXBzkaNv229PEb1V19KyqiLTZ2sP1ulvxLdjms+7ZspqfdlsKFzVPjD6R3JVhLo9jJ7XLR7so/5d/FdHHIHNDmkEOFwQbgjiCFL47UnUpek0nUpXnOlmEY9JWzPonTiA6nJ6lVCxuUbQ6zXSAjnB20L0ZFgweQSaPaSuBa81DmuBDmmspyCDkQfrdi1YNEschvyEUkWtbW1aqmF7bL2l6SvZ3rUmU0aeSP0f0g3mf/26f/6rqqaGRsMTZr8o1jRJchx1w0B13C4JvfMXXQVDfP8AVV07UFVIzz58Stdw8+fFb8rFUV9e1juTYNeQ+yN3S47llWs2nULETPhCKyqEYB2udkxu9x/gF9sIotVrqmozucx7790Y+EC1+A6SFOGYTYGpqnbcr2zJ9yIHx2Df09BgGDSYhMHObqQR5ADYG7dVvEned6651w8aj45/j8t86xRr/L7LbQTB3TSmtmFwCSy49Z3G3AL0NfKngbGxrGCzWiwHQvquJzpCyCxCyUBSFCkKIKVClAREQEREBERAREQFClQghCpUKjEqFkViUViVR4jhTmkyU425vj2Ani33XfIq9KxKo46eOKpa5sgs4ZOuMweD27+vxXLVOD1dATJSPswm5YefC49XsHuK9LxDC45szdrxse3Jw/EdBVPLTVMF+byjfeZk63xMOR7O5dOPiJrHLaNx/qW+maYjltG476OTpdNWN5tZC+E+80GSM9w1h3dqvqHF6af8zPG/oa8EjrbtCwlgo57h7AHb9XmO7WOFvkqiu0DpZb2c3qewj5tv4LPl4e/S019fFlNMNultev4dK9akoXLnQOVv5uqLbbNWpe38Fg7Qic+vWPI6atx/ip/T1/UhPYx/3H1XVZKxgJe5rQN5cAucrdI6YG0bjK7hGNb9rZ8192aCU4OtLMwnjz5D4fxW9Hh1FAMmOefiIjb3NuT3p7PDX4r79IPZ4462+jmmMrax2oxhiafZbznkdLt3nNWVLhdPRjnASSe403aD/mPG3qb3roIKSqqRqQx6kZ22bybO07Xdt10WDaHxREPm+seN1uaD1b0niOWNYo18/NJyxHhSNfdzOC6Nz1rxNUXbGNgtbmjY1jdjWr0ejpWRMbHG0Na3YAvqBbIKVyNKVIUBZBRAKURRBSiIClQpQEREBERAREQEREBQpUIChSiCFiVkhVGChZEKLIrAhRZZqLKjUqqCKUWkja7rAVe/RyH/AA3yR9DZDbuNwruyWVVzztHn7qp3bGw+AWH/AG1IdtSeyNq6OymyDnWaKx+3NI7tDf3QrCkwOmiN2RNvxPOPeVZWRREALJFKCFNkAWQCgBSiIgpRFARFKAiIgIiICIiAiIgIiICIiCEREBQiICiyhFRFksiIqERFQRSiCFKIgKbIiglSiIgpRFAREQSiIgIiICIiAiIg/9k="/>
+          <a:ln w="9525">
+            <a:noFill/>
+            <a:miter lim="800000"/>
+            <a:headEnd/>
+            <a:tailEnd/>
+          </a:ln>
+        </p:spPr>
+        <p:txBody>
+          <a:bodyPr/>
+          <a:lstStyle/>
+          <a:p>
+            <a:endParaRPr lang="ru-RU">
+              <a:latin typeface="Calibri" pitchFamily="34" charset="0"/>
+            </a:endParaRPr>
+          </a:p>
+        </p:txBody>
+      </p:sp>
+      <p:sp>
+        <p:nvSpPr>
+          <p:cNvPr id="4100" name="AutoShape 4" descr="data:image/jpeg;base64,/9j/4AAQSkZJRgABAQAAAQABAAD/2wCEAAkGBxAQDxAPDxAVFRUQFRUWEhUYEhYWGBUSFRUWGBUWFxgYHSggGBolGxUWIzEhJiktLi4uFx8zODMtNygtLisBCgoKDg0OGBAQGC0mHx0rLTcrLSstLSstKystNjcrKystLSstLSstLSsrNy0rLS0tKysrMSs3ListLTctLSsrK//AABEIALcBEwMBIgACEQEDEQH/xAAcAAEAAgMBAQEAAAAAAAAAAAAAAQUCBAYHAwj/xABIEAABAwICBQgGBQkHBQAAAAABAAIDBBEFIQYSMUFREyJhcYGRsfAHMkJSYqEUI3KC0SQzc5KissHh8SU0Q2OTs8IVFlOU0//EABkBAQEAAwEAAAAAAAAAAAAAAAABAgMEBf/EAC4RAQACAgAEAwcDBQAAAAAAAAABAgMRBBIx8CFBcRMiMmGRseFTgaEUI0JRUv/aAAwDAQACEQMRAD8A9xREQEREBERAREQEREBERAREQEREBERAREQEREBERAREQEREBERAREQEREBERAREQEREBERAREQEREBERARatfXxQN15Xho69q4nHPSE1jSYy1jB7bzbuv4IO+e8NzJA6zZac2LQN2yBeFYt6TNYnkxJMeN+TZ3nM9ypotKcVqSRSxDbb6qB0rh1k3HyCuh+hzj8G4nuWbcbiPHuXgLcP0leL/Xj/Qj/AHrLNmF6TtzDp/8AVp3fLWKvKP0CzEoj7S2WTNOwhfnV+M6R0mcrJXD/ADKQOb2vjaLd63cJ9LkjbfSaW43vgfv+w8/8lND9AIuF0a09pauwgna92+N3MkH3XZnsyXYUteyTfY8CoNpFCIJRQiCUUKUBERAREQEREBERAREQEREBERAREQEREBczpVpbHRgxss+U7G7m9JXx030qFIzkYiDM8fqDieleA4ti01XLyMBc/lHWLhm6Vx9lvw+PVtC20n03klkdqu5R+d3E/Vs6vePm+5amH6JVNUW1FbLyTHZtdICXuH+VCLZdJ1R1q3wXBIaGznBktQLcHRQH4Rskk+I5DcDtVk6oc5xc9xLjtJNz3qxA+mG4NQU9uTphI4f4k9pD1iP1G9x61eDEZCAC8gDY0c0D7rclRskX1bMuimPbLS5ZOtqKdcZX6UUtOdWWUaw2taNYjrAvbtXypNPKFzg3lS2+9zCB32yWzlrHhMq9GgqyNjiOokL44jhlLVj8qpo5CfbLdWQdUjbO+aq6Sta9ocxwc1wuCDcEdBG1WUEywvj0mnE4/wCisH6zDpTrDMRSkNdcbOTlFhfhrW61X4LpzXYdL9GxKOSRrLAlwtPGNxufzg6zc8SvVYnrWxzBaeui5KpZew5kjbCSM8WO4fCbg8FzzCLnR7SWKoiZJHIJI3+q8buhwOYI3g5hdG1wIuF+bqmkrsAqg+Mh8UnWIqho2gjPUkA7R0jb7FodpTFVQtmiddjsnNPrRvG1jhuIuOsEEZEKI7BFAN80UEoiIClQiCUREBERAREQEREBERAREQEREBVekeLtpKd0pzdsYOLzsVovH/SfpDd0jgbsg5kY3OkOXj8gUHAaY4zJNK+LWLnyG8ztpz2MHSfC3FXGD4YKKO1vyh4tK7byLD/hN+L3iPs7Ab1mheHkufWyZlriIr+1Oc3P+4CLfE4e6r97EHw8+fxWQf58+KhzfPncvm4+fO9bKQr7iRVeLVMsskVFTu1XzXL5NvJQj1nZb8iB3bSFt6/nztWlo+8nE6k5XbEwAnhkSO/wXXrVdR5sp6OnwfDqeiZq00YBtnLYGRx3lz93ULBb1ZNyrXMnY2RpGbXND29ZBWmH5ZZXBJvv6k19pzAsLg7T1KxSNa0wcrVObhFZGYnn6LUk8pFckQuuBrtJz1c/kQb5L0OllXjmlda6cyvuAxrtVjT62qNh7Tn2r0/R6Yup6dx2uijJ6y0LKcfL7vy2yh1NO9brCqylcrGNceSPFJYYjQRVML4J2a0b9o3gjY9p9lw3H+C8kZ9IwHETe74n217DKaC51ZGjc9ueXEEbDdeyBUmmOAiupXRgfWx3fAfitzmdTgLdeqdy1wOr0fxNkrGarw5j2h0bgcnNIuLdiul4h6Kcbc0voHk8y8lPfaBf6yPsJuB0u4L2qlm12B3Hb1qTGkl9URFBKIiCUREBERAREQEREBERAREQEREFfjtZyNNJINtrN+0cgvz/AKXwvmmjgYCdTnEcZH5NHXb95e16aSXbHHxJcezIeK4umwYA/SHDNzi4eDO7moKuGgEMccDfVibq34nMvd2uLj95YPiV06n8/NfCSm8+elBRyR+fPBakrVeTU3nz0qvqIFtxrCqcVraMtJxKq5ut9UzLsC+UOI8pK6LUI1S4Xvt1TbhvWzoo1v8A1Gp1ta3JM9Xau+td8vq2VjcxDqAy4y59mm49xVukEpELg062uADJ/wCNvtHzxV46Pmt18hqHV1Np+2qHFYi+Vxf61oxGG/myL5a/au7HhiZb64duLxql/J5XhuuAfzvYMrL0bRv+7U/6KP8AcC5PSmlAp6jXuH3GTb8nsHzV7BiX0Wggm1C+0cI1QbbWtG1auJrrJ+zXkpyy7alKsolzmi+J/Sqdk+oWaxcNUm9tVxbtt0XXRxLysvVpl9gslipWhHlWmlMaDE2VkQyc4TtA43tOztu7/UXsuj1WHDmm7XgOYeIIv4FcD6TKMPpGS74ZB+pINU/taisfRrXF1FTE7YiYj1McQ39nVWdo3WJWem3o6IiwYilQpCgKVCkICIiAiIgIiICIiAiIgIoRBy+krdacDg0DvumMUwYyNoH9AP5r64q29Qfu+AWxjwuY+o/wQc2YF8nU/n5q15NYmLz2IKSWlVdU0a6l8K056dbKdVh5Bhkd6yVvTN8nq80PjIxOps8M+qZmR0DJV2BN/tOZp3uqAOx5PgF0OjkRbi1Q3UDi+NpAOywAzXp4fJ0YI3eF5UN1WENPJF8ZuXZ8px1fO9V5pQA9rW8m0hl4nZuk+yd3BW07dthypa0tcCMos9o87liWAkgXkFma0pHOjtwXp01Ed99+D1601Dl9K6fVoqlrSI23/Mkc7dndaeKj+yovsweDVe6YMtQzu1Q9r3WbKfWOwKgxp9sNjYdtoR2gfyXHxUxvfy776vP4yNWj0dN6O/7hF9qX/ccuxiXD6Ay2oYx8Un+45dbHOvJydXDKwumstQTpyvnsWhGnpawPoKoHdGXdrCHj5tCovRnJaGobwlDv1o2j/grnSKT8jqv0MvzYVQej42ZUdLmfulboj+3Pqzj4ZexxOu1p4gH5LNfCiP1cf2W+AX3C0tYiIoJQIgQSiIgIiICIiAiIgKERARFCoosVbaYnoafPcvtiwvqHrHeL/wAExplnMdxBHaMx4lRUu1oGu921/A/JFaNkIRRdEYuWrOFtFfGQLKqvINLInUWJioaOa8iVvSDzZW9e39YK8xGJz+SrqQ6zmNvZu2SA5kDeSLk225neF0elGBMrITE46rmnWjf7r+n4TsP4gLzWgxOpwuV1PPG4sBuWXzbf24nbCD3HoN124smmylprMTD0PDcYp6ljnRSCI6oBZfNx6eKsK17Wa5mnawagyGQcBuK5BtXhlYdcuYHnaQ/kZCfiacnHpt2r5VlPQR857i62zlKkW7mgE967Yzx3p6McdGvGPFjjmItrXjk26lPEQX8HvGxoG+/hc8FzmkFaZXshbmWm5A3vdk1vXn+0ssXx8O5kFrNyaQ3VYwfA3eenxWxgeFGK00w55zjadov7buB4DpvwXLly7cOXLOS25dXg7RDFHED6jQCeJ2uPffvVvFU+fmucglW9FP589K4bztoXrZ19BMqdk/nz0r7Nm8/L8VgGk1Tajm+IBv67gPArT0NbqwyH35MuoNaPEnuWlpRU3EUQPrOLz9losPmR3K+0Ypf7tDvJBd94657gbdi361h9ZbOlPWXp1O2zGjg0D5L6hQpC52tKIiiJQIpCAiIgIiICIiAiIghEQoIREVGji8WtESNrOd2Db8rrSoXBzHRnYR8irkrnC0wylm4Zt6WHZ3bOxWFfGInNp2sJa7rG/tFj2rJY4ueTe2f2H2bL0e6/q3HoPQpVtGlmArFylQVEfB7FXYphUNSzk54mvaNl8i08WuGbexWxCwLVnFtK81xz0ewMjlmime0Rtc/UewPvqgmwcLcOC5rRbRuOr5Rxk1BHq5BmsXa19mYtsXrukLPyOq/Qy/uOXn/owbdlV1xeD1n7Q23KbA6emziYS8bJJLOcOlrQLNPTa/SvnLHmSe3+f4LoKqLz/RVc8fnzsWM2Gi3Lz5zX3ZIsHt8+dgWF/PnwWCN5kvnzwX3ZJ589CrmuWtiVUbCFh50m34Wbz1nzsVpSbWiseaxG51DKl/KakvPqbB+iZcuPbnbrC9F0HpzJM+cjJgsPtO/l4riaKn5KNrGjny6uXCP2B942d1Bq9a0dw76PTsj9o85/2jtW7iJjcUjpXuWeWY3yx5LRSFAUhczWlERREqVClAREQEREBERAREQQiIghQpUFUQVXYvSGRgcwc9mbekb29viArErFFc7TyNkjMbhcOBFj8welUtNUGnkFNMeacoHneN0bjxG7j17egxehLHGaMXBzkaNv229PEb1V19KyqiLTZ2sP1ulvxLdjms+7ZspqfdlsKFzVPjD6R3JVhLo9jJ7XLR7so/5d/FdHHIHNDmkEOFwQbgjiCFL47UnUpek0nUpXnOlmEY9JWzPonTiA6nJ6lVCxuUbQ6zXSAjnB20L0ZFgweQSaPaSuBa81DmuBDmmspyCDkQfrdi1YNEschvyEUkWtbW1aqmF7bL2l6SvZ3rUmU0aeSP0f0g3mf/26f/6rqqaGRsMTZr8o1jRJchx1w0B13C4JvfMXXQVDfP8AVV07UFVIzz58Stdw8+fFb8rFUV9e1juTYNeQ+yN3S47llWs2nULETPhCKyqEYB2udkxu9x/gF9sIotVrqmozucx7790Y+EC1+A6SFOGYTYGpqnbcr2zJ9yIHx2Df09BgGDSYhMHObqQR5ADYG7dVvEned6651w8aj45/j8t86xRr/L7LbQTB3TSmtmFwCSy49Z3G3AL0NfKngbGxrGCzWiwHQvquJzpCyCxCyUBSFCkKIKVClAREQEREBERAREQFClQghCpUKjEqFkViUViVR4jhTmkyU425vj2Ani33XfIq9KxKo46eOKpa5sgs4ZOuMweD27+vxXLVOD1dATJSPswm5YefC49XsHuK9LxDC45szdrxse3Jw/EdBVPLTVMF+byjfeZk63xMOR7O5dOPiJrHLaNx/qW+maYjltG476OTpdNWN5tZC+E+80GSM9w1h3dqvqHF6af8zPG/oa8EjrbtCwlgo57h7AHb9XmO7WOFvkqiu0DpZb2c3qewj5tv4LPl4e/S019fFlNMNultev4dK9akoXLnQOVv5uqLbbNWpe38Fg7Qic+vWPI6atx/ip/T1/UhPYx/3H1XVZKxgJe5rQN5cAucrdI6YG0bjK7hGNb9rZ8192aCU4OtLMwnjz5D4fxW9Hh1FAMmOefiIjb3NuT3p7PDX4r79IPZ4462+jmmMrax2oxhiafZbznkdLt3nNWVLhdPRjnASSe403aD/mPG3qb3roIKSqqRqQx6kZ22bybO07Xdt10WDaHxREPm+seN1uaD1b0niOWNYo18/NJyxHhSNfdzOC6Nz1rxNUXbGNgtbmjY1jdjWr0ejpWRMbHG0Na3YAvqBbIKVyNKVIUBZBRAKURRBSiIClQpQEREBERAREQEREBQpUIChSiCFiVkhVGChZEKLIrAhRZZqLKjUqqCKUWkja7rAVe/RyH/AA3yR9DZDbuNwruyWVVzztHn7qp3bGw+AWH/AG1IdtSeyNq6OymyDnWaKx+3NI7tDf3QrCkwOmiN2RNvxPOPeVZWRREALJFKCFNkAWQCgBSiIgpRFARFKAiIgIiICIiAiIgIiICIiCEREBQiICiyhFRFksiIqERFQRSiCFKIgKbIiglSiIgpRFAREQSiIgIiICIiAiIg/9k="/>
           <p:cNvSpPr>
             <a:spLocks noChangeAspect="1" noChangeArrowheads="1"/>
           </p:cNvSpPr>
@@ -3959,22 +4328,26 @@
             <a:avLst/>
           </a:prstGeom>
           <a:noFill/>
-        </p:spPr>
-        <p:txBody>
-          <a:bodyPr vert="horz" wrap="square" lIns="91440" tIns="45720" rIns="91440" bIns="45720" numCol="1" anchor="t" anchorCtr="0" compatLnSpc="1">
-            <a:prstTxWarp prst="textNoShape">
-              <a:avLst/>
-            </a:prstTxWarp>
-          </a:bodyPr>
-          <a:lstStyle/>
-          <a:p>
-            <a:endParaRPr lang="ru-RU"/>
-          </a:p>
-        </p:txBody>
-      </p:sp>
-      <p:sp>
-        <p:nvSpPr>
-          <p:cNvPr id="2054" name="AutoShape 6" descr="data:image/jpeg;base64,/9j/4AAQSkZJRgABAQAAAQABAAD/2wCEAAkGBxAQDxAPDxAVFRUQFRUWEhUYEhYWGBUSFRUWGBUWFxgYHSggGBolGxUWIzEhJiktLi4uFx8zODMtNygtLisBCgoKDg0OGBAQGC0mHx0rLTcrLSstLSstKystNjcrKystLSstLSstLSsrNy0rLS0tKysrMSs3ListLTctLSsrK//AABEIALcBEwMBIgACEQEDEQH/xAAcAAEAAgMBAQEAAAAAAAAAAAAAAQUCBAYHAwj/xABIEAABAwICBQgGBQkHBQAAAAABAAIDBBEFIQYSMUFREyJhcYGRsfAHMkJSYqEUI3KC0SQzc5KissHh8SU0Q2OTs8IVFlOU0//EABkBAQEAAwEAAAAAAAAAAAAAAAABAgMEBf/EAC4RAQACAgAEAwcDBQAAAAAAAAABAgMRBBIx8CFBcRMiMmGRseFTgaEUI0JRUv/aAAwDAQACEQMRAD8A9xREQEREBERAREQEREBERAREQEREBERAREQEREBERAREQEREBERAREQEREBERAREQEREBERAREQEREBERARatfXxQN15Xho69q4nHPSE1jSYy1jB7bzbuv4IO+e8NzJA6zZac2LQN2yBeFYt6TNYnkxJMeN+TZ3nM9ypotKcVqSRSxDbb6qB0rh1k3HyCuh+hzj8G4nuWbcbiPHuXgLcP0leL/Xj/Qj/AHrLNmF6TtzDp/8AVp3fLWKvKP0CzEoj7S2WTNOwhfnV+M6R0mcrJXD/ADKQOb2vjaLd63cJ9LkjbfSaW43vgfv+w8/8lND9AIuF0a09pauwgna92+N3MkH3XZnsyXYUteyTfY8CoNpFCIJRQiCUUKUBERAREQEREBERAREQEREBERAREQEREBczpVpbHRgxss+U7G7m9JXx030qFIzkYiDM8fqDieleA4ti01XLyMBc/lHWLhm6Vx9lvw+PVtC20n03klkdqu5R+d3E/Vs6vePm+5amH6JVNUW1FbLyTHZtdICXuH+VCLZdJ1R1q3wXBIaGznBktQLcHRQH4Rskk+I5DcDtVk6oc5xc9xLjtJNz3qxA+mG4NQU9uTphI4f4k9pD1iP1G9x61eDEZCAC8gDY0c0D7rclRskX1bMuimPbLS5ZOtqKdcZX6UUtOdWWUaw2taNYjrAvbtXypNPKFzg3lS2+9zCB32yWzlrHhMq9GgqyNjiOokL44jhlLVj8qpo5CfbLdWQdUjbO+aq6Sta9ocxwc1wuCDcEdBG1WUEywvj0mnE4/wCisH6zDpTrDMRSkNdcbOTlFhfhrW61X4LpzXYdL9GxKOSRrLAlwtPGNxufzg6zc8SvVYnrWxzBaeui5KpZew5kjbCSM8WO4fCbg8FzzCLnR7SWKoiZJHIJI3+q8buhwOYI3g5hdG1wIuF+bqmkrsAqg+Mh8UnWIqho2gjPUkA7R0jb7FodpTFVQtmiddjsnNPrRvG1jhuIuOsEEZEKI7BFAN80UEoiIClQiCUREBERAREQEREBERAREQEREBVekeLtpKd0pzdsYOLzsVovH/SfpDd0jgbsg5kY3OkOXj8gUHAaY4zJNK+LWLnyG8ztpz2MHSfC3FXGD4YKKO1vyh4tK7byLD/hN+L3iPs7Ab1mheHkufWyZlriIr+1Oc3P+4CLfE4e6r97EHw8+fxWQf58+KhzfPncvm4+fO9bKQr7iRVeLVMsskVFTu1XzXL5NvJQj1nZb8iB3bSFt6/nztWlo+8nE6k5XbEwAnhkSO/wXXrVdR5sp6OnwfDqeiZq00YBtnLYGRx3lz93ULBb1ZNyrXMnY2RpGbXND29ZBWmH5ZZXBJvv6k19pzAsLg7T1KxSNa0wcrVObhFZGYnn6LUk8pFckQuuBrtJz1c/kQb5L0OllXjmlda6cyvuAxrtVjT62qNh7Tn2r0/R6Yup6dx2uijJ6y0LKcfL7vy2yh1NO9brCqylcrGNceSPFJYYjQRVML4J2a0b9o3gjY9p9lw3H+C8kZ9IwHETe74n217DKaC51ZGjc9ueXEEbDdeyBUmmOAiupXRgfWx3fAfitzmdTgLdeqdy1wOr0fxNkrGarw5j2h0bgcnNIuLdiul4h6Kcbc0voHk8y8lPfaBf6yPsJuB0u4L2qlm12B3Hb1qTGkl9URFBKIiCUREBERAREQEREBERAREQEREFfjtZyNNJINtrN+0cgvz/AKXwvmmjgYCdTnEcZH5NHXb95e16aSXbHHxJcezIeK4umwYA/SHDNzi4eDO7moKuGgEMccDfVibq34nMvd2uLj95YPiV06n8/NfCSm8+elBRyR+fPBakrVeTU3nz0qvqIFtxrCqcVraMtJxKq5ut9UzLsC+UOI8pK6LUI1S4Xvt1TbhvWzoo1v8A1Gp1ta3JM9Xau+td8vq2VjcxDqAy4y59mm49xVukEpELg062uADJ/wCNvtHzxV46Pmt18hqHV1Np+2qHFYi+Vxf61oxGG/myL5a/au7HhiZb64duLxql/J5XhuuAfzvYMrL0bRv+7U/6KP8AcC5PSmlAp6jXuH3GTb8nsHzV7BiX0Wggm1C+0cI1QbbWtG1auJrrJ+zXkpyy7alKsolzmi+J/Sqdk+oWaxcNUm9tVxbtt0XXRxLysvVpl9gslipWhHlWmlMaDE2VkQyc4TtA43tOztu7/UXsuj1WHDmm7XgOYeIIv4FcD6TKMPpGS74ZB+pINU/taisfRrXF1FTE7YiYj1McQ39nVWdo3WJWem3o6IiwYilQpCgKVCkICIiAiIgIiICIiAiIgIoRBy+krdacDg0DvumMUwYyNoH9AP5r64q29Qfu+AWxjwuY+o/wQc2YF8nU/n5q15NYmLz2IKSWlVdU0a6l8K056dbKdVh5Bhkd6yVvTN8nq80PjIxOps8M+qZmR0DJV2BN/tOZp3uqAOx5PgF0OjkRbi1Q3UDi+NpAOywAzXp4fJ0YI3eF5UN1WENPJF8ZuXZ8px1fO9V5pQA9rW8m0hl4nZuk+yd3BW07dthypa0tcCMos9o87liWAkgXkFma0pHOjtwXp01Ed99+D1601Dl9K6fVoqlrSI23/Mkc7dndaeKj+yovsweDVe6YMtQzu1Q9r3WbKfWOwKgxp9sNjYdtoR2gfyXHxUxvfy776vP4yNWj0dN6O/7hF9qX/ccuxiXD6Ay2oYx8Un+45dbHOvJydXDKwumstQTpyvnsWhGnpawPoKoHdGXdrCHj5tCovRnJaGobwlDv1o2j/grnSKT8jqv0MvzYVQej42ZUdLmfulboj+3Pqzj4ZexxOu1p4gH5LNfCiP1cf2W+AX3C0tYiIoJQIgQSiIgIiICIiAiIgKERARFCoosVbaYnoafPcvtiwvqHrHeL/wAExplnMdxBHaMx4lRUu1oGu921/A/JFaNkIRRdEYuWrOFtFfGQLKqvINLInUWJioaOa8iVvSDzZW9e39YK8xGJz+SrqQ6zmNvZu2SA5kDeSLk225neF0elGBMrITE46rmnWjf7r+n4TsP4gLzWgxOpwuV1PPG4sBuWXzbf24nbCD3HoN124smmylprMTD0PDcYp6ljnRSCI6oBZfNx6eKsK17Wa5mnawagyGQcBuK5BtXhlYdcuYHnaQ/kZCfiacnHpt2r5VlPQR857i62zlKkW7mgE967Yzx3p6McdGvGPFjjmItrXjk26lPEQX8HvGxoG+/hc8FzmkFaZXshbmWm5A3vdk1vXn+0ssXx8O5kFrNyaQ3VYwfA3eenxWxgeFGK00w55zjadov7buB4DpvwXLly7cOXLOS25dXg7RDFHED6jQCeJ2uPffvVvFU+fmucglW9FP589K4bztoXrZ19BMqdk/nz0r7Nm8/L8VgGk1Tajm+IBv67gPArT0NbqwyH35MuoNaPEnuWlpRU3EUQPrOLz9losPmR3K+0Ypf7tDvJBd94657gbdi361h9ZbOlPWXp1O2zGjg0D5L6hQpC52tKIiiJQIpCAiIgIiICIiAiIghEQoIREVGji8WtESNrOd2Db8rrSoXBzHRnYR8irkrnC0wylm4Zt6WHZ3bOxWFfGInNp2sJa7rG/tFj2rJY4ueTe2f2H2bL0e6/q3HoPQpVtGlmArFylQVEfB7FXYphUNSzk54mvaNl8i08WuGbexWxCwLVnFtK81xz0ewMjlmime0Rtc/UewPvqgmwcLcOC5rRbRuOr5Rxk1BHq5BmsXa19mYtsXrukLPyOq/Qy/uOXn/owbdlV1xeD1n7Q23KbA6emziYS8bJJLOcOlrQLNPTa/SvnLHmSe3+f4LoKqLz/RVc8fnzsWM2Gi3Lz5zX3ZIsHt8+dgWF/PnwWCN5kvnzwX3ZJ589CrmuWtiVUbCFh50m34Wbz1nzsVpSbWiseaxG51DKl/KakvPqbB+iZcuPbnbrC9F0HpzJM+cjJgsPtO/l4riaKn5KNrGjny6uXCP2B942d1Bq9a0dw76PTsj9o85/2jtW7iJjcUjpXuWeWY3yx5LRSFAUhczWlERREqVClAREQEREBERAREQQiIghQpUFUQVXYvSGRgcwc9mbekb29viArErFFc7TyNkjMbhcOBFj8welUtNUGnkFNMeacoHneN0bjxG7j17egxehLHGaMXBzkaNv229PEb1V19KyqiLTZ2sP1ulvxLdjms+7ZspqfdlsKFzVPjD6R3JVhLo9jJ7XLR7so/5d/FdHHIHNDmkEOFwQbgjiCFL47UnUpek0nUpXnOlmEY9JWzPonTiA6nJ6lVCxuUbQ6zXSAjnB20L0ZFgweQSaPaSuBa81DmuBDmmspyCDkQfrdi1YNEschvyEUkWtbW1aqmF7bL2l6SvZ3rUmU0aeSP0f0g3mf/26f/6rqqaGRsMTZr8o1jRJchx1w0B13C4JvfMXXQVDfP8AVV07UFVIzz58Stdw8+fFb8rFUV9e1juTYNeQ+yN3S47llWs2nULETPhCKyqEYB2udkxu9x/gF9sIotVrqmozucx7790Y+EC1+A6SFOGYTYGpqnbcr2zJ9yIHx2Df09BgGDSYhMHObqQR5ADYG7dVvEned6651w8aj45/j8t86xRr/L7LbQTB3TSmtmFwCSy49Z3G3AL0NfKngbGxrGCzWiwHQvquJzpCyCxCyUBSFCkKIKVClAREQEREBERAREQFClQghCpUKjEqFkViUViVR4jhTmkyU425vj2Ani33XfIq9KxKo46eOKpa5sgs4ZOuMweD27+vxXLVOD1dATJSPswm5YefC49XsHuK9LxDC45szdrxse3Jw/EdBVPLTVMF+byjfeZk63xMOR7O5dOPiJrHLaNx/qW+maYjltG476OTpdNWN5tZC+E+80GSM9w1h3dqvqHF6af8zPG/oa8EjrbtCwlgo57h7AHb9XmO7WOFvkqiu0DpZb2c3qewj5tv4LPl4e/S019fFlNMNultev4dK9akoXLnQOVv5uqLbbNWpe38Fg7Qic+vWPI6atx/ip/T1/UhPYx/3H1XVZKxgJe5rQN5cAucrdI6YG0bjK7hGNb9rZ8192aCU4OtLMwnjz5D4fxW9Hh1FAMmOefiIjb3NuT3p7PDX4r79IPZ4462+jmmMrax2oxhiafZbznkdLt3nNWVLhdPRjnASSe403aD/mPG3qb3roIKSqqRqQx6kZ22bybO07Xdt10WDaHxREPm+seN1uaD1b0niOWNYo18/NJyxHhSNfdzOC6Nz1rxNUXbGNgtbmjY1jdjWr0ejpWRMbHG0Na3YAvqBbIKVyNKVIUBZBRAKURRBSiIClQpQEREBERAREQEREBQpUIChSiCFiVkhVGChZEKLIrAhRZZqLKjUqqCKUWkja7rAVe/RyH/AA3yR9DZDbuNwruyWVVzztHn7qp3bGw+AWH/AG1IdtSeyNq6OymyDnWaKx+3NI7tDf3QrCkwOmiN2RNvxPOPeVZWRREALJFKCFNkAWQCgBSiIgpRFARFKAiIgIiICIiAiIgIiICIiCEREBQiICiyhFRFksiIqERFQRSiCFKIgKbIiglSiIgpRFAREQSiIgIiICIiAiIg/9k="/>
+          <a:ln w="9525">
+            <a:noFill/>
+            <a:miter lim="800000"/>
+            <a:headEnd/>
+            <a:tailEnd/>
+          </a:ln>
+        </p:spPr>
+        <p:txBody>
+          <a:bodyPr/>
+          <a:lstStyle/>
+          <a:p>
+            <a:endParaRPr lang="ru-RU">
+              <a:latin typeface="Calibri" pitchFamily="34" charset="0"/>
+            </a:endParaRPr>
+          </a:p>
+        </p:txBody>
+      </p:sp>
+      <p:sp>
+        <p:nvSpPr>
+          <p:cNvPr id="4101" name="AutoShape 6" descr="data:image/jpeg;base64,/9j/4AAQSkZJRgABAQAAAQABAAD/2wCEAAkGBxAQDxAPDxAVFRUQFRUWEhUYEhYWGBUSFRUWGBUWFxgYHSggGBolGxUWIzEhJiktLi4uFx8zODMtNygtLisBCgoKDg0OGBAQGC0mHx0rLTcrLSstLSstKystNjcrKystLSstLSstLSsrNy0rLS0tKysrMSs3ListLTctLSsrK//AABEIALcBEwMBIgACEQEDEQH/xAAcAAEAAgMBAQEAAAAAAAAAAAAAAQUCBAYHAwj/xABIEAABAwICBQgGBQkHBQAAAAABAAIDBBEFIQYSMUFREyJhcYGRsfAHMkJSYqEUI3KC0SQzc5KissHh8SU0Q2OTs8IVFlOU0//EABkBAQEAAwEAAAAAAAAAAAAAAAABAgMEBf/EAC4RAQACAgAEAwcDBQAAAAAAAAABAgMRBBIx8CFBcRMiMmGRseFTgaEUI0JRUv/aAAwDAQACEQMRAD8A9xREQEREBERAREQEREBERAREQEREBERAREQEREBERAREQEREBERAREQEREBERAREQEREBERAREQEREBERARatfXxQN15Xho69q4nHPSE1jSYy1jB7bzbuv4IO+e8NzJA6zZac2LQN2yBeFYt6TNYnkxJMeN+TZ3nM9ypotKcVqSRSxDbb6qB0rh1k3HyCuh+hzj8G4nuWbcbiPHuXgLcP0leL/Xj/Qj/AHrLNmF6TtzDp/8AVp3fLWKvKP0CzEoj7S2WTNOwhfnV+M6R0mcrJXD/ADKQOb2vjaLd63cJ9LkjbfSaW43vgfv+w8/8lND9AIuF0a09pauwgna92+N3MkH3XZnsyXYUteyTfY8CoNpFCIJRQiCUUKUBERAREQEREBERAREQEREBERAREQEREBczpVpbHRgxss+U7G7m9JXx030qFIzkYiDM8fqDieleA4ti01XLyMBc/lHWLhm6Vx9lvw+PVtC20n03klkdqu5R+d3E/Vs6vePm+5amH6JVNUW1FbLyTHZtdICXuH+VCLZdJ1R1q3wXBIaGznBktQLcHRQH4Rskk+I5DcDtVk6oc5xc9xLjtJNz3qxA+mG4NQU9uTphI4f4k9pD1iP1G9x61eDEZCAC8gDY0c0D7rclRskX1bMuimPbLS5ZOtqKdcZX6UUtOdWWUaw2taNYjrAvbtXypNPKFzg3lS2+9zCB32yWzlrHhMq9GgqyNjiOokL44jhlLVj8qpo5CfbLdWQdUjbO+aq6Sta9ocxwc1wuCDcEdBG1WUEywvj0mnE4/wCisH6zDpTrDMRSkNdcbOTlFhfhrW61X4LpzXYdL9GxKOSRrLAlwtPGNxufzg6zc8SvVYnrWxzBaeui5KpZew5kjbCSM8WO4fCbg8FzzCLnR7SWKoiZJHIJI3+q8buhwOYI3g5hdG1wIuF+bqmkrsAqg+Mh8UnWIqho2gjPUkA7R0jb7FodpTFVQtmiddjsnNPrRvG1jhuIuOsEEZEKI7BFAN80UEoiIClQiCUREBERAREQEREBERAREQEREBVekeLtpKd0pzdsYOLzsVovH/SfpDd0jgbsg5kY3OkOXj8gUHAaY4zJNK+LWLnyG8ztpz2MHSfC3FXGD4YKKO1vyh4tK7byLD/hN+L3iPs7Ab1mheHkufWyZlriIr+1Oc3P+4CLfE4e6r97EHw8+fxWQf58+KhzfPncvm4+fO9bKQr7iRVeLVMsskVFTu1XzXL5NvJQj1nZb8iB3bSFt6/nztWlo+8nE6k5XbEwAnhkSO/wXXrVdR5sp6OnwfDqeiZq00YBtnLYGRx3lz93ULBb1ZNyrXMnY2RpGbXND29ZBWmH5ZZXBJvv6k19pzAsLg7T1KxSNa0wcrVObhFZGYnn6LUk8pFckQuuBrtJz1c/kQb5L0OllXjmlda6cyvuAxrtVjT62qNh7Tn2r0/R6Yup6dx2uijJ6y0LKcfL7vy2yh1NO9brCqylcrGNceSPFJYYjQRVML4J2a0b9o3gjY9p9lw3H+C8kZ9IwHETe74n217DKaC51ZGjc9ueXEEbDdeyBUmmOAiupXRgfWx3fAfitzmdTgLdeqdy1wOr0fxNkrGarw5j2h0bgcnNIuLdiul4h6Kcbc0voHk8y8lPfaBf6yPsJuB0u4L2qlm12B3Hb1qTGkl9URFBKIiCUREBERAREQEREBERAREQEREFfjtZyNNJINtrN+0cgvz/AKXwvmmjgYCdTnEcZH5NHXb95e16aSXbHHxJcezIeK4umwYA/SHDNzi4eDO7moKuGgEMccDfVibq34nMvd2uLj95YPiV06n8/NfCSm8+elBRyR+fPBakrVeTU3nz0qvqIFtxrCqcVraMtJxKq5ut9UzLsC+UOI8pK6LUI1S4Xvt1TbhvWzoo1v8A1Gp1ta3JM9Xau+td8vq2VjcxDqAy4y59mm49xVukEpELg062uADJ/wCNvtHzxV46Pmt18hqHV1Np+2qHFYi+Vxf61oxGG/myL5a/au7HhiZb64duLxql/J5XhuuAfzvYMrL0bRv+7U/6KP8AcC5PSmlAp6jXuH3GTb8nsHzV7BiX0Wggm1C+0cI1QbbWtG1auJrrJ+zXkpyy7alKsolzmi+J/Sqdk+oWaxcNUm9tVxbtt0XXRxLysvVpl9gslipWhHlWmlMaDE2VkQyc4TtA43tOztu7/UXsuj1WHDmm7XgOYeIIv4FcD6TKMPpGS74ZB+pINU/taisfRrXF1FTE7YiYj1McQ39nVWdo3WJWem3o6IiwYilQpCgKVCkICIiAiIgIiICIiAiIgIoRBy+krdacDg0DvumMUwYyNoH9AP5r64q29Qfu+AWxjwuY+o/wQc2YF8nU/n5q15NYmLz2IKSWlVdU0a6l8K056dbKdVh5Bhkd6yVvTN8nq80PjIxOps8M+qZmR0DJV2BN/tOZp3uqAOx5PgF0OjkRbi1Q3UDi+NpAOywAzXp4fJ0YI3eF5UN1WENPJF8ZuXZ8px1fO9V5pQA9rW8m0hl4nZuk+yd3BW07dthypa0tcCMos9o87liWAkgXkFma0pHOjtwXp01Ed99+D1601Dl9K6fVoqlrSI23/Mkc7dndaeKj+yovsweDVe6YMtQzu1Q9r3WbKfWOwKgxp9sNjYdtoR2gfyXHxUxvfy776vP4yNWj0dN6O/7hF9qX/ccuxiXD6Ay2oYx8Un+45dbHOvJydXDKwumstQTpyvnsWhGnpawPoKoHdGXdrCHj5tCovRnJaGobwlDv1o2j/grnSKT8jqv0MvzYVQej42ZUdLmfulboj+3Pqzj4ZexxOu1p4gH5LNfCiP1cf2W+AX3C0tYiIoJQIgQSiIgIiICIiAiIgKERARFCoosVbaYnoafPcvtiwvqHrHeL/wAExplnMdxBHaMx4lRUu1oGu921/A/JFaNkIRRdEYuWrOFtFfGQLKqvINLInUWJioaOa8iVvSDzZW9e39YK8xGJz+SrqQ6zmNvZu2SA5kDeSLk225neF0elGBMrITE46rmnWjf7r+n4TsP4gLzWgxOpwuV1PPG4sBuWXzbf24nbCD3HoN124smmylprMTD0PDcYp6ljnRSCI6oBZfNx6eKsK17Wa5mnawagyGQcBuK5BtXhlYdcuYHnaQ/kZCfiacnHpt2r5VlPQR857i62zlKkW7mgE967Yzx3p6McdGvGPFjjmItrXjk26lPEQX8HvGxoG+/hc8FzmkFaZXshbmWm5A3vdk1vXn+0ssXx8O5kFrNyaQ3VYwfA3eenxWxgeFGK00w55zjadov7buB4DpvwXLly7cOXLOS25dXg7RDFHED6jQCeJ2uPffvVvFU+fmucglW9FP589K4bztoXrZ19BMqdk/nz0r7Nm8/L8VgGk1Tajm+IBv67gPArT0NbqwyH35MuoNaPEnuWlpRU3EUQPrOLz9losPmR3K+0Ypf7tDvJBd94657gbdi361h9ZbOlPWXp1O2zGjg0D5L6hQpC52tKIiiJQIpCAiIgIiICIiAiIghEQoIREVGji8WtESNrOd2Db8rrSoXBzHRnYR8irkrnC0wylm4Zt6WHZ3bOxWFfGInNp2sJa7rG/tFj2rJY4ueTe2f2H2bL0e6/q3HoPQpVtGlmArFylQVEfB7FXYphUNSzk54mvaNl8i08WuGbexWxCwLVnFtK81xz0ewMjlmime0Rtc/UewPvqgmwcLcOC5rRbRuOr5Rxk1BHq5BmsXa19mYtsXrukLPyOq/Qy/uOXn/owbdlV1xeD1n7Q23KbA6emziYS8bJJLOcOlrQLNPTa/SvnLHmSe3+f4LoKqLz/RVc8fnzsWM2Gi3Lz5zX3ZIsHt8+dgWF/PnwWCN5kvnzwX3ZJ589CrmuWtiVUbCFh50m34Wbz1nzsVpSbWiseaxG51DKl/KakvPqbB+iZcuPbnbrC9F0HpzJM+cjJgsPtO/l4riaKn5KNrGjny6uXCP2B942d1Bq9a0dw76PTsj9o85/2jtW7iJjcUjpXuWeWY3yx5LRSFAUhczWlERREqVClAREQEREBERAREQQiIghQpUFUQVXYvSGRgcwc9mbekb29viArErFFc7TyNkjMbhcOBFj8welUtNUGnkFNMeacoHneN0bjxG7j17egxehLHGaMXBzkaNv229PEb1V19KyqiLTZ2sP1ulvxLdjms+7ZspqfdlsKFzVPjD6R3JVhLo9jJ7XLR7so/5d/FdHHIHNDmkEOFwQbgjiCFL47UnUpek0nUpXnOlmEY9JWzPonTiA6nJ6lVCxuUbQ6zXSAjnB20L0ZFgweQSaPaSuBa81DmuBDmmspyCDkQfrdi1YNEschvyEUkWtbW1aqmF7bL2l6SvZ3rUmU0aeSP0f0g3mf/26f/6rqqaGRsMTZr8o1jRJchx1w0B13C4JvfMXXQVDfP8AVV07UFVIzz58Stdw8+fFb8rFUV9e1juTYNeQ+yN3S47llWs2nULETPhCKyqEYB2udkxu9x/gF9sIotVrqmozucx7790Y+EC1+A6SFOGYTYGpqnbcr2zJ9yIHx2Df09BgGDSYhMHObqQR5ADYG7dVvEned6651w8aj45/j8t86xRr/L7LbQTB3TSmtmFwCSy49Z3G3AL0NfKngbGxrGCzWiwHQvquJzpCyCxCyUBSFCkKIKVClAREQEREBERAREQFClQghCpUKjEqFkViUViVR4jhTmkyU425vj2Ani33XfIq9KxKo46eOKpa5sgs4ZOuMweD27+vxXLVOD1dATJSPswm5YefC49XsHuK9LxDC45szdrxse3Jw/EdBVPLTVMF+byjfeZk63xMOR7O5dOPiJrHLaNx/qW+maYjltG476OTpdNWN5tZC+E+80GSM9w1h3dqvqHF6af8zPG/oa8EjrbtCwlgo57h7AHb9XmO7WOFvkqiu0DpZb2c3qewj5tv4LPl4e/S019fFlNMNultev4dK9akoXLnQOVv5uqLbbNWpe38Fg7Qic+vWPI6atx/ip/T1/UhPYx/3H1XVZKxgJe5rQN5cAucrdI6YG0bjK7hGNb9rZ8192aCU4OtLMwnjz5D4fxW9Hh1FAMmOefiIjb3NuT3p7PDX4r79IPZ4462+jmmMrax2oxhiafZbznkdLt3nNWVLhdPRjnASSe403aD/mPG3qb3roIKSqqRqQx6kZ22bybO07Xdt10WDaHxREPm+seN1uaD1b0niOWNYo18/NJyxHhSNfdzOC6Nz1rxNUXbGNgtbmjY1jdjWr0ejpWRMbHG0Na3YAvqBbIKVyNKVIUBZBRAKURRBSiIClQpQEREBERAREQEREBQpUIChSiCFiVkhVGChZEKLIrAhRZZqLKjUqqCKUWkja7rAVe/RyH/AA3yR9DZDbuNwruyWVVzztHn7qp3bGw+AWH/AG1IdtSeyNq6OymyDnWaKx+3NI7tDf3QrCkwOmiN2RNvxPOPeVZWRREALJFKCFNkAWQCgBSiIgpRFARFKAiIgIiICIiAiIgIiICIiCEREBQiICiyhFRFksiIqERFQRSiCFKIgKbIiglSiIgpRFAREQSiIgIiICIiAiIg/9k="/>
           <p:cNvSpPr>
             <a:spLocks noChangeAspect="1" noChangeArrowheads="1"/>
           </p:cNvSpPr>
@@ -3989,22 +4362,26 @@
             <a:avLst/>
           </a:prstGeom>
           <a:noFill/>
-        </p:spPr>
-        <p:txBody>
-          <a:bodyPr vert="horz" wrap="square" lIns="91440" tIns="45720" rIns="91440" bIns="45720" numCol="1" anchor="t" anchorCtr="0" compatLnSpc="1">
-            <a:prstTxWarp prst="textNoShape">
-              <a:avLst/>
-            </a:prstTxWarp>
-          </a:bodyPr>
-          <a:lstStyle/>
-          <a:p>
-            <a:endParaRPr lang="ru-RU"/>
-          </a:p>
-        </p:txBody>
-      </p:sp>
-      <p:sp>
-        <p:nvSpPr>
-          <p:cNvPr id="10242" name="AutoShape 2" descr="Картинки по запросу пятно фовеа"/>
+          <a:ln w="9525">
+            <a:noFill/>
+            <a:miter lim="800000"/>
+            <a:headEnd/>
+            <a:tailEnd/>
+          </a:ln>
+        </p:spPr>
+        <p:txBody>
+          <a:bodyPr/>
+          <a:lstStyle/>
+          <a:p>
+            <a:endParaRPr lang="ru-RU">
+              <a:latin typeface="Calibri" pitchFamily="34" charset="0"/>
+            </a:endParaRPr>
+          </a:p>
+        </p:txBody>
+      </p:sp>
+      <p:sp>
+        <p:nvSpPr>
+          <p:cNvPr id="4102" name="AutoShape 2" descr="Картинки по запросу пятно фовеа"/>
           <p:cNvSpPr>
             <a:spLocks noChangeAspect="1" noChangeArrowheads="1"/>
           </p:cNvSpPr>
@@ -4019,22 +4396,26 @@
             <a:avLst/>
           </a:prstGeom>
           <a:noFill/>
-        </p:spPr>
-        <p:txBody>
-          <a:bodyPr vert="horz" wrap="square" lIns="91440" tIns="45720" rIns="91440" bIns="45720" numCol="1" anchor="t" anchorCtr="0" compatLnSpc="1">
-            <a:prstTxWarp prst="textNoShape">
-              <a:avLst/>
-            </a:prstTxWarp>
-          </a:bodyPr>
-          <a:lstStyle/>
-          <a:p>
-            <a:endParaRPr lang="ru-RU"/>
+          <a:ln w="9525">
+            <a:noFill/>
+            <a:miter lim="800000"/>
+            <a:headEnd/>
+            <a:tailEnd/>
+          </a:ln>
+        </p:spPr>
+        <p:txBody>
+          <a:bodyPr/>
+          <a:lstStyle/>
+          <a:p>
+            <a:endParaRPr lang="ru-RU">
+              <a:latin typeface="Calibri" pitchFamily="34" charset="0"/>
+            </a:endParaRPr>
           </a:p>
         </p:txBody>
       </p:sp>
       <p:pic>
         <p:nvPicPr>
-          <p:cNvPr id="10244" name="Picture 4" descr="Картинки по запросу пятно фовеа"/>
+          <p:cNvPr id="4103" name="Picture 4" descr="Картинки по запросу пятно фовеа"/>
           <p:cNvPicPr>
             <a:picLocks noChangeAspect="1" noChangeArrowheads="1"/>
           </p:cNvPicPr>
@@ -4049,13 +4430,19 @@
         </p:blipFill>
         <p:spPr bwMode="auto">
           <a:xfrm>
-            <a:off x="1115616" y="1340768"/>
-            <a:ext cx="6840760" cy="5130571"/>
+            <a:off x="1116013" y="1341438"/>
+            <a:ext cx="6840537" cy="5129212"/>
           </a:xfrm>
           <a:prstGeom prst="rect">
             <a:avLst/>
           </a:prstGeom>
           <a:noFill/>
+          <a:ln w="9525">
+            <a:noFill/>
+            <a:miter lim="800000"/>
+            <a:headEnd/>
+            <a:tailEnd/>
+          </a:ln>
         </p:spPr>
       </p:pic>
     </p:spTree>
@@ -4092,7 +4479,7 @@
       </p:grpSpPr>
       <p:sp>
         <p:nvSpPr>
-          <p:cNvPr id="2" name="Заголовок 1"/>
+          <p:cNvPr id="5122" name="Заголовок 1"/>
           <p:cNvSpPr>
             <a:spLocks noGrp="1"/>
           </p:cNvSpPr>
@@ -4102,22 +4489,19 @@
         </p:nvSpPr>
         <p:spPr/>
         <p:txBody>
-          <a:bodyPr>
-            <a:normAutofit/>
-          </a:bodyPr>
-          <a:lstStyle/>
-          <a:p>
-            <a:r>
-              <a:rPr lang="ru-RU" dirty="0" smtClean="0"/>
+          <a:bodyPr/>
+          <a:lstStyle/>
+          <a:p>
+            <a:r>
+              <a:rPr lang="ru-RU" smtClean="0"/>
               <a:t>Введение в биологию</a:t>
             </a:r>
-            <a:endParaRPr lang="ru-RU" dirty="0"/>
-          </a:p>
-        </p:txBody>
-      </p:sp>
-      <p:sp>
-        <p:nvSpPr>
-          <p:cNvPr id="2050" name="AutoShape 2" descr="data:image/jpeg;base64,/9j/4AAQSkZJRgABAQAAAQABAAD/2wCEAAkGBxAQDxAPDxAVFRUQFRUWEhUYEhYWGBUSFRUWGBUWFxgYHSggGBolGxUWIzEhJiktLi4uFx8zODMtNygtLisBCgoKDg0OGBAQGC0mHx0rLTcrLSstLSstKystNjcrKystLSstLSstLSsrNy0rLS0tKysrMSs3ListLTctLSsrK//AABEIALcBEwMBIgACEQEDEQH/xAAcAAEAAgMBAQEAAAAAAAAAAAAAAQUCBAYHAwj/xABIEAABAwICBQgGBQkHBQAAAAABAAIDBBEFIQYSMUFREyJhcYGRsfAHMkJSYqEUI3KC0SQzc5KissHh8SU0Q2OTs8IVFlOU0//EABkBAQEAAwEAAAAAAAAAAAAAAAABAgMEBf/EAC4RAQACAgAEAwcDBQAAAAAAAAABAgMRBBIx8CFBcRMiMmGRseFTgaEUI0JRUv/aAAwDAQACEQMRAD8A9xREQEREBERAREQEREBERAREQEREBERAREQEREBERAREQEREBERAREQEREBERAREQEREBERAREQEREBERARatfXxQN15Xho69q4nHPSE1jSYy1jB7bzbuv4IO+e8NzJA6zZac2LQN2yBeFYt6TNYnkxJMeN+TZ3nM9ypotKcVqSRSxDbb6qB0rh1k3HyCuh+hzj8G4nuWbcbiPHuXgLcP0leL/Xj/Qj/AHrLNmF6TtzDp/8AVp3fLWKvKP0CzEoj7S2WTNOwhfnV+M6R0mcrJXD/ADKQOb2vjaLd63cJ9LkjbfSaW43vgfv+w8/8lND9AIuF0a09pauwgna92+N3MkH3XZnsyXYUteyTfY8CoNpFCIJRQiCUUKUBERAREQEREBERAREQEREBERAREQEREBczpVpbHRgxss+U7G7m9JXx030qFIzkYiDM8fqDieleA4ti01XLyMBc/lHWLhm6Vx9lvw+PVtC20n03klkdqu5R+d3E/Vs6vePm+5amH6JVNUW1FbLyTHZtdICXuH+VCLZdJ1R1q3wXBIaGznBktQLcHRQH4Rskk+I5DcDtVk6oc5xc9xLjtJNz3qxA+mG4NQU9uTphI4f4k9pD1iP1G9x61eDEZCAC8gDY0c0D7rclRskX1bMuimPbLS5ZOtqKdcZX6UUtOdWWUaw2taNYjrAvbtXypNPKFzg3lS2+9zCB32yWzlrHhMq9GgqyNjiOokL44jhlLVj8qpo5CfbLdWQdUjbO+aq6Sta9ocxwc1wuCDcEdBG1WUEywvj0mnE4/wCisH6zDpTrDMRSkNdcbOTlFhfhrW61X4LpzXYdL9GxKOSRrLAlwtPGNxufzg6zc8SvVYnrWxzBaeui5KpZew5kjbCSM8WO4fCbg8FzzCLnR7SWKoiZJHIJI3+q8buhwOYI3g5hdG1wIuF+bqmkrsAqg+Mh8UnWIqho2gjPUkA7R0jb7FodpTFVQtmiddjsnNPrRvG1jhuIuOsEEZEKI7BFAN80UEoiIClQiCUREBERAREQEREBERAREQEREBVekeLtpKd0pzdsYOLzsVovH/SfpDd0jgbsg5kY3OkOXj8gUHAaY4zJNK+LWLnyG8ztpz2MHSfC3FXGD4YKKO1vyh4tK7byLD/hN+L3iPs7Ab1mheHkufWyZlriIr+1Oc3P+4CLfE4e6r97EHw8+fxWQf58+KhzfPncvm4+fO9bKQr7iRVeLVMsskVFTu1XzXL5NvJQj1nZb8iB3bSFt6/nztWlo+8nE6k5XbEwAnhkSO/wXXrVdR5sp6OnwfDqeiZq00YBtnLYGRx3lz93ULBb1ZNyrXMnY2RpGbXND29ZBWmH5ZZXBJvv6k19pzAsLg7T1KxSNa0wcrVObhFZGYnn6LUk8pFckQuuBrtJz1c/kQb5L0OllXjmlda6cyvuAxrtVjT62qNh7Tn2r0/R6Yup6dx2uijJ6y0LKcfL7vy2yh1NO9brCqylcrGNceSPFJYYjQRVML4J2a0b9o3gjY9p9lw3H+C8kZ9IwHETe74n217DKaC51ZGjc9ueXEEbDdeyBUmmOAiupXRgfWx3fAfitzmdTgLdeqdy1wOr0fxNkrGarw5j2h0bgcnNIuLdiul4h6Kcbc0voHk8y8lPfaBf6yPsJuB0u4L2qlm12B3Hb1qTGkl9URFBKIiCUREBERAREQEREBERAREQEREFfjtZyNNJINtrN+0cgvz/AKXwvmmjgYCdTnEcZH5NHXb95e16aSXbHHxJcezIeK4umwYA/SHDNzi4eDO7moKuGgEMccDfVibq34nMvd2uLj95YPiV06n8/NfCSm8+elBRyR+fPBakrVeTU3nz0qvqIFtxrCqcVraMtJxKq5ut9UzLsC+UOI8pK6LUI1S4Xvt1TbhvWzoo1v8A1Gp1ta3JM9Xau+td8vq2VjcxDqAy4y59mm49xVukEpELg062uADJ/wCNvtHzxV46Pmt18hqHV1Np+2qHFYi+Vxf61oxGG/myL5a/au7HhiZb64duLxql/J5XhuuAfzvYMrL0bRv+7U/6KP8AcC5PSmlAp6jXuH3GTb8nsHzV7BiX0Wggm1C+0cI1QbbWtG1auJrrJ+zXkpyy7alKsolzmi+J/Sqdk+oWaxcNUm9tVxbtt0XXRxLysvVpl9gslipWhHlWmlMaDE2VkQyc4TtA43tOztu7/UXsuj1WHDmm7XgOYeIIv4FcD6TKMPpGS74ZB+pINU/taisfRrXF1FTE7YiYj1McQ39nVWdo3WJWem3o6IiwYilQpCgKVCkICIiAiIgIiICIiAiIgIoRBy+krdacDg0DvumMUwYyNoH9AP5r64q29Qfu+AWxjwuY+o/wQc2YF8nU/n5q15NYmLz2IKSWlVdU0a6l8K056dbKdVh5Bhkd6yVvTN8nq80PjIxOps8M+qZmR0DJV2BN/tOZp3uqAOx5PgF0OjkRbi1Q3UDi+NpAOywAzXp4fJ0YI3eF5UN1WENPJF8ZuXZ8px1fO9V5pQA9rW8m0hl4nZuk+yd3BW07dthypa0tcCMos9o87liWAkgXkFma0pHOjtwXp01Ed99+D1601Dl9K6fVoqlrSI23/Mkc7dndaeKj+yovsweDVe6YMtQzu1Q9r3WbKfWOwKgxp9sNjYdtoR2gfyXHxUxvfy776vP4yNWj0dN6O/7hF9qX/ccuxiXD6Ay2oYx8Un+45dbHOvJydXDKwumstQTpyvnsWhGnpawPoKoHdGXdrCHj5tCovRnJaGobwlDv1o2j/grnSKT8jqv0MvzYVQej42ZUdLmfulboj+3Pqzj4ZexxOu1p4gH5LNfCiP1cf2W+AX3C0tYiIoJQIgQSiIgIiICIiAiIgKERARFCoosVbaYnoafPcvtiwvqHrHeL/wAExplnMdxBHaMx4lRUu1oGu921/A/JFaNkIRRdEYuWrOFtFfGQLKqvINLInUWJioaOa8iVvSDzZW9e39YK8xGJz+SrqQ6zmNvZu2SA5kDeSLk225neF0elGBMrITE46rmnWjf7r+n4TsP4gLzWgxOpwuV1PPG4sBuWXzbf24nbCD3HoN124smmylprMTD0PDcYp6ljnRSCI6oBZfNx6eKsK17Wa5mnawagyGQcBuK5BtXhlYdcuYHnaQ/kZCfiacnHpt2r5VlPQR857i62zlKkW7mgE967Yzx3p6McdGvGPFjjmItrXjk26lPEQX8HvGxoG+/hc8FzmkFaZXshbmWm5A3vdk1vXn+0ssXx8O5kFrNyaQ3VYwfA3eenxWxgeFGK00w55zjadov7buB4DpvwXLly7cOXLOS25dXg7RDFHED6jQCeJ2uPffvVvFU+fmucglW9FP589K4bztoXrZ19BMqdk/nz0r7Nm8/L8VgGk1Tajm+IBv67gPArT0NbqwyH35MuoNaPEnuWlpRU3EUQPrOLz9losPmR3K+0Ypf7tDvJBd94657gbdi361h9ZbOlPWXp1O2zGjg0D5L6hQpC52tKIiiJQIpCAiIgIiICIiAiIghEQoIREVGji8WtESNrOd2Db8rrSoXBzHRnYR8irkrnC0wylm4Zt6WHZ3bOxWFfGInNp2sJa7rG/tFj2rJY4ueTe2f2H2bL0e6/q3HoPQpVtGlmArFylQVEfB7FXYphUNSzk54mvaNl8i08WuGbexWxCwLVnFtK81xz0ewMjlmime0Rtc/UewPvqgmwcLcOC5rRbRuOr5Rxk1BHq5BmsXa19mYtsXrukLPyOq/Qy/uOXn/owbdlV1xeD1n7Q23KbA6emziYS8bJJLOcOlrQLNPTa/SvnLHmSe3+f4LoKqLz/RVc8fnzsWM2Gi3Lz5zX3ZIsHt8+dgWF/PnwWCN5kvnzwX3ZJ589CrmuWtiVUbCFh50m34Wbz1nzsVpSbWiseaxG51DKl/KakvPqbB+iZcuPbnbrC9F0HpzJM+cjJgsPtO/l4riaKn5KNrGjny6uXCP2B942d1Bq9a0dw76PTsj9o85/2jtW7iJjcUjpXuWeWY3yx5LRSFAUhczWlERREqVClAREQEREBERAREQQiIghQpUFUQVXYvSGRgcwc9mbekb29viArErFFc7TyNkjMbhcOBFj8welUtNUGnkFNMeacoHneN0bjxG7j17egxehLHGaMXBzkaNv229PEb1V19KyqiLTZ2sP1ulvxLdjms+7ZspqfdlsKFzVPjD6R3JVhLo9jJ7XLR7so/5d/FdHHIHNDmkEOFwQbgjiCFL47UnUpek0nUpXnOlmEY9JWzPonTiA6nJ6lVCxuUbQ6zXSAjnB20L0ZFgweQSaPaSuBa81DmuBDmmspyCDkQfrdi1YNEschvyEUkWtbW1aqmF7bL2l6SvZ3rUmU0aeSP0f0g3mf/26f/6rqqaGRsMTZr8o1jRJchx1w0B13C4JvfMXXQVDfP8AVV07UFVIzz58Stdw8+fFb8rFUV9e1juTYNeQ+yN3S47llWs2nULETPhCKyqEYB2udkxu9x/gF9sIotVrqmozucx7790Y+EC1+A6SFOGYTYGpqnbcr2zJ9yIHx2Df09BgGDSYhMHObqQR5ADYG7dVvEned6651w8aj45/j8t86xRr/L7LbQTB3TSmtmFwCSy49Z3G3AL0NfKngbGxrGCzWiwHQvquJzpCyCxCyUBSFCkKIKVClAREQEREBERAREQFClQghCpUKjEqFkViUViVR4jhTmkyU425vj2Ani33XfIq9KxKo46eOKpa5sgs4ZOuMweD27+vxXLVOD1dATJSPswm5YefC49XsHuK9LxDC45szdrxse3Jw/EdBVPLTVMF+byjfeZk63xMOR7O5dOPiJrHLaNx/qW+maYjltG476OTpdNWN5tZC+E+80GSM9w1h3dqvqHF6af8zPG/oa8EjrbtCwlgo57h7AHb9XmO7WOFvkqiu0DpZb2c3qewj5tv4LPl4e/S019fFlNMNultev4dK9akoXLnQOVv5uqLbbNWpe38Fg7Qic+vWPI6atx/ip/T1/UhPYx/3H1XVZKxgJe5rQN5cAucrdI6YG0bjK7hGNb9rZ8192aCU4OtLMwnjz5D4fxW9Hh1FAMmOefiIjb3NuT3p7PDX4r79IPZ4462+jmmMrax2oxhiafZbznkdLt3nNWVLhdPRjnASSe403aD/mPG3qb3roIKSqqRqQx6kZ22bybO07Xdt10WDaHxREPm+seN1uaD1b0niOWNYo18/NJyxHhSNfdzOC6Nz1rxNUXbGNgtbmjY1jdjWr0ejpWRMbHG0Na3YAvqBbIKVyNKVIUBZBRAKURRBSiIClQpQEREBERAREQEREBQpUIChSiCFiVkhVGChZEKLIrAhRZZqLKjUqqCKUWkja7rAVe/RyH/AA3yR9DZDbuNwruyWVVzztHn7qp3bGw+AWH/AG1IdtSeyNq6OymyDnWaKx+3NI7tDf3QrCkwOmiN2RNvxPOPeVZWRREALJFKCFNkAWQCgBSiIgpRFARFKAiIgIiICIiAiIgIiICIiCEREBQiICiyhFRFksiIqERFQRSiCFKIgKbIiglSiIgpRFAREQSiIgIiICIiAiIg/9k="/>
+          </a:p>
+        </p:txBody>
+      </p:sp>
+      <p:sp>
+        <p:nvSpPr>
+          <p:cNvPr id="5123" name="AutoShape 2" descr="data:image/jpeg;base64,/9j/4AAQSkZJRgABAQAAAQABAAD/2wCEAAkGBxAQDxAPDxAVFRUQFRUWEhUYEhYWGBUSFRUWGBUWFxgYHSggGBolGxUWIzEhJiktLi4uFx8zODMtNygtLisBCgoKDg0OGBAQGC0mHx0rLTcrLSstLSstKystNjcrKystLSstLSstLSsrNy0rLS0tKysrMSs3ListLTctLSsrK//AABEIALcBEwMBIgACEQEDEQH/xAAcAAEAAgMBAQEAAAAAAAAAAAAAAQUCBAYHAwj/xABIEAABAwICBQgGBQkHBQAAAAABAAIDBBEFIQYSMUFREyJhcYGRsfAHMkJSYqEUI3KC0SQzc5KissHh8SU0Q2OTs8IVFlOU0//EABkBAQEAAwEAAAAAAAAAAAAAAAABAgMEBf/EAC4RAQACAgAEAwcDBQAAAAAAAAABAgMRBBIx8CFBcRMiMmGRseFTgaEUI0JRUv/aAAwDAQACEQMRAD8A9xREQEREBERAREQEREBERAREQEREBERAREQEREBERAREQEREBERAREQEREBERAREQEREBERAREQEREBERARatfXxQN15Xho69q4nHPSE1jSYy1jB7bzbuv4IO+e8NzJA6zZac2LQN2yBeFYt6TNYnkxJMeN+TZ3nM9ypotKcVqSRSxDbb6qB0rh1k3HyCuh+hzj8G4nuWbcbiPHuXgLcP0leL/Xj/Qj/AHrLNmF6TtzDp/8AVp3fLWKvKP0CzEoj7S2WTNOwhfnV+M6R0mcrJXD/ADKQOb2vjaLd63cJ9LkjbfSaW43vgfv+w8/8lND9AIuF0a09pauwgna92+N3MkH3XZnsyXYUteyTfY8CoNpFCIJRQiCUUKUBERAREQEREBERAREQEREBERAREQEREBczpVpbHRgxss+U7G7m9JXx030qFIzkYiDM8fqDieleA4ti01XLyMBc/lHWLhm6Vx9lvw+PVtC20n03klkdqu5R+d3E/Vs6vePm+5amH6JVNUW1FbLyTHZtdICXuH+VCLZdJ1R1q3wXBIaGznBktQLcHRQH4Rskk+I5DcDtVk6oc5xc9xLjtJNz3qxA+mG4NQU9uTphI4f4k9pD1iP1G9x61eDEZCAC8gDY0c0D7rclRskX1bMuimPbLS5ZOtqKdcZX6UUtOdWWUaw2taNYjrAvbtXypNPKFzg3lS2+9zCB32yWzlrHhMq9GgqyNjiOokL44jhlLVj8qpo5CfbLdWQdUjbO+aq6Sta9ocxwc1wuCDcEdBG1WUEywvj0mnE4/wCisH6zDpTrDMRSkNdcbOTlFhfhrW61X4LpzXYdL9GxKOSRrLAlwtPGNxufzg6zc8SvVYnrWxzBaeui5KpZew5kjbCSM8WO4fCbg8FzzCLnR7SWKoiZJHIJI3+q8buhwOYI3g5hdG1wIuF+bqmkrsAqg+Mh8UnWIqho2gjPUkA7R0jb7FodpTFVQtmiddjsnNPrRvG1jhuIuOsEEZEKI7BFAN80UEoiIClQiCUREBERAREQEREBERAREQEREBVekeLtpKd0pzdsYOLzsVovH/SfpDd0jgbsg5kY3OkOXj8gUHAaY4zJNK+LWLnyG8ztpz2MHSfC3FXGD4YKKO1vyh4tK7byLD/hN+L3iPs7Ab1mheHkufWyZlriIr+1Oc3P+4CLfE4e6r97EHw8+fxWQf58+KhzfPncvm4+fO9bKQr7iRVeLVMsskVFTu1XzXL5NvJQj1nZb8iB3bSFt6/nztWlo+8nE6k5XbEwAnhkSO/wXXrVdR5sp6OnwfDqeiZq00YBtnLYGRx3lz93ULBb1ZNyrXMnY2RpGbXND29ZBWmH5ZZXBJvv6k19pzAsLg7T1KxSNa0wcrVObhFZGYnn6LUk8pFckQuuBrtJz1c/kQb5L0OllXjmlda6cyvuAxrtVjT62qNh7Tn2r0/R6Yup6dx2uijJ6y0LKcfL7vy2yh1NO9brCqylcrGNceSPFJYYjQRVML4J2a0b9o3gjY9p9lw3H+C8kZ9IwHETe74n217DKaC51ZGjc9ueXEEbDdeyBUmmOAiupXRgfWx3fAfitzmdTgLdeqdy1wOr0fxNkrGarw5j2h0bgcnNIuLdiul4h6Kcbc0voHk8y8lPfaBf6yPsJuB0u4L2qlm12B3Hb1qTGkl9URFBKIiCUREBERAREQEREBERAREQEREFfjtZyNNJINtrN+0cgvz/AKXwvmmjgYCdTnEcZH5NHXb95e16aSXbHHxJcezIeK4umwYA/SHDNzi4eDO7moKuGgEMccDfVibq34nMvd2uLj95YPiV06n8/NfCSm8+elBRyR+fPBakrVeTU3nz0qvqIFtxrCqcVraMtJxKq5ut9UzLsC+UOI8pK6LUI1S4Xvt1TbhvWzoo1v8A1Gp1ta3JM9Xau+td8vq2VjcxDqAy4y59mm49xVukEpELg062uADJ/wCNvtHzxV46Pmt18hqHV1Np+2qHFYi+Vxf61oxGG/myL5a/au7HhiZb64duLxql/J5XhuuAfzvYMrL0bRv+7U/6KP8AcC5PSmlAp6jXuH3GTb8nsHzV7BiX0Wggm1C+0cI1QbbWtG1auJrrJ+zXkpyy7alKsolzmi+J/Sqdk+oWaxcNUm9tVxbtt0XXRxLysvVpl9gslipWhHlWmlMaDE2VkQyc4TtA43tOztu7/UXsuj1WHDmm7XgOYeIIv4FcD6TKMPpGS74ZB+pINU/taisfRrXF1FTE7YiYj1McQ39nVWdo3WJWem3o6IiwYilQpCgKVCkICIiAiIgIiICIiAiIgIoRBy+krdacDg0DvumMUwYyNoH9AP5r64q29Qfu+AWxjwuY+o/wQc2YF8nU/n5q15NYmLz2IKSWlVdU0a6l8K056dbKdVh5Bhkd6yVvTN8nq80PjIxOps8M+qZmR0DJV2BN/tOZp3uqAOx5PgF0OjkRbi1Q3UDi+NpAOywAzXp4fJ0YI3eF5UN1WENPJF8ZuXZ8px1fO9V5pQA9rW8m0hl4nZuk+yd3BW07dthypa0tcCMos9o87liWAkgXkFma0pHOjtwXp01Ed99+D1601Dl9K6fVoqlrSI23/Mkc7dndaeKj+yovsweDVe6YMtQzu1Q9r3WbKfWOwKgxp9sNjYdtoR2gfyXHxUxvfy776vP4yNWj0dN6O/7hF9qX/ccuxiXD6Ay2oYx8Un+45dbHOvJydXDKwumstQTpyvnsWhGnpawPoKoHdGXdrCHj5tCovRnJaGobwlDv1o2j/grnSKT8jqv0MvzYVQej42ZUdLmfulboj+3Pqzj4ZexxOu1p4gH5LNfCiP1cf2W+AX3C0tYiIoJQIgQSiIgIiICIiAiIgKERARFCoosVbaYnoafPcvtiwvqHrHeL/wAExplnMdxBHaMx4lRUu1oGu921/A/JFaNkIRRdEYuWrOFtFfGQLKqvINLInUWJioaOa8iVvSDzZW9e39YK8xGJz+SrqQ6zmNvZu2SA5kDeSLk225neF0elGBMrITE46rmnWjf7r+n4TsP4gLzWgxOpwuV1PPG4sBuWXzbf24nbCD3HoN124smmylprMTD0PDcYp6ljnRSCI6oBZfNx6eKsK17Wa5mnawagyGQcBuK5BtXhlYdcuYHnaQ/kZCfiacnHpt2r5VlPQR857i62zlKkW7mgE967Yzx3p6McdGvGPFjjmItrXjk26lPEQX8HvGxoG+/hc8FzmkFaZXshbmWm5A3vdk1vXn+0ssXx8O5kFrNyaQ3VYwfA3eenxWxgeFGK00w55zjadov7buB4DpvwXLly7cOXLOS25dXg7RDFHED6jQCeJ2uPffvVvFU+fmucglW9FP589K4bztoXrZ19BMqdk/nz0r7Nm8/L8VgGk1Tajm+IBv67gPArT0NbqwyH35MuoNaPEnuWlpRU3EUQPrOLz9losPmR3K+0Ypf7tDvJBd94657gbdi361h9ZbOlPWXp1O2zGjg0D5L6hQpC52tKIiiJQIpCAiIgIiICIiAiIghEQoIREVGji8WtESNrOd2Db8rrSoXBzHRnYR8irkrnC0wylm4Zt6WHZ3bOxWFfGInNp2sJa7rG/tFj2rJY4ueTe2f2H2bL0e6/q3HoPQpVtGlmArFylQVEfB7FXYphUNSzk54mvaNl8i08WuGbexWxCwLVnFtK81xz0ewMjlmime0Rtc/UewPvqgmwcLcOC5rRbRuOr5Rxk1BHq5BmsXa19mYtsXrukLPyOq/Qy/uOXn/owbdlV1xeD1n7Q23KbA6emziYS8bJJLOcOlrQLNPTa/SvnLHmSe3+f4LoKqLz/RVc8fnzsWM2Gi3Lz5zX3ZIsHt8+dgWF/PnwWCN5kvnzwX3ZJ589CrmuWtiVUbCFh50m34Wbz1nzsVpSbWiseaxG51DKl/KakvPqbB+iZcuPbnbrC9F0HpzJM+cjJgsPtO/l4riaKn5KNrGjny6uXCP2B942d1Bq9a0dw76PTsj9o85/2jtW7iJjcUjpXuWeWY3yx5LRSFAUhczWlERREqVClAREQEREBERAREQQiIghQpUFUQVXYvSGRgcwc9mbekb29viArErFFc7TyNkjMbhcOBFj8welUtNUGnkFNMeacoHneN0bjxG7j17egxehLHGaMXBzkaNv229PEb1V19KyqiLTZ2sP1ulvxLdjms+7ZspqfdlsKFzVPjD6R3JVhLo9jJ7XLR7so/5d/FdHHIHNDmkEOFwQbgjiCFL47UnUpek0nUpXnOlmEY9JWzPonTiA6nJ6lVCxuUbQ6zXSAjnB20L0ZFgweQSaPaSuBa81DmuBDmmspyCDkQfrdi1YNEschvyEUkWtbW1aqmF7bL2l6SvZ3rUmU0aeSP0f0g3mf/26f/6rqqaGRsMTZr8o1jRJchx1w0B13C4JvfMXXQVDfP8AVV07UFVIzz58Stdw8+fFb8rFUV9e1juTYNeQ+yN3S47llWs2nULETPhCKyqEYB2udkxu9x/gF9sIotVrqmozucx7790Y+EC1+A6SFOGYTYGpqnbcr2zJ9yIHx2Df09BgGDSYhMHObqQR5ADYG7dVvEned6651w8aj45/j8t86xRr/L7LbQTB3TSmtmFwCSy49Z3G3AL0NfKngbGxrGCzWiwHQvquJzpCyCxCyUBSFCkKIKVClAREQEREBERAREQFClQghCpUKjEqFkViUViVR4jhTmkyU425vj2Ani33XfIq9KxKo46eOKpa5sgs4ZOuMweD27+vxXLVOD1dATJSPswm5YefC49XsHuK9LxDC45szdrxse3Jw/EdBVPLTVMF+byjfeZk63xMOR7O5dOPiJrHLaNx/qW+maYjltG476OTpdNWN5tZC+E+80GSM9w1h3dqvqHF6af8zPG/oa8EjrbtCwlgo57h7AHb9XmO7WOFvkqiu0DpZb2c3qewj5tv4LPl4e/S019fFlNMNultev4dK9akoXLnQOVv5uqLbbNWpe38Fg7Qic+vWPI6atx/ip/T1/UhPYx/3H1XVZKxgJe5rQN5cAucrdI6YG0bjK7hGNb9rZ8192aCU4OtLMwnjz5D4fxW9Hh1FAMmOefiIjb3NuT3p7PDX4r79IPZ4462+jmmMrax2oxhiafZbznkdLt3nNWVLhdPRjnASSe403aD/mPG3qb3roIKSqqRqQx6kZ22bybO07Xdt10WDaHxREPm+seN1uaD1b0niOWNYo18/NJyxHhSNfdzOC6Nz1rxNUXbGNgtbmjY1jdjWr0ejpWRMbHG0Na3YAvqBbIKVyNKVIUBZBRAKURRBSiIClQpQEREBERAREQEREBQpUIChSiCFiVkhVGChZEKLIrAhRZZqLKjUqqCKUWkja7rAVe/RyH/AA3yR9DZDbuNwruyWVVzztHn7qp3bGw+AWH/AG1IdtSeyNq6OymyDnWaKx+3NI7tDf3QrCkwOmiN2RNvxPOPeVZWRREALJFKCFNkAWQCgBSiIgpRFARFKAiIgIiICIiAiIgIiICIiCEREBQiICiyhFRFksiIqERFQRSiCFKIgKbIiglSiIgpRFAREQSiIgIiICIiAiIg/9k="/>
           <p:cNvSpPr>
             <a:spLocks noChangeAspect="1" noChangeArrowheads="1"/>
           </p:cNvSpPr>
@@ -4132,22 +4516,26 @@
             <a:avLst/>
           </a:prstGeom>
           <a:noFill/>
-        </p:spPr>
-        <p:txBody>
-          <a:bodyPr vert="horz" wrap="square" lIns="91440" tIns="45720" rIns="91440" bIns="45720" numCol="1" anchor="t" anchorCtr="0" compatLnSpc="1">
-            <a:prstTxWarp prst="textNoShape">
-              <a:avLst/>
-            </a:prstTxWarp>
-          </a:bodyPr>
-          <a:lstStyle/>
-          <a:p>
-            <a:endParaRPr lang="ru-RU"/>
-          </a:p>
-        </p:txBody>
-      </p:sp>
-      <p:sp>
-        <p:nvSpPr>
-          <p:cNvPr id="2052" name="AutoShape 4" descr="data:image/jpeg;base64,/9j/4AAQSkZJRgABAQAAAQABAAD/2wCEAAkGBxAQDxAPDxAVFRUQFRUWEhUYEhYWGBUSFRUWGBUWFxgYHSggGBolGxUWIzEhJiktLi4uFx8zODMtNygtLisBCgoKDg0OGBAQGC0mHx0rLTcrLSstLSstKystNjcrKystLSstLSstLSsrNy0rLS0tKysrMSs3ListLTctLSsrK//AABEIALcBEwMBIgACEQEDEQH/xAAcAAEAAgMBAQEAAAAAAAAAAAAAAQUCBAYHAwj/xABIEAABAwICBQgGBQkHBQAAAAABAAIDBBEFIQYSMUFREyJhcYGRsfAHMkJSYqEUI3KC0SQzc5KissHh8SU0Q2OTs8IVFlOU0//EABkBAQEAAwEAAAAAAAAAAAAAAAABAgMEBf/EAC4RAQACAgAEAwcDBQAAAAAAAAABAgMRBBIx8CFBcRMiMmGRseFTgaEUI0JRUv/aAAwDAQACEQMRAD8A9xREQEREBERAREQEREBERAREQEREBERAREQEREBERAREQEREBERAREQEREBERAREQEREBERAREQEREBERARatfXxQN15Xho69q4nHPSE1jSYy1jB7bzbuv4IO+e8NzJA6zZac2LQN2yBeFYt6TNYnkxJMeN+TZ3nM9ypotKcVqSRSxDbb6qB0rh1k3HyCuh+hzj8G4nuWbcbiPHuXgLcP0leL/Xj/Qj/AHrLNmF6TtzDp/8AVp3fLWKvKP0CzEoj7S2WTNOwhfnV+M6R0mcrJXD/ADKQOb2vjaLd63cJ9LkjbfSaW43vgfv+w8/8lND9AIuF0a09pauwgna92+N3MkH3XZnsyXYUteyTfY8CoNpFCIJRQiCUUKUBERAREQEREBERAREQEREBERAREQEREBczpVpbHRgxss+U7G7m9JXx030qFIzkYiDM8fqDieleA4ti01XLyMBc/lHWLhm6Vx9lvw+PVtC20n03klkdqu5R+d3E/Vs6vePm+5amH6JVNUW1FbLyTHZtdICXuH+VCLZdJ1R1q3wXBIaGznBktQLcHRQH4Rskk+I5DcDtVk6oc5xc9xLjtJNz3qxA+mG4NQU9uTphI4f4k9pD1iP1G9x61eDEZCAC8gDY0c0D7rclRskX1bMuimPbLS5ZOtqKdcZX6UUtOdWWUaw2taNYjrAvbtXypNPKFzg3lS2+9zCB32yWzlrHhMq9GgqyNjiOokL44jhlLVj8qpo5CfbLdWQdUjbO+aq6Sta9ocxwc1wuCDcEdBG1WUEywvj0mnE4/wCisH6zDpTrDMRSkNdcbOTlFhfhrW61X4LpzXYdL9GxKOSRrLAlwtPGNxufzg6zc8SvVYnrWxzBaeui5KpZew5kjbCSM8WO4fCbg8FzzCLnR7SWKoiZJHIJI3+q8buhwOYI3g5hdG1wIuF+bqmkrsAqg+Mh8UnWIqho2gjPUkA7R0jb7FodpTFVQtmiddjsnNPrRvG1jhuIuOsEEZEKI7BFAN80UEoiIClQiCUREBERAREQEREBERAREQEREBVekeLtpKd0pzdsYOLzsVovH/SfpDd0jgbsg5kY3OkOXj8gUHAaY4zJNK+LWLnyG8ztpz2MHSfC3FXGD4YKKO1vyh4tK7byLD/hN+L3iPs7Ab1mheHkufWyZlriIr+1Oc3P+4CLfE4e6r97EHw8+fxWQf58+KhzfPncvm4+fO9bKQr7iRVeLVMsskVFTu1XzXL5NvJQj1nZb8iB3bSFt6/nztWlo+8nE6k5XbEwAnhkSO/wXXrVdR5sp6OnwfDqeiZq00YBtnLYGRx3lz93ULBb1ZNyrXMnY2RpGbXND29ZBWmH5ZZXBJvv6k19pzAsLg7T1KxSNa0wcrVObhFZGYnn6LUk8pFckQuuBrtJz1c/kQb5L0OllXjmlda6cyvuAxrtVjT62qNh7Tn2r0/R6Yup6dx2uijJ6y0LKcfL7vy2yh1NO9brCqylcrGNceSPFJYYjQRVML4J2a0b9o3gjY9p9lw3H+C8kZ9IwHETe74n217DKaC51ZGjc9ueXEEbDdeyBUmmOAiupXRgfWx3fAfitzmdTgLdeqdy1wOr0fxNkrGarw5j2h0bgcnNIuLdiul4h6Kcbc0voHk8y8lPfaBf6yPsJuB0u4L2qlm12B3Hb1qTGkl9URFBKIiCUREBERAREQEREBERAREQEREFfjtZyNNJINtrN+0cgvz/AKXwvmmjgYCdTnEcZH5NHXb95e16aSXbHHxJcezIeK4umwYA/SHDNzi4eDO7moKuGgEMccDfVibq34nMvd2uLj95YPiV06n8/NfCSm8+elBRyR+fPBakrVeTU3nz0qvqIFtxrCqcVraMtJxKq5ut9UzLsC+UOI8pK6LUI1S4Xvt1TbhvWzoo1v8A1Gp1ta3JM9Xau+td8vq2VjcxDqAy4y59mm49xVukEpELg062uADJ/wCNvtHzxV46Pmt18hqHV1Np+2qHFYi+Vxf61oxGG/myL5a/au7HhiZb64duLxql/J5XhuuAfzvYMrL0bRv+7U/6KP8AcC5PSmlAp6jXuH3GTb8nsHzV7BiX0Wggm1C+0cI1QbbWtG1auJrrJ+zXkpyy7alKsolzmi+J/Sqdk+oWaxcNUm9tVxbtt0XXRxLysvVpl9gslipWhHlWmlMaDE2VkQyc4TtA43tOztu7/UXsuj1WHDmm7XgOYeIIv4FcD6TKMPpGS74ZB+pINU/taisfRrXF1FTE7YiYj1McQ39nVWdo3WJWem3o6IiwYilQpCgKVCkICIiAiIgIiICIiAiIgIoRBy+krdacDg0DvumMUwYyNoH9AP5r64q29Qfu+AWxjwuY+o/wQc2YF8nU/n5q15NYmLz2IKSWlVdU0a6l8K056dbKdVh5Bhkd6yVvTN8nq80PjIxOps8M+qZmR0DJV2BN/tOZp3uqAOx5PgF0OjkRbi1Q3UDi+NpAOywAzXp4fJ0YI3eF5UN1WENPJF8ZuXZ8px1fO9V5pQA9rW8m0hl4nZuk+yd3BW07dthypa0tcCMos9o87liWAkgXkFma0pHOjtwXp01Ed99+D1601Dl9K6fVoqlrSI23/Mkc7dndaeKj+yovsweDVe6YMtQzu1Q9r3WbKfWOwKgxp9sNjYdtoR2gfyXHxUxvfy776vP4yNWj0dN6O/7hF9qX/ccuxiXD6Ay2oYx8Un+45dbHOvJydXDKwumstQTpyvnsWhGnpawPoKoHdGXdrCHj5tCovRnJaGobwlDv1o2j/grnSKT8jqv0MvzYVQej42ZUdLmfulboj+3Pqzj4ZexxOu1p4gH5LNfCiP1cf2W+AX3C0tYiIoJQIgQSiIgIiICIiAiIgKERARFCoosVbaYnoafPcvtiwvqHrHeL/wAExplnMdxBHaMx4lRUu1oGu921/A/JFaNkIRRdEYuWrOFtFfGQLKqvINLInUWJioaOa8iVvSDzZW9e39YK8xGJz+SrqQ6zmNvZu2SA5kDeSLk225neF0elGBMrITE46rmnWjf7r+n4TsP4gLzWgxOpwuV1PPG4sBuWXzbf24nbCD3HoN124smmylprMTD0PDcYp6ljnRSCI6oBZfNx6eKsK17Wa5mnawagyGQcBuK5BtXhlYdcuYHnaQ/kZCfiacnHpt2r5VlPQR857i62zlKkW7mgE967Yzx3p6McdGvGPFjjmItrXjk26lPEQX8HvGxoG+/hc8FzmkFaZXshbmWm5A3vdk1vXn+0ssXx8O5kFrNyaQ3VYwfA3eenxWxgeFGK00w55zjadov7buB4DpvwXLly7cOXLOS25dXg7RDFHED6jQCeJ2uPffvVvFU+fmucglW9FP589K4bztoXrZ19BMqdk/nz0r7Nm8/L8VgGk1Tajm+IBv67gPArT0NbqwyH35MuoNaPEnuWlpRU3EUQPrOLz9losPmR3K+0Ypf7tDvJBd94657gbdi361h9ZbOlPWXp1O2zGjg0D5L6hQpC52tKIiiJQIpCAiIgIiICIiAiIghEQoIREVGji8WtESNrOd2Db8rrSoXBzHRnYR8irkrnC0wylm4Zt6WHZ3bOxWFfGInNp2sJa7rG/tFj2rJY4ueTe2f2H2bL0e6/q3HoPQpVtGlmArFylQVEfB7FXYphUNSzk54mvaNl8i08WuGbexWxCwLVnFtK81xz0ewMjlmime0Rtc/UewPvqgmwcLcOC5rRbRuOr5Rxk1BHq5BmsXa19mYtsXrukLPyOq/Qy/uOXn/owbdlV1xeD1n7Q23KbA6emziYS8bJJLOcOlrQLNPTa/SvnLHmSe3+f4LoKqLz/RVc8fnzsWM2Gi3Lz5zX3ZIsHt8+dgWF/PnwWCN5kvnzwX3ZJ589CrmuWtiVUbCFh50m34Wbz1nzsVpSbWiseaxG51DKl/KakvPqbB+iZcuPbnbrC9F0HpzJM+cjJgsPtO/l4riaKn5KNrGjny6uXCP2B942d1Bq9a0dw76PTsj9o85/2jtW7iJjcUjpXuWeWY3yx5LRSFAUhczWlERREqVClAREQEREBERAREQQiIghQpUFUQVXYvSGRgcwc9mbekb29viArErFFc7TyNkjMbhcOBFj8welUtNUGnkFNMeacoHneN0bjxG7j17egxehLHGaMXBzkaNv229PEb1V19KyqiLTZ2sP1ulvxLdjms+7ZspqfdlsKFzVPjD6R3JVhLo9jJ7XLR7so/5d/FdHHIHNDmkEOFwQbgjiCFL47UnUpek0nUpXnOlmEY9JWzPonTiA6nJ6lVCxuUbQ6zXSAjnB20L0ZFgweQSaPaSuBa81DmuBDmmspyCDkQfrdi1YNEschvyEUkWtbW1aqmF7bL2l6SvZ3rUmU0aeSP0f0g3mf/26f/6rqqaGRsMTZr8o1jRJchx1w0B13C4JvfMXXQVDfP8AVV07UFVIzz58Stdw8+fFb8rFUV9e1juTYNeQ+yN3S47llWs2nULETPhCKyqEYB2udkxu9x/gF9sIotVrqmozucx7790Y+EC1+A6SFOGYTYGpqnbcr2zJ9yIHx2Df09BgGDSYhMHObqQR5ADYG7dVvEned6651w8aj45/j8t86xRr/L7LbQTB3TSmtmFwCSy49Z3G3AL0NfKngbGxrGCzWiwHQvquJzpCyCxCyUBSFCkKIKVClAREQEREBERAREQFClQghCpUKjEqFkViUViVR4jhTmkyU425vj2Ani33XfIq9KxKo46eOKpa5sgs4ZOuMweD27+vxXLVOD1dATJSPswm5YefC49XsHuK9LxDC45szdrxse3Jw/EdBVPLTVMF+byjfeZk63xMOR7O5dOPiJrHLaNx/qW+maYjltG476OTpdNWN5tZC+E+80GSM9w1h3dqvqHF6af8zPG/oa8EjrbtCwlgo57h7AHb9XmO7WOFvkqiu0DpZb2c3qewj5tv4LPl4e/S019fFlNMNultev4dK9akoXLnQOVv5uqLbbNWpe38Fg7Qic+vWPI6atx/ip/T1/UhPYx/3H1XVZKxgJe5rQN5cAucrdI6YG0bjK7hGNb9rZ8192aCU4OtLMwnjz5D4fxW9Hh1FAMmOefiIjb3NuT3p7PDX4r79IPZ4462+jmmMrax2oxhiafZbznkdLt3nNWVLhdPRjnASSe403aD/mPG3qb3roIKSqqRqQx6kZ22bybO07Xdt10WDaHxREPm+seN1uaD1b0niOWNYo18/NJyxHhSNfdzOC6Nz1rxNUXbGNgtbmjY1jdjWr0ejpWRMbHG0Na3YAvqBbIKVyNKVIUBZBRAKURRBSiIClQpQEREBERAREQEREBQpUIChSiCFiVkhVGChZEKLIrAhRZZqLKjUqqCKUWkja7rAVe/RyH/AA3yR9DZDbuNwruyWVVzztHn7qp3bGw+AWH/AG1IdtSeyNq6OymyDnWaKx+3NI7tDf3QrCkwOmiN2RNvxPOPeVZWRREALJFKCFNkAWQCgBSiIgpRFARFKAiIgIiICIiAiIgIiICIiCEREBQiICiyhFRFksiIqERFQRSiCFKIgKbIiglSiIgpRFAREQSiIgIiICIiAiIg/9k="/>
+          <a:ln w="9525">
+            <a:noFill/>
+            <a:miter lim="800000"/>
+            <a:headEnd/>
+            <a:tailEnd/>
+          </a:ln>
+        </p:spPr>
+        <p:txBody>
+          <a:bodyPr/>
+          <a:lstStyle/>
+          <a:p>
+            <a:endParaRPr lang="ru-RU">
+              <a:latin typeface="Calibri" pitchFamily="34" charset="0"/>
+            </a:endParaRPr>
+          </a:p>
+        </p:txBody>
+      </p:sp>
+      <p:sp>
+        <p:nvSpPr>
+          <p:cNvPr id="5124" name="AutoShape 4" descr="data:image/jpeg;base64,/9j/4AAQSkZJRgABAQAAAQABAAD/2wCEAAkGBxAQDxAPDxAVFRUQFRUWEhUYEhYWGBUSFRUWGBUWFxgYHSggGBolGxUWIzEhJiktLi4uFx8zODMtNygtLisBCgoKDg0OGBAQGC0mHx0rLTcrLSstLSstKystNjcrKystLSstLSstLSsrNy0rLS0tKysrMSs3ListLTctLSsrK//AABEIALcBEwMBIgACEQEDEQH/xAAcAAEAAgMBAQEAAAAAAAAAAAAAAQUCBAYHAwj/xABIEAABAwICBQgGBQkHBQAAAAABAAIDBBEFIQYSMUFREyJhcYGRsfAHMkJSYqEUI3KC0SQzc5KissHh8SU0Q2OTs8IVFlOU0//EABkBAQEAAwEAAAAAAAAAAAAAAAABAgMEBf/EAC4RAQACAgAEAwcDBQAAAAAAAAABAgMRBBIx8CFBcRMiMmGRseFTgaEUI0JRUv/aAAwDAQACEQMRAD8A9xREQEREBERAREQEREBERAREQEREBERAREQEREBERAREQEREBERAREQEREBERAREQEREBERAREQEREBERARatfXxQN15Xho69q4nHPSE1jSYy1jB7bzbuv4IO+e8NzJA6zZac2LQN2yBeFYt6TNYnkxJMeN+TZ3nM9ypotKcVqSRSxDbb6qB0rh1k3HyCuh+hzj8G4nuWbcbiPHuXgLcP0leL/Xj/Qj/AHrLNmF6TtzDp/8AVp3fLWKvKP0CzEoj7S2WTNOwhfnV+M6R0mcrJXD/ADKQOb2vjaLd63cJ9LkjbfSaW43vgfv+w8/8lND9AIuF0a09pauwgna92+N3MkH3XZnsyXYUteyTfY8CoNpFCIJRQiCUUKUBERAREQEREBERAREQEREBERAREQEREBczpVpbHRgxss+U7G7m9JXx030qFIzkYiDM8fqDieleA4ti01XLyMBc/lHWLhm6Vx9lvw+PVtC20n03klkdqu5R+d3E/Vs6vePm+5amH6JVNUW1FbLyTHZtdICXuH+VCLZdJ1R1q3wXBIaGznBktQLcHRQH4Rskk+I5DcDtVk6oc5xc9xLjtJNz3qxA+mG4NQU9uTphI4f4k9pD1iP1G9x61eDEZCAC8gDY0c0D7rclRskX1bMuimPbLS5ZOtqKdcZX6UUtOdWWUaw2taNYjrAvbtXypNPKFzg3lS2+9zCB32yWzlrHhMq9GgqyNjiOokL44jhlLVj8qpo5CfbLdWQdUjbO+aq6Sta9ocxwc1wuCDcEdBG1WUEywvj0mnE4/wCisH6zDpTrDMRSkNdcbOTlFhfhrW61X4LpzXYdL9GxKOSRrLAlwtPGNxufzg6zc8SvVYnrWxzBaeui5KpZew5kjbCSM8WO4fCbg8FzzCLnR7SWKoiZJHIJI3+q8buhwOYI3g5hdG1wIuF+bqmkrsAqg+Mh8UnWIqho2gjPUkA7R0jb7FodpTFVQtmiddjsnNPrRvG1jhuIuOsEEZEKI7BFAN80UEoiIClQiCUREBERAREQEREBERAREQEREBVekeLtpKd0pzdsYOLzsVovH/SfpDd0jgbsg5kY3OkOXj8gUHAaY4zJNK+LWLnyG8ztpz2MHSfC3FXGD4YKKO1vyh4tK7byLD/hN+L3iPs7Ab1mheHkufWyZlriIr+1Oc3P+4CLfE4e6r97EHw8+fxWQf58+KhzfPncvm4+fO9bKQr7iRVeLVMsskVFTu1XzXL5NvJQj1nZb8iB3bSFt6/nztWlo+8nE6k5XbEwAnhkSO/wXXrVdR5sp6OnwfDqeiZq00YBtnLYGRx3lz93ULBb1ZNyrXMnY2RpGbXND29ZBWmH5ZZXBJvv6k19pzAsLg7T1KxSNa0wcrVObhFZGYnn6LUk8pFckQuuBrtJz1c/kQb5L0OllXjmlda6cyvuAxrtVjT62qNh7Tn2r0/R6Yup6dx2uijJ6y0LKcfL7vy2yh1NO9brCqylcrGNceSPFJYYjQRVML4J2a0b9o3gjY9p9lw3H+C8kZ9IwHETe74n217DKaC51ZGjc9ueXEEbDdeyBUmmOAiupXRgfWx3fAfitzmdTgLdeqdy1wOr0fxNkrGarw5j2h0bgcnNIuLdiul4h6Kcbc0voHk8y8lPfaBf6yPsJuB0u4L2qlm12B3Hb1qTGkl9URFBKIiCUREBERAREQEREBERAREQEREFfjtZyNNJINtrN+0cgvz/AKXwvmmjgYCdTnEcZH5NHXb95e16aSXbHHxJcezIeK4umwYA/SHDNzi4eDO7moKuGgEMccDfVibq34nMvd2uLj95YPiV06n8/NfCSm8+elBRyR+fPBakrVeTU3nz0qvqIFtxrCqcVraMtJxKq5ut9UzLsC+UOI8pK6LUI1S4Xvt1TbhvWzoo1v8A1Gp1ta3JM9Xau+td8vq2VjcxDqAy4y59mm49xVukEpELg062uADJ/wCNvtHzxV46Pmt18hqHV1Np+2qHFYi+Vxf61oxGG/myL5a/au7HhiZb64duLxql/J5XhuuAfzvYMrL0bRv+7U/6KP8AcC5PSmlAp6jXuH3GTb8nsHzV7BiX0Wggm1C+0cI1QbbWtG1auJrrJ+zXkpyy7alKsolzmi+J/Sqdk+oWaxcNUm9tVxbtt0XXRxLysvVpl9gslipWhHlWmlMaDE2VkQyc4TtA43tOztu7/UXsuj1WHDmm7XgOYeIIv4FcD6TKMPpGS74ZB+pINU/taisfRrXF1FTE7YiYj1McQ39nVWdo3WJWem3o6IiwYilQpCgKVCkICIiAiIgIiICIiAiIgIoRBy+krdacDg0DvumMUwYyNoH9AP5r64q29Qfu+AWxjwuY+o/wQc2YF8nU/n5q15NYmLz2IKSWlVdU0a6l8K056dbKdVh5Bhkd6yVvTN8nq80PjIxOps8M+qZmR0DJV2BN/tOZp3uqAOx5PgF0OjkRbi1Q3UDi+NpAOywAzXp4fJ0YI3eF5UN1WENPJF8ZuXZ8px1fO9V5pQA9rW8m0hl4nZuk+yd3BW07dthypa0tcCMos9o87liWAkgXkFma0pHOjtwXp01Ed99+D1601Dl9K6fVoqlrSI23/Mkc7dndaeKj+yovsweDVe6YMtQzu1Q9r3WbKfWOwKgxp9sNjYdtoR2gfyXHxUxvfy776vP4yNWj0dN6O/7hF9qX/ccuxiXD6Ay2oYx8Un+45dbHOvJydXDKwumstQTpyvnsWhGnpawPoKoHdGXdrCHj5tCovRnJaGobwlDv1o2j/grnSKT8jqv0MvzYVQej42ZUdLmfulboj+3Pqzj4ZexxOu1p4gH5LNfCiP1cf2W+AX3C0tYiIoJQIgQSiIgIiICIiAiIgKERARFCoosVbaYnoafPcvtiwvqHrHeL/wAExplnMdxBHaMx4lRUu1oGu921/A/JFaNkIRRdEYuWrOFtFfGQLKqvINLInUWJioaOa8iVvSDzZW9e39YK8xGJz+SrqQ6zmNvZu2SA5kDeSLk225neF0elGBMrITE46rmnWjf7r+n4TsP4gLzWgxOpwuV1PPG4sBuWXzbf24nbCD3HoN124smmylprMTD0PDcYp6ljnRSCI6oBZfNx6eKsK17Wa5mnawagyGQcBuK5BtXhlYdcuYHnaQ/kZCfiacnHpt2r5VlPQR857i62zlKkW7mgE967Yzx3p6McdGvGPFjjmItrXjk26lPEQX8HvGxoG+/hc8FzmkFaZXshbmWm5A3vdk1vXn+0ssXx8O5kFrNyaQ3VYwfA3eenxWxgeFGK00w55zjadov7buB4DpvwXLly7cOXLOS25dXg7RDFHED6jQCeJ2uPffvVvFU+fmucglW9FP589K4bztoXrZ19BMqdk/nz0r7Nm8/L8VgGk1Tajm+IBv67gPArT0NbqwyH35MuoNaPEnuWlpRU3EUQPrOLz9losPmR3K+0Ypf7tDvJBd94657gbdi361h9ZbOlPWXp1O2zGjg0D5L6hQpC52tKIiiJQIpCAiIgIiICIiAiIghEQoIREVGji8WtESNrOd2Db8rrSoXBzHRnYR8irkrnC0wylm4Zt6WHZ3bOxWFfGInNp2sJa7rG/tFj2rJY4ueTe2f2H2bL0e6/q3HoPQpVtGlmArFylQVEfB7FXYphUNSzk54mvaNl8i08WuGbexWxCwLVnFtK81xz0ewMjlmime0Rtc/UewPvqgmwcLcOC5rRbRuOr5Rxk1BHq5BmsXa19mYtsXrukLPyOq/Qy/uOXn/owbdlV1xeD1n7Q23KbA6emziYS8bJJLOcOlrQLNPTa/SvnLHmSe3+f4LoKqLz/RVc8fnzsWM2Gi3Lz5zX3ZIsHt8+dgWF/PnwWCN5kvnzwX3ZJ589CrmuWtiVUbCFh50m34Wbz1nzsVpSbWiseaxG51DKl/KakvPqbB+iZcuPbnbrC9F0HpzJM+cjJgsPtO/l4riaKn5KNrGjny6uXCP2B942d1Bq9a0dw76PTsj9o85/2jtW7iJjcUjpXuWeWY3yx5LRSFAUhczWlERREqVClAREQEREBERAREQQiIghQpUFUQVXYvSGRgcwc9mbekb29viArErFFc7TyNkjMbhcOBFj8welUtNUGnkFNMeacoHneN0bjxG7j17egxehLHGaMXBzkaNv229PEb1V19KyqiLTZ2sP1ulvxLdjms+7ZspqfdlsKFzVPjD6R3JVhLo9jJ7XLR7so/5d/FdHHIHNDmkEOFwQbgjiCFL47UnUpek0nUpXnOlmEY9JWzPonTiA6nJ6lVCxuUbQ6zXSAjnB20L0ZFgweQSaPaSuBa81DmuBDmmspyCDkQfrdi1YNEschvyEUkWtbW1aqmF7bL2l6SvZ3rUmU0aeSP0f0g3mf/26f/6rqqaGRsMTZr8o1jRJchx1w0B13C4JvfMXXQVDfP8AVV07UFVIzz58Stdw8+fFb8rFUV9e1juTYNeQ+yN3S47llWs2nULETPhCKyqEYB2udkxu9x/gF9sIotVrqmozucx7790Y+EC1+A6SFOGYTYGpqnbcr2zJ9yIHx2Df09BgGDSYhMHObqQR5ADYG7dVvEned6651w8aj45/j8t86xRr/L7LbQTB3TSmtmFwCSy49Z3G3AL0NfKngbGxrGCzWiwHQvquJzpCyCxCyUBSFCkKIKVClAREQEREBERAREQFClQghCpUKjEqFkViUViVR4jhTmkyU425vj2Ani33XfIq9KxKo46eOKpa5sgs4ZOuMweD27+vxXLVOD1dATJSPswm5YefC49XsHuK9LxDC45szdrxse3Jw/EdBVPLTVMF+byjfeZk63xMOR7O5dOPiJrHLaNx/qW+maYjltG476OTpdNWN5tZC+E+80GSM9w1h3dqvqHF6af8zPG/oa8EjrbtCwlgo57h7AHb9XmO7WOFvkqiu0DpZb2c3qewj5tv4LPl4e/S019fFlNMNultev4dK9akoXLnQOVv5uqLbbNWpe38Fg7Qic+vWPI6atx/ip/T1/UhPYx/3H1XVZKxgJe5rQN5cAucrdI6YG0bjK7hGNb9rZ8192aCU4OtLMwnjz5D4fxW9Hh1FAMmOefiIjb3NuT3p7PDX4r79IPZ4462+jmmMrax2oxhiafZbznkdLt3nNWVLhdPRjnASSe403aD/mPG3qb3roIKSqqRqQx6kZ22bybO07Xdt10WDaHxREPm+seN1uaD1b0niOWNYo18/NJyxHhSNfdzOC6Nz1rxNUXbGNgtbmjY1jdjWr0ejpWRMbHG0Na3YAvqBbIKVyNKVIUBZBRAKURRBSiIClQpQEREBERAREQEREBQpUIChSiCFiVkhVGChZEKLIrAhRZZqLKjUqqCKUWkja7rAVe/RyH/AA3yR9DZDbuNwruyWVVzztHn7qp3bGw+AWH/AG1IdtSeyNq6OymyDnWaKx+3NI7tDf3QrCkwOmiN2RNvxPOPeVZWRREALJFKCFNkAWQCgBSiIgpRFARFKAiIgIiICIiAiIgIiICIiCEREBQiICiyhFRFksiIqERFQRSiCFKIgKbIiglSiIgpRFAREQSiIgIiICIiAiIg/9k="/>
           <p:cNvSpPr>
             <a:spLocks noChangeAspect="1" noChangeArrowheads="1"/>
           </p:cNvSpPr>
@@ -4162,22 +4550,26 @@
             <a:avLst/>
           </a:prstGeom>
           <a:noFill/>
-        </p:spPr>
-        <p:txBody>
-          <a:bodyPr vert="horz" wrap="square" lIns="91440" tIns="45720" rIns="91440" bIns="45720" numCol="1" anchor="t" anchorCtr="0" compatLnSpc="1">
-            <a:prstTxWarp prst="textNoShape">
-              <a:avLst/>
-            </a:prstTxWarp>
-          </a:bodyPr>
-          <a:lstStyle/>
-          <a:p>
-            <a:endParaRPr lang="ru-RU"/>
-          </a:p>
-        </p:txBody>
-      </p:sp>
-      <p:sp>
-        <p:nvSpPr>
-          <p:cNvPr id="2054" name="AutoShape 6" descr="data:image/jpeg;base64,/9j/4AAQSkZJRgABAQAAAQABAAD/2wCEAAkGBxAQDxAPDxAVFRUQFRUWEhUYEhYWGBUSFRUWGBUWFxgYHSggGBolGxUWIzEhJiktLi4uFx8zODMtNygtLisBCgoKDg0OGBAQGC0mHx0rLTcrLSstLSstKystNjcrKystLSstLSstLSsrNy0rLS0tKysrMSs3ListLTctLSsrK//AABEIALcBEwMBIgACEQEDEQH/xAAcAAEAAgMBAQEAAAAAAAAAAAAAAQUCBAYHAwj/xABIEAABAwICBQgGBQkHBQAAAAABAAIDBBEFIQYSMUFREyJhcYGRsfAHMkJSYqEUI3KC0SQzc5KissHh8SU0Q2OTs8IVFlOU0//EABkBAQEAAwEAAAAAAAAAAAAAAAABAgMEBf/EAC4RAQACAgAEAwcDBQAAAAAAAAABAgMRBBIx8CFBcRMiMmGRseFTgaEUI0JRUv/aAAwDAQACEQMRAD8A9xREQEREBERAREQEREBERAREQEREBERAREQEREBERAREQEREBERAREQEREBERAREQEREBERAREQEREBERARatfXxQN15Xho69q4nHPSE1jSYy1jB7bzbuv4IO+e8NzJA6zZac2LQN2yBeFYt6TNYnkxJMeN+TZ3nM9ypotKcVqSRSxDbb6qB0rh1k3HyCuh+hzj8G4nuWbcbiPHuXgLcP0leL/Xj/Qj/AHrLNmF6TtzDp/8AVp3fLWKvKP0CzEoj7S2WTNOwhfnV+M6R0mcrJXD/ADKQOb2vjaLd63cJ9LkjbfSaW43vgfv+w8/8lND9AIuF0a09pauwgna92+N3MkH3XZnsyXYUteyTfY8CoNpFCIJRQiCUUKUBERAREQEREBERAREQEREBERAREQEREBczpVpbHRgxss+U7G7m9JXx030qFIzkYiDM8fqDieleA4ti01XLyMBc/lHWLhm6Vx9lvw+PVtC20n03klkdqu5R+d3E/Vs6vePm+5amH6JVNUW1FbLyTHZtdICXuH+VCLZdJ1R1q3wXBIaGznBktQLcHRQH4Rskk+I5DcDtVk6oc5xc9xLjtJNz3qxA+mG4NQU9uTphI4f4k9pD1iP1G9x61eDEZCAC8gDY0c0D7rclRskX1bMuimPbLS5ZOtqKdcZX6UUtOdWWUaw2taNYjrAvbtXypNPKFzg3lS2+9zCB32yWzlrHhMq9GgqyNjiOokL44jhlLVj8qpo5CfbLdWQdUjbO+aq6Sta9ocxwc1wuCDcEdBG1WUEywvj0mnE4/wCisH6zDpTrDMRSkNdcbOTlFhfhrW61X4LpzXYdL9GxKOSRrLAlwtPGNxufzg6zc8SvVYnrWxzBaeui5KpZew5kjbCSM8WO4fCbg8FzzCLnR7SWKoiZJHIJI3+q8buhwOYI3g5hdG1wIuF+bqmkrsAqg+Mh8UnWIqho2gjPUkA7R0jb7FodpTFVQtmiddjsnNPrRvG1jhuIuOsEEZEKI7BFAN80UEoiIClQiCUREBERAREQEREBERAREQEREBVekeLtpKd0pzdsYOLzsVovH/SfpDd0jgbsg5kY3OkOXj8gUHAaY4zJNK+LWLnyG8ztpz2MHSfC3FXGD4YKKO1vyh4tK7byLD/hN+L3iPs7Ab1mheHkufWyZlriIr+1Oc3P+4CLfE4e6r97EHw8+fxWQf58+KhzfPncvm4+fO9bKQr7iRVeLVMsskVFTu1XzXL5NvJQj1nZb8iB3bSFt6/nztWlo+8nE6k5XbEwAnhkSO/wXXrVdR5sp6OnwfDqeiZq00YBtnLYGRx3lz93ULBb1ZNyrXMnY2RpGbXND29ZBWmH5ZZXBJvv6k19pzAsLg7T1KxSNa0wcrVObhFZGYnn6LUk8pFckQuuBrtJz1c/kQb5L0OllXjmlda6cyvuAxrtVjT62qNh7Tn2r0/R6Yup6dx2uijJ6y0LKcfL7vy2yh1NO9brCqylcrGNceSPFJYYjQRVML4J2a0b9o3gjY9p9lw3H+C8kZ9IwHETe74n217DKaC51ZGjc9ueXEEbDdeyBUmmOAiupXRgfWx3fAfitzmdTgLdeqdy1wOr0fxNkrGarw5j2h0bgcnNIuLdiul4h6Kcbc0voHk8y8lPfaBf6yPsJuB0u4L2qlm12B3Hb1qTGkl9URFBKIiCUREBERAREQEREBERAREQEREFfjtZyNNJINtrN+0cgvz/AKXwvmmjgYCdTnEcZH5NHXb95e16aSXbHHxJcezIeK4umwYA/SHDNzi4eDO7moKuGgEMccDfVibq34nMvd2uLj95YPiV06n8/NfCSm8+elBRyR+fPBakrVeTU3nz0qvqIFtxrCqcVraMtJxKq5ut9UzLsC+UOI8pK6LUI1S4Xvt1TbhvWzoo1v8A1Gp1ta3JM9Xau+td8vq2VjcxDqAy4y59mm49xVukEpELg062uADJ/wCNvtHzxV46Pmt18hqHV1Np+2qHFYi+Vxf61oxGG/myL5a/au7HhiZb64duLxql/J5XhuuAfzvYMrL0bRv+7U/6KP8AcC5PSmlAp6jXuH3GTb8nsHzV7BiX0Wggm1C+0cI1QbbWtG1auJrrJ+zXkpyy7alKsolzmi+J/Sqdk+oWaxcNUm9tVxbtt0XXRxLysvVpl9gslipWhHlWmlMaDE2VkQyc4TtA43tOztu7/UXsuj1WHDmm7XgOYeIIv4FcD6TKMPpGS74ZB+pINU/taisfRrXF1FTE7YiYj1McQ39nVWdo3WJWem3o6IiwYilQpCgKVCkICIiAiIgIiICIiAiIgIoRBy+krdacDg0DvumMUwYyNoH9AP5r64q29Qfu+AWxjwuY+o/wQc2YF8nU/n5q15NYmLz2IKSWlVdU0a6l8K056dbKdVh5Bhkd6yVvTN8nq80PjIxOps8M+qZmR0DJV2BN/tOZp3uqAOx5PgF0OjkRbi1Q3UDi+NpAOywAzXp4fJ0YI3eF5UN1WENPJF8ZuXZ8px1fO9V5pQA9rW8m0hl4nZuk+yd3BW07dthypa0tcCMos9o87liWAkgXkFma0pHOjtwXp01Ed99+D1601Dl9K6fVoqlrSI23/Mkc7dndaeKj+yovsweDVe6YMtQzu1Q9r3WbKfWOwKgxp9sNjYdtoR2gfyXHxUxvfy776vP4yNWj0dN6O/7hF9qX/ccuxiXD6Ay2oYx8Un+45dbHOvJydXDKwumstQTpyvnsWhGnpawPoKoHdGXdrCHj5tCovRnJaGobwlDv1o2j/grnSKT8jqv0MvzYVQej42ZUdLmfulboj+3Pqzj4ZexxOu1p4gH5LNfCiP1cf2W+AX3C0tYiIoJQIgQSiIgIiICIiAiIgKERARFCoosVbaYnoafPcvtiwvqHrHeL/wAExplnMdxBHaMx4lRUu1oGu921/A/JFaNkIRRdEYuWrOFtFfGQLKqvINLInUWJioaOa8iVvSDzZW9e39YK8xGJz+SrqQ6zmNvZu2SA5kDeSLk225neF0elGBMrITE46rmnWjf7r+n4TsP4gLzWgxOpwuV1PPG4sBuWXzbf24nbCD3HoN124smmylprMTD0PDcYp6ljnRSCI6oBZfNx6eKsK17Wa5mnawagyGQcBuK5BtXhlYdcuYHnaQ/kZCfiacnHpt2r5VlPQR857i62zlKkW7mgE967Yzx3p6McdGvGPFjjmItrXjk26lPEQX8HvGxoG+/hc8FzmkFaZXshbmWm5A3vdk1vXn+0ssXx8O5kFrNyaQ3VYwfA3eenxWxgeFGK00w55zjadov7buB4DpvwXLly7cOXLOS25dXg7RDFHED6jQCeJ2uPffvVvFU+fmucglW9FP589K4bztoXrZ19BMqdk/nz0r7Nm8/L8VgGk1Tajm+IBv67gPArT0NbqwyH35MuoNaPEnuWlpRU3EUQPrOLz9losPmR3K+0Ypf7tDvJBd94657gbdi361h9ZbOlPWXp1O2zGjg0D5L6hQpC52tKIiiJQIpCAiIgIiICIiAiIghEQoIREVGji8WtESNrOd2Db8rrSoXBzHRnYR8irkrnC0wylm4Zt6WHZ3bOxWFfGInNp2sJa7rG/tFj2rJY4ueTe2f2H2bL0e6/q3HoPQpVtGlmArFylQVEfB7FXYphUNSzk54mvaNl8i08WuGbexWxCwLVnFtK81xz0ewMjlmime0Rtc/UewPvqgmwcLcOC5rRbRuOr5Rxk1BHq5BmsXa19mYtsXrukLPyOq/Qy/uOXn/owbdlV1xeD1n7Q23KbA6emziYS8bJJLOcOlrQLNPTa/SvnLHmSe3+f4LoKqLz/RVc8fnzsWM2Gi3Lz5zX3ZIsHt8+dgWF/PnwWCN5kvnzwX3ZJ589CrmuWtiVUbCFh50m34Wbz1nzsVpSbWiseaxG51DKl/KakvPqbB+iZcuPbnbrC9F0HpzJM+cjJgsPtO/l4riaKn5KNrGjny6uXCP2B942d1Bq9a0dw76PTsj9o85/2jtW7iJjcUjpXuWeWY3yx5LRSFAUhczWlERREqVClAREQEREBERAREQQiIghQpUFUQVXYvSGRgcwc9mbekb29viArErFFc7TyNkjMbhcOBFj8welUtNUGnkFNMeacoHneN0bjxG7j17egxehLHGaMXBzkaNv229PEb1V19KyqiLTZ2sP1ulvxLdjms+7ZspqfdlsKFzVPjD6R3JVhLo9jJ7XLR7so/5d/FdHHIHNDmkEOFwQbgjiCFL47UnUpek0nUpXnOlmEY9JWzPonTiA6nJ6lVCxuUbQ6zXSAjnB20L0ZFgweQSaPaSuBa81DmuBDmmspyCDkQfrdi1YNEschvyEUkWtbW1aqmF7bL2l6SvZ3rUmU0aeSP0f0g3mf/26f/6rqqaGRsMTZr8o1jRJchx1w0B13C4JvfMXXQVDfP8AVV07UFVIzz58Stdw8+fFb8rFUV9e1juTYNeQ+yN3S47llWs2nULETPhCKyqEYB2udkxu9x/gF9sIotVrqmozucx7790Y+EC1+A6SFOGYTYGpqnbcr2zJ9yIHx2Df09BgGDSYhMHObqQR5ADYG7dVvEned6651w8aj45/j8t86xRr/L7LbQTB3TSmtmFwCSy49Z3G3AL0NfKngbGxrGCzWiwHQvquJzpCyCxCyUBSFCkKIKVClAREQEREBERAREQFClQghCpUKjEqFkViUViVR4jhTmkyU425vj2Ani33XfIq9KxKo46eOKpa5sgs4ZOuMweD27+vxXLVOD1dATJSPswm5YefC49XsHuK9LxDC45szdrxse3Jw/EdBVPLTVMF+byjfeZk63xMOR7O5dOPiJrHLaNx/qW+maYjltG476OTpdNWN5tZC+E+80GSM9w1h3dqvqHF6af8zPG/oa8EjrbtCwlgo57h7AHb9XmO7WOFvkqiu0DpZb2c3qewj5tv4LPl4e/S019fFlNMNultev4dK9akoXLnQOVv5uqLbbNWpe38Fg7Qic+vWPI6atx/ip/T1/UhPYx/3H1XVZKxgJe5rQN5cAucrdI6YG0bjK7hGNb9rZ8192aCU4OtLMwnjz5D4fxW9Hh1FAMmOefiIjb3NuT3p7PDX4r79IPZ4462+jmmMrax2oxhiafZbznkdLt3nNWVLhdPRjnASSe403aD/mPG3qb3roIKSqqRqQx6kZ22bybO07Xdt10WDaHxREPm+seN1uaD1b0niOWNYo18/NJyxHhSNfdzOC6Nz1rxNUXbGNgtbmjY1jdjWr0ejpWRMbHG0Na3YAvqBbIKVyNKVIUBZBRAKURRBSiIClQpQEREBERAREQEREBQpUIChSiCFiVkhVGChZEKLIrAhRZZqLKjUqqCKUWkja7rAVe/RyH/AA3yR9DZDbuNwruyWVVzztHn7qp3bGw+AWH/AG1IdtSeyNq6OymyDnWaKx+3NI7tDf3QrCkwOmiN2RNvxPOPeVZWRREALJFKCFNkAWQCgBSiIgpRFARFKAiIgIiICIiAiIgIiICIiCEREBQiICiyhFRFksiIqERFQRSiCFKIgKbIiglSiIgpRFAREQSiIgIiICIiAiIg/9k="/>
+          <a:ln w="9525">
+            <a:noFill/>
+            <a:miter lim="800000"/>
+            <a:headEnd/>
+            <a:tailEnd/>
+          </a:ln>
+        </p:spPr>
+        <p:txBody>
+          <a:bodyPr/>
+          <a:lstStyle/>
+          <a:p>
+            <a:endParaRPr lang="ru-RU">
+              <a:latin typeface="Calibri" pitchFamily="34" charset="0"/>
+            </a:endParaRPr>
+          </a:p>
+        </p:txBody>
+      </p:sp>
+      <p:sp>
+        <p:nvSpPr>
+          <p:cNvPr id="5125" name="AutoShape 6" descr="data:image/jpeg;base64,/9j/4AAQSkZJRgABAQAAAQABAAD/2wCEAAkGBxAQDxAPDxAVFRUQFRUWEhUYEhYWGBUSFRUWGBUWFxgYHSggGBolGxUWIzEhJiktLi4uFx8zODMtNygtLisBCgoKDg0OGBAQGC0mHx0rLTcrLSstLSstKystNjcrKystLSstLSstLSsrNy0rLS0tKysrMSs3ListLTctLSsrK//AABEIALcBEwMBIgACEQEDEQH/xAAcAAEAAgMBAQEAAAAAAAAAAAAAAQUCBAYHAwj/xABIEAABAwICBQgGBQkHBQAAAAABAAIDBBEFIQYSMUFREyJhcYGRsfAHMkJSYqEUI3KC0SQzc5KissHh8SU0Q2OTs8IVFlOU0//EABkBAQEAAwEAAAAAAAAAAAAAAAABAgMEBf/EAC4RAQACAgAEAwcDBQAAAAAAAAABAgMRBBIx8CFBcRMiMmGRseFTgaEUI0JRUv/aAAwDAQACEQMRAD8A9xREQEREBERAREQEREBERAREQEREBERAREQEREBERAREQEREBERAREQEREBERAREQEREBERAREQEREBERARatfXxQN15Xho69q4nHPSE1jSYy1jB7bzbuv4IO+e8NzJA6zZac2LQN2yBeFYt6TNYnkxJMeN+TZ3nM9ypotKcVqSRSxDbb6qB0rh1k3HyCuh+hzj8G4nuWbcbiPHuXgLcP0leL/Xj/Qj/AHrLNmF6TtzDp/8AVp3fLWKvKP0CzEoj7S2WTNOwhfnV+M6R0mcrJXD/ADKQOb2vjaLd63cJ9LkjbfSaW43vgfv+w8/8lND9AIuF0a09pauwgna92+N3MkH3XZnsyXYUteyTfY8CoNpFCIJRQiCUUKUBERAREQEREBERAREQEREBERAREQEREBczpVpbHRgxss+U7G7m9JXx030qFIzkYiDM8fqDieleA4ti01XLyMBc/lHWLhm6Vx9lvw+PVtC20n03klkdqu5R+d3E/Vs6vePm+5amH6JVNUW1FbLyTHZtdICXuH+VCLZdJ1R1q3wXBIaGznBktQLcHRQH4Rskk+I5DcDtVk6oc5xc9xLjtJNz3qxA+mG4NQU9uTphI4f4k9pD1iP1G9x61eDEZCAC8gDY0c0D7rclRskX1bMuimPbLS5ZOtqKdcZX6UUtOdWWUaw2taNYjrAvbtXypNPKFzg3lS2+9zCB32yWzlrHhMq9GgqyNjiOokL44jhlLVj8qpo5CfbLdWQdUjbO+aq6Sta9ocxwc1wuCDcEdBG1WUEywvj0mnE4/wCisH6zDpTrDMRSkNdcbOTlFhfhrW61X4LpzXYdL9GxKOSRrLAlwtPGNxufzg6zc8SvVYnrWxzBaeui5KpZew5kjbCSM8WO4fCbg8FzzCLnR7SWKoiZJHIJI3+q8buhwOYI3g5hdG1wIuF+bqmkrsAqg+Mh8UnWIqho2gjPUkA7R0jb7FodpTFVQtmiddjsnNPrRvG1jhuIuOsEEZEKI7BFAN80UEoiIClQiCUREBERAREQEREBERAREQEREBVekeLtpKd0pzdsYOLzsVovH/SfpDd0jgbsg5kY3OkOXj8gUHAaY4zJNK+LWLnyG8ztpz2MHSfC3FXGD4YKKO1vyh4tK7byLD/hN+L3iPs7Ab1mheHkufWyZlriIr+1Oc3P+4CLfE4e6r97EHw8+fxWQf58+KhzfPncvm4+fO9bKQr7iRVeLVMsskVFTu1XzXL5NvJQj1nZb8iB3bSFt6/nztWlo+8nE6k5XbEwAnhkSO/wXXrVdR5sp6OnwfDqeiZq00YBtnLYGRx3lz93ULBb1ZNyrXMnY2RpGbXND29ZBWmH5ZZXBJvv6k19pzAsLg7T1KxSNa0wcrVObhFZGYnn6LUk8pFckQuuBrtJz1c/kQb5L0OllXjmlda6cyvuAxrtVjT62qNh7Tn2r0/R6Yup6dx2uijJ6y0LKcfL7vy2yh1NO9brCqylcrGNceSPFJYYjQRVML4J2a0b9o3gjY9p9lw3H+C8kZ9IwHETe74n217DKaC51ZGjc9ueXEEbDdeyBUmmOAiupXRgfWx3fAfitzmdTgLdeqdy1wOr0fxNkrGarw5j2h0bgcnNIuLdiul4h6Kcbc0voHk8y8lPfaBf6yPsJuB0u4L2qlm12B3Hb1qTGkl9URFBKIiCUREBERAREQEREBERAREQEREFfjtZyNNJINtrN+0cgvz/AKXwvmmjgYCdTnEcZH5NHXb95e16aSXbHHxJcezIeK4umwYA/SHDNzi4eDO7moKuGgEMccDfVibq34nMvd2uLj95YPiV06n8/NfCSm8+elBRyR+fPBakrVeTU3nz0qvqIFtxrCqcVraMtJxKq5ut9UzLsC+UOI8pK6LUI1S4Xvt1TbhvWzoo1v8A1Gp1ta3JM9Xau+td8vq2VjcxDqAy4y59mm49xVukEpELg062uADJ/wCNvtHzxV46Pmt18hqHV1Np+2qHFYi+Vxf61oxGG/myL5a/au7HhiZb64duLxql/J5XhuuAfzvYMrL0bRv+7U/6KP8AcC5PSmlAp6jXuH3GTb8nsHzV7BiX0Wggm1C+0cI1QbbWtG1auJrrJ+zXkpyy7alKsolzmi+J/Sqdk+oWaxcNUm9tVxbtt0XXRxLysvVpl9gslipWhHlWmlMaDE2VkQyc4TtA43tOztu7/UXsuj1WHDmm7XgOYeIIv4FcD6TKMPpGS74ZB+pINU/taisfRrXF1FTE7YiYj1McQ39nVWdo3WJWem3o6IiwYilQpCgKVCkICIiAiIgIiICIiAiIgIoRBy+krdacDg0DvumMUwYyNoH9AP5r64q29Qfu+AWxjwuY+o/wQc2YF8nU/n5q15NYmLz2IKSWlVdU0a6l8K056dbKdVh5Bhkd6yVvTN8nq80PjIxOps8M+qZmR0DJV2BN/tOZp3uqAOx5PgF0OjkRbi1Q3UDi+NpAOywAzXp4fJ0YI3eF5UN1WENPJF8ZuXZ8px1fO9V5pQA9rW8m0hl4nZuk+yd3BW07dthypa0tcCMos9o87liWAkgXkFma0pHOjtwXp01Ed99+D1601Dl9K6fVoqlrSI23/Mkc7dndaeKj+yovsweDVe6YMtQzu1Q9r3WbKfWOwKgxp9sNjYdtoR2gfyXHxUxvfy776vP4yNWj0dN6O/7hF9qX/ccuxiXD6Ay2oYx8Un+45dbHOvJydXDKwumstQTpyvnsWhGnpawPoKoHdGXdrCHj5tCovRnJaGobwlDv1o2j/grnSKT8jqv0MvzYVQej42ZUdLmfulboj+3Pqzj4ZexxOu1p4gH5LNfCiP1cf2W+AX3C0tYiIoJQIgQSiIgIiICIiAiIgKERARFCoosVbaYnoafPcvtiwvqHrHeL/wAExplnMdxBHaMx4lRUu1oGu921/A/JFaNkIRRdEYuWrOFtFfGQLKqvINLInUWJioaOa8iVvSDzZW9e39YK8xGJz+SrqQ6zmNvZu2SA5kDeSLk225neF0elGBMrITE46rmnWjf7r+n4TsP4gLzWgxOpwuV1PPG4sBuWXzbf24nbCD3HoN124smmylprMTD0PDcYp6ljnRSCI6oBZfNx6eKsK17Wa5mnawagyGQcBuK5BtXhlYdcuYHnaQ/kZCfiacnHpt2r5VlPQR857i62zlKkW7mgE967Yzx3p6McdGvGPFjjmItrXjk26lPEQX8HvGxoG+/hc8FzmkFaZXshbmWm5A3vdk1vXn+0ssXx8O5kFrNyaQ3VYwfA3eenxWxgeFGK00w55zjadov7buB4DpvwXLly7cOXLOS25dXg7RDFHED6jQCeJ2uPffvVvFU+fmucglW9FP589K4bztoXrZ19BMqdk/nz0r7Nm8/L8VgGk1Tajm+IBv67gPArT0NbqwyH35MuoNaPEnuWlpRU3EUQPrOLz9losPmR3K+0Ypf7tDvJBd94657gbdi361h9ZbOlPWXp1O2zGjg0D5L6hQpC52tKIiiJQIpCAiIgIiICIiAiIghEQoIREVGji8WtESNrOd2Db8rrSoXBzHRnYR8irkrnC0wylm4Zt6WHZ3bOxWFfGInNp2sJa7rG/tFj2rJY4ueTe2f2H2bL0e6/q3HoPQpVtGlmArFylQVEfB7FXYphUNSzk54mvaNl8i08WuGbexWxCwLVnFtK81xz0ewMjlmime0Rtc/UewPvqgmwcLcOC5rRbRuOr5Rxk1BHq5BmsXa19mYtsXrukLPyOq/Qy/uOXn/owbdlV1xeD1n7Q23KbA6emziYS8bJJLOcOlrQLNPTa/SvnLHmSe3+f4LoKqLz/RVc8fnzsWM2Gi3Lz5zX3ZIsHt8+dgWF/PnwWCN5kvnzwX3ZJ589CrmuWtiVUbCFh50m34Wbz1nzsVpSbWiseaxG51DKl/KakvPqbB+iZcuPbnbrC9F0HpzJM+cjJgsPtO/l4riaKn5KNrGjny6uXCP2B942d1Bq9a0dw76PTsj9o85/2jtW7iJjcUjpXuWeWY3yx5LRSFAUhczWlERREqVClAREQEREBERAREQQiIghQpUFUQVXYvSGRgcwc9mbekb29viArErFFc7TyNkjMbhcOBFj8welUtNUGnkFNMeacoHneN0bjxG7j17egxehLHGaMXBzkaNv229PEb1V19KyqiLTZ2sP1ulvxLdjms+7ZspqfdlsKFzVPjD6R3JVhLo9jJ7XLR7so/5d/FdHHIHNDmkEOFwQbgjiCFL47UnUpek0nUpXnOlmEY9JWzPonTiA6nJ6lVCxuUbQ6zXSAjnB20L0ZFgweQSaPaSuBa81DmuBDmmspyCDkQfrdi1YNEschvyEUkWtbW1aqmF7bL2l6SvZ3rUmU0aeSP0f0g3mf/26f/6rqqaGRsMTZr8o1jRJchx1w0B13C4JvfMXXQVDfP8AVV07UFVIzz58Stdw8+fFb8rFUV9e1juTYNeQ+yN3S47llWs2nULETPhCKyqEYB2udkxu9x/gF9sIotVrqmozucx7790Y+EC1+A6SFOGYTYGpqnbcr2zJ9yIHx2Df09BgGDSYhMHObqQR5ADYG7dVvEned6651w8aj45/j8t86xRr/L7LbQTB3TSmtmFwCSy49Z3G3AL0NfKngbGxrGCzWiwHQvquJzpCyCxCyUBSFCkKIKVClAREQEREBERAREQFClQghCpUKjEqFkViUViVR4jhTmkyU425vj2Ani33XfIq9KxKo46eOKpa5sgs4ZOuMweD27+vxXLVOD1dATJSPswm5YefC49XsHuK9LxDC45szdrxse3Jw/EdBVPLTVMF+byjfeZk63xMOR7O5dOPiJrHLaNx/qW+maYjltG476OTpdNWN5tZC+E+80GSM9w1h3dqvqHF6af8zPG/oa8EjrbtCwlgo57h7AHb9XmO7WOFvkqiu0DpZb2c3qewj5tv4LPl4e/S019fFlNMNultev4dK9akoXLnQOVv5uqLbbNWpe38Fg7Qic+vWPI6atx/ip/T1/UhPYx/3H1XVZKxgJe5rQN5cAucrdI6YG0bjK7hGNb9rZ8192aCU4OtLMwnjz5D4fxW9Hh1FAMmOefiIjb3NuT3p7PDX4r79IPZ4462+jmmMrax2oxhiafZbznkdLt3nNWVLhdPRjnASSe403aD/mPG3qb3roIKSqqRqQx6kZ22bybO07Xdt10WDaHxREPm+seN1uaD1b0niOWNYo18/NJyxHhSNfdzOC6Nz1rxNUXbGNgtbmjY1jdjWr0ejpWRMbHG0Na3YAvqBbIKVyNKVIUBZBRAKURRBSiIClQpQEREBERAREQEREBQpUIChSiCFiVkhVGChZEKLIrAhRZZqLKjUqqCKUWkja7rAVe/RyH/AA3yR9DZDbuNwruyWVVzztHn7qp3bGw+AWH/AG1IdtSeyNq6OymyDnWaKx+3NI7tDf3QrCkwOmiN2RNvxPOPeVZWRREALJFKCFNkAWQCgBSiIgpRFARFKAiIgIiICIiAiIgIiICIiCEREBQiICiyhFRFksiIqERFQRSiCFKIgKbIiglSiIgpRFAREQSiIgIiICIiAiIg/9k="/>
           <p:cNvSpPr>
             <a:spLocks noChangeAspect="1" noChangeArrowheads="1"/>
           </p:cNvSpPr>
@@ -4192,22 +4584,26 @@
             <a:avLst/>
           </a:prstGeom>
           <a:noFill/>
-        </p:spPr>
-        <p:txBody>
-          <a:bodyPr vert="horz" wrap="square" lIns="91440" tIns="45720" rIns="91440" bIns="45720" numCol="1" anchor="t" anchorCtr="0" compatLnSpc="1">
-            <a:prstTxWarp prst="textNoShape">
-              <a:avLst/>
-            </a:prstTxWarp>
-          </a:bodyPr>
-          <a:lstStyle/>
-          <a:p>
-            <a:endParaRPr lang="ru-RU"/>
-          </a:p>
-        </p:txBody>
-      </p:sp>
-      <p:sp>
-        <p:nvSpPr>
-          <p:cNvPr id="10242" name="AutoShape 2" descr="Картинки по запросу пятно фовеа"/>
+          <a:ln w="9525">
+            <a:noFill/>
+            <a:miter lim="800000"/>
+            <a:headEnd/>
+            <a:tailEnd/>
+          </a:ln>
+        </p:spPr>
+        <p:txBody>
+          <a:bodyPr/>
+          <a:lstStyle/>
+          <a:p>
+            <a:endParaRPr lang="ru-RU">
+              <a:latin typeface="Calibri" pitchFamily="34" charset="0"/>
+            </a:endParaRPr>
+          </a:p>
+        </p:txBody>
+      </p:sp>
+      <p:sp>
+        <p:nvSpPr>
+          <p:cNvPr id="5126" name="AutoShape 2" descr="Картинки по запросу пятно фовеа"/>
           <p:cNvSpPr>
             <a:spLocks noChangeAspect="1" noChangeArrowheads="1"/>
           </p:cNvSpPr>
@@ -4222,54 +4618,71 @@
             <a:avLst/>
           </a:prstGeom>
           <a:noFill/>
-        </p:spPr>
-        <p:txBody>
-          <a:bodyPr vert="horz" wrap="square" lIns="91440" tIns="45720" rIns="91440" bIns="45720" numCol="1" anchor="t" anchorCtr="0" compatLnSpc="1">
-            <a:prstTxWarp prst="textNoShape">
-              <a:avLst/>
-            </a:prstTxWarp>
-          </a:bodyPr>
-          <a:lstStyle/>
-          <a:p>
-            <a:endParaRPr lang="ru-RU"/>
-          </a:p>
-        </p:txBody>
-      </p:sp>
-      <p:sp>
-        <p:nvSpPr>
-          <p:cNvPr id="8" name="TextBox 7"/>
-          <p:cNvSpPr txBox="1"/>
+          <a:ln w="9525">
+            <a:noFill/>
+            <a:miter lim="800000"/>
+            <a:headEnd/>
+            <a:tailEnd/>
+          </a:ln>
+        </p:spPr>
+        <p:txBody>
+          <a:bodyPr/>
+          <a:lstStyle/>
+          <a:p>
+            <a:endParaRPr lang="ru-RU">
+              <a:latin typeface="Calibri" pitchFamily="34" charset="0"/>
+            </a:endParaRPr>
+          </a:p>
+        </p:txBody>
+      </p:sp>
+      <p:sp>
+        <p:nvSpPr>
+          <p:cNvPr id="5127" name="TextBox 7"/>
+          <p:cNvSpPr txBox="1">
+            <a:spLocks noChangeArrowheads="1"/>
+          </p:cNvSpPr>
           <p:nvPr/>
         </p:nvSpPr>
-        <p:spPr>
-          <a:xfrm>
-            <a:off x="611560" y="1988840"/>
-            <a:ext cx="8136904" cy="3416320"/>
+        <p:spPr bwMode="auto">
+          <a:xfrm>
+            <a:off x="611188" y="1989138"/>
+            <a:ext cx="8137525" cy="3416300"/>
           </a:xfrm>
           <a:prstGeom prst="rect">
             <a:avLst/>
           </a:prstGeom>
           <a:noFill/>
-        </p:spPr>
-        <p:txBody>
-          <a:bodyPr wrap="square" rtlCol="0">
+          <a:ln w="9525">
+            <a:noFill/>
+            <a:miter lim="800000"/>
+            <a:headEnd/>
+            <a:tailEnd/>
+          </a:ln>
+        </p:spPr>
+        <p:txBody>
+          <a:bodyPr>
             <a:spAutoFit/>
           </a:bodyPr>
           <a:lstStyle/>
           <a:p>
             <a:r>
-              <a:rPr lang="ru-RU" sz="3600" b="1" i="1" dirty="0" err="1" smtClean="0"/>
+              <a:rPr lang="ru-RU" sz="3600" b="1" i="1" dirty="0" err="1">
+                <a:latin typeface="Calibri" pitchFamily="34" charset="0"/>
+              </a:rPr>
               <a:t>Саккады</a:t>
             </a:r>
             <a:r>
-              <a:rPr lang="ru-RU" sz="3600" b="1" i="1" dirty="0" smtClean="0"/>
+              <a:rPr lang="ru-RU" sz="3600" b="1" i="1" dirty="0">
+                <a:latin typeface="Calibri" pitchFamily="34" charset="0"/>
+              </a:rPr>
               <a:t> </a:t>
             </a:r>
             <a:r>
-              <a:rPr lang="ru-RU" sz="3600" dirty="0" smtClean="0"/>
+              <a:rPr lang="ru-RU" sz="3600" dirty="0">
+                <a:latin typeface="Calibri" pitchFamily="34" charset="0"/>
+              </a:rPr>
               <a:t>(от старинного французского слова, переводимого как «хлопок паруса») — быстрые, строго согласованные движения глаз, происходящие одновременно и в одном направлении. </a:t>
             </a:r>
-            <a:endParaRPr lang="ru-RU" sz="3600" dirty="0"/>
           </a:p>
         </p:txBody>
       </p:sp>
@@ -4307,7 +4720,7 @@
       </p:grpSpPr>
       <p:sp>
         <p:nvSpPr>
-          <p:cNvPr id="2" name="Заголовок 1"/>
+          <p:cNvPr id="6146" name="Заголовок 1"/>
           <p:cNvSpPr>
             <a:spLocks noGrp="1"/>
           </p:cNvSpPr>
@@ -4317,21 +4730,24 @@
         </p:nvSpPr>
         <p:spPr/>
         <p:txBody>
-          <a:bodyPr>
-            <a:normAutofit/>
-          </a:bodyPr>
+          <a:bodyPr/>
           <a:lstStyle/>
           <a:p>
             <a:r>
               <a:rPr lang="ru-RU" dirty="0" smtClean="0"/>
-              <a:t>Методы поиска глаз</a:t>
-            </a:r>
-          </a:p>
-        </p:txBody>
-      </p:sp>
-      <p:sp>
-        <p:nvSpPr>
-          <p:cNvPr id="2050" name="AutoShape 2" descr="data:image/jpeg;base64,/9j/4AAQSkZJRgABAQAAAQABAAD/2wCEAAkGBxAQDxAPDxAVFRUQFRUWEhUYEhYWGBUSFRUWGBUWFxgYHSggGBolGxUWIzEhJiktLi4uFx8zODMtNygtLisBCgoKDg0OGBAQGC0mHx0rLTcrLSstLSstKystNjcrKystLSstLSstLSsrNy0rLS0tKysrMSs3ListLTctLSsrK//AABEIALcBEwMBIgACEQEDEQH/xAAcAAEAAgMBAQEAAAAAAAAAAAAAAQUCBAYHAwj/xABIEAABAwICBQgGBQkHBQAAAAABAAIDBBEFIQYSMUFREyJhcYGRsfAHMkJSYqEUI3KC0SQzc5KissHh8SU0Q2OTs8IVFlOU0//EABkBAQEAAwEAAAAAAAAAAAAAAAABAgMEBf/EAC4RAQACAgAEAwcDBQAAAAAAAAABAgMRBBIx8CFBcRMiMmGRseFTgaEUI0JRUv/aAAwDAQACEQMRAD8A9xREQEREBERAREQEREBERAREQEREBERAREQEREBERAREQEREBERAREQEREBERAREQEREBERAREQEREBERARatfXxQN15Xho69q4nHPSE1jSYy1jB7bzbuv4IO+e8NzJA6zZac2LQN2yBeFYt6TNYnkxJMeN+TZ3nM9ypotKcVqSRSxDbb6qB0rh1k3HyCuh+hzj8G4nuWbcbiPHuXgLcP0leL/Xj/Qj/AHrLNmF6TtzDp/8AVp3fLWKvKP0CzEoj7S2WTNOwhfnV+M6R0mcrJXD/ADKQOb2vjaLd63cJ9LkjbfSaW43vgfv+w8/8lND9AIuF0a09pauwgna92+N3MkH3XZnsyXYUteyTfY8CoNpFCIJRQiCUUKUBERAREQEREBERAREQEREBERAREQEREBczpVpbHRgxss+U7G7m9JXx030qFIzkYiDM8fqDieleA4ti01XLyMBc/lHWLhm6Vx9lvw+PVtC20n03klkdqu5R+d3E/Vs6vePm+5amH6JVNUW1FbLyTHZtdICXuH+VCLZdJ1R1q3wXBIaGznBktQLcHRQH4Rskk+I5DcDtVk6oc5xc9xLjtJNz3qxA+mG4NQU9uTphI4f4k9pD1iP1G9x61eDEZCAC8gDY0c0D7rclRskX1bMuimPbLS5ZOtqKdcZX6UUtOdWWUaw2taNYjrAvbtXypNPKFzg3lS2+9zCB32yWzlrHhMq9GgqyNjiOokL44jhlLVj8qpo5CfbLdWQdUjbO+aq6Sta9ocxwc1wuCDcEdBG1WUEywvj0mnE4/wCisH6zDpTrDMRSkNdcbOTlFhfhrW61X4LpzXYdL9GxKOSRrLAlwtPGNxufzg6zc8SvVYnrWxzBaeui5KpZew5kjbCSM8WO4fCbg8FzzCLnR7SWKoiZJHIJI3+q8buhwOYI3g5hdG1wIuF+bqmkrsAqg+Mh8UnWIqho2gjPUkA7R0jb7FodpTFVQtmiddjsnNPrRvG1jhuIuOsEEZEKI7BFAN80UEoiIClQiCUREBERAREQEREBERAREQEREBVekeLtpKd0pzdsYOLzsVovH/SfpDd0jgbsg5kY3OkOXj8gUHAaY4zJNK+LWLnyG8ztpz2MHSfC3FXGD4YKKO1vyh4tK7byLD/hN+L3iPs7Ab1mheHkufWyZlriIr+1Oc3P+4CLfE4e6r97EHw8+fxWQf58+KhzfPncvm4+fO9bKQr7iRVeLVMsskVFTu1XzXL5NvJQj1nZb8iB3bSFt6/nztWlo+8nE6k5XbEwAnhkSO/wXXrVdR5sp6OnwfDqeiZq00YBtnLYGRx3lz93ULBb1ZNyrXMnY2RpGbXND29ZBWmH5ZZXBJvv6k19pzAsLg7T1KxSNa0wcrVObhFZGYnn6LUk8pFckQuuBrtJz1c/kQb5L0OllXjmlda6cyvuAxrtVjT62qNh7Tn2r0/R6Yup6dx2uijJ6y0LKcfL7vy2yh1NO9brCqylcrGNceSPFJYYjQRVML4J2a0b9o3gjY9p9lw3H+C8kZ9IwHETe74n217DKaC51ZGjc9ueXEEbDdeyBUmmOAiupXRgfWx3fAfitzmdTgLdeqdy1wOr0fxNkrGarw5j2h0bgcnNIuLdiul4h6Kcbc0voHk8y8lPfaBf6yPsJuB0u4L2qlm12B3Hb1qTGkl9URFBKIiCUREBERAREQEREBERAREQEREFfjtZyNNJINtrN+0cgvz/AKXwvmmjgYCdTnEcZH5NHXb95e16aSXbHHxJcezIeK4umwYA/SHDNzi4eDO7moKuGgEMccDfVibq34nMvd2uLj95YPiV06n8/NfCSm8+elBRyR+fPBakrVeTU3nz0qvqIFtxrCqcVraMtJxKq5ut9UzLsC+UOI8pK6LUI1S4Xvt1TbhvWzoo1v8A1Gp1ta3JM9Xau+td8vq2VjcxDqAy4y59mm49xVukEpELg062uADJ/wCNvtHzxV46Pmt18hqHV1Np+2qHFYi+Vxf61oxGG/myL5a/au7HhiZb64duLxql/J5XhuuAfzvYMrL0bRv+7U/6KP8AcC5PSmlAp6jXuH3GTb8nsHzV7BiX0Wggm1C+0cI1QbbWtG1auJrrJ+zXkpyy7alKsolzmi+J/Sqdk+oWaxcNUm9tVxbtt0XXRxLysvVpl9gslipWhHlWmlMaDE2VkQyc4TtA43tOztu7/UXsuj1WHDmm7XgOYeIIv4FcD6TKMPpGS74ZB+pINU/taisfRrXF1FTE7YiYj1McQ39nVWdo3WJWem3o6IiwYilQpCgKVCkICIiAiIgIiICIiAiIgIoRBy+krdacDg0DvumMUwYyNoH9AP5r64q29Qfu+AWxjwuY+o/wQc2YF8nU/n5q15NYmLz2IKSWlVdU0a6l8K056dbKdVh5Bhkd6yVvTN8nq80PjIxOps8M+qZmR0DJV2BN/tOZp3uqAOx5PgF0OjkRbi1Q3UDi+NpAOywAzXp4fJ0YI3eF5UN1WENPJF8ZuXZ8px1fO9V5pQA9rW8m0hl4nZuk+yd3BW07dthypa0tcCMos9o87liWAkgXkFma0pHOjtwXp01Ed99+D1601Dl9K6fVoqlrSI23/Mkc7dndaeKj+yovsweDVe6YMtQzu1Q9r3WbKfWOwKgxp9sNjYdtoR2gfyXHxUxvfy776vP4yNWj0dN6O/7hF9qX/ccuxiXD6Ay2oYx8Un+45dbHOvJydXDKwumstQTpyvnsWhGnpawPoKoHdGXdrCHj5tCovRnJaGobwlDv1o2j/grnSKT8jqv0MvzYVQej42ZUdLmfulboj+3Pqzj4ZexxOu1p4gH5LNfCiP1cf2W+AX3C0tYiIoJQIgQSiIgIiICIiAiIgKERARFCoosVbaYnoafPcvtiwvqHrHeL/wAExplnMdxBHaMx4lRUu1oGu921/A/JFaNkIRRdEYuWrOFtFfGQLKqvINLInUWJioaOa8iVvSDzZW9e39YK8xGJz+SrqQ6zmNvZu2SA5kDeSLk225neF0elGBMrITE46rmnWjf7r+n4TsP4gLzWgxOpwuV1PPG4sBuWXzbf24nbCD3HoN124smmylprMTD0PDcYp6ljnRSCI6oBZfNx6eKsK17Wa5mnawagyGQcBuK5BtXhlYdcuYHnaQ/kZCfiacnHpt2r5VlPQR857i62zlKkW7mgE967Yzx3p6McdGvGPFjjmItrXjk26lPEQX8HvGxoG+/hc8FzmkFaZXshbmWm5A3vdk1vXn+0ssXx8O5kFrNyaQ3VYwfA3eenxWxgeFGK00w55zjadov7buB4DpvwXLly7cOXLOS25dXg7RDFHED6jQCeJ2uPffvVvFU+fmucglW9FP589K4bztoXrZ19BMqdk/nz0r7Nm8/L8VgGk1Tajm+IBv67gPArT0NbqwyH35MuoNaPEnuWlpRU3EUQPrOLz9losPmR3K+0Ypf7tDvJBd94657gbdi361h9ZbOlPWXp1O2zGjg0D5L6hQpC52tKIiiJQIpCAiIgIiICIiAiIghEQoIREVGji8WtESNrOd2Db8rrSoXBzHRnYR8irkrnC0wylm4Zt6WHZ3bOxWFfGInNp2sJa7rG/tFj2rJY4ueTe2f2H2bL0e6/q3HoPQpVtGlmArFylQVEfB7FXYphUNSzk54mvaNl8i08WuGbexWxCwLVnFtK81xz0ewMjlmime0Rtc/UewPvqgmwcLcOC5rRbRuOr5Rxk1BHq5BmsXa19mYtsXrukLPyOq/Qy/uOXn/owbdlV1xeD1n7Q23KbA6emziYS8bJJLOcOlrQLNPTa/SvnLHmSe3+f4LoKqLz/RVc8fnzsWM2Gi3Lz5zX3ZIsHt8+dgWF/PnwWCN5kvnzwX3ZJ589CrmuWtiVUbCFh50m34Wbz1nzsVpSbWiseaxG51DKl/KakvPqbB+iZcuPbnbrC9F0HpzJM+cjJgsPtO/l4riaKn5KNrGjny6uXCP2B942d1Bq9a0dw76PTsj9o85/2jtW7iJjcUjpXuWeWY3yx5LRSFAUhczWlERREqVClAREQEREBERAREQQiIghQpUFUQVXYvSGRgcwc9mbekb29viArErFFc7TyNkjMbhcOBFj8welUtNUGnkFNMeacoHneN0bjxG7j17egxehLHGaMXBzkaNv229PEb1V19KyqiLTZ2sP1ulvxLdjms+7ZspqfdlsKFzVPjD6R3JVhLo9jJ7XLR7so/5d/FdHHIHNDmkEOFwQbgjiCFL47UnUpek0nUpXnOlmEY9JWzPonTiA6nJ6lVCxuUbQ6zXSAjnB20L0ZFgweQSaPaSuBa81DmuBDmmspyCDkQfrdi1YNEschvyEUkWtbW1aqmF7bL2l6SvZ3rUmU0aeSP0f0g3mf/26f/6rqqaGRsMTZr8o1jRJchx1w0B13C4JvfMXXQVDfP8AVV07UFVIzz58Stdw8+fFb8rFUV9e1juTYNeQ+yN3S47llWs2nULETPhCKyqEYB2udkxu9x/gF9sIotVrqmozucx7790Y+EC1+A6SFOGYTYGpqnbcr2zJ9yIHx2Df09BgGDSYhMHObqQR5ADYG7dVvEned6651w8aj45/j8t86xRr/L7LbQTB3TSmtmFwCSy49Z3G3AL0NfKngbGxrGCzWiwHQvquJzpCyCxCyUBSFCkKIKVClAREQEREBERAREQFClQghCpUKjEqFkViUViVR4jhTmkyU425vj2Ani33XfIq9KxKo46eOKpa5sgs4ZOuMweD27+vxXLVOD1dATJSPswm5YefC49XsHuK9LxDC45szdrxse3Jw/EdBVPLTVMF+byjfeZk63xMOR7O5dOPiJrHLaNx/qW+maYjltG476OTpdNWN5tZC+E+80GSM9w1h3dqvqHF6af8zPG/oa8EjrbtCwlgo57h7AHb9XmO7WOFvkqiu0DpZb2c3qewj5tv4LPl4e/S019fFlNMNultev4dK9akoXLnQOVv5uqLbbNWpe38Fg7Qic+vWPI6atx/ip/T1/UhPYx/3H1XVZKxgJe5rQN5cAucrdI6YG0bjK7hGNb9rZ8192aCU4OtLMwnjz5D4fxW9Hh1FAMmOefiIjb3NuT3p7PDX4r79IPZ4462+jmmMrax2oxhiafZbznkdLt3nNWVLhdPRjnASSe403aD/mPG3qb3roIKSqqRqQx6kZ22bybO07Xdt10WDaHxREPm+seN1uaD1b0niOWNYo18/NJyxHhSNfdzOC6Nz1rxNUXbGNgtbmjY1jdjWr0ejpWRMbHG0Na3YAvqBbIKVyNKVIUBZBRAKURRBSiIClQpQEREBERAREQEREBQpUIChSiCFiVkhVGChZEKLIrAhRZZqLKjUqqCKUWkja7rAVe/RyH/AA3yR9DZDbuNwruyWVVzztHn7qp3bGw+AWH/AG1IdtSeyNq6OymyDnWaKx+3NI7tDf3QrCkwOmiN2RNvxPOPeVZWRREALJFKCFNkAWQCgBSiIgpRFARFKAiIgIiICIiAiIgIiICIiCEREBQiICiyhFRFksiIqERFQRSiCFKIgKbIiglSiIgpRFAREQSiIgIiICIiAiIg/9k="/>
+              <a:t>Методы поиска </a:t>
+            </a:r>
+            <a:r>
+              <a:rPr lang="ru-RU" dirty="0" smtClean="0"/>
+              <a:t>объектов на изображении</a:t>
+            </a:r>
+            <a:endParaRPr lang="ru-RU" dirty="0" smtClean="0"/>
+          </a:p>
+        </p:txBody>
+      </p:sp>
+      <p:sp>
+        <p:nvSpPr>
+          <p:cNvPr id="6147" name="AutoShape 2" descr="data:image/jpeg;base64,/9j/4AAQSkZJRgABAQAAAQABAAD/2wCEAAkGBxAQDxAPDxAVFRUQFRUWEhUYEhYWGBUSFRUWGBUWFxgYHSggGBolGxUWIzEhJiktLi4uFx8zODMtNygtLisBCgoKDg0OGBAQGC0mHx0rLTcrLSstLSstKystNjcrKystLSstLSstLSsrNy0rLS0tKysrMSs3ListLTctLSsrK//AABEIALcBEwMBIgACEQEDEQH/xAAcAAEAAgMBAQEAAAAAAAAAAAAAAQUCBAYHAwj/xABIEAABAwICBQgGBQkHBQAAAAABAAIDBBEFIQYSMUFREyJhcYGRsfAHMkJSYqEUI3KC0SQzc5KissHh8SU0Q2OTs8IVFlOU0//EABkBAQEAAwEAAAAAAAAAAAAAAAABAgMEBf/EAC4RAQACAgAEAwcDBQAAAAAAAAABAgMRBBIx8CFBcRMiMmGRseFTgaEUI0JRUv/aAAwDAQACEQMRAD8A9xREQEREBERAREQEREBERAREQEREBERAREQEREBERAREQEREBERAREQEREBERAREQEREBERAREQEREBERARatfXxQN15Xho69q4nHPSE1jSYy1jB7bzbuv4IO+e8NzJA6zZac2LQN2yBeFYt6TNYnkxJMeN+TZ3nM9ypotKcVqSRSxDbb6qB0rh1k3HyCuh+hzj8G4nuWbcbiPHuXgLcP0leL/Xj/Qj/AHrLNmF6TtzDp/8AVp3fLWKvKP0CzEoj7S2WTNOwhfnV+M6R0mcrJXD/ADKQOb2vjaLd63cJ9LkjbfSaW43vgfv+w8/8lND9AIuF0a09pauwgna92+N3MkH3XZnsyXYUteyTfY8CoNpFCIJRQiCUUKUBERAREQEREBERAREQEREBERAREQEREBczpVpbHRgxss+U7G7m9JXx030qFIzkYiDM8fqDieleA4ti01XLyMBc/lHWLhm6Vx9lvw+PVtC20n03klkdqu5R+d3E/Vs6vePm+5amH6JVNUW1FbLyTHZtdICXuH+VCLZdJ1R1q3wXBIaGznBktQLcHRQH4Rskk+I5DcDtVk6oc5xc9xLjtJNz3qxA+mG4NQU9uTphI4f4k9pD1iP1G9x61eDEZCAC8gDY0c0D7rclRskX1bMuimPbLS5ZOtqKdcZX6UUtOdWWUaw2taNYjrAvbtXypNPKFzg3lS2+9zCB32yWzlrHhMq9GgqyNjiOokL44jhlLVj8qpo5CfbLdWQdUjbO+aq6Sta9ocxwc1wuCDcEdBG1WUEywvj0mnE4/wCisH6zDpTrDMRSkNdcbOTlFhfhrW61X4LpzXYdL9GxKOSRrLAlwtPGNxufzg6zc8SvVYnrWxzBaeui5KpZew5kjbCSM8WO4fCbg8FzzCLnR7SWKoiZJHIJI3+q8buhwOYI3g5hdG1wIuF+bqmkrsAqg+Mh8UnWIqho2gjPUkA7R0jb7FodpTFVQtmiddjsnNPrRvG1jhuIuOsEEZEKI7BFAN80UEoiIClQiCUREBERAREQEREBERAREQEREBVekeLtpKd0pzdsYOLzsVovH/SfpDd0jgbsg5kY3OkOXj8gUHAaY4zJNK+LWLnyG8ztpz2MHSfC3FXGD4YKKO1vyh4tK7byLD/hN+L3iPs7Ab1mheHkufWyZlriIr+1Oc3P+4CLfE4e6r97EHw8+fxWQf58+KhzfPncvm4+fO9bKQr7iRVeLVMsskVFTu1XzXL5NvJQj1nZb8iB3bSFt6/nztWlo+8nE6k5XbEwAnhkSO/wXXrVdR5sp6OnwfDqeiZq00YBtnLYGRx3lz93ULBb1ZNyrXMnY2RpGbXND29ZBWmH5ZZXBJvv6k19pzAsLg7T1KxSNa0wcrVObhFZGYnn6LUk8pFckQuuBrtJz1c/kQb5L0OllXjmlda6cyvuAxrtVjT62qNh7Tn2r0/R6Yup6dx2uijJ6y0LKcfL7vy2yh1NO9brCqylcrGNceSPFJYYjQRVML4J2a0b9o3gjY9p9lw3H+C8kZ9IwHETe74n217DKaC51ZGjc9ueXEEbDdeyBUmmOAiupXRgfWx3fAfitzmdTgLdeqdy1wOr0fxNkrGarw5j2h0bgcnNIuLdiul4h6Kcbc0voHk8y8lPfaBf6yPsJuB0u4L2qlm12B3Hb1qTGkl9URFBKIiCUREBERAREQEREBERAREQEREFfjtZyNNJINtrN+0cgvz/AKXwvmmjgYCdTnEcZH5NHXb95e16aSXbHHxJcezIeK4umwYA/SHDNzi4eDO7moKuGgEMccDfVibq34nMvd2uLj95YPiV06n8/NfCSm8+elBRyR+fPBakrVeTU3nz0qvqIFtxrCqcVraMtJxKq5ut9UzLsC+UOI8pK6LUI1S4Xvt1TbhvWzoo1v8A1Gp1ta3JM9Xau+td8vq2VjcxDqAy4y59mm49xVukEpELg062uADJ/wCNvtHzxV46Pmt18hqHV1Np+2qHFYi+Vxf61oxGG/myL5a/au7HhiZb64duLxql/J5XhuuAfzvYMrL0bRv+7U/6KP8AcC5PSmlAp6jXuH3GTb8nsHzV7BiX0Wggm1C+0cI1QbbWtG1auJrrJ+zXkpyy7alKsolzmi+J/Sqdk+oWaxcNUm9tVxbtt0XXRxLysvVpl9gslipWhHlWmlMaDE2VkQyc4TtA43tOztu7/UXsuj1WHDmm7XgOYeIIv4FcD6TKMPpGS74ZB+pINU/taisfRrXF1FTE7YiYj1McQ39nVWdo3WJWem3o6IiwYilQpCgKVCkICIiAiIgIiICIiAiIgIoRBy+krdacDg0DvumMUwYyNoH9AP5r64q29Qfu+AWxjwuY+o/wQc2YF8nU/n5q15NYmLz2IKSWlVdU0a6l8K056dbKdVh5Bhkd6yVvTN8nq80PjIxOps8M+qZmR0DJV2BN/tOZp3uqAOx5PgF0OjkRbi1Q3UDi+NpAOywAzXp4fJ0YI3eF5UN1WENPJF8ZuXZ8px1fO9V5pQA9rW8m0hl4nZuk+yd3BW07dthypa0tcCMos9o87liWAkgXkFma0pHOjtwXp01Ed99+D1601Dl9K6fVoqlrSI23/Mkc7dndaeKj+yovsweDVe6YMtQzu1Q9r3WbKfWOwKgxp9sNjYdtoR2gfyXHxUxvfy776vP4yNWj0dN6O/7hF9qX/ccuxiXD6Ay2oYx8Un+45dbHOvJydXDKwumstQTpyvnsWhGnpawPoKoHdGXdrCHj5tCovRnJaGobwlDv1o2j/grnSKT8jqv0MvzYVQej42ZUdLmfulboj+3Pqzj4ZexxOu1p4gH5LNfCiP1cf2W+AX3C0tYiIoJQIgQSiIgIiICIiAiIgKERARFCoosVbaYnoafPcvtiwvqHrHeL/wAExplnMdxBHaMx4lRUu1oGu921/A/JFaNkIRRdEYuWrOFtFfGQLKqvINLInUWJioaOa8iVvSDzZW9e39YK8xGJz+SrqQ6zmNvZu2SA5kDeSLk225neF0elGBMrITE46rmnWjf7r+n4TsP4gLzWgxOpwuV1PPG4sBuWXzbf24nbCD3HoN124smmylprMTD0PDcYp6ljnRSCI6oBZfNx6eKsK17Wa5mnawagyGQcBuK5BtXhlYdcuYHnaQ/kZCfiacnHpt2r5VlPQR857i62zlKkW7mgE967Yzx3p6McdGvGPFjjmItrXjk26lPEQX8HvGxoG+/hc8FzmkFaZXshbmWm5A3vdk1vXn+0ssXx8O5kFrNyaQ3VYwfA3eenxWxgeFGK00w55zjadov7buB4DpvwXLly7cOXLOS25dXg7RDFHED6jQCeJ2uPffvVvFU+fmucglW9FP589K4bztoXrZ19BMqdk/nz0r7Nm8/L8VgGk1Tajm+IBv67gPArT0NbqwyH35MuoNaPEnuWlpRU3EUQPrOLz9losPmR3K+0Ypf7tDvJBd94657gbdi361h9ZbOlPWXp1O2zGjg0D5L6hQpC52tKIiiJQIpCAiIgIiICIiAiIghEQoIREVGji8WtESNrOd2Db8rrSoXBzHRnYR8irkrnC0wylm4Zt6WHZ3bOxWFfGInNp2sJa7rG/tFj2rJY4ueTe2f2H2bL0e6/q3HoPQpVtGlmArFylQVEfB7FXYphUNSzk54mvaNl8i08WuGbexWxCwLVnFtK81xz0ewMjlmime0Rtc/UewPvqgmwcLcOC5rRbRuOr5Rxk1BHq5BmsXa19mYtsXrukLPyOq/Qy/uOXn/owbdlV1xeD1n7Q23KbA6emziYS8bJJLOcOlrQLNPTa/SvnLHmSe3+f4LoKqLz/RVc8fnzsWM2Gi3Lz5zX3ZIsHt8+dgWF/PnwWCN5kvnzwX3ZJ589CrmuWtiVUbCFh50m34Wbz1nzsVpSbWiseaxG51DKl/KakvPqbB+iZcuPbnbrC9F0HpzJM+cjJgsPtO/l4riaKn5KNrGjny6uXCP2B942d1Bq9a0dw76PTsj9o85/2jtW7iJjcUjpXuWeWY3yx5LRSFAUhczWlERREqVClAREQEREBERAREQQiIghQpUFUQVXYvSGRgcwc9mbekb29viArErFFc7TyNkjMbhcOBFj8welUtNUGnkFNMeacoHneN0bjxG7j17egxehLHGaMXBzkaNv229PEb1V19KyqiLTZ2sP1ulvxLdjms+7ZspqfdlsKFzVPjD6R3JVhLo9jJ7XLR7so/5d/FdHHIHNDmkEOFwQbgjiCFL47UnUpek0nUpXnOlmEY9JWzPonTiA6nJ6lVCxuUbQ6zXSAjnB20L0ZFgweQSaPaSuBa81DmuBDmmspyCDkQfrdi1YNEschvyEUkWtbW1aqmF7bL2l6SvZ3rUmU0aeSP0f0g3mf/26f/6rqqaGRsMTZr8o1jRJchx1w0B13C4JvfMXXQVDfP8AVV07UFVIzz58Stdw8+fFb8rFUV9e1juTYNeQ+yN3S47llWs2nULETPhCKyqEYB2udkxu9x/gF9sIotVrqmozucx7790Y+EC1+A6SFOGYTYGpqnbcr2zJ9yIHx2Df09BgGDSYhMHObqQR5ADYG7dVvEned6651w8aj45/j8t86xRr/L7LbQTB3TSmtmFwCSy49Z3G3AL0NfKngbGxrGCzWiwHQvquJzpCyCxCyUBSFCkKIKVClAREQEREBERAREQFClQghCpUKjEqFkViUViVR4jhTmkyU425vj2Ani33XfIq9KxKo46eOKpa5sgs4ZOuMweD27+vxXLVOD1dATJSPswm5YefC49XsHuK9LxDC45szdrxse3Jw/EdBVPLTVMF+byjfeZk63xMOR7O5dOPiJrHLaNx/qW+maYjltG476OTpdNWN5tZC+E+80GSM9w1h3dqvqHF6af8zPG/oa8EjrbtCwlgo57h7AHb9XmO7WOFvkqiu0DpZb2c3qewj5tv4LPl4e/S019fFlNMNultev4dK9akoXLnQOVv5uqLbbNWpe38Fg7Qic+vWPI6atx/ip/T1/UhPYx/3H1XVZKxgJe5rQN5cAucrdI6YG0bjK7hGNb9rZ8192aCU4OtLMwnjz5D4fxW9Hh1FAMmOefiIjb3NuT3p7PDX4r79IPZ4462+jmmMrax2oxhiafZbznkdLt3nNWVLhdPRjnASSe403aD/mPG3qb3roIKSqqRqQx6kZ22bybO07Xdt10WDaHxREPm+seN1uaD1b0niOWNYo18/NJyxHhSNfdzOC6Nz1rxNUXbGNgtbmjY1jdjWr0ejpWRMbHG0Na3YAvqBbIKVyNKVIUBZBRAKURRBSiIClQpQEREBERAREQEREBQpUIChSiCFiVkhVGChZEKLIrAhRZZqLKjUqqCKUWkja7rAVe/RyH/AA3yR9DZDbuNwruyWVVzztHn7qp3bGw+AWH/AG1IdtSeyNq6OymyDnWaKx+3NI7tDf3QrCkwOmiN2RNvxPOPeVZWRREALJFKCFNkAWQCgBSiIgpRFARFKAiIgIiICIiAiIgIiICIiCEREBQiICiyhFRFksiIqERFQRSiCFKIgKbIiglSiIgpRFAREQSiIgIiICIiAiIg/9k="/>
           <p:cNvSpPr>
             <a:spLocks noChangeAspect="1" noChangeArrowheads="1"/>
           </p:cNvSpPr>
@@ -4346,22 +4762,26 @@
             <a:avLst/>
           </a:prstGeom>
           <a:noFill/>
-        </p:spPr>
-        <p:txBody>
-          <a:bodyPr vert="horz" wrap="square" lIns="91440" tIns="45720" rIns="91440" bIns="45720" numCol="1" anchor="t" anchorCtr="0" compatLnSpc="1">
-            <a:prstTxWarp prst="textNoShape">
-              <a:avLst/>
-            </a:prstTxWarp>
-          </a:bodyPr>
-          <a:lstStyle/>
-          <a:p>
-            <a:endParaRPr lang="ru-RU"/>
-          </a:p>
-        </p:txBody>
-      </p:sp>
-      <p:sp>
-        <p:nvSpPr>
-          <p:cNvPr id="2052" name="AutoShape 4" descr="data:image/jpeg;base64,/9j/4AAQSkZJRgABAQAAAQABAAD/2wCEAAkGBxAQDxAPDxAVFRUQFRUWEhUYEhYWGBUSFRUWGBUWFxgYHSggGBolGxUWIzEhJiktLi4uFx8zODMtNygtLisBCgoKDg0OGBAQGC0mHx0rLTcrLSstLSstKystNjcrKystLSstLSstLSsrNy0rLS0tKysrMSs3ListLTctLSsrK//AABEIALcBEwMBIgACEQEDEQH/xAAcAAEAAgMBAQEAAAAAAAAAAAAAAQUCBAYHAwj/xABIEAABAwICBQgGBQkHBQAAAAABAAIDBBEFIQYSMUFREyJhcYGRsfAHMkJSYqEUI3KC0SQzc5KissHh8SU0Q2OTs8IVFlOU0//EABkBAQEAAwEAAAAAAAAAAAAAAAABAgMEBf/EAC4RAQACAgAEAwcDBQAAAAAAAAABAgMRBBIx8CFBcRMiMmGRseFTgaEUI0JRUv/aAAwDAQACEQMRAD8A9xREQEREBERAREQEREBERAREQEREBERAREQEREBERAREQEREBERAREQEREBERAREQEREBERAREQEREBERARatfXxQN15Xho69q4nHPSE1jSYy1jB7bzbuv4IO+e8NzJA6zZac2LQN2yBeFYt6TNYnkxJMeN+TZ3nM9ypotKcVqSRSxDbb6qB0rh1k3HyCuh+hzj8G4nuWbcbiPHuXgLcP0leL/Xj/Qj/AHrLNmF6TtzDp/8AVp3fLWKvKP0CzEoj7S2WTNOwhfnV+M6R0mcrJXD/ADKQOb2vjaLd63cJ9LkjbfSaW43vgfv+w8/8lND9AIuF0a09pauwgna92+N3MkH3XZnsyXYUteyTfY8CoNpFCIJRQiCUUKUBERAREQEREBERAREQEREBERAREQEREBczpVpbHRgxss+U7G7m9JXx030qFIzkYiDM8fqDieleA4ti01XLyMBc/lHWLhm6Vx9lvw+PVtC20n03klkdqu5R+d3E/Vs6vePm+5amH6JVNUW1FbLyTHZtdICXuH+VCLZdJ1R1q3wXBIaGznBktQLcHRQH4Rskk+I5DcDtVk6oc5xc9xLjtJNz3qxA+mG4NQU9uTphI4f4k9pD1iP1G9x61eDEZCAC8gDY0c0D7rclRskX1bMuimPbLS5ZOtqKdcZX6UUtOdWWUaw2taNYjrAvbtXypNPKFzg3lS2+9zCB32yWzlrHhMq9GgqyNjiOokL44jhlLVj8qpo5CfbLdWQdUjbO+aq6Sta9ocxwc1wuCDcEdBG1WUEywvj0mnE4/wCisH6zDpTrDMRSkNdcbOTlFhfhrW61X4LpzXYdL9GxKOSRrLAlwtPGNxufzg6zc8SvVYnrWxzBaeui5KpZew5kjbCSM8WO4fCbg8FzzCLnR7SWKoiZJHIJI3+q8buhwOYI3g5hdG1wIuF+bqmkrsAqg+Mh8UnWIqho2gjPUkA7R0jb7FodpTFVQtmiddjsnNPrRvG1jhuIuOsEEZEKI7BFAN80UEoiIClQiCUREBERAREQEREBERAREQEREBVekeLtpKd0pzdsYOLzsVovH/SfpDd0jgbsg5kY3OkOXj8gUHAaY4zJNK+LWLnyG8ztpz2MHSfC3FXGD4YKKO1vyh4tK7byLD/hN+L3iPs7Ab1mheHkufWyZlriIr+1Oc3P+4CLfE4e6r97EHw8+fxWQf58+KhzfPncvm4+fO9bKQr7iRVeLVMsskVFTu1XzXL5NvJQj1nZb8iB3bSFt6/nztWlo+8nE6k5XbEwAnhkSO/wXXrVdR5sp6OnwfDqeiZq00YBtnLYGRx3lz93ULBb1ZNyrXMnY2RpGbXND29ZBWmH5ZZXBJvv6k19pzAsLg7T1KxSNa0wcrVObhFZGYnn6LUk8pFckQuuBrtJz1c/kQb5L0OllXjmlda6cyvuAxrtVjT62qNh7Tn2r0/R6Yup6dx2uijJ6y0LKcfL7vy2yh1NO9brCqylcrGNceSPFJYYjQRVML4J2a0b9o3gjY9p9lw3H+C8kZ9IwHETe74n217DKaC51ZGjc9ueXEEbDdeyBUmmOAiupXRgfWx3fAfitzmdTgLdeqdy1wOr0fxNkrGarw5j2h0bgcnNIuLdiul4h6Kcbc0voHk8y8lPfaBf6yPsJuB0u4L2qlm12B3Hb1qTGkl9URFBKIiCUREBERAREQEREBERAREQEREFfjtZyNNJINtrN+0cgvz/AKXwvmmjgYCdTnEcZH5NHXb95e16aSXbHHxJcezIeK4umwYA/SHDNzi4eDO7moKuGgEMccDfVibq34nMvd2uLj95YPiV06n8/NfCSm8+elBRyR+fPBakrVeTU3nz0qvqIFtxrCqcVraMtJxKq5ut9UzLsC+UOI8pK6LUI1S4Xvt1TbhvWzoo1v8A1Gp1ta3JM9Xau+td8vq2VjcxDqAy4y59mm49xVukEpELg062uADJ/wCNvtHzxV46Pmt18hqHV1Np+2qHFYi+Vxf61oxGG/myL5a/au7HhiZb64duLxql/J5XhuuAfzvYMrL0bRv+7U/6KP8AcC5PSmlAp6jXuH3GTb8nsHzV7BiX0Wggm1C+0cI1QbbWtG1auJrrJ+zXkpyy7alKsolzmi+J/Sqdk+oWaxcNUm9tVxbtt0XXRxLysvVpl9gslipWhHlWmlMaDE2VkQyc4TtA43tOztu7/UXsuj1WHDmm7XgOYeIIv4FcD6TKMPpGS74ZB+pINU/taisfRrXF1FTE7YiYj1McQ39nVWdo3WJWem3o6IiwYilQpCgKVCkICIiAiIgIiICIiAiIgIoRBy+krdacDg0DvumMUwYyNoH9AP5r64q29Qfu+AWxjwuY+o/wQc2YF8nU/n5q15NYmLz2IKSWlVdU0a6l8K056dbKdVh5Bhkd6yVvTN8nq80PjIxOps8M+qZmR0DJV2BN/tOZp3uqAOx5PgF0OjkRbi1Q3UDi+NpAOywAzXp4fJ0YI3eF5UN1WENPJF8ZuXZ8px1fO9V5pQA9rW8m0hl4nZuk+yd3BW07dthypa0tcCMos9o87liWAkgXkFma0pHOjtwXp01Ed99+D1601Dl9K6fVoqlrSI23/Mkc7dndaeKj+yovsweDVe6YMtQzu1Q9r3WbKfWOwKgxp9sNjYdtoR2gfyXHxUxvfy776vP4yNWj0dN6O/7hF9qX/ccuxiXD6Ay2oYx8Un+45dbHOvJydXDKwumstQTpyvnsWhGnpawPoKoHdGXdrCHj5tCovRnJaGobwlDv1o2j/grnSKT8jqv0MvzYVQej42ZUdLmfulboj+3Pqzj4ZexxOu1p4gH5LNfCiP1cf2W+AX3C0tYiIoJQIgQSiIgIiICIiAiIgKERARFCoosVbaYnoafPcvtiwvqHrHeL/wAExplnMdxBHaMx4lRUu1oGu921/A/JFaNkIRRdEYuWrOFtFfGQLKqvINLInUWJioaOa8iVvSDzZW9e39YK8xGJz+SrqQ6zmNvZu2SA5kDeSLk225neF0elGBMrITE46rmnWjf7r+n4TsP4gLzWgxOpwuV1PPG4sBuWXzbf24nbCD3HoN124smmylprMTD0PDcYp6ljnRSCI6oBZfNx6eKsK17Wa5mnawagyGQcBuK5BtXhlYdcuYHnaQ/kZCfiacnHpt2r5VlPQR857i62zlKkW7mgE967Yzx3p6McdGvGPFjjmItrXjk26lPEQX8HvGxoG+/hc8FzmkFaZXshbmWm5A3vdk1vXn+0ssXx8O5kFrNyaQ3VYwfA3eenxWxgeFGK00w55zjadov7buB4DpvwXLly7cOXLOS25dXg7RDFHED6jQCeJ2uPffvVvFU+fmucglW9FP589K4bztoXrZ19BMqdk/nz0r7Nm8/L8VgGk1Tajm+IBv67gPArT0NbqwyH35MuoNaPEnuWlpRU3EUQPrOLz9losPmR3K+0Ypf7tDvJBd94657gbdi361h9ZbOlPWXp1O2zGjg0D5L6hQpC52tKIiiJQIpCAiIgIiICIiAiIghEQoIREVGji8WtESNrOd2Db8rrSoXBzHRnYR8irkrnC0wylm4Zt6WHZ3bOxWFfGInNp2sJa7rG/tFj2rJY4ueTe2f2H2bL0e6/q3HoPQpVtGlmArFylQVEfB7FXYphUNSzk54mvaNl8i08WuGbexWxCwLVnFtK81xz0ewMjlmime0Rtc/UewPvqgmwcLcOC5rRbRuOr5Rxk1BHq5BmsXa19mYtsXrukLPyOq/Qy/uOXn/owbdlV1xeD1n7Q23KbA6emziYS8bJJLOcOlrQLNPTa/SvnLHmSe3+f4LoKqLz/RVc8fnzsWM2Gi3Lz5zX3ZIsHt8+dgWF/PnwWCN5kvnzwX3ZJ589CrmuWtiVUbCFh50m34Wbz1nzsVpSbWiseaxG51DKl/KakvPqbB+iZcuPbnbrC9F0HpzJM+cjJgsPtO/l4riaKn5KNrGjny6uXCP2B942d1Bq9a0dw76PTsj9o85/2jtW7iJjcUjpXuWeWY3yx5LRSFAUhczWlERREqVClAREQEREBERAREQQiIghQpUFUQVXYvSGRgcwc9mbekb29viArErFFc7TyNkjMbhcOBFj8welUtNUGnkFNMeacoHneN0bjxG7j17egxehLHGaMXBzkaNv229PEb1V19KyqiLTZ2sP1ulvxLdjms+7ZspqfdlsKFzVPjD6R3JVhLo9jJ7XLR7so/5d/FdHHIHNDmkEOFwQbgjiCFL47UnUpek0nUpXnOlmEY9JWzPonTiA6nJ6lVCxuUbQ6zXSAjnB20L0ZFgweQSaPaSuBa81DmuBDmmspyCDkQfrdi1YNEschvyEUkWtbW1aqmF7bL2l6SvZ3rUmU0aeSP0f0g3mf/26f/6rqqaGRsMTZr8o1jRJchx1w0B13C4JvfMXXQVDfP8AVV07UFVIzz58Stdw8+fFb8rFUV9e1juTYNeQ+yN3S47llWs2nULETPhCKyqEYB2udkxu9x/gF9sIotVrqmozucx7790Y+EC1+A6SFOGYTYGpqnbcr2zJ9yIHx2Df09BgGDSYhMHObqQR5ADYG7dVvEned6651w8aj45/j8t86xRr/L7LbQTB3TSmtmFwCSy49Z3G3AL0NfKngbGxrGCzWiwHQvquJzpCyCxCyUBSFCkKIKVClAREQEREBERAREQFClQghCpUKjEqFkViUViVR4jhTmkyU425vj2Ani33XfIq9KxKo46eOKpa5sgs4ZOuMweD27+vxXLVOD1dATJSPswm5YefC49XsHuK9LxDC45szdrxse3Jw/EdBVPLTVMF+byjfeZk63xMOR7O5dOPiJrHLaNx/qW+maYjltG476OTpdNWN5tZC+E+80GSM9w1h3dqvqHF6af8zPG/oa8EjrbtCwlgo57h7AHb9XmO7WOFvkqiu0DpZb2c3qewj5tv4LPl4e/S019fFlNMNultev4dK9akoXLnQOVv5uqLbbNWpe38Fg7Qic+vWPI6atx/ip/T1/UhPYx/3H1XVZKxgJe5rQN5cAucrdI6YG0bjK7hGNb9rZ8192aCU4OtLMwnjz5D4fxW9Hh1FAMmOefiIjb3NuT3p7PDX4r79IPZ4462+jmmMrax2oxhiafZbznkdLt3nNWVLhdPRjnASSe403aD/mPG3qb3roIKSqqRqQx6kZ22bybO07Xdt10WDaHxREPm+seN1uaD1b0niOWNYo18/NJyxHhSNfdzOC6Nz1rxNUXbGNgtbmjY1jdjWr0ejpWRMbHG0Na3YAvqBbIKVyNKVIUBZBRAKURRBSiIClQpQEREBERAREQEREBQpUIChSiCFiVkhVGChZEKLIrAhRZZqLKjUqqCKUWkja7rAVe/RyH/AA3yR9DZDbuNwruyWVVzztHn7qp3bGw+AWH/AG1IdtSeyNq6OymyDnWaKx+3NI7tDf3QrCkwOmiN2RNvxPOPeVZWRREALJFKCFNkAWQCgBSiIgpRFARFKAiIgIiICIiAiIgIiICIiCEREBQiICiyhFRFksiIqERFQRSiCFKIgKbIiglSiIgpRFAREQSiIgIiICIiAiIg/9k="/>
+          <a:ln w="9525">
+            <a:noFill/>
+            <a:miter lim="800000"/>
+            <a:headEnd/>
+            <a:tailEnd/>
+          </a:ln>
+        </p:spPr>
+        <p:txBody>
+          <a:bodyPr/>
+          <a:lstStyle/>
+          <a:p>
+            <a:endParaRPr lang="ru-RU">
+              <a:latin typeface="Calibri" pitchFamily="34" charset="0"/>
+            </a:endParaRPr>
+          </a:p>
+        </p:txBody>
+      </p:sp>
+      <p:sp>
+        <p:nvSpPr>
+          <p:cNvPr id="6148" name="AutoShape 4" descr="data:image/jpeg;base64,/9j/4AAQSkZJRgABAQAAAQABAAD/2wCEAAkGBxAQDxAPDxAVFRUQFRUWEhUYEhYWGBUSFRUWGBUWFxgYHSggGBolGxUWIzEhJiktLi4uFx8zODMtNygtLisBCgoKDg0OGBAQGC0mHx0rLTcrLSstLSstKystNjcrKystLSstLSstLSsrNy0rLS0tKysrMSs3ListLTctLSsrK//AABEIALcBEwMBIgACEQEDEQH/xAAcAAEAAgMBAQEAAAAAAAAAAAAAAQUCBAYHAwj/xABIEAABAwICBQgGBQkHBQAAAAABAAIDBBEFIQYSMUFREyJhcYGRsfAHMkJSYqEUI3KC0SQzc5KissHh8SU0Q2OTs8IVFlOU0//EABkBAQEAAwEAAAAAAAAAAAAAAAABAgMEBf/EAC4RAQACAgAEAwcDBQAAAAAAAAABAgMRBBIx8CFBcRMiMmGRseFTgaEUI0JRUv/aAAwDAQACEQMRAD8A9xREQEREBERAREQEREBERAREQEREBERAREQEREBERAREQEREBERAREQEREBERAREQEREBERAREQEREBERARatfXxQN15Xho69q4nHPSE1jSYy1jB7bzbuv4IO+e8NzJA6zZac2LQN2yBeFYt6TNYnkxJMeN+TZ3nM9ypotKcVqSRSxDbb6qB0rh1k3HyCuh+hzj8G4nuWbcbiPHuXgLcP0leL/Xj/Qj/AHrLNmF6TtzDp/8AVp3fLWKvKP0CzEoj7S2WTNOwhfnV+M6R0mcrJXD/ADKQOb2vjaLd63cJ9LkjbfSaW43vgfv+w8/8lND9AIuF0a09pauwgna92+N3MkH3XZnsyXYUteyTfY8CoNpFCIJRQiCUUKUBERAREQEREBERAREQEREBERAREQEREBczpVpbHRgxss+U7G7m9JXx030qFIzkYiDM8fqDieleA4ti01XLyMBc/lHWLhm6Vx9lvw+PVtC20n03klkdqu5R+d3E/Vs6vePm+5amH6JVNUW1FbLyTHZtdICXuH+VCLZdJ1R1q3wXBIaGznBktQLcHRQH4Rskk+I5DcDtVk6oc5xc9xLjtJNz3qxA+mG4NQU9uTphI4f4k9pD1iP1G9x61eDEZCAC8gDY0c0D7rclRskX1bMuimPbLS5ZOtqKdcZX6UUtOdWWUaw2taNYjrAvbtXypNPKFzg3lS2+9zCB32yWzlrHhMq9GgqyNjiOokL44jhlLVj8qpo5CfbLdWQdUjbO+aq6Sta9ocxwc1wuCDcEdBG1WUEywvj0mnE4/wCisH6zDpTrDMRSkNdcbOTlFhfhrW61X4LpzXYdL9GxKOSRrLAlwtPGNxufzg6zc8SvVYnrWxzBaeui5KpZew5kjbCSM8WO4fCbg8FzzCLnR7SWKoiZJHIJI3+q8buhwOYI3g5hdG1wIuF+bqmkrsAqg+Mh8UnWIqho2gjPUkA7R0jb7FodpTFVQtmiddjsnNPrRvG1jhuIuOsEEZEKI7BFAN80UEoiIClQiCUREBERAREQEREBERAREQEREBVekeLtpKd0pzdsYOLzsVovH/SfpDd0jgbsg5kY3OkOXj8gUHAaY4zJNK+LWLnyG8ztpz2MHSfC3FXGD4YKKO1vyh4tK7byLD/hN+L3iPs7Ab1mheHkufWyZlriIr+1Oc3P+4CLfE4e6r97EHw8+fxWQf58+KhzfPncvm4+fO9bKQr7iRVeLVMsskVFTu1XzXL5NvJQj1nZb8iB3bSFt6/nztWlo+8nE6k5XbEwAnhkSO/wXXrVdR5sp6OnwfDqeiZq00YBtnLYGRx3lz93ULBb1ZNyrXMnY2RpGbXND29ZBWmH5ZZXBJvv6k19pzAsLg7T1KxSNa0wcrVObhFZGYnn6LUk8pFckQuuBrtJz1c/kQb5L0OllXjmlda6cyvuAxrtVjT62qNh7Tn2r0/R6Yup6dx2uijJ6y0LKcfL7vy2yh1NO9brCqylcrGNceSPFJYYjQRVML4J2a0b9o3gjY9p9lw3H+C8kZ9IwHETe74n217DKaC51ZGjc9ueXEEbDdeyBUmmOAiupXRgfWx3fAfitzmdTgLdeqdy1wOr0fxNkrGarw5j2h0bgcnNIuLdiul4h6Kcbc0voHk8y8lPfaBf6yPsJuB0u4L2qlm12B3Hb1qTGkl9URFBKIiCUREBERAREQEREBERAREQEREFfjtZyNNJINtrN+0cgvz/AKXwvmmjgYCdTnEcZH5NHXb95e16aSXbHHxJcezIeK4umwYA/SHDNzi4eDO7moKuGgEMccDfVibq34nMvd2uLj95YPiV06n8/NfCSm8+elBRyR+fPBakrVeTU3nz0qvqIFtxrCqcVraMtJxKq5ut9UzLsC+UOI8pK6LUI1S4Xvt1TbhvWzoo1v8A1Gp1ta3JM9Xau+td8vq2VjcxDqAy4y59mm49xVukEpELg062uADJ/wCNvtHzxV46Pmt18hqHV1Np+2qHFYi+Vxf61oxGG/myL5a/au7HhiZb64duLxql/J5XhuuAfzvYMrL0bRv+7U/6KP8AcC5PSmlAp6jXuH3GTb8nsHzV7BiX0Wggm1C+0cI1QbbWtG1auJrrJ+zXkpyy7alKsolzmi+J/Sqdk+oWaxcNUm9tVxbtt0XXRxLysvVpl9gslipWhHlWmlMaDE2VkQyc4TtA43tOztu7/UXsuj1WHDmm7XgOYeIIv4FcD6TKMPpGS74ZB+pINU/taisfRrXF1FTE7YiYj1McQ39nVWdo3WJWem3o6IiwYilQpCgKVCkICIiAiIgIiICIiAiIgIoRBy+krdacDg0DvumMUwYyNoH9AP5r64q29Qfu+AWxjwuY+o/wQc2YF8nU/n5q15NYmLz2IKSWlVdU0a6l8K056dbKdVh5Bhkd6yVvTN8nq80PjIxOps8M+qZmR0DJV2BN/tOZp3uqAOx5PgF0OjkRbi1Q3UDi+NpAOywAzXp4fJ0YI3eF5UN1WENPJF8ZuXZ8px1fO9V5pQA9rW8m0hl4nZuk+yd3BW07dthypa0tcCMos9o87liWAkgXkFma0pHOjtwXp01Ed99+D1601Dl9K6fVoqlrSI23/Mkc7dndaeKj+yovsweDVe6YMtQzu1Q9r3WbKfWOwKgxp9sNjYdtoR2gfyXHxUxvfy776vP4yNWj0dN6O/7hF9qX/ccuxiXD6Ay2oYx8Un+45dbHOvJydXDKwumstQTpyvnsWhGnpawPoKoHdGXdrCHj5tCovRnJaGobwlDv1o2j/grnSKT8jqv0MvzYVQej42ZUdLmfulboj+3Pqzj4ZexxOu1p4gH5LNfCiP1cf2W+AX3C0tYiIoJQIgQSiIgIiICIiAiIgKERARFCoosVbaYnoafPcvtiwvqHrHeL/wAExplnMdxBHaMx4lRUu1oGu921/A/JFaNkIRRdEYuWrOFtFfGQLKqvINLInUWJioaOa8iVvSDzZW9e39YK8xGJz+SrqQ6zmNvZu2SA5kDeSLk225neF0elGBMrITE46rmnWjf7r+n4TsP4gLzWgxOpwuV1PPG4sBuWXzbf24nbCD3HoN124smmylprMTD0PDcYp6ljnRSCI6oBZfNx6eKsK17Wa5mnawagyGQcBuK5BtXhlYdcuYHnaQ/kZCfiacnHpt2r5VlPQR857i62zlKkW7mgE967Yzx3p6McdGvGPFjjmItrXjk26lPEQX8HvGxoG+/hc8FzmkFaZXshbmWm5A3vdk1vXn+0ssXx8O5kFrNyaQ3VYwfA3eenxWxgeFGK00w55zjadov7buB4DpvwXLly7cOXLOS25dXg7RDFHED6jQCeJ2uPffvVvFU+fmucglW9FP589K4bztoXrZ19BMqdk/nz0r7Nm8/L8VgGk1Tajm+IBv67gPArT0NbqwyH35MuoNaPEnuWlpRU3EUQPrOLz9losPmR3K+0Ypf7tDvJBd94657gbdi361h9ZbOlPWXp1O2zGjg0D5L6hQpC52tKIiiJQIpCAiIgIiICIiAiIghEQoIREVGji8WtESNrOd2Db8rrSoXBzHRnYR8irkrnC0wylm4Zt6WHZ3bOxWFfGInNp2sJa7rG/tFj2rJY4ueTe2f2H2bL0e6/q3HoPQpVtGlmArFylQVEfB7FXYphUNSzk54mvaNl8i08WuGbexWxCwLVnFtK81xz0ewMjlmime0Rtc/UewPvqgmwcLcOC5rRbRuOr5Rxk1BHq5BmsXa19mYtsXrukLPyOq/Qy/uOXn/owbdlV1xeD1n7Q23KbA6emziYS8bJJLOcOlrQLNPTa/SvnLHmSe3+f4LoKqLz/RVc8fnzsWM2Gi3Lz5zX3ZIsHt8+dgWF/PnwWCN5kvnzwX3ZJ589CrmuWtiVUbCFh50m34Wbz1nzsVpSbWiseaxG51DKl/KakvPqbB+iZcuPbnbrC9F0HpzJM+cjJgsPtO/l4riaKn5KNrGjny6uXCP2B942d1Bq9a0dw76PTsj9o85/2jtW7iJjcUjpXuWeWY3yx5LRSFAUhczWlERREqVClAREQEREBERAREQQiIghQpUFUQVXYvSGRgcwc9mbekb29viArErFFc7TyNkjMbhcOBFj8welUtNUGnkFNMeacoHneN0bjxG7j17egxehLHGaMXBzkaNv229PEb1V19KyqiLTZ2sP1ulvxLdjms+7ZspqfdlsKFzVPjD6R3JVhLo9jJ7XLR7so/5d/FdHHIHNDmkEOFwQbgjiCFL47UnUpek0nUpXnOlmEY9JWzPonTiA6nJ6lVCxuUbQ6zXSAjnB20L0ZFgweQSaPaSuBa81DmuBDmmspyCDkQfrdi1YNEschvyEUkWtbW1aqmF7bL2l6SvZ3rUmU0aeSP0f0g3mf/26f/6rqqaGRsMTZr8o1jRJchx1w0B13C4JvfMXXQVDfP8AVV07UFVIzz58Stdw8+fFb8rFUV9e1juTYNeQ+yN3S47llWs2nULETPhCKyqEYB2udkxu9x/gF9sIotVrqmozucx7790Y+EC1+A6SFOGYTYGpqnbcr2zJ9yIHx2Df09BgGDSYhMHObqQR5ADYG7dVvEned6651w8aj45/j8t86xRr/L7LbQTB3TSmtmFwCSy49Z3G3AL0NfKngbGxrGCzWiwHQvquJzpCyCxCyUBSFCkKIKVClAREQEREBERAREQFClQghCpUKjEqFkViUViVR4jhTmkyU425vj2Ani33XfIq9KxKo46eOKpa5sgs4ZOuMweD27+vxXLVOD1dATJSPswm5YefC49XsHuK9LxDC45szdrxse3Jw/EdBVPLTVMF+byjfeZk63xMOR7O5dOPiJrHLaNx/qW+maYjltG476OTpdNWN5tZC+E+80GSM9w1h3dqvqHF6af8zPG/oa8EjrbtCwlgo57h7AHb9XmO7WOFvkqiu0DpZb2c3qewj5tv4LPl4e/S019fFlNMNultev4dK9akoXLnQOVv5uqLbbNWpe38Fg7Qic+vWPI6atx/ip/T1/UhPYx/3H1XVZKxgJe5rQN5cAucrdI6YG0bjK7hGNb9rZ8192aCU4OtLMwnjz5D4fxW9Hh1FAMmOefiIjb3NuT3p7PDX4r79IPZ4462+jmmMrax2oxhiafZbznkdLt3nNWVLhdPRjnASSe403aD/mPG3qb3roIKSqqRqQx6kZ22bybO07Xdt10WDaHxREPm+seN1uaD1b0niOWNYo18/NJyxHhSNfdzOC6Nz1rxNUXbGNgtbmjY1jdjWr0ejpWRMbHG0Na3YAvqBbIKVyNKVIUBZBRAKURRBSiIClQpQEREBERAREQEREBQpUIChSiCFiVkhVGChZEKLIrAhRZZqLKjUqqCKUWkja7rAVe/RyH/AA3yR9DZDbuNwruyWVVzztHn7qp3bGw+AWH/AG1IdtSeyNq6OymyDnWaKx+3NI7tDf3QrCkwOmiN2RNvxPOPeVZWRREALJFKCFNkAWQCgBSiIgpRFARFKAiIgIiICIiAiIgIiICIiCEREBQiICiyhFRFksiIqERFQRSiCFKIgKbIiglSiIgpRFAREQSiIgIiICIiAiIg/9k="/>
           <p:cNvSpPr>
             <a:spLocks noChangeAspect="1" noChangeArrowheads="1"/>
           </p:cNvSpPr>
@@ -4376,22 +4796,26 @@
             <a:avLst/>
           </a:prstGeom>
           <a:noFill/>
-        </p:spPr>
-        <p:txBody>
-          <a:bodyPr vert="horz" wrap="square" lIns="91440" tIns="45720" rIns="91440" bIns="45720" numCol="1" anchor="t" anchorCtr="0" compatLnSpc="1">
-            <a:prstTxWarp prst="textNoShape">
-              <a:avLst/>
-            </a:prstTxWarp>
-          </a:bodyPr>
-          <a:lstStyle/>
-          <a:p>
-            <a:endParaRPr lang="ru-RU"/>
-          </a:p>
-        </p:txBody>
-      </p:sp>
-      <p:sp>
-        <p:nvSpPr>
-          <p:cNvPr id="2054" name="AutoShape 6" descr="data:image/jpeg;base64,/9j/4AAQSkZJRgABAQAAAQABAAD/2wCEAAkGBxAQDxAPDxAVFRUQFRUWEhUYEhYWGBUSFRUWGBUWFxgYHSggGBolGxUWIzEhJiktLi4uFx8zODMtNygtLisBCgoKDg0OGBAQGC0mHx0rLTcrLSstLSstKystNjcrKystLSstLSstLSsrNy0rLS0tKysrMSs3ListLTctLSsrK//AABEIALcBEwMBIgACEQEDEQH/xAAcAAEAAgMBAQEAAAAAAAAAAAAAAQUCBAYHAwj/xABIEAABAwICBQgGBQkHBQAAAAABAAIDBBEFIQYSMUFREyJhcYGRsfAHMkJSYqEUI3KC0SQzc5KissHh8SU0Q2OTs8IVFlOU0//EABkBAQEAAwEAAAAAAAAAAAAAAAABAgMEBf/EAC4RAQACAgAEAwcDBQAAAAAAAAABAgMRBBIx8CFBcRMiMmGRseFTgaEUI0JRUv/aAAwDAQACEQMRAD8A9xREQEREBERAREQEREBERAREQEREBERAREQEREBERAREQEREBERAREQEREBERAREQEREBERAREQEREBERARatfXxQN15Xho69q4nHPSE1jSYy1jB7bzbuv4IO+e8NzJA6zZac2LQN2yBeFYt6TNYnkxJMeN+TZ3nM9ypotKcVqSRSxDbb6qB0rh1k3HyCuh+hzj8G4nuWbcbiPHuXgLcP0leL/Xj/Qj/AHrLNmF6TtzDp/8AVp3fLWKvKP0CzEoj7S2WTNOwhfnV+M6R0mcrJXD/ADKQOb2vjaLd63cJ9LkjbfSaW43vgfv+w8/8lND9AIuF0a09pauwgna92+N3MkH3XZnsyXYUteyTfY8CoNpFCIJRQiCUUKUBERAREQEREBERAREQEREBERAREQEREBczpVpbHRgxss+U7G7m9JXx030qFIzkYiDM8fqDieleA4ti01XLyMBc/lHWLhm6Vx9lvw+PVtC20n03klkdqu5R+d3E/Vs6vePm+5amH6JVNUW1FbLyTHZtdICXuH+VCLZdJ1R1q3wXBIaGznBktQLcHRQH4Rskk+I5DcDtVk6oc5xc9xLjtJNz3qxA+mG4NQU9uTphI4f4k9pD1iP1G9x61eDEZCAC8gDY0c0D7rclRskX1bMuimPbLS5ZOtqKdcZX6UUtOdWWUaw2taNYjrAvbtXypNPKFzg3lS2+9zCB32yWzlrHhMq9GgqyNjiOokL44jhlLVj8qpo5CfbLdWQdUjbO+aq6Sta9ocxwc1wuCDcEdBG1WUEywvj0mnE4/wCisH6zDpTrDMRSkNdcbOTlFhfhrW61X4LpzXYdL9GxKOSRrLAlwtPGNxufzg6zc8SvVYnrWxzBaeui5KpZew5kjbCSM8WO4fCbg8FzzCLnR7SWKoiZJHIJI3+q8buhwOYI3g5hdG1wIuF+bqmkrsAqg+Mh8UnWIqho2gjPUkA7R0jb7FodpTFVQtmiddjsnNPrRvG1jhuIuOsEEZEKI7BFAN80UEoiIClQiCUREBERAREQEREBERAREQEREBVekeLtpKd0pzdsYOLzsVovH/SfpDd0jgbsg5kY3OkOXj8gUHAaY4zJNK+LWLnyG8ztpz2MHSfC3FXGD4YKKO1vyh4tK7byLD/hN+L3iPs7Ab1mheHkufWyZlriIr+1Oc3P+4CLfE4e6r97EHw8+fxWQf58+KhzfPncvm4+fO9bKQr7iRVeLVMsskVFTu1XzXL5NvJQj1nZb8iB3bSFt6/nztWlo+8nE6k5XbEwAnhkSO/wXXrVdR5sp6OnwfDqeiZq00YBtnLYGRx3lz93ULBb1ZNyrXMnY2RpGbXND29ZBWmH5ZZXBJvv6k19pzAsLg7T1KxSNa0wcrVObhFZGYnn6LUk8pFckQuuBrtJz1c/kQb5L0OllXjmlda6cyvuAxrtVjT62qNh7Tn2r0/R6Yup6dx2uijJ6y0LKcfL7vy2yh1NO9brCqylcrGNceSPFJYYjQRVML4J2a0b9o3gjY9p9lw3H+C8kZ9IwHETe74n217DKaC51ZGjc9ueXEEbDdeyBUmmOAiupXRgfWx3fAfitzmdTgLdeqdy1wOr0fxNkrGarw5j2h0bgcnNIuLdiul4h6Kcbc0voHk8y8lPfaBf6yPsJuB0u4L2qlm12B3Hb1qTGkl9URFBKIiCUREBERAREQEREBERAREQEREFfjtZyNNJINtrN+0cgvz/AKXwvmmjgYCdTnEcZH5NHXb95e16aSXbHHxJcezIeK4umwYA/SHDNzi4eDO7moKuGgEMccDfVibq34nMvd2uLj95YPiV06n8/NfCSm8+elBRyR+fPBakrVeTU3nz0qvqIFtxrCqcVraMtJxKq5ut9UzLsC+UOI8pK6LUI1S4Xvt1TbhvWzoo1v8A1Gp1ta3JM9Xau+td8vq2VjcxDqAy4y59mm49xVukEpELg062uADJ/wCNvtHzxV46Pmt18hqHV1Np+2qHFYi+Vxf61oxGG/myL5a/au7HhiZb64duLxql/J5XhuuAfzvYMrL0bRv+7U/6KP8AcC5PSmlAp6jXuH3GTb8nsHzV7BiX0Wggm1C+0cI1QbbWtG1auJrrJ+zXkpyy7alKsolzmi+J/Sqdk+oWaxcNUm9tVxbtt0XXRxLysvVpl9gslipWhHlWmlMaDE2VkQyc4TtA43tOztu7/UXsuj1WHDmm7XgOYeIIv4FcD6TKMPpGS74ZB+pINU/taisfRrXF1FTE7YiYj1McQ39nVWdo3WJWem3o6IiwYilQpCgKVCkICIiAiIgIiICIiAiIgIoRBy+krdacDg0DvumMUwYyNoH9AP5r64q29Qfu+AWxjwuY+o/wQc2YF8nU/n5q15NYmLz2IKSWlVdU0a6l8K056dbKdVh5Bhkd6yVvTN8nq80PjIxOps8M+qZmR0DJV2BN/tOZp3uqAOx5PgF0OjkRbi1Q3UDi+NpAOywAzXp4fJ0YI3eF5UN1WENPJF8ZuXZ8px1fO9V5pQA9rW8m0hl4nZuk+yd3BW07dthypa0tcCMos9o87liWAkgXkFma0pHOjtwXp01Ed99+D1601Dl9K6fVoqlrSI23/Mkc7dndaeKj+yovsweDVe6YMtQzu1Q9r3WbKfWOwKgxp9sNjYdtoR2gfyXHxUxvfy776vP4yNWj0dN6O/7hF9qX/ccuxiXD6Ay2oYx8Un+45dbHOvJydXDKwumstQTpyvnsWhGnpawPoKoHdGXdrCHj5tCovRnJaGobwlDv1o2j/grnSKT8jqv0MvzYVQej42ZUdLmfulboj+3Pqzj4ZexxOu1p4gH5LNfCiP1cf2W+AX3C0tYiIoJQIgQSiIgIiICIiAiIgKERARFCoosVbaYnoafPcvtiwvqHrHeL/wAExplnMdxBHaMx4lRUu1oGu921/A/JFaNkIRRdEYuWrOFtFfGQLKqvINLInUWJioaOa8iVvSDzZW9e39YK8xGJz+SrqQ6zmNvZu2SA5kDeSLk225neF0elGBMrITE46rmnWjf7r+n4TsP4gLzWgxOpwuV1PPG4sBuWXzbf24nbCD3HoN124smmylprMTD0PDcYp6ljnRSCI6oBZfNx6eKsK17Wa5mnawagyGQcBuK5BtXhlYdcuYHnaQ/kZCfiacnHpt2r5VlPQR857i62zlKkW7mgE967Yzx3p6McdGvGPFjjmItrXjk26lPEQX8HvGxoG+/hc8FzmkFaZXshbmWm5A3vdk1vXn+0ssXx8O5kFrNyaQ3VYwfA3eenxWxgeFGK00w55zjadov7buB4DpvwXLly7cOXLOS25dXg7RDFHED6jQCeJ2uPffvVvFU+fmucglW9FP589K4bztoXrZ19BMqdk/nz0r7Nm8/L8VgGk1Tajm+IBv67gPArT0NbqwyH35MuoNaPEnuWlpRU3EUQPrOLz9losPmR3K+0Ypf7tDvJBd94657gbdi361h9ZbOlPWXp1O2zGjg0D5L6hQpC52tKIiiJQIpCAiIgIiICIiAiIghEQoIREVGji8WtESNrOd2Db8rrSoXBzHRnYR8irkrnC0wylm4Zt6WHZ3bOxWFfGInNp2sJa7rG/tFj2rJY4ueTe2f2H2bL0e6/q3HoPQpVtGlmArFylQVEfB7FXYphUNSzk54mvaNl8i08WuGbexWxCwLVnFtK81xz0ewMjlmime0Rtc/UewPvqgmwcLcOC5rRbRuOr5Rxk1BHq5BmsXa19mYtsXrukLPyOq/Qy/uOXn/owbdlV1xeD1n7Q23KbA6emziYS8bJJLOcOlrQLNPTa/SvnLHmSe3+f4LoKqLz/RVc8fnzsWM2Gi3Lz5zX3ZIsHt8+dgWF/PnwWCN5kvnzwX3ZJ589CrmuWtiVUbCFh50m34Wbz1nzsVpSbWiseaxG51DKl/KakvPqbB+iZcuPbnbrC9F0HpzJM+cjJgsPtO/l4riaKn5KNrGjny6uXCP2B942d1Bq9a0dw76PTsj9o85/2jtW7iJjcUjpXuWeWY3yx5LRSFAUhczWlERREqVClAREQEREBERAREQQiIghQpUFUQVXYvSGRgcwc9mbekb29viArErFFc7TyNkjMbhcOBFj8welUtNUGnkFNMeacoHneN0bjxG7j17egxehLHGaMXBzkaNv229PEb1V19KyqiLTZ2sP1ulvxLdjms+7ZspqfdlsKFzVPjD6R3JVhLo9jJ7XLR7so/5d/FdHHIHNDmkEOFwQbgjiCFL47UnUpek0nUpXnOlmEY9JWzPonTiA6nJ6lVCxuUbQ6zXSAjnB20L0ZFgweQSaPaSuBa81DmuBDmmspyCDkQfrdi1YNEschvyEUkWtbW1aqmF7bL2l6SvZ3rUmU0aeSP0f0g3mf/26f/6rqqaGRsMTZr8o1jRJchx1w0B13C4JvfMXXQVDfP8AVV07UFVIzz58Stdw8+fFb8rFUV9e1juTYNeQ+yN3S47llWs2nULETPhCKyqEYB2udkxu9x/gF9sIotVrqmozucx7790Y+EC1+A6SFOGYTYGpqnbcr2zJ9yIHx2Df09BgGDSYhMHObqQR5ADYG7dVvEned6651w8aj45/j8t86xRr/L7LbQTB3TSmtmFwCSy49Z3G3AL0NfKngbGxrGCzWiwHQvquJzpCyCxCyUBSFCkKIKVClAREQEREBERAREQFClQghCpUKjEqFkViUViVR4jhTmkyU425vj2Ani33XfIq9KxKo46eOKpa5sgs4ZOuMweD27+vxXLVOD1dATJSPswm5YefC49XsHuK9LxDC45szdrxse3Jw/EdBVPLTVMF+byjfeZk63xMOR7O5dOPiJrHLaNx/qW+maYjltG476OTpdNWN5tZC+E+80GSM9w1h3dqvqHF6af8zPG/oa8EjrbtCwlgo57h7AHb9XmO7WOFvkqiu0DpZb2c3qewj5tv4LPl4e/S019fFlNMNultev4dK9akoXLnQOVv5uqLbbNWpe38Fg7Qic+vWPI6atx/ip/T1/UhPYx/3H1XVZKxgJe5rQN5cAucrdI6YG0bjK7hGNb9rZ8192aCU4OtLMwnjz5D4fxW9Hh1FAMmOefiIjb3NuT3p7PDX4r79IPZ4462+jmmMrax2oxhiafZbznkdLt3nNWVLhdPRjnASSe403aD/mPG3qb3roIKSqqRqQx6kZ22bybO07Xdt10WDaHxREPm+seN1uaD1b0niOWNYo18/NJyxHhSNfdzOC6Nz1rxNUXbGNgtbmjY1jdjWr0ejpWRMbHG0Na3YAvqBbIKVyNKVIUBZBRAKURRBSiIClQpQEREBERAREQEREBQpUIChSiCFiVkhVGChZEKLIrAhRZZqLKjUqqCKUWkja7rAVe/RyH/AA3yR9DZDbuNwruyWVVzztHn7qp3bGw+AWH/AG1IdtSeyNq6OymyDnWaKx+3NI7tDf3QrCkwOmiN2RNvxPOPeVZWRREALJFKCFNkAWQCgBSiIgpRFARFKAiIgIiICIiAiIgIiICIiCEREBQiICiyhFRFksiIqERFQRSiCFKIgKbIiglSiIgpRFAREQSiIgIiICIiAiIg/9k="/>
+          <a:ln w="9525">
+            <a:noFill/>
+            <a:miter lim="800000"/>
+            <a:headEnd/>
+            <a:tailEnd/>
+          </a:ln>
+        </p:spPr>
+        <p:txBody>
+          <a:bodyPr/>
+          <a:lstStyle/>
+          <a:p>
+            <a:endParaRPr lang="ru-RU">
+              <a:latin typeface="Calibri" pitchFamily="34" charset="0"/>
+            </a:endParaRPr>
+          </a:p>
+        </p:txBody>
+      </p:sp>
+      <p:sp>
+        <p:nvSpPr>
+          <p:cNvPr id="6149" name="AutoShape 6" descr="data:image/jpeg;base64,/9j/4AAQSkZJRgABAQAAAQABAAD/2wCEAAkGBxAQDxAPDxAVFRUQFRUWEhUYEhYWGBUSFRUWGBUWFxgYHSggGBolGxUWIzEhJiktLi4uFx8zODMtNygtLisBCgoKDg0OGBAQGC0mHx0rLTcrLSstLSstKystNjcrKystLSstLSstLSsrNy0rLS0tKysrMSs3ListLTctLSsrK//AABEIALcBEwMBIgACEQEDEQH/xAAcAAEAAgMBAQEAAAAAAAAAAAAAAQUCBAYHAwj/xABIEAABAwICBQgGBQkHBQAAAAABAAIDBBEFIQYSMUFREyJhcYGRsfAHMkJSYqEUI3KC0SQzc5KissHh8SU0Q2OTs8IVFlOU0//EABkBAQEAAwEAAAAAAAAAAAAAAAABAgMEBf/EAC4RAQACAgAEAwcDBQAAAAAAAAABAgMRBBIx8CFBcRMiMmGRseFTgaEUI0JRUv/aAAwDAQACEQMRAD8A9xREQEREBERAREQEREBERAREQEREBERAREQEREBERAREQEREBERAREQEREBERAREQEREBERAREQEREBERARatfXxQN15Xho69q4nHPSE1jSYy1jB7bzbuv4IO+e8NzJA6zZac2LQN2yBeFYt6TNYnkxJMeN+TZ3nM9ypotKcVqSRSxDbb6qB0rh1k3HyCuh+hzj8G4nuWbcbiPHuXgLcP0leL/Xj/Qj/AHrLNmF6TtzDp/8AVp3fLWKvKP0CzEoj7S2WTNOwhfnV+M6R0mcrJXD/ADKQOb2vjaLd63cJ9LkjbfSaW43vgfv+w8/8lND9AIuF0a09pauwgna92+N3MkH3XZnsyXYUteyTfY8CoNpFCIJRQiCUUKUBERAREQEREBERAREQEREBERAREQEREBczpVpbHRgxss+U7G7m9JXx030qFIzkYiDM8fqDieleA4ti01XLyMBc/lHWLhm6Vx9lvw+PVtC20n03klkdqu5R+d3E/Vs6vePm+5amH6JVNUW1FbLyTHZtdICXuH+VCLZdJ1R1q3wXBIaGznBktQLcHRQH4Rskk+I5DcDtVk6oc5xc9xLjtJNz3qxA+mG4NQU9uTphI4f4k9pD1iP1G9x61eDEZCAC8gDY0c0D7rclRskX1bMuimPbLS5ZOtqKdcZX6UUtOdWWUaw2taNYjrAvbtXypNPKFzg3lS2+9zCB32yWzlrHhMq9GgqyNjiOokL44jhlLVj8qpo5CfbLdWQdUjbO+aq6Sta9ocxwc1wuCDcEdBG1WUEywvj0mnE4/wCisH6zDpTrDMRSkNdcbOTlFhfhrW61X4LpzXYdL9GxKOSRrLAlwtPGNxufzg6zc8SvVYnrWxzBaeui5KpZew5kjbCSM8WO4fCbg8FzzCLnR7SWKoiZJHIJI3+q8buhwOYI3g5hdG1wIuF+bqmkrsAqg+Mh8UnWIqho2gjPUkA7R0jb7FodpTFVQtmiddjsnNPrRvG1jhuIuOsEEZEKI7BFAN80UEoiIClQiCUREBERAREQEREBERAREQEREBVekeLtpKd0pzdsYOLzsVovH/SfpDd0jgbsg5kY3OkOXj8gUHAaY4zJNK+LWLnyG8ztpz2MHSfC3FXGD4YKKO1vyh4tK7byLD/hN+L3iPs7Ab1mheHkufWyZlriIr+1Oc3P+4CLfE4e6r97EHw8+fxWQf58+KhzfPncvm4+fO9bKQr7iRVeLVMsskVFTu1XzXL5NvJQj1nZb8iB3bSFt6/nztWlo+8nE6k5XbEwAnhkSO/wXXrVdR5sp6OnwfDqeiZq00YBtnLYGRx3lz93ULBb1ZNyrXMnY2RpGbXND29ZBWmH5ZZXBJvv6k19pzAsLg7T1KxSNa0wcrVObhFZGYnn6LUk8pFckQuuBrtJz1c/kQb5L0OllXjmlda6cyvuAxrtVjT62qNh7Tn2r0/R6Yup6dx2uijJ6y0LKcfL7vy2yh1NO9brCqylcrGNceSPFJYYjQRVML4J2a0b9o3gjY9p9lw3H+C8kZ9IwHETe74n217DKaC51ZGjc9ueXEEbDdeyBUmmOAiupXRgfWx3fAfitzmdTgLdeqdy1wOr0fxNkrGarw5j2h0bgcnNIuLdiul4h6Kcbc0voHk8y8lPfaBf6yPsJuB0u4L2qlm12B3Hb1qTGkl9URFBKIiCUREBERAREQEREBERAREQEREFfjtZyNNJINtrN+0cgvz/AKXwvmmjgYCdTnEcZH5NHXb95e16aSXbHHxJcezIeK4umwYA/SHDNzi4eDO7moKuGgEMccDfVibq34nMvd2uLj95YPiV06n8/NfCSm8+elBRyR+fPBakrVeTU3nz0qvqIFtxrCqcVraMtJxKq5ut9UzLsC+UOI8pK6LUI1S4Xvt1TbhvWzoo1v8A1Gp1ta3JM9Xau+td8vq2VjcxDqAy4y59mm49xVukEpELg062uADJ/wCNvtHzxV46Pmt18hqHV1Np+2qHFYi+Vxf61oxGG/myL5a/au7HhiZb64duLxql/J5XhuuAfzvYMrL0bRv+7U/6KP8AcC5PSmlAp6jXuH3GTb8nsHzV7BiX0Wggm1C+0cI1QbbWtG1auJrrJ+zXkpyy7alKsolzmi+J/Sqdk+oWaxcNUm9tVxbtt0XXRxLysvVpl9gslipWhHlWmlMaDE2VkQyc4TtA43tOztu7/UXsuj1WHDmm7XgOYeIIv4FcD6TKMPpGS74ZB+pINU/taisfRrXF1FTE7YiYj1McQ39nVWdo3WJWem3o6IiwYilQpCgKVCkICIiAiIgIiICIiAiIgIoRBy+krdacDg0DvumMUwYyNoH9AP5r64q29Qfu+AWxjwuY+o/wQc2YF8nU/n5q15NYmLz2IKSWlVdU0a6l8K056dbKdVh5Bhkd6yVvTN8nq80PjIxOps8M+qZmR0DJV2BN/tOZp3uqAOx5PgF0OjkRbi1Q3UDi+NpAOywAzXp4fJ0YI3eF5UN1WENPJF8ZuXZ8px1fO9V5pQA9rW8m0hl4nZuk+yd3BW07dthypa0tcCMos9o87liWAkgXkFma0pHOjtwXp01Ed99+D1601Dl9K6fVoqlrSI23/Mkc7dndaeKj+yovsweDVe6YMtQzu1Q9r3WbKfWOwKgxp9sNjYdtoR2gfyXHxUxvfy776vP4yNWj0dN6O/7hF9qX/ccuxiXD6Ay2oYx8Un+45dbHOvJydXDKwumstQTpyvnsWhGnpawPoKoHdGXdrCHj5tCovRnJaGobwlDv1o2j/grnSKT8jqv0MvzYVQej42ZUdLmfulboj+3Pqzj4ZexxOu1p4gH5LNfCiP1cf2W+AX3C0tYiIoJQIgQSiIgIiICIiAiIgKERARFCoosVbaYnoafPcvtiwvqHrHeL/wAExplnMdxBHaMx4lRUu1oGu921/A/JFaNkIRRdEYuWrOFtFfGQLKqvINLInUWJioaOa8iVvSDzZW9e39YK8xGJz+SrqQ6zmNvZu2SA5kDeSLk225neF0elGBMrITE46rmnWjf7r+n4TsP4gLzWgxOpwuV1PPG4sBuWXzbf24nbCD3HoN124smmylprMTD0PDcYp6ljnRSCI6oBZfNx6eKsK17Wa5mnawagyGQcBuK5BtXhlYdcuYHnaQ/kZCfiacnHpt2r5VlPQR857i62zlKkW7mgE967Yzx3p6McdGvGPFjjmItrXjk26lPEQX8HvGxoG+/hc8FzmkFaZXshbmWm5A3vdk1vXn+0ssXx8O5kFrNyaQ3VYwfA3eenxWxgeFGK00w55zjadov7buB4DpvwXLly7cOXLOS25dXg7RDFHED6jQCeJ2uPffvVvFU+fmucglW9FP589K4bztoXrZ19BMqdk/nz0r7Nm8/L8VgGk1Tajm+IBv67gPArT0NbqwyH35MuoNaPEnuWlpRU3EUQPrOLz9losPmR3K+0Ypf7tDvJBd94657gbdi361h9ZbOlPWXp1O2zGjg0D5L6hQpC52tKIiiJQIpCAiIgIiICIiAiIghEQoIREVGji8WtESNrOd2Db8rrSoXBzHRnYR8irkrnC0wylm4Zt6WHZ3bOxWFfGInNp2sJa7rG/tFj2rJY4ueTe2f2H2bL0e6/q3HoPQpVtGlmArFylQVEfB7FXYphUNSzk54mvaNl8i08WuGbexWxCwLVnFtK81xz0ewMjlmime0Rtc/UewPvqgmwcLcOC5rRbRuOr5Rxk1BHq5BmsXa19mYtsXrukLPyOq/Qy/uOXn/owbdlV1xeD1n7Q23KbA6emziYS8bJJLOcOlrQLNPTa/SvnLHmSe3+f4LoKqLz/RVc8fnzsWM2Gi3Lz5zX3ZIsHt8+dgWF/PnwWCN5kvnzwX3ZJ589CrmuWtiVUbCFh50m34Wbz1nzsVpSbWiseaxG51DKl/KakvPqbB+iZcuPbnbrC9F0HpzJM+cjJgsPtO/l4riaKn5KNrGjny6uXCP2B942d1Bq9a0dw76PTsj9o85/2jtW7iJjcUjpXuWeWY3yx5LRSFAUhczWlERREqVClAREQEREBERAREQQiIghQpUFUQVXYvSGRgcwc9mbekb29viArErFFc7TyNkjMbhcOBFj8welUtNUGnkFNMeacoHneN0bjxG7j17egxehLHGaMXBzkaNv229PEb1V19KyqiLTZ2sP1ulvxLdjms+7ZspqfdlsKFzVPjD6R3JVhLo9jJ7XLR7so/5d/FdHHIHNDmkEOFwQbgjiCFL47UnUpek0nUpXnOlmEY9JWzPonTiA6nJ6lVCxuUbQ6zXSAjnB20L0ZFgweQSaPaSuBa81DmuBDmmspyCDkQfrdi1YNEschvyEUkWtbW1aqmF7bL2l6SvZ3rUmU0aeSP0f0g3mf/26f/6rqqaGRsMTZr8o1jRJchx1w0B13C4JvfMXXQVDfP8AVV07UFVIzz58Stdw8+fFb8rFUV9e1juTYNeQ+yN3S47llWs2nULETPhCKyqEYB2udkxu9x/gF9sIotVrqmozucx7790Y+EC1+A6SFOGYTYGpqnbcr2zJ9yIHx2Df09BgGDSYhMHObqQR5ADYG7dVvEned6651w8aj45/j8t86xRr/L7LbQTB3TSmtmFwCSy49Z3G3AL0NfKngbGxrGCzWiwHQvquJzpCyCxCyUBSFCkKIKVClAREQEREBERAREQFClQghCpUKjEqFkViUViVR4jhTmkyU425vj2Ani33XfIq9KxKo46eOKpa5sgs4ZOuMweD27+vxXLVOD1dATJSPswm5YefC49XsHuK9LxDC45szdrxse3Jw/EdBVPLTVMF+byjfeZk63xMOR7O5dOPiJrHLaNx/qW+maYjltG476OTpdNWN5tZC+E+80GSM9w1h3dqvqHF6af8zPG/oa8EjrbtCwlgo57h7AHb9XmO7WOFvkqiu0DpZb2c3qewj5tv4LPl4e/S019fFlNMNultev4dK9akoXLnQOVv5uqLbbNWpe38Fg7Qic+vWPI6atx/ip/T1/UhPYx/3H1XVZKxgJe5rQN5cAucrdI6YG0bjK7hGNb9rZ8192aCU4OtLMwnjz5D4fxW9Hh1FAMmOefiIjb3NuT3p7PDX4r79IPZ4462+jmmMrax2oxhiafZbznkdLt3nNWVLhdPRjnASSe403aD/mPG3qb3roIKSqqRqQx6kZ22bybO07Xdt10WDaHxREPm+seN1uaD1b0niOWNYo18/NJyxHhSNfdzOC6Nz1rxNUXbGNgtbmjY1jdjWr0ejpWRMbHG0Na3YAvqBbIKVyNKVIUBZBRAKURRBSiIClQpQEREBERAREQEREBQpUIChSiCFiVkhVGChZEKLIrAhRZZqLKjUqqCKUWkja7rAVe/RyH/AA3yR9DZDbuNwruyWVVzztHn7qp3bGw+AWH/AG1IdtSeyNq6OymyDnWaKx+3NI7tDf3QrCkwOmiN2RNvxPOPeVZWRREALJFKCFNkAWQCgBSiIgpRFARFKAiIgIiICIiAiIgIiICIiCEREBQiICiyhFRFksiIqERFQRSiCFKIgKbIiglSiIgpRFAREQSiIgIiICIiAiIg/9k="/>
           <p:cNvSpPr>
             <a:spLocks noChangeAspect="1" noChangeArrowheads="1"/>
           </p:cNvSpPr>
@@ -4406,52 +4830,74 @@
             <a:avLst/>
           </a:prstGeom>
           <a:noFill/>
-        </p:spPr>
-        <p:txBody>
-          <a:bodyPr vert="horz" wrap="square" lIns="91440" tIns="45720" rIns="91440" bIns="45720" numCol="1" anchor="t" anchorCtr="0" compatLnSpc="1">
-            <a:prstTxWarp prst="textNoShape">
-              <a:avLst/>
-            </a:prstTxWarp>
-          </a:bodyPr>
-          <a:lstStyle/>
-          <a:p>
-            <a:endParaRPr lang="ru-RU"/>
-          </a:p>
-        </p:txBody>
-      </p:sp>
-      <p:sp>
-        <p:nvSpPr>
-          <p:cNvPr id="8" name="TextBox 7"/>
-          <p:cNvSpPr txBox="1"/>
+          <a:ln w="9525">
+            <a:noFill/>
+            <a:miter lim="800000"/>
+            <a:headEnd/>
+            <a:tailEnd/>
+          </a:ln>
+        </p:spPr>
+        <p:txBody>
+          <a:bodyPr/>
+          <a:lstStyle/>
+          <a:p>
+            <a:endParaRPr lang="ru-RU">
+              <a:latin typeface="Calibri" pitchFamily="34" charset="0"/>
+            </a:endParaRPr>
+          </a:p>
+        </p:txBody>
+      </p:sp>
+      <p:sp>
+        <p:nvSpPr>
+          <p:cNvPr id="6150" name="TextBox 7"/>
+          <p:cNvSpPr txBox="1">
+            <a:spLocks noChangeArrowheads="1"/>
+          </p:cNvSpPr>
           <p:nvPr/>
         </p:nvSpPr>
-        <p:spPr>
-          <a:xfrm>
-            <a:off x="683568" y="1268760"/>
-            <a:ext cx="3777188" cy="461665"/>
+        <p:spPr bwMode="auto">
+          <a:xfrm>
+            <a:off x="683568" y="1556792"/>
+            <a:ext cx="4137671" cy="461665"/>
           </a:xfrm>
           <a:prstGeom prst="rect">
             <a:avLst/>
           </a:prstGeom>
           <a:noFill/>
-        </p:spPr>
-        <p:txBody>
-          <a:bodyPr wrap="none" rtlCol="0">
+          <a:ln w="9525">
+            <a:noFill/>
+            <a:miter lim="800000"/>
+            <a:headEnd/>
+            <a:tailEnd/>
+          </a:ln>
+        </p:spPr>
+        <p:txBody>
+          <a:bodyPr wrap="none">
             <a:spAutoFit/>
           </a:bodyPr>
           <a:lstStyle/>
           <a:p>
             <a:r>
-              <a:rPr lang="ru-RU" sz="2400" i="1" dirty="0" smtClean="0"/>
-              <a:t>Инфракрасное отражение</a:t>
-            </a:r>
-            <a:endParaRPr lang="ru-RU" sz="2400" b="1" dirty="0"/>
+              <a:rPr lang="ru-RU" sz="2400" i="1" dirty="0" err="1" smtClean="0">
+                <a:latin typeface="Calibri" pitchFamily="34" charset="0"/>
+              </a:rPr>
+              <a:t>Сверточные</a:t>
+            </a:r>
+            <a:r>
+              <a:rPr lang="ru-RU" sz="2400" i="1" dirty="0" smtClean="0">
+                <a:latin typeface="Calibri" pitchFamily="34" charset="0"/>
+              </a:rPr>
+              <a:t> нейронные сети</a:t>
+            </a:r>
+            <a:endParaRPr lang="ru-RU" sz="2400" b="1" dirty="0">
+              <a:latin typeface="Calibri" pitchFamily="34" charset="0"/>
+            </a:endParaRPr>
           </a:p>
         </p:txBody>
       </p:sp>
       <p:pic>
         <p:nvPicPr>
-          <p:cNvPr id="9217" name="Picture 1"/>
+          <p:cNvPr id="6151" name="Picture 1"/>
           <p:cNvPicPr>
             <a:picLocks noChangeAspect="1" noChangeArrowheads="1"/>
           </p:cNvPicPr>
@@ -4466,8 +4912,8 @@
         </p:blipFill>
         <p:spPr bwMode="auto">
           <a:xfrm>
-            <a:off x="1115616" y="1772816"/>
-            <a:ext cx="2976330" cy="2304256"/>
+            <a:off x="5580112" y="3356992"/>
+            <a:ext cx="2976562" cy="2303462"/>
           </a:xfrm>
           <a:prstGeom prst="rect">
             <a:avLst/>
@@ -4481,75 +4927,12 @@
           </a:ln>
         </p:spPr>
       </p:pic>
-      <p:sp>
-        <p:nvSpPr>
-          <p:cNvPr id="11" name="Прямоугольник 10"/>
-          <p:cNvSpPr/>
-          <p:nvPr/>
-        </p:nvSpPr>
-        <p:spPr>
-          <a:xfrm>
-            <a:off x="395536" y="4221088"/>
-            <a:ext cx="4536504" cy="553998"/>
-          </a:xfrm>
-          <a:prstGeom prst="rect">
-            <a:avLst/>
-          </a:prstGeom>
-        </p:spPr>
-        <p:txBody>
-          <a:bodyPr wrap="square">
-            <a:spAutoFit/>
-          </a:bodyPr>
-          <a:lstStyle/>
-          <a:p>
-            <a:r>
-              <a:rPr lang="en-US" sz="1500" dirty="0" smtClean="0"/>
-              <a:t>Detection and Tracking of Eyes for Gaze-camera </a:t>
-            </a:r>
-            <a:r>
-              <a:rPr lang="en-US" sz="1500" dirty="0" smtClean="0"/>
-              <a:t>Control</a:t>
-            </a:r>
-            <a:r>
-              <a:rPr lang="ru-RU" sz="1500" dirty="0" smtClean="0"/>
-              <a:t>, </a:t>
-            </a:r>
-            <a:r>
-              <a:rPr lang="en-US" sz="1500" dirty="0" err="1" smtClean="0"/>
-              <a:t>Shinjiro</a:t>
-            </a:r>
-            <a:r>
-              <a:rPr lang="en-US" sz="1500" dirty="0" smtClean="0"/>
-              <a:t> </a:t>
-            </a:r>
-            <a:r>
-              <a:rPr lang="en-US" sz="1500" dirty="0" err="1" smtClean="0"/>
-              <a:t>Kawato</a:t>
-            </a:r>
-            <a:r>
-              <a:rPr lang="en-US" sz="1500" dirty="0" smtClean="0"/>
-              <a:t> and </a:t>
-            </a:r>
-            <a:r>
-              <a:rPr lang="en-US" sz="1500" dirty="0" err="1" smtClean="0"/>
-              <a:t>Nobuji</a:t>
-            </a:r>
-            <a:r>
-              <a:rPr lang="en-US" sz="1500" dirty="0" smtClean="0"/>
-              <a:t> </a:t>
-            </a:r>
-            <a:r>
-              <a:rPr lang="en-US" sz="1500" dirty="0" err="1" smtClean="0"/>
-              <a:t>Tetsutani</a:t>
-            </a:r>
-            <a:endParaRPr lang="en-US" sz="1500" dirty="0"/>
-          </a:p>
-        </p:txBody>
-      </p:sp>
       <p:pic>
         <p:nvPicPr>
-          <p:cNvPr id="12" name="Рисунок 11" descr="https://habrastorage.org/getpro/habr/post_images/f2e/327/390/f2e327390db7043ccd6ff715dbd5b146.png"/>
-          <p:cNvPicPr/>
+          <p:cNvPr id="25602" name="Picture 2" descr="C:\PROGRAMMER\c#\GIT\EyeWindowsController\картинки\сверточная нейросеть.png"/>
+          <p:cNvPicPr>
+            <a:picLocks noChangeAspect="1" noChangeArrowheads="1"/>
+          </p:cNvPicPr>
           <p:nvPr/>
         </p:nvPicPr>
         <p:blipFill>
@@ -4561,8 +4944,27 @@
         </p:blipFill>
         <p:spPr bwMode="auto">
           <a:xfrm>
-            <a:off x="5436096" y="4365104"/>
-            <a:ext cx="3096344" cy="2052192"/>
+            <a:off x="323528" y="2060848"/>
+            <a:ext cx="3744416" cy="2103702"/>
+          </a:xfrm>
+          <a:prstGeom prst="rect">
+            <a:avLst/>
+          </a:prstGeom>
+          <a:noFill/>
+        </p:spPr>
+      </p:pic>
+      <p:sp>
+        <p:nvSpPr>
+          <p:cNvPr id="12" name="TextBox 7"/>
+          <p:cNvSpPr txBox="1">
+            <a:spLocks noChangeArrowheads="1"/>
+          </p:cNvSpPr>
+          <p:nvPr/>
+        </p:nvSpPr>
+        <p:spPr bwMode="auto">
+          <a:xfrm>
+            <a:off x="5220965" y="2924522"/>
+            <a:ext cx="3776662" cy="461962"/>
           </a:xfrm>
           <a:prstGeom prst="rect">
             <a:avLst/>
@@ -4575,35 +4977,211 @@
             <a:tailEnd/>
           </a:ln>
         </p:spPr>
-      </p:pic>
-      <p:sp>
-        <p:nvSpPr>
-          <p:cNvPr id="14" name="Прямоугольник 13"/>
-          <p:cNvSpPr/>
+        <p:txBody>
+          <a:bodyPr wrap="none">
+            <a:spAutoFit/>
+          </a:bodyPr>
+          <a:lstStyle/>
+          <a:p>
+            <a:r>
+              <a:rPr lang="ru-RU" sz="2400" i="1">
+                <a:latin typeface="Calibri" pitchFamily="34" charset="0"/>
+              </a:rPr>
+              <a:t>Инфракрасное отражение</a:t>
+            </a:r>
+            <a:endParaRPr lang="ru-RU" sz="2400" b="1">
+              <a:latin typeface="Calibri" pitchFamily="34" charset="0"/>
+            </a:endParaRPr>
+          </a:p>
+        </p:txBody>
+      </p:sp>
+      <p:sp>
+        <p:nvSpPr>
+          <p:cNvPr id="13" name="Прямоугольник 10"/>
+          <p:cNvSpPr>
+            <a:spLocks noChangeArrowheads="1"/>
+          </p:cNvSpPr>
           <p:nvPr/>
         </p:nvSpPr>
-        <p:spPr>
-          <a:xfrm>
-            <a:off x="5364088" y="3717032"/>
-            <a:ext cx="1947456" cy="461665"/>
+        <p:spPr bwMode="auto">
+          <a:xfrm>
+            <a:off x="5436096" y="5877272"/>
+            <a:ext cx="4537075" cy="784830"/>
           </a:xfrm>
           <a:prstGeom prst="rect">
             <a:avLst/>
           </a:prstGeom>
-        </p:spPr>
-        <p:txBody>
-          <a:bodyPr wrap="none">
+          <a:noFill/>
+          <a:ln w="9525">
+            <a:noFill/>
+            <a:miter lim="800000"/>
+            <a:headEnd/>
+            <a:tailEnd/>
+          </a:ln>
+        </p:spPr>
+        <p:txBody>
+          <a:bodyPr>
             <a:spAutoFit/>
           </a:bodyPr>
           <a:lstStyle/>
           <a:p>
             <a:r>
-              <a:rPr lang="ru-RU" sz="2400" i="1" dirty="0" smtClean="0"/>
-              <a:t>Каскад Хаара</a:t>
-            </a:r>
-          </a:p>
-        </p:txBody>
-      </p:sp>
+              <a:rPr lang="en-US" sz="1500" dirty="0">
+                <a:latin typeface="Calibri" pitchFamily="34" charset="0"/>
+              </a:rPr>
+              <a:t>Detection and Tracking of Eyes for </a:t>
+            </a:r>
+            <a:endParaRPr lang="ru-RU" sz="1500" dirty="0" smtClean="0">
+              <a:latin typeface="Calibri" pitchFamily="34" charset="0"/>
+            </a:endParaRPr>
+          </a:p>
+          <a:p>
+            <a:r>
+              <a:rPr lang="en-US" sz="1500" dirty="0" smtClean="0">
+                <a:latin typeface="Calibri" pitchFamily="34" charset="0"/>
+              </a:rPr>
+              <a:t>Gaze-camera </a:t>
+            </a:r>
+            <a:r>
+              <a:rPr lang="en-US" sz="1500" dirty="0">
+                <a:latin typeface="Calibri" pitchFamily="34" charset="0"/>
+              </a:rPr>
+              <a:t>Control</a:t>
+            </a:r>
+            <a:r>
+              <a:rPr lang="ru-RU" sz="1500" dirty="0">
+                <a:latin typeface="Calibri" pitchFamily="34" charset="0"/>
+              </a:rPr>
+              <a:t>, </a:t>
+            </a:r>
+            <a:r>
+              <a:rPr lang="en-US" sz="1500" dirty="0" err="1">
+                <a:latin typeface="Calibri" pitchFamily="34" charset="0"/>
+              </a:rPr>
+              <a:t>Shinjiro</a:t>
+            </a:r>
+            <a:r>
+              <a:rPr lang="en-US" sz="1500" dirty="0">
+                <a:latin typeface="Calibri" pitchFamily="34" charset="0"/>
+              </a:rPr>
+              <a:t> </a:t>
+            </a:r>
+            <a:r>
+              <a:rPr lang="en-US" sz="1500" dirty="0" err="1">
+                <a:latin typeface="Calibri" pitchFamily="34" charset="0"/>
+              </a:rPr>
+              <a:t>Kawato</a:t>
+            </a:r>
+            <a:r>
+              <a:rPr lang="en-US" sz="1500" dirty="0">
+                <a:latin typeface="Calibri" pitchFamily="34" charset="0"/>
+              </a:rPr>
+              <a:t> and </a:t>
+            </a:r>
+            <a:r>
+              <a:rPr lang="en-US" sz="1500" dirty="0" err="1">
+                <a:latin typeface="Calibri" pitchFamily="34" charset="0"/>
+              </a:rPr>
+              <a:t>Nobuji</a:t>
+            </a:r>
+            <a:r>
+              <a:rPr lang="en-US" sz="1500" dirty="0">
+                <a:latin typeface="Calibri" pitchFamily="34" charset="0"/>
+              </a:rPr>
+              <a:t> </a:t>
+            </a:r>
+            <a:r>
+              <a:rPr lang="en-US" sz="1500" dirty="0" err="1">
+                <a:latin typeface="Calibri" pitchFamily="34" charset="0"/>
+              </a:rPr>
+              <a:t>Tetsutani</a:t>
+            </a:r>
+            <a:endParaRPr lang="en-US" sz="1500" dirty="0">
+              <a:latin typeface="Calibri" pitchFamily="34" charset="0"/>
+            </a:endParaRPr>
+          </a:p>
+        </p:txBody>
+      </p:sp>
+      <p:sp>
+        <p:nvSpPr>
+          <p:cNvPr id="14" name="Прямоугольник 10"/>
+          <p:cNvSpPr>
+            <a:spLocks noChangeArrowheads="1"/>
+          </p:cNvSpPr>
+          <p:nvPr/>
+        </p:nvSpPr>
+        <p:spPr bwMode="auto">
+          <a:xfrm>
+            <a:off x="4211960" y="2204864"/>
+            <a:ext cx="4537075" cy="323165"/>
+          </a:xfrm>
+          <a:prstGeom prst="rect">
+            <a:avLst/>
+          </a:prstGeom>
+          <a:noFill/>
+          <a:ln w="9525">
+            <a:noFill/>
+            <a:miter lim="800000"/>
+            <a:headEnd/>
+            <a:tailEnd/>
+          </a:ln>
+        </p:spPr>
+        <p:txBody>
+          <a:bodyPr>
+            <a:spAutoFit/>
+          </a:bodyPr>
+          <a:lstStyle/>
+          <a:p>
+            <a:r>
+              <a:rPr lang="ru-RU" sz="1500" dirty="0" smtClean="0">
+                <a:latin typeface="Calibri" pitchFamily="34" charset="0"/>
+              </a:rPr>
+              <a:t>Пример </a:t>
+            </a:r>
+            <a:r>
+              <a:rPr lang="ru-RU" sz="1500" dirty="0" err="1" smtClean="0">
+                <a:latin typeface="Calibri" pitchFamily="34" charset="0"/>
+              </a:rPr>
+              <a:t>сверточной</a:t>
+            </a:r>
+            <a:r>
+              <a:rPr lang="ru-RU" sz="1500" dirty="0" smtClean="0">
+                <a:latin typeface="Calibri" pitchFamily="34" charset="0"/>
+              </a:rPr>
+              <a:t> нейронной сети</a:t>
+            </a:r>
+            <a:endParaRPr lang="en-US" sz="1500" dirty="0">
+              <a:latin typeface="Calibri" pitchFamily="34" charset="0"/>
+            </a:endParaRPr>
+          </a:p>
+        </p:txBody>
+      </p:sp>
+      <p:pic>
+        <p:nvPicPr>
+          <p:cNvPr id="25603" name="Picture 3" descr="C:\PROGRAMMER\c#\GIT\EyeWindowsController\картинки\сверточная нейросеть анимация.gif"/>
+          <p:cNvPicPr>
+            <a:picLocks noChangeAspect="1" noChangeArrowheads="1" noCrop="1"/>
+          </p:cNvPicPr>
+          <p:nvPr/>
+        </p:nvPicPr>
+        <p:blipFill>
+          <a:blip r:embed="rId4" cstate="print"/>
+          <a:srcRect/>
+          <a:stretch>
+            <a:fillRect/>
+          </a:stretch>
+        </p:blipFill>
+        <p:spPr bwMode="auto">
+          <a:xfrm>
+            <a:off x="395536" y="4509120"/>
+            <a:ext cx="2193474" cy="1944216"/>
+          </a:xfrm>
+          <a:prstGeom prst="rect">
+            <a:avLst/>
+          </a:prstGeom>
+          <a:noFill/>
+        </p:spPr>
+      </p:pic>
     </p:spTree>
   </p:cSld>
   <p:clrMapOvr>
@@ -4638,7 +5216,7 @@
       </p:grpSpPr>
       <p:sp>
         <p:nvSpPr>
-          <p:cNvPr id="2" name="Заголовок 1"/>
+          <p:cNvPr id="6146" name="Заголовок 1"/>
           <p:cNvSpPr>
             <a:spLocks noGrp="1"/>
           </p:cNvSpPr>
@@ -4648,14 +5226,12 @@
         </p:nvSpPr>
         <p:spPr/>
         <p:txBody>
-          <a:bodyPr>
-            <a:normAutofit fontScale="90000"/>
-          </a:bodyPr>
+          <a:bodyPr/>
           <a:lstStyle/>
           <a:p>
             <a:r>
               <a:rPr lang="ru-RU" dirty="0" smtClean="0"/>
-              <a:t>Алгоритмы распознавания взгляда</a:t>
+              <a:t>Методы поиска объектов на изображении</a:t>
             </a:r>
             <a:endParaRPr lang="ru-RU" dirty="0" smtClean="0"/>
           </a:p>
@@ -4663,7 +5239,7 @@
       </p:sp>
       <p:sp>
         <p:nvSpPr>
-          <p:cNvPr id="2050" name="AutoShape 2" descr="data:image/jpeg;base64,/9j/4AAQSkZJRgABAQAAAQABAAD/2wCEAAkGBxAQDxAPDxAVFRUQFRUWEhUYEhYWGBUSFRUWGBUWFxgYHSggGBolGxUWIzEhJiktLi4uFx8zODMtNygtLisBCgoKDg0OGBAQGC0mHx0rLTcrLSstLSstKystNjcrKystLSstLSstLSsrNy0rLS0tKysrMSs3ListLTctLSsrK//AABEIALcBEwMBIgACEQEDEQH/xAAcAAEAAgMBAQEAAAAAAAAAAAAAAQUCBAYHAwj/xABIEAABAwICBQgGBQkHBQAAAAABAAIDBBEFIQYSMUFREyJhcYGRsfAHMkJSYqEUI3KC0SQzc5KissHh8SU0Q2OTs8IVFlOU0//EABkBAQEAAwEAAAAAAAAAAAAAAAABAgMEBf/EAC4RAQACAgAEAwcDBQAAAAAAAAABAgMRBBIx8CFBcRMiMmGRseFTgaEUI0JRUv/aAAwDAQACEQMRAD8A9xREQEREBERAREQEREBERAREQEREBERAREQEREBERAREQEREBERAREQEREBERAREQEREBERAREQEREBERARatfXxQN15Xho69q4nHPSE1jSYy1jB7bzbuv4IO+e8NzJA6zZac2LQN2yBeFYt6TNYnkxJMeN+TZ3nM9ypotKcVqSRSxDbb6qB0rh1k3HyCuh+hzj8G4nuWbcbiPHuXgLcP0leL/Xj/Qj/AHrLNmF6TtzDp/8AVp3fLWKvKP0CzEoj7S2WTNOwhfnV+M6R0mcrJXD/ADKQOb2vjaLd63cJ9LkjbfSaW43vgfv+w8/8lND9AIuF0a09pauwgna92+N3MkH3XZnsyXYUteyTfY8CoNpFCIJRQiCUUKUBERAREQEREBERAREQEREBERAREQEREBczpVpbHRgxss+U7G7m9JXx030qFIzkYiDM8fqDieleA4ti01XLyMBc/lHWLhm6Vx9lvw+PVtC20n03klkdqu5R+d3E/Vs6vePm+5amH6JVNUW1FbLyTHZtdICXuH+VCLZdJ1R1q3wXBIaGznBktQLcHRQH4Rskk+I5DcDtVk6oc5xc9xLjtJNz3qxA+mG4NQU9uTphI4f4k9pD1iP1G9x61eDEZCAC8gDY0c0D7rclRskX1bMuimPbLS5ZOtqKdcZX6UUtOdWWUaw2taNYjrAvbtXypNPKFzg3lS2+9zCB32yWzlrHhMq9GgqyNjiOokL44jhlLVj8qpo5CfbLdWQdUjbO+aq6Sta9ocxwc1wuCDcEdBG1WUEywvj0mnE4/wCisH6zDpTrDMRSkNdcbOTlFhfhrW61X4LpzXYdL9GxKOSRrLAlwtPGNxufzg6zc8SvVYnrWxzBaeui5KpZew5kjbCSM8WO4fCbg8FzzCLnR7SWKoiZJHIJI3+q8buhwOYI3g5hdG1wIuF+bqmkrsAqg+Mh8UnWIqho2gjPUkA7R0jb7FodpTFVQtmiddjsnNPrRvG1jhuIuOsEEZEKI7BFAN80UEoiIClQiCUREBERAREQEREBERAREQEREBVekeLtpKd0pzdsYOLzsVovH/SfpDd0jgbsg5kY3OkOXj8gUHAaY4zJNK+LWLnyG8ztpz2MHSfC3FXGD4YKKO1vyh4tK7byLD/hN+L3iPs7Ab1mheHkufWyZlriIr+1Oc3P+4CLfE4e6r97EHw8+fxWQf58+KhzfPncvm4+fO9bKQr7iRVeLVMsskVFTu1XzXL5NvJQj1nZb8iB3bSFt6/nztWlo+8nE6k5XbEwAnhkSO/wXXrVdR5sp6OnwfDqeiZq00YBtnLYGRx3lz93ULBb1ZNyrXMnY2RpGbXND29ZBWmH5ZZXBJvv6k19pzAsLg7T1KxSNa0wcrVObhFZGYnn6LUk8pFckQuuBrtJz1c/kQb5L0OllXjmlda6cyvuAxrtVjT62qNh7Tn2r0/R6Yup6dx2uijJ6y0LKcfL7vy2yh1NO9brCqylcrGNceSPFJYYjQRVML4J2a0b9o3gjY9p9lw3H+C8kZ9IwHETe74n217DKaC51ZGjc9ueXEEbDdeyBUmmOAiupXRgfWx3fAfitzmdTgLdeqdy1wOr0fxNkrGarw5j2h0bgcnNIuLdiul4h6Kcbc0voHk8y8lPfaBf6yPsJuB0u4L2qlm12B3Hb1qTGkl9URFBKIiCUREBERAREQEREBERAREQEREFfjtZyNNJINtrN+0cgvz/AKXwvmmjgYCdTnEcZH5NHXb95e16aSXbHHxJcezIeK4umwYA/SHDNzi4eDO7moKuGgEMccDfVibq34nMvd2uLj95YPiV06n8/NfCSm8+elBRyR+fPBakrVeTU3nz0qvqIFtxrCqcVraMtJxKq5ut9UzLsC+UOI8pK6LUI1S4Xvt1TbhvWzoo1v8A1Gp1ta3JM9Xau+td8vq2VjcxDqAy4y59mm49xVukEpELg062uADJ/wCNvtHzxV46Pmt18hqHV1Np+2qHFYi+Vxf61oxGG/myL5a/au7HhiZb64duLxql/J5XhuuAfzvYMrL0bRv+7U/6KP8AcC5PSmlAp6jXuH3GTb8nsHzV7BiX0Wggm1C+0cI1QbbWtG1auJrrJ+zXkpyy7alKsolzmi+J/Sqdk+oWaxcNUm9tVxbtt0XXRxLysvVpl9gslipWhHlWmlMaDE2VkQyc4TtA43tOztu7/UXsuj1WHDmm7XgOYeIIv4FcD6TKMPpGS74ZB+pINU/taisfRrXF1FTE7YiYj1McQ39nVWdo3WJWem3o6IiwYilQpCgKVCkICIiAiIgIiICIiAiIgIoRBy+krdacDg0DvumMUwYyNoH9AP5r64q29Qfu+AWxjwuY+o/wQc2YF8nU/n5q15NYmLz2IKSWlVdU0a6l8K056dbKdVh5Bhkd6yVvTN8nq80PjIxOps8M+qZmR0DJV2BN/tOZp3uqAOx5PgF0OjkRbi1Q3UDi+NpAOywAzXp4fJ0YI3eF5UN1WENPJF8ZuXZ8px1fO9V5pQA9rW8m0hl4nZuk+yd3BW07dthypa0tcCMos9o87liWAkgXkFma0pHOjtwXp01Ed99+D1601Dl9K6fVoqlrSI23/Mkc7dndaeKj+yovsweDVe6YMtQzu1Q9r3WbKfWOwKgxp9sNjYdtoR2gfyXHxUxvfy776vP4yNWj0dN6O/7hF9qX/ccuxiXD6Ay2oYx8Un+45dbHOvJydXDKwumstQTpyvnsWhGnpawPoKoHdGXdrCHj5tCovRnJaGobwlDv1o2j/grnSKT8jqv0MvzYVQej42ZUdLmfulboj+3Pqzj4ZexxOu1p4gH5LNfCiP1cf2W+AX3C0tYiIoJQIgQSiIgIiICIiAiIgKERARFCoosVbaYnoafPcvtiwvqHrHeL/wAExplnMdxBHaMx4lRUu1oGu921/A/JFaNkIRRdEYuWrOFtFfGQLKqvINLInUWJioaOa8iVvSDzZW9e39YK8xGJz+SrqQ6zmNvZu2SA5kDeSLk225neF0elGBMrITE46rmnWjf7r+n4TsP4gLzWgxOpwuV1PPG4sBuWXzbf24nbCD3HoN124smmylprMTD0PDcYp6ljnRSCI6oBZfNx6eKsK17Wa5mnawagyGQcBuK5BtXhlYdcuYHnaQ/kZCfiacnHpt2r5VlPQR857i62zlKkW7mgE967Yzx3p6McdGvGPFjjmItrXjk26lPEQX8HvGxoG+/hc8FzmkFaZXshbmWm5A3vdk1vXn+0ssXx8O5kFrNyaQ3VYwfA3eenxWxgeFGK00w55zjadov7buB4DpvwXLly7cOXLOS25dXg7RDFHED6jQCeJ2uPffvVvFU+fmucglW9FP589K4bztoXrZ19BMqdk/nz0r7Nm8/L8VgGk1Tajm+IBv67gPArT0NbqwyH35MuoNaPEnuWlpRU3EUQPrOLz9losPmR3K+0Ypf7tDvJBd94657gbdi361h9ZbOlPWXp1O2zGjg0D5L6hQpC52tKIiiJQIpCAiIgIiICIiAiIghEQoIREVGji8WtESNrOd2Db8rrSoXBzHRnYR8irkrnC0wylm4Zt6WHZ3bOxWFfGInNp2sJa7rG/tFj2rJY4ueTe2f2H2bL0e6/q3HoPQpVtGlmArFylQVEfB7FXYphUNSzk54mvaNl8i08WuGbexWxCwLVnFtK81xz0ewMjlmime0Rtc/UewPvqgmwcLcOC5rRbRuOr5Rxk1BHq5BmsXa19mYtsXrukLPyOq/Qy/uOXn/owbdlV1xeD1n7Q23KbA6emziYS8bJJLOcOlrQLNPTa/SvnLHmSe3+f4LoKqLz/RVc8fnzsWM2Gi3Lz5zX3ZIsHt8+dgWF/PnwWCN5kvnzwX3ZJ589CrmuWtiVUbCFh50m34Wbz1nzsVpSbWiseaxG51DKl/KakvPqbB+iZcuPbnbrC9F0HpzJM+cjJgsPtO/l4riaKn5KNrGjny6uXCP2B942d1Bq9a0dw76PTsj9o85/2jtW7iJjcUjpXuWeWY3yx5LRSFAUhczWlERREqVClAREQEREBERAREQQiIghQpUFUQVXYvSGRgcwc9mbekb29viArErFFc7TyNkjMbhcOBFj8welUtNUGnkFNMeacoHneN0bjxG7j17egxehLHGaMXBzkaNv229PEb1V19KyqiLTZ2sP1ulvxLdjms+7ZspqfdlsKFzVPjD6R3JVhLo9jJ7XLR7so/5d/FdHHIHNDmkEOFwQbgjiCFL47UnUpek0nUpXnOlmEY9JWzPonTiA6nJ6lVCxuUbQ6zXSAjnB20L0ZFgweQSaPaSuBa81DmuBDmmspyCDkQfrdi1YNEschvyEUkWtbW1aqmF7bL2l6SvZ3rUmU0aeSP0f0g3mf/26f/6rqqaGRsMTZr8o1jRJchx1w0B13C4JvfMXXQVDfP8AVV07UFVIzz58Stdw8+fFb8rFUV9e1juTYNeQ+yN3S47llWs2nULETPhCKyqEYB2udkxu9x/gF9sIotVrqmozucx7790Y+EC1+A6SFOGYTYGpqnbcr2zJ9yIHx2Df09BgGDSYhMHObqQR5ADYG7dVvEned6651w8aj45/j8t86xRr/L7LbQTB3TSmtmFwCSy49Z3G3AL0NfKngbGxrGCzWiwHQvquJzpCyCxCyUBSFCkKIKVClAREQEREBERAREQFClQghCpUKjEqFkViUViVR4jhTmkyU425vj2Ani33XfIq9KxKo46eOKpa5sgs4ZOuMweD27+vxXLVOD1dATJSPswm5YefC49XsHuK9LxDC45szdrxse3Jw/EdBVPLTVMF+byjfeZk63xMOR7O5dOPiJrHLaNx/qW+maYjltG476OTpdNWN5tZC+E+80GSM9w1h3dqvqHF6af8zPG/oa8EjrbtCwlgo57h7AHb9XmO7WOFvkqiu0DpZb2c3qewj5tv4LPl4e/S019fFlNMNultev4dK9akoXLnQOVv5uqLbbNWpe38Fg7Qic+vWPI6atx/ip/T1/UhPYx/3H1XVZKxgJe5rQN5cAucrdI6YG0bjK7hGNb9rZ8192aCU4OtLMwnjz5D4fxW9Hh1FAMmOefiIjb3NuT3p7PDX4r79IPZ4462+jmmMrax2oxhiafZbznkdLt3nNWVLhdPRjnASSe403aD/mPG3qb3roIKSqqRqQx6kZ22bybO07Xdt10WDaHxREPm+seN1uaD1b0niOWNYo18/NJyxHhSNfdzOC6Nz1rxNUXbGNgtbmjY1jdjWr0ejpWRMbHG0Na3YAvqBbIKVyNKVIUBZBRAKURRBSiIClQpQEREBERAREQEREBQpUIChSiCFiVkhVGChZEKLIrAhRZZqLKjUqqCKUWkja7rAVe/RyH/AA3yR9DZDbuNwruyWVVzztHn7qp3bGw+AWH/AG1IdtSeyNq6OymyDnWaKx+3NI7tDf3QrCkwOmiN2RNvxPOPeVZWRREALJFKCFNkAWQCgBSiIgpRFARFKAiIgIiICIiAiIgIiICIiCEREBQiICiyhFRFksiIqERFQRSiCFKIgKbIiglSiIgpRFAREQSiIgIiICIiAiIg/9k="/>
+          <p:cNvPr id="6147" name="AutoShape 2" descr="data:image/jpeg;base64,/9j/4AAQSkZJRgABAQAAAQABAAD/2wCEAAkGBxAQDxAPDxAVFRUQFRUWEhUYEhYWGBUSFRUWGBUWFxgYHSggGBolGxUWIzEhJiktLi4uFx8zODMtNygtLisBCgoKDg0OGBAQGC0mHx0rLTcrLSstLSstKystNjcrKystLSstLSstLSsrNy0rLS0tKysrMSs3ListLTctLSsrK//AABEIALcBEwMBIgACEQEDEQH/xAAcAAEAAgMBAQEAAAAAAAAAAAAAAQUCBAYHAwj/xABIEAABAwICBQgGBQkHBQAAAAABAAIDBBEFIQYSMUFREyJhcYGRsfAHMkJSYqEUI3KC0SQzc5KissHh8SU0Q2OTs8IVFlOU0//EABkBAQEAAwEAAAAAAAAAAAAAAAABAgMEBf/EAC4RAQACAgAEAwcDBQAAAAAAAAABAgMRBBIx8CFBcRMiMmGRseFTgaEUI0JRUv/aAAwDAQACEQMRAD8A9xREQEREBERAREQEREBERAREQEREBERAREQEREBERAREQEREBERAREQEREBERAREQEREBERAREQEREBERARatfXxQN15Xho69q4nHPSE1jSYy1jB7bzbuv4IO+e8NzJA6zZac2LQN2yBeFYt6TNYnkxJMeN+TZ3nM9ypotKcVqSRSxDbb6qB0rh1k3HyCuh+hzj8G4nuWbcbiPHuXgLcP0leL/Xj/Qj/AHrLNmF6TtzDp/8AVp3fLWKvKP0CzEoj7S2WTNOwhfnV+M6R0mcrJXD/ADKQOb2vjaLd63cJ9LkjbfSaW43vgfv+w8/8lND9AIuF0a09pauwgna92+N3MkH3XZnsyXYUteyTfY8CoNpFCIJRQiCUUKUBERAREQEREBERAREQEREBERAREQEREBczpVpbHRgxss+U7G7m9JXx030qFIzkYiDM8fqDieleA4ti01XLyMBc/lHWLhm6Vx9lvw+PVtC20n03klkdqu5R+d3E/Vs6vePm+5amH6JVNUW1FbLyTHZtdICXuH+VCLZdJ1R1q3wXBIaGznBktQLcHRQH4Rskk+I5DcDtVk6oc5xc9xLjtJNz3qxA+mG4NQU9uTphI4f4k9pD1iP1G9x61eDEZCAC8gDY0c0D7rclRskX1bMuimPbLS5ZOtqKdcZX6UUtOdWWUaw2taNYjrAvbtXypNPKFzg3lS2+9zCB32yWzlrHhMq9GgqyNjiOokL44jhlLVj8qpo5CfbLdWQdUjbO+aq6Sta9ocxwc1wuCDcEdBG1WUEywvj0mnE4/wCisH6zDpTrDMRSkNdcbOTlFhfhrW61X4LpzXYdL9GxKOSRrLAlwtPGNxufzg6zc8SvVYnrWxzBaeui5KpZew5kjbCSM8WO4fCbg8FzzCLnR7SWKoiZJHIJI3+q8buhwOYI3g5hdG1wIuF+bqmkrsAqg+Mh8UnWIqho2gjPUkA7R0jb7FodpTFVQtmiddjsnNPrRvG1jhuIuOsEEZEKI7BFAN80UEoiIClQiCUREBERAREQEREBERAREQEREBVekeLtpKd0pzdsYOLzsVovH/SfpDd0jgbsg5kY3OkOXj8gUHAaY4zJNK+LWLnyG8ztpz2MHSfC3FXGD4YKKO1vyh4tK7byLD/hN+L3iPs7Ab1mheHkufWyZlriIr+1Oc3P+4CLfE4e6r97EHw8+fxWQf58+KhzfPncvm4+fO9bKQr7iRVeLVMsskVFTu1XzXL5NvJQj1nZb8iB3bSFt6/nztWlo+8nE6k5XbEwAnhkSO/wXXrVdR5sp6OnwfDqeiZq00YBtnLYGRx3lz93ULBb1ZNyrXMnY2RpGbXND29ZBWmH5ZZXBJvv6k19pzAsLg7T1KxSNa0wcrVObhFZGYnn6LUk8pFckQuuBrtJz1c/kQb5L0OllXjmlda6cyvuAxrtVjT62qNh7Tn2r0/R6Yup6dx2uijJ6y0LKcfL7vy2yh1NO9brCqylcrGNceSPFJYYjQRVML4J2a0b9o3gjY9p9lw3H+C8kZ9IwHETe74n217DKaC51ZGjc9ueXEEbDdeyBUmmOAiupXRgfWx3fAfitzmdTgLdeqdy1wOr0fxNkrGarw5j2h0bgcnNIuLdiul4h6Kcbc0voHk8y8lPfaBf6yPsJuB0u4L2qlm12B3Hb1qTGkl9URFBKIiCUREBERAREQEREBERAREQEREFfjtZyNNJINtrN+0cgvz/AKXwvmmjgYCdTnEcZH5NHXb95e16aSXbHHxJcezIeK4umwYA/SHDNzi4eDO7moKuGgEMccDfVibq34nMvd2uLj95YPiV06n8/NfCSm8+elBRyR+fPBakrVeTU3nz0qvqIFtxrCqcVraMtJxKq5ut9UzLsC+UOI8pK6LUI1S4Xvt1TbhvWzoo1v8A1Gp1ta3JM9Xau+td8vq2VjcxDqAy4y59mm49xVukEpELg062uADJ/wCNvtHzxV46Pmt18hqHV1Np+2qHFYi+Vxf61oxGG/myL5a/au7HhiZb64duLxql/J5XhuuAfzvYMrL0bRv+7U/6KP8AcC5PSmlAp6jXuH3GTb8nsHzV7BiX0Wggm1C+0cI1QbbWtG1auJrrJ+zXkpyy7alKsolzmi+J/Sqdk+oWaxcNUm9tVxbtt0XXRxLysvVpl9gslipWhHlWmlMaDE2VkQyc4TtA43tOztu7/UXsuj1WHDmm7XgOYeIIv4FcD6TKMPpGS74ZB+pINU/taisfRrXF1FTE7YiYj1McQ39nVWdo3WJWem3o6IiwYilQpCgKVCkICIiAiIgIiICIiAiIgIoRBy+krdacDg0DvumMUwYyNoH9AP5r64q29Qfu+AWxjwuY+o/wQc2YF8nU/n5q15NYmLz2IKSWlVdU0a6l8K056dbKdVh5Bhkd6yVvTN8nq80PjIxOps8M+qZmR0DJV2BN/tOZp3uqAOx5PgF0OjkRbi1Q3UDi+NpAOywAzXp4fJ0YI3eF5UN1WENPJF8ZuXZ8px1fO9V5pQA9rW8m0hl4nZuk+yd3BW07dthypa0tcCMos9o87liWAkgXkFma0pHOjtwXp01Ed99+D1601Dl9K6fVoqlrSI23/Mkc7dndaeKj+yovsweDVe6YMtQzu1Q9r3WbKfWOwKgxp9sNjYdtoR2gfyXHxUxvfy776vP4yNWj0dN6O/7hF9qX/ccuxiXD6Ay2oYx8Un+45dbHOvJydXDKwumstQTpyvnsWhGnpawPoKoHdGXdrCHj5tCovRnJaGobwlDv1o2j/grnSKT8jqv0MvzYVQej42ZUdLmfulboj+3Pqzj4ZexxOu1p4gH5LNfCiP1cf2W+AX3C0tYiIoJQIgQSiIgIiICIiAiIgKERARFCoosVbaYnoafPcvtiwvqHrHeL/wAExplnMdxBHaMx4lRUu1oGu921/A/JFaNkIRRdEYuWrOFtFfGQLKqvINLInUWJioaOa8iVvSDzZW9e39YK8xGJz+SrqQ6zmNvZu2SA5kDeSLk225neF0elGBMrITE46rmnWjf7r+n4TsP4gLzWgxOpwuV1PPG4sBuWXzbf24nbCD3HoN124smmylprMTD0PDcYp6ljnRSCI6oBZfNx6eKsK17Wa5mnawagyGQcBuK5BtXhlYdcuYHnaQ/kZCfiacnHpt2r5VlPQR857i62zlKkW7mgE967Yzx3p6McdGvGPFjjmItrXjk26lPEQX8HvGxoG+/hc8FzmkFaZXshbmWm5A3vdk1vXn+0ssXx8O5kFrNyaQ3VYwfA3eenxWxgeFGK00w55zjadov7buB4DpvwXLly7cOXLOS25dXg7RDFHED6jQCeJ2uPffvVvFU+fmucglW9FP589K4bztoXrZ19BMqdk/nz0r7Nm8/L8VgGk1Tajm+IBv67gPArT0NbqwyH35MuoNaPEnuWlpRU3EUQPrOLz9losPmR3K+0Ypf7tDvJBd94657gbdi361h9ZbOlPWXp1O2zGjg0D5L6hQpC52tKIiiJQIpCAiIgIiICIiAiIghEQoIREVGji8WtESNrOd2Db8rrSoXBzHRnYR8irkrnC0wylm4Zt6WHZ3bOxWFfGInNp2sJa7rG/tFj2rJY4ueTe2f2H2bL0e6/q3HoPQpVtGlmArFylQVEfB7FXYphUNSzk54mvaNl8i08WuGbexWxCwLVnFtK81xz0ewMjlmime0Rtc/UewPvqgmwcLcOC5rRbRuOr5Rxk1BHq5BmsXa19mYtsXrukLPyOq/Qy/uOXn/owbdlV1xeD1n7Q23KbA6emziYS8bJJLOcOlrQLNPTa/SvnLHmSe3+f4LoKqLz/RVc8fnzsWM2Gi3Lz5zX3ZIsHt8+dgWF/PnwWCN5kvnzwX3ZJ589CrmuWtiVUbCFh50m34Wbz1nzsVpSbWiseaxG51DKl/KakvPqbB+iZcuPbnbrC9F0HpzJM+cjJgsPtO/l4riaKn5KNrGjny6uXCP2B942d1Bq9a0dw76PTsj9o85/2jtW7iJjcUjpXuWeWY3yx5LRSFAUhczWlERREqVClAREQEREBERAREQQiIghQpUFUQVXYvSGRgcwc9mbekb29viArErFFc7TyNkjMbhcOBFj8welUtNUGnkFNMeacoHneN0bjxG7j17egxehLHGaMXBzkaNv229PEb1V19KyqiLTZ2sP1ulvxLdjms+7ZspqfdlsKFzVPjD6R3JVhLo9jJ7XLR7so/5d/FdHHIHNDmkEOFwQbgjiCFL47UnUpek0nUpXnOlmEY9JWzPonTiA6nJ6lVCxuUbQ6zXSAjnB20L0ZFgweQSaPaSuBa81DmuBDmmspyCDkQfrdi1YNEschvyEUkWtbW1aqmF7bL2l6SvZ3rUmU0aeSP0f0g3mf/26f/6rqqaGRsMTZr8o1jRJchx1w0B13C4JvfMXXQVDfP8AVV07UFVIzz58Stdw8+fFb8rFUV9e1juTYNeQ+yN3S47llWs2nULETPhCKyqEYB2udkxu9x/gF9sIotVrqmozucx7790Y+EC1+A6SFOGYTYGpqnbcr2zJ9yIHx2Df09BgGDSYhMHObqQR5ADYG7dVvEned6651w8aj45/j8t86xRr/L7LbQTB3TSmtmFwCSy49Z3G3AL0NfKngbGxrGCzWiwHQvquJzpCyCxCyUBSFCkKIKVClAREQEREBERAREQFClQghCpUKjEqFkViUViVR4jhTmkyU425vj2Ani33XfIq9KxKo46eOKpa5sgs4ZOuMweD27+vxXLVOD1dATJSPswm5YefC49XsHuK9LxDC45szdrxse3Jw/EdBVPLTVMF+byjfeZk63xMOR7O5dOPiJrHLaNx/qW+maYjltG476OTpdNWN5tZC+E+80GSM9w1h3dqvqHF6af8zPG/oa8EjrbtCwlgo57h7AHb9XmO7WOFvkqiu0DpZb2c3qewj5tv4LPl4e/S019fFlNMNultev4dK9akoXLnQOVv5uqLbbNWpe38Fg7Qic+vWPI6atx/ip/T1/UhPYx/3H1XVZKxgJe5rQN5cAucrdI6YG0bjK7hGNb9rZ8192aCU4OtLMwnjz5D4fxW9Hh1FAMmOefiIjb3NuT3p7PDX4r79IPZ4462+jmmMrax2oxhiafZbznkdLt3nNWVLhdPRjnASSe403aD/mPG3qb3roIKSqqRqQx6kZ22bybO07Xdt10WDaHxREPm+seN1uaD1b0niOWNYo18/NJyxHhSNfdzOC6Nz1rxNUXbGNgtbmjY1jdjWr0ejpWRMbHG0Na3YAvqBbIKVyNKVIUBZBRAKURRBSiIClQpQEREBERAREQEREBQpUIChSiCFiVkhVGChZEKLIrAhRZZqLKjUqqCKUWkja7rAVe/RyH/AA3yR9DZDbuNwruyWVVzztHn7qp3bGw+AWH/AG1IdtSeyNq6OymyDnWaKx+3NI7tDf3QrCkwOmiN2RNvxPOPeVZWRREALJFKCFNkAWQCgBSiIgpRFARFKAiIgIiICIiAiIgIiICIiCEREBQiICiyhFRFksiIqERFQRSiCFKIgKbIiglSiIgpRFAREQSiIgIiICIiAiIg/9k="/>
           <p:cNvSpPr>
             <a:spLocks noChangeAspect="1" noChangeArrowheads="1"/>
           </p:cNvSpPr>
@@ -4678,22 +5254,26 @@
             <a:avLst/>
           </a:prstGeom>
           <a:noFill/>
-        </p:spPr>
-        <p:txBody>
-          <a:bodyPr vert="horz" wrap="square" lIns="91440" tIns="45720" rIns="91440" bIns="45720" numCol="1" anchor="t" anchorCtr="0" compatLnSpc="1">
-            <a:prstTxWarp prst="textNoShape">
-              <a:avLst/>
-            </a:prstTxWarp>
-          </a:bodyPr>
-          <a:lstStyle/>
-          <a:p>
-            <a:endParaRPr lang="ru-RU"/>
-          </a:p>
-        </p:txBody>
-      </p:sp>
-      <p:sp>
-        <p:nvSpPr>
-          <p:cNvPr id="2052" name="AutoShape 4" descr="data:image/jpeg;base64,/9j/4AAQSkZJRgABAQAAAQABAAD/2wCEAAkGBxAQDxAPDxAVFRUQFRUWEhUYEhYWGBUSFRUWGBUWFxgYHSggGBolGxUWIzEhJiktLi4uFx8zODMtNygtLisBCgoKDg0OGBAQGC0mHx0rLTcrLSstLSstKystNjcrKystLSstLSstLSsrNy0rLS0tKysrMSs3ListLTctLSsrK//AABEIALcBEwMBIgACEQEDEQH/xAAcAAEAAgMBAQEAAAAAAAAAAAAAAQUCBAYHAwj/xABIEAABAwICBQgGBQkHBQAAAAABAAIDBBEFIQYSMUFREyJhcYGRsfAHMkJSYqEUI3KC0SQzc5KissHh8SU0Q2OTs8IVFlOU0//EABkBAQEAAwEAAAAAAAAAAAAAAAABAgMEBf/EAC4RAQACAgAEAwcDBQAAAAAAAAABAgMRBBIx8CFBcRMiMmGRseFTgaEUI0JRUv/aAAwDAQACEQMRAD8A9xREQEREBERAREQEREBERAREQEREBERAREQEREBERAREQEREBERAREQEREBERAREQEREBERAREQEREBERARatfXxQN15Xho69q4nHPSE1jSYy1jB7bzbuv4IO+e8NzJA6zZac2LQN2yBeFYt6TNYnkxJMeN+TZ3nM9ypotKcVqSRSxDbb6qB0rh1k3HyCuh+hzj8G4nuWbcbiPHuXgLcP0leL/Xj/Qj/AHrLNmF6TtzDp/8AVp3fLWKvKP0CzEoj7S2WTNOwhfnV+M6R0mcrJXD/ADKQOb2vjaLd63cJ9LkjbfSaW43vgfv+w8/8lND9AIuF0a09pauwgna92+N3MkH3XZnsyXYUteyTfY8CoNpFCIJRQiCUUKUBERAREQEREBERAREQEREBERAREQEREBczpVpbHRgxss+U7G7m9JXx030qFIzkYiDM8fqDieleA4ti01XLyMBc/lHWLhm6Vx9lvw+PVtC20n03klkdqu5R+d3E/Vs6vePm+5amH6JVNUW1FbLyTHZtdICXuH+VCLZdJ1R1q3wXBIaGznBktQLcHRQH4Rskk+I5DcDtVk6oc5xc9xLjtJNz3qxA+mG4NQU9uTphI4f4k9pD1iP1G9x61eDEZCAC8gDY0c0D7rclRskX1bMuimPbLS5ZOtqKdcZX6UUtOdWWUaw2taNYjrAvbtXypNPKFzg3lS2+9zCB32yWzlrHhMq9GgqyNjiOokL44jhlLVj8qpo5CfbLdWQdUjbO+aq6Sta9ocxwc1wuCDcEdBG1WUEywvj0mnE4/wCisH6zDpTrDMRSkNdcbOTlFhfhrW61X4LpzXYdL9GxKOSRrLAlwtPGNxufzg6zc8SvVYnrWxzBaeui5KpZew5kjbCSM8WO4fCbg8FzzCLnR7SWKoiZJHIJI3+q8buhwOYI3g5hdG1wIuF+bqmkrsAqg+Mh8UnWIqho2gjPUkA7R0jb7FodpTFVQtmiddjsnNPrRvG1jhuIuOsEEZEKI7BFAN80UEoiIClQiCUREBERAREQEREBERAREQEREBVekeLtpKd0pzdsYOLzsVovH/SfpDd0jgbsg5kY3OkOXj8gUHAaY4zJNK+LWLnyG8ztpz2MHSfC3FXGD4YKKO1vyh4tK7byLD/hN+L3iPs7Ab1mheHkufWyZlriIr+1Oc3P+4CLfE4e6r97EHw8+fxWQf58+KhzfPncvm4+fO9bKQr7iRVeLVMsskVFTu1XzXL5NvJQj1nZb8iB3bSFt6/nztWlo+8nE6k5XbEwAnhkSO/wXXrVdR5sp6OnwfDqeiZq00YBtnLYGRx3lz93ULBb1ZNyrXMnY2RpGbXND29ZBWmH5ZZXBJvv6k19pzAsLg7T1KxSNa0wcrVObhFZGYnn6LUk8pFckQuuBrtJz1c/kQb5L0OllXjmlda6cyvuAxrtVjT62qNh7Tn2r0/R6Yup6dx2uijJ6y0LKcfL7vy2yh1NO9brCqylcrGNceSPFJYYjQRVML4J2a0b9o3gjY9p9lw3H+C8kZ9IwHETe74n217DKaC51ZGjc9ueXEEbDdeyBUmmOAiupXRgfWx3fAfitzmdTgLdeqdy1wOr0fxNkrGarw5j2h0bgcnNIuLdiul4h6Kcbc0voHk8y8lPfaBf6yPsJuB0u4L2qlm12B3Hb1qTGkl9URFBKIiCUREBERAREQEREBERAREQEREFfjtZyNNJINtrN+0cgvz/AKXwvmmjgYCdTnEcZH5NHXb95e16aSXbHHxJcezIeK4umwYA/SHDNzi4eDO7moKuGgEMccDfVibq34nMvd2uLj95YPiV06n8/NfCSm8+elBRyR+fPBakrVeTU3nz0qvqIFtxrCqcVraMtJxKq5ut9UzLsC+UOI8pK6LUI1S4Xvt1TbhvWzoo1v8A1Gp1ta3JM9Xau+td8vq2VjcxDqAy4y59mm49xVukEpELg062uADJ/wCNvtHzxV46Pmt18hqHV1Np+2qHFYi+Vxf61oxGG/myL5a/au7HhiZb64duLxql/J5XhuuAfzvYMrL0bRv+7U/6KP8AcC5PSmlAp6jXuH3GTb8nsHzV7BiX0Wggm1C+0cI1QbbWtG1auJrrJ+zXkpyy7alKsolzmi+J/Sqdk+oWaxcNUm9tVxbtt0XXRxLysvVpl9gslipWhHlWmlMaDE2VkQyc4TtA43tOztu7/UXsuj1WHDmm7XgOYeIIv4FcD6TKMPpGS74ZB+pINU/taisfRrXF1FTE7YiYj1McQ39nVWdo3WJWem3o6IiwYilQpCgKVCkICIiAiIgIiICIiAiIgIoRBy+krdacDg0DvumMUwYyNoH9AP5r64q29Qfu+AWxjwuY+o/wQc2YF8nU/n5q15NYmLz2IKSWlVdU0a6l8K056dbKdVh5Bhkd6yVvTN8nq80PjIxOps8M+qZmR0DJV2BN/tOZp3uqAOx5PgF0OjkRbi1Q3UDi+NpAOywAzXp4fJ0YI3eF5UN1WENPJF8ZuXZ8px1fO9V5pQA9rW8m0hl4nZuk+yd3BW07dthypa0tcCMos9o87liWAkgXkFma0pHOjtwXp01Ed99+D1601Dl9K6fVoqlrSI23/Mkc7dndaeKj+yovsweDVe6YMtQzu1Q9r3WbKfWOwKgxp9sNjYdtoR2gfyXHxUxvfy776vP4yNWj0dN6O/7hF9qX/ccuxiXD6Ay2oYx8Un+45dbHOvJydXDKwumstQTpyvnsWhGnpawPoKoHdGXdrCHj5tCovRnJaGobwlDv1o2j/grnSKT8jqv0MvzYVQej42ZUdLmfulboj+3Pqzj4ZexxOu1p4gH5LNfCiP1cf2W+AX3C0tYiIoJQIgQSiIgIiICIiAiIgKERARFCoosVbaYnoafPcvtiwvqHrHeL/wAExplnMdxBHaMx4lRUu1oGu921/A/JFaNkIRRdEYuWrOFtFfGQLKqvINLInUWJioaOa8iVvSDzZW9e39YK8xGJz+SrqQ6zmNvZu2SA5kDeSLk225neF0elGBMrITE46rmnWjf7r+n4TsP4gLzWgxOpwuV1PPG4sBuWXzbf24nbCD3HoN124smmylprMTD0PDcYp6ljnRSCI6oBZfNx6eKsK17Wa5mnawagyGQcBuK5BtXhlYdcuYHnaQ/kZCfiacnHpt2r5VlPQR857i62zlKkW7mgE967Yzx3p6McdGvGPFjjmItrXjk26lPEQX8HvGxoG+/hc8FzmkFaZXshbmWm5A3vdk1vXn+0ssXx8O5kFrNyaQ3VYwfA3eenxWxgeFGK00w55zjadov7buB4DpvwXLly7cOXLOS25dXg7RDFHED6jQCeJ2uPffvVvFU+fmucglW9FP589K4bztoXrZ19BMqdk/nz0r7Nm8/L8VgGk1Tajm+IBv67gPArT0NbqwyH35MuoNaPEnuWlpRU3EUQPrOLz9losPmR3K+0Ypf7tDvJBd94657gbdi361h9ZbOlPWXp1O2zGjg0D5L6hQpC52tKIiiJQIpCAiIgIiICIiAiIghEQoIREVGji8WtESNrOd2Db8rrSoXBzHRnYR8irkrnC0wylm4Zt6WHZ3bOxWFfGInNp2sJa7rG/tFj2rJY4ueTe2f2H2bL0e6/q3HoPQpVtGlmArFylQVEfB7FXYphUNSzk54mvaNl8i08WuGbexWxCwLVnFtK81xz0ewMjlmime0Rtc/UewPvqgmwcLcOC5rRbRuOr5Rxk1BHq5BmsXa19mYtsXrukLPyOq/Qy/uOXn/owbdlV1xeD1n7Q23KbA6emziYS8bJJLOcOlrQLNPTa/SvnLHmSe3+f4LoKqLz/RVc8fnzsWM2Gi3Lz5zX3ZIsHt8+dgWF/PnwWCN5kvnzwX3ZJ589CrmuWtiVUbCFh50m34Wbz1nzsVpSbWiseaxG51DKl/KakvPqbB+iZcuPbnbrC9F0HpzJM+cjJgsPtO/l4riaKn5KNrGjny6uXCP2B942d1Bq9a0dw76PTsj9o85/2jtW7iJjcUjpXuWeWY3yx5LRSFAUhczWlERREqVClAREQEREBERAREQQiIghQpUFUQVXYvSGRgcwc9mbekb29viArErFFc7TyNkjMbhcOBFj8welUtNUGnkFNMeacoHneN0bjxG7j17egxehLHGaMXBzkaNv229PEb1V19KyqiLTZ2sP1ulvxLdjms+7ZspqfdlsKFzVPjD6R3JVhLo9jJ7XLR7so/5d/FdHHIHNDmkEOFwQbgjiCFL47UnUpek0nUpXnOlmEY9JWzPonTiA6nJ6lVCxuUbQ6zXSAjnB20L0ZFgweQSaPaSuBa81DmuBDmmspyCDkQfrdi1YNEschvyEUkWtbW1aqmF7bL2l6SvZ3rUmU0aeSP0f0g3mf/26f/6rqqaGRsMTZr8o1jRJchx1w0B13C4JvfMXXQVDfP8AVV07UFVIzz58Stdw8+fFb8rFUV9e1juTYNeQ+yN3S47llWs2nULETPhCKyqEYB2udkxu9x/gF9sIotVrqmozucx7790Y+EC1+A6SFOGYTYGpqnbcr2zJ9yIHx2Df09BgGDSYhMHObqQR5ADYG7dVvEned6651w8aj45/j8t86xRr/L7LbQTB3TSmtmFwCSy49Z3G3AL0NfKngbGxrGCzWiwHQvquJzpCyCxCyUBSFCkKIKVClAREQEREBERAREQFClQghCpUKjEqFkViUViVR4jhTmkyU425vj2Ani33XfIq9KxKo46eOKpa5sgs4ZOuMweD27+vxXLVOD1dATJSPswm5YefC49XsHuK9LxDC45szdrxse3Jw/EdBVPLTVMF+byjfeZk63xMOR7O5dOPiJrHLaNx/qW+maYjltG476OTpdNWN5tZC+E+80GSM9w1h3dqvqHF6af8zPG/oa8EjrbtCwlgo57h7AHb9XmO7WOFvkqiu0DpZb2c3qewj5tv4LPl4e/S019fFlNMNultev4dK9akoXLnQOVv5uqLbbNWpe38Fg7Qic+vWPI6atx/ip/T1/UhPYx/3H1XVZKxgJe5rQN5cAucrdI6YG0bjK7hGNb9rZ8192aCU4OtLMwnjz5D4fxW9Hh1FAMmOefiIjb3NuT3p7PDX4r79IPZ4462+jmmMrax2oxhiafZbznkdLt3nNWVLhdPRjnASSe403aD/mPG3qb3roIKSqqRqQx6kZ22bybO07Xdt10WDaHxREPm+seN1uaD1b0niOWNYo18/NJyxHhSNfdzOC6Nz1rxNUXbGNgtbmjY1jdjWr0ejpWRMbHG0Na3YAvqBbIKVyNKVIUBZBRAKURRBSiIClQpQEREBERAREQEREBQpUIChSiCFiVkhVGChZEKLIrAhRZZqLKjUqqCKUWkja7rAVe/RyH/AA3yR9DZDbuNwruyWVVzztHn7qp3bGw+AWH/AG1IdtSeyNq6OymyDnWaKx+3NI7tDf3QrCkwOmiN2RNvxPOPeVZWRREALJFKCFNkAWQCgBSiIgpRFARFKAiIgIiICIiAiIgIiICIiCEREBQiICiyhFRFksiIqERFQRSiCFKIgKbIiglSiIgpRFAREQSiIgIiICIiAiIg/9k="/>
+          <a:ln w="9525">
+            <a:noFill/>
+            <a:miter lim="800000"/>
+            <a:headEnd/>
+            <a:tailEnd/>
+          </a:ln>
+        </p:spPr>
+        <p:txBody>
+          <a:bodyPr/>
+          <a:lstStyle/>
+          <a:p>
+            <a:endParaRPr lang="ru-RU">
+              <a:latin typeface="Calibri" pitchFamily="34" charset="0"/>
+            </a:endParaRPr>
+          </a:p>
+        </p:txBody>
+      </p:sp>
+      <p:sp>
+        <p:nvSpPr>
+          <p:cNvPr id="6148" name="AutoShape 4" descr="data:image/jpeg;base64,/9j/4AAQSkZJRgABAQAAAQABAAD/2wCEAAkGBxAQDxAPDxAVFRUQFRUWEhUYEhYWGBUSFRUWGBUWFxgYHSggGBolGxUWIzEhJiktLi4uFx8zODMtNygtLisBCgoKDg0OGBAQGC0mHx0rLTcrLSstLSstKystNjcrKystLSstLSstLSsrNy0rLS0tKysrMSs3ListLTctLSsrK//AABEIALcBEwMBIgACEQEDEQH/xAAcAAEAAgMBAQEAAAAAAAAAAAAAAQUCBAYHAwj/xABIEAABAwICBQgGBQkHBQAAAAABAAIDBBEFIQYSMUFREyJhcYGRsfAHMkJSYqEUI3KC0SQzc5KissHh8SU0Q2OTs8IVFlOU0//EABkBAQEAAwEAAAAAAAAAAAAAAAABAgMEBf/EAC4RAQACAgAEAwcDBQAAAAAAAAABAgMRBBIx8CFBcRMiMmGRseFTgaEUI0JRUv/aAAwDAQACEQMRAD8A9xREQEREBERAREQEREBERAREQEREBERAREQEREBERAREQEREBERAREQEREBERAREQEREBERAREQEREBERARatfXxQN15Xho69q4nHPSE1jSYy1jB7bzbuv4IO+e8NzJA6zZac2LQN2yBeFYt6TNYnkxJMeN+TZ3nM9ypotKcVqSRSxDbb6qB0rh1k3HyCuh+hzj8G4nuWbcbiPHuXgLcP0leL/Xj/Qj/AHrLNmF6TtzDp/8AVp3fLWKvKP0CzEoj7S2WTNOwhfnV+M6R0mcrJXD/ADKQOb2vjaLd63cJ9LkjbfSaW43vgfv+w8/8lND9AIuF0a09pauwgna92+N3MkH3XZnsyXYUteyTfY8CoNpFCIJRQiCUUKUBERAREQEREBERAREQEREBERAREQEREBczpVpbHRgxss+U7G7m9JXx030qFIzkYiDM8fqDieleA4ti01XLyMBc/lHWLhm6Vx9lvw+PVtC20n03klkdqu5R+d3E/Vs6vePm+5amH6JVNUW1FbLyTHZtdICXuH+VCLZdJ1R1q3wXBIaGznBktQLcHRQH4Rskk+I5DcDtVk6oc5xc9xLjtJNz3qxA+mG4NQU9uTphI4f4k9pD1iP1G9x61eDEZCAC8gDY0c0D7rclRskX1bMuimPbLS5ZOtqKdcZX6UUtOdWWUaw2taNYjrAvbtXypNPKFzg3lS2+9zCB32yWzlrHhMq9GgqyNjiOokL44jhlLVj8qpo5CfbLdWQdUjbO+aq6Sta9ocxwc1wuCDcEdBG1WUEywvj0mnE4/wCisH6zDpTrDMRSkNdcbOTlFhfhrW61X4LpzXYdL9GxKOSRrLAlwtPGNxufzg6zc8SvVYnrWxzBaeui5KpZew5kjbCSM8WO4fCbg8FzzCLnR7SWKoiZJHIJI3+q8buhwOYI3g5hdG1wIuF+bqmkrsAqg+Mh8UnWIqho2gjPUkA7R0jb7FodpTFVQtmiddjsnNPrRvG1jhuIuOsEEZEKI7BFAN80UEoiIClQiCUREBERAREQEREBERAREQEREBVekeLtpKd0pzdsYOLzsVovH/SfpDd0jgbsg5kY3OkOXj8gUHAaY4zJNK+LWLnyG8ztpz2MHSfC3FXGD4YKKO1vyh4tK7byLD/hN+L3iPs7Ab1mheHkufWyZlriIr+1Oc3P+4CLfE4e6r97EHw8+fxWQf58+KhzfPncvm4+fO9bKQr7iRVeLVMsskVFTu1XzXL5NvJQj1nZb8iB3bSFt6/nztWlo+8nE6k5XbEwAnhkSO/wXXrVdR5sp6OnwfDqeiZq00YBtnLYGRx3lz93ULBb1ZNyrXMnY2RpGbXND29ZBWmH5ZZXBJvv6k19pzAsLg7T1KxSNa0wcrVObhFZGYnn6LUk8pFckQuuBrtJz1c/kQb5L0OllXjmlda6cyvuAxrtVjT62qNh7Tn2r0/R6Yup6dx2uijJ6y0LKcfL7vy2yh1NO9brCqylcrGNceSPFJYYjQRVML4J2a0b9o3gjY9p9lw3H+C8kZ9IwHETe74n217DKaC51ZGjc9ueXEEbDdeyBUmmOAiupXRgfWx3fAfitzmdTgLdeqdy1wOr0fxNkrGarw5j2h0bgcnNIuLdiul4h6Kcbc0voHk8y8lPfaBf6yPsJuB0u4L2qlm12B3Hb1qTGkl9URFBKIiCUREBERAREQEREBERAREQEREFfjtZyNNJINtrN+0cgvz/AKXwvmmjgYCdTnEcZH5NHXb95e16aSXbHHxJcezIeK4umwYA/SHDNzi4eDO7moKuGgEMccDfVibq34nMvd2uLj95YPiV06n8/NfCSm8+elBRyR+fPBakrVeTU3nz0qvqIFtxrCqcVraMtJxKq5ut9UzLsC+UOI8pK6LUI1S4Xvt1TbhvWzoo1v8A1Gp1ta3JM9Xau+td8vq2VjcxDqAy4y59mm49xVukEpELg062uADJ/wCNvtHzxV46Pmt18hqHV1Np+2qHFYi+Vxf61oxGG/myL5a/au7HhiZb64duLxql/J5XhuuAfzvYMrL0bRv+7U/6KP8AcC5PSmlAp6jXuH3GTb8nsHzV7BiX0Wggm1C+0cI1QbbWtG1auJrrJ+zXkpyy7alKsolzmi+J/Sqdk+oWaxcNUm9tVxbtt0XXRxLysvVpl9gslipWhHlWmlMaDE2VkQyc4TtA43tOztu7/UXsuj1WHDmm7XgOYeIIv4FcD6TKMPpGS74ZB+pINU/taisfRrXF1FTE7YiYj1McQ39nVWdo3WJWem3o6IiwYilQpCgKVCkICIiAiIgIiICIiAiIgIoRBy+krdacDg0DvumMUwYyNoH9AP5r64q29Qfu+AWxjwuY+o/wQc2YF8nU/n5q15NYmLz2IKSWlVdU0a6l8K056dbKdVh5Bhkd6yVvTN8nq80PjIxOps8M+qZmR0DJV2BN/tOZp3uqAOx5PgF0OjkRbi1Q3UDi+NpAOywAzXp4fJ0YI3eF5UN1WENPJF8ZuXZ8px1fO9V5pQA9rW8m0hl4nZuk+yd3BW07dthypa0tcCMos9o87liWAkgXkFma0pHOjtwXp01Ed99+D1601Dl9K6fVoqlrSI23/Mkc7dndaeKj+yovsweDVe6YMtQzu1Q9r3WbKfWOwKgxp9sNjYdtoR2gfyXHxUxvfy776vP4yNWj0dN6O/7hF9qX/ccuxiXD6Ay2oYx8Un+45dbHOvJydXDKwumstQTpyvnsWhGnpawPoKoHdGXdrCHj5tCovRnJaGobwlDv1o2j/grnSKT8jqv0MvzYVQej42ZUdLmfulboj+3Pqzj4ZexxOu1p4gH5LNfCiP1cf2W+AX3C0tYiIoJQIgQSiIgIiICIiAiIgKERARFCoosVbaYnoafPcvtiwvqHrHeL/wAExplnMdxBHaMx4lRUu1oGu921/A/JFaNkIRRdEYuWrOFtFfGQLKqvINLInUWJioaOa8iVvSDzZW9e39YK8xGJz+SrqQ6zmNvZu2SA5kDeSLk225neF0elGBMrITE46rmnWjf7r+n4TsP4gLzWgxOpwuV1PPG4sBuWXzbf24nbCD3HoN124smmylprMTD0PDcYp6ljnRSCI6oBZfNx6eKsK17Wa5mnawagyGQcBuK5BtXhlYdcuYHnaQ/kZCfiacnHpt2r5VlPQR857i62zlKkW7mgE967Yzx3p6McdGvGPFjjmItrXjk26lPEQX8HvGxoG+/hc8FzmkFaZXshbmWm5A3vdk1vXn+0ssXx8O5kFrNyaQ3VYwfA3eenxWxgeFGK00w55zjadov7buB4DpvwXLly7cOXLOS25dXg7RDFHED6jQCeJ2uPffvVvFU+fmucglW9FP589K4bztoXrZ19BMqdk/nz0r7Nm8/L8VgGk1Tajm+IBv67gPArT0NbqwyH35MuoNaPEnuWlpRU3EUQPrOLz9losPmR3K+0Ypf7tDvJBd94657gbdi361h9ZbOlPWXp1O2zGjg0D5L6hQpC52tKIiiJQIpCAiIgIiICIiAiIghEQoIREVGji8WtESNrOd2Db8rrSoXBzHRnYR8irkrnC0wylm4Zt6WHZ3bOxWFfGInNp2sJa7rG/tFj2rJY4ueTe2f2H2bL0e6/q3HoPQpVtGlmArFylQVEfB7FXYphUNSzk54mvaNl8i08WuGbexWxCwLVnFtK81xz0ewMjlmime0Rtc/UewPvqgmwcLcOC5rRbRuOr5Rxk1BHq5BmsXa19mYtsXrukLPyOq/Qy/uOXn/owbdlV1xeD1n7Q23KbA6emziYS8bJJLOcOlrQLNPTa/SvnLHmSe3+f4LoKqLz/RVc8fnzsWM2Gi3Lz5zX3ZIsHt8+dgWF/PnwWCN5kvnzwX3ZJ589CrmuWtiVUbCFh50m34Wbz1nzsVpSbWiseaxG51DKl/KakvPqbB+iZcuPbnbrC9F0HpzJM+cjJgsPtO/l4riaKn5KNrGjny6uXCP2B942d1Bq9a0dw76PTsj9o85/2jtW7iJjcUjpXuWeWY3yx5LRSFAUhczWlERREqVClAREQEREBERAREQQiIghQpUFUQVXYvSGRgcwc9mbekb29viArErFFc7TyNkjMbhcOBFj8welUtNUGnkFNMeacoHneN0bjxG7j17egxehLHGaMXBzkaNv229PEb1V19KyqiLTZ2sP1ulvxLdjms+7ZspqfdlsKFzVPjD6R3JVhLo9jJ7XLR7so/5d/FdHHIHNDmkEOFwQbgjiCFL47UnUpek0nUpXnOlmEY9JWzPonTiA6nJ6lVCxuUbQ6zXSAjnB20L0ZFgweQSaPaSuBa81DmuBDmmspyCDkQfrdi1YNEschvyEUkWtbW1aqmF7bL2l6SvZ3rUmU0aeSP0f0g3mf/26f/6rqqaGRsMTZr8o1jRJchx1w0B13C4JvfMXXQVDfP8AVV07UFVIzz58Stdw8+fFb8rFUV9e1juTYNeQ+yN3S47llWs2nULETPhCKyqEYB2udkxu9x/gF9sIotVrqmozucx7790Y+EC1+A6SFOGYTYGpqnbcr2zJ9yIHx2Df09BgGDSYhMHObqQR5ADYG7dVvEned6651w8aj45/j8t86xRr/L7LbQTB3TSmtmFwCSy49Z3G3AL0NfKngbGxrGCzWiwHQvquJzpCyCxCyUBSFCkKIKVClAREQEREBERAREQFClQghCpUKjEqFkViUViVR4jhTmkyU425vj2Ani33XfIq9KxKo46eOKpa5sgs4ZOuMweD27+vxXLVOD1dATJSPswm5YefC49XsHuK9LxDC45szdrxse3Jw/EdBVPLTVMF+byjfeZk63xMOR7O5dOPiJrHLaNx/qW+maYjltG476OTpdNWN5tZC+E+80GSM9w1h3dqvqHF6af8zPG/oa8EjrbtCwlgo57h7AHb9XmO7WOFvkqiu0DpZb2c3qewj5tv4LPl4e/S019fFlNMNultev4dK9akoXLnQOVv5uqLbbNWpe38Fg7Qic+vWPI6atx/ip/T1/UhPYx/3H1XVZKxgJe5rQN5cAucrdI6YG0bjK7hGNb9rZ8192aCU4OtLMwnjz5D4fxW9Hh1FAMmOefiIjb3NuT3p7PDX4r79IPZ4462+jmmMrax2oxhiafZbznkdLt3nNWVLhdPRjnASSe403aD/mPG3qb3roIKSqqRqQx6kZ22bybO07Xdt10WDaHxREPm+seN1uaD1b0niOWNYo18/NJyxHhSNfdzOC6Nz1rxNUXbGNgtbmjY1jdjWr0ejpWRMbHG0Na3YAvqBbIKVyNKVIUBZBRAKURRBSiIClQpQEREBERAREQEREBQpUIChSiCFiVkhVGChZEKLIrAhRZZqLKjUqqCKUWkja7rAVe/RyH/AA3yR9DZDbuNwruyWVVzztHn7qp3bGw+AWH/AG1IdtSeyNq6OymyDnWaKx+3NI7tDf3QrCkwOmiN2RNvxPOPeVZWRREALJFKCFNkAWQCgBSiIgpRFARFKAiIgIiICIiAiIgIiICIiCEREBQiICiyhFRFksiIqERFQRSiCFKIgKbIiglSiIgpRFAREQSiIgIiICIiAiIg/9k="/>
           <p:cNvSpPr>
             <a:spLocks noChangeAspect="1" noChangeArrowheads="1"/>
           </p:cNvSpPr>
@@ -4708,22 +5288,26 @@
             <a:avLst/>
           </a:prstGeom>
           <a:noFill/>
-        </p:spPr>
-        <p:txBody>
-          <a:bodyPr vert="horz" wrap="square" lIns="91440" tIns="45720" rIns="91440" bIns="45720" numCol="1" anchor="t" anchorCtr="0" compatLnSpc="1">
-            <a:prstTxWarp prst="textNoShape">
-              <a:avLst/>
-            </a:prstTxWarp>
-          </a:bodyPr>
-          <a:lstStyle/>
-          <a:p>
-            <a:endParaRPr lang="ru-RU"/>
-          </a:p>
-        </p:txBody>
-      </p:sp>
-      <p:sp>
-        <p:nvSpPr>
-          <p:cNvPr id="2054" name="AutoShape 6" descr="data:image/jpeg;base64,/9j/4AAQSkZJRgABAQAAAQABAAD/2wCEAAkGBxAQDxAPDxAVFRUQFRUWEhUYEhYWGBUSFRUWGBUWFxgYHSggGBolGxUWIzEhJiktLi4uFx8zODMtNygtLisBCgoKDg0OGBAQGC0mHx0rLTcrLSstLSstKystNjcrKystLSstLSstLSsrNy0rLS0tKysrMSs3ListLTctLSsrK//AABEIALcBEwMBIgACEQEDEQH/xAAcAAEAAgMBAQEAAAAAAAAAAAAAAQUCBAYHAwj/xABIEAABAwICBQgGBQkHBQAAAAABAAIDBBEFIQYSMUFREyJhcYGRsfAHMkJSYqEUI3KC0SQzc5KissHh8SU0Q2OTs8IVFlOU0//EABkBAQEAAwEAAAAAAAAAAAAAAAABAgMEBf/EAC4RAQACAgAEAwcDBQAAAAAAAAABAgMRBBIx8CFBcRMiMmGRseFTgaEUI0JRUv/aAAwDAQACEQMRAD8A9xREQEREBERAREQEREBERAREQEREBERAREQEREBERAREQEREBERAREQEREBERAREQEREBERAREQEREBERARatfXxQN15Xho69q4nHPSE1jSYy1jB7bzbuv4IO+e8NzJA6zZac2LQN2yBeFYt6TNYnkxJMeN+TZ3nM9ypotKcVqSRSxDbb6qB0rh1k3HyCuh+hzj8G4nuWbcbiPHuXgLcP0leL/Xj/Qj/AHrLNmF6TtzDp/8AVp3fLWKvKP0CzEoj7S2WTNOwhfnV+M6R0mcrJXD/ADKQOb2vjaLd63cJ9LkjbfSaW43vgfv+w8/8lND9AIuF0a09pauwgna92+N3MkH3XZnsyXYUteyTfY8CoNpFCIJRQiCUUKUBERAREQEREBERAREQEREBERAREQEREBczpVpbHRgxss+U7G7m9JXx030qFIzkYiDM8fqDieleA4ti01XLyMBc/lHWLhm6Vx9lvw+PVtC20n03klkdqu5R+d3E/Vs6vePm+5amH6JVNUW1FbLyTHZtdICXuH+VCLZdJ1R1q3wXBIaGznBktQLcHRQH4Rskk+I5DcDtVk6oc5xc9xLjtJNz3qxA+mG4NQU9uTphI4f4k9pD1iP1G9x61eDEZCAC8gDY0c0D7rclRskX1bMuimPbLS5ZOtqKdcZX6UUtOdWWUaw2taNYjrAvbtXypNPKFzg3lS2+9zCB32yWzlrHhMq9GgqyNjiOokL44jhlLVj8qpo5CfbLdWQdUjbO+aq6Sta9ocxwc1wuCDcEdBG1WUEywvj0mnE4/wCisH6zDpTrDMRSkNdcbOTlFhfhrW61X4LpzXYdL9GxKOSRrLAlwtPGNxufzg6zc8SvVYnrWxzBaeui5KpZew5kjbCSM8WO4fCbg8FzzCLnR7SWKoiZJHIJI3+q8buhwOYI3g5hdG1wIuF+bqmkrsAqg+Mh8UnWIqho2gjPUkA7R0jb7FodpTFVQtmiddjsnNPrRvG1jhuIuOsEEZEKI7BFAN80UEoiIClQiCUREBERAREQEREBERAREQEREBVekeLtpKd0pzdsYOLzsVovH/SfpDd0jgbsg5kY3OkOXj8gUHAaY4zJNK+LWLnyG8ztpz2MHSfC3FXGD4YKKO1vyh4tK7byLD/hN+L3iPs7Ab1mheHkufWyZlriIr+1Oc3P+4CLfE4e6r97EHw8+fxWQf58+KhzfPncvm4+fO9bKQr7iRVeLVMsskVFTu1XzXL5NvJQj1nZb8iB3bSFt6/nztWlo+8nE6k5XbEwAnhkSO/wXXrVdR5sp6OnwfDqeiZq00YBtnLYGRx3lz93ULBb1ZNyrXMnY2RpGbXND29ZBWmH5ZZXBJvv6k19pzAsLg7T1KxSNa0wcrVObhFZGYnn6LUk8pFckQuuBrtJz1c/kQb5L0OllXjmlda6cyvuAxrtVjT62qNh7Tn2r0/R6Yup6dx2uijJ6y0LKcfL7vy2yh1NO9brCqylcrGNceSPFJYYjQRVML4J2a0b9o3gjY9p9lw3H+C8kZ9IwHETe74n217DKaC51ZGjc9ueXEEbDdeyBUmmOAiupXRgfWx3fAfitzmdTgLdeqdy1wOr0fxNkrGarw5j2h0bgcnNIuLdiul4h6Kcbc0voHk8y8lPfaBf6yPsJuB0u4L2qlm12B3Hb1qTGkl9URFBKIiCUREBERAREQEREBERAREQEREFfjtZyNNJINtrN+0cgvz/AKXwvmmjgYCdTnEcZH5NHXb95e16aSXbHHxJcezIeK4umwYA/SHDNzi4eDO7moKuGgEMccDfVibq34nMvd2uLj95YPiV06n8/NfCSm8+elBRyR+fPBakrVeTU3nz0qvqIFtxrCqcVraMtJxKq5ut9UzLsC+UOI8pK6LUI1S4Xvt1TbhvWzoo1v8A1Gp1ta3JM9Xau+td8vq2VjcxDqAy4y59mm49xVukEpELg062uADJ/wCNvtHzxV46Pmt18hqHV1Np+2qHFYi+Vxf61oxGG/myL5a/au7HhiZb64duLxql/J5XhuuAfzvYMrL0bRv+7U/6KP8AcC5PSmlAp6jXuH3GTb8nsHzV7BiX0Wggm1C+0cI1QbbWtG1auJrrJ+zXkpyy7alKsolzmi+J/Sqdk+oWaxcNUm9tVxbtt0XXRxLysvVpl9gslipWhHlWmlMaDE2VkQyc4TtA43tOztu7/UXsuj1WHDmm7XgOYeIIv4FcD6TKMPpGS74ZB+pINU/taisfRrXF1FTE7YiYj1McQ39nVWdo3WJWem3o6IiwYilQpCgKVCkICIiAiIgIiICIiAiIgIoRBy+krdacDg0DvumMUwYyNoH9AP5r64q29Qfu+AWxjwuY+o/wQc2YF8nU/n5q15NYmLz2IKSWlVdU0a6l8K056dbKdVh5Bhkd6yVvTN8nq80PjIxOps8M+qZmR0DJV2BN/tOZp3uqAOx5PgF0OjkRbi1Q3UDi+NpAOywAzXp4fJ0YI3eF5UN1WENPJF8ZuXZ8px1fO9V5pQA9rW8m0hl4nZuk+yd3BW07dthypa0tcCMos9o87liWAkgXkFma0pHOjtwXp01Ed99+D1601Dl9K6fVoqlrSI23/Mkc7dndaeKj+yovsweDVe6YMtQzu1Q9r3WbKfWOwKgxp9sNjYdtoR2gfyXHxUxvfy776vP4yNWj0dN6O/7hF9qX/ccuxiXD6Ay2oYx8Un+45dbHOvJydXDKwumstQTpyvnsWhGnpawPoKoHdGXdrCHj5tCovRnJaGobwlDv1o2j/grnSKT8jqv0MvzYVQej42ZUdLmfulboj+3Pqzj4ZexxOu1p4gH5LNfCiP1cf2W+AX3C0tYiIoJQIgQSiIgIiICIiAiIgKERARFCoosVbaYnoafPcvtiwvqHrHeL/wAExplnMdxBHaMx4lRUu1oGu921/A/JFaNkIRRdEYuWrOFtFfGQLKqvINLInUWJioaOa8iVvSDzZW9e39YK8xGJz+SrqQ6zmNvZu2SA5kDeSLk225neF0elGBMrITE46rmnWjf7r+n4TsP4gLzWgxOpwuV1PPG4sBuWXzbf24nbCD3HoN124smmylprMTD0PDcYp6ljnRSCI6oBZfNx6eKsK17Wa5mnawagyGQcBuK5BtXhlYdcuYHnaQ/kZCfiacnHpt2r5VlPQR857i62zlKkW7mgE967Yzx3p6McdGvGPFjjmItrXjk26lPEQX8HvGxoG+/hc8FzmkFaZXshbmWm5A3vdk1vXn+0ssXx8O5kFrNyaQ3VYwfA3eenxWxgeFGK00w55zjadov7buB4DpvwXLly7cOXLOS25dXg7RDFHED6jQCeJ2uPffvVvFU+fmucglW9FP589K4bztoXrZ19BMqdk/nz0r7Nm8/L8VgGk1Tajm+IBv67gPArT0NbqwyH35MuoNaPEnuWlpRU3EUQPrOLz9losPmR3K+0Ypf7tDvJBd94657gbdi361h9ZbOlPWXp1O2zGjg0D5L6hQpC52tKIiiJQIpCAiIgIiICIiAiIghEQoIREVGji8WtESNrOd2Db8rrSoXBzHRnYR8irkrnC0wylm4Zt6WHZ3bOxWFfGInNp2sJa7rG/tFj2rJY4ueTe2f2H2bL0e6/q3HoPQpVtGlmArFylQVEfB7FXYphUNSzk54mvaNl8i08WuGbexWxCwLVnFtK81xz0ewMjlmime0Rtc/UewPvqgmwcLcOC5rRbRuOr5Rxk1BHq5BmsXa19mYtsXrukLPyOq/Qy/uOXn/owbdlV1xeD1n7Q23KbA6emziYS8bJJLOcOlrQLNPTa/SvnLHmSe3+f4LoKqLz/RVc8fnzsWM2Gi3Lz5zX3ZIsHt8+dgWF/PnwWCN5kvnzwX3ZJ589CrmuWtiVUbCFh50m34Wbz1nzsVpSbWiseaxG51DKl/KakvPqbB+iZcuPbnbrC9F0HpzJM+cjJgsPtO/l4riaKn5KNrGjny6uXCP2B942d1Bq9a0dw76PTsj9o85/2jtW7iJjcUjpXuWeWY3yx5LRSFAUhczWlERREqVClAREQEREBERAREQQiIghQpUFUQVXYvSGRgcwc9mbekb29viArErFFc7TyNkjMbhcOBFj8welUtNUGnkFNMeacoHneN0bjxG7j17egxehLHGaMXBzkaNv229PEb1V19KyqiLTZ2sP1ulvxLdjms+7ZspqfdlsKFzVPjD6R3JVhLo9jJ7XLR7so/5d/FdHHIHNDmkEOFwQbgjiCFL47UnUpek0nUpXnOlmEY9JWzPonTiA6nJ6lVCxuUbQ6zXSAjnB20L0ZFgweQSaPaSuBa81DmuBDmmspyCDkQfrdi1YNEschvyEUkWtbW1aqmF7bL2l6SvZ3rUmU0aeSP0f0g3mf/26f/6rqqaGRsMTZr8o1jRJchx1w0B13C4JvfMXXQVDfP8AVV07UFVIzz58Stdw8+fFb8rFUV9e1juTYNeQ+yN3S47llWs2nULETPhCKyqEYB2udkxu9x/gF9sIotVrqmozucx7790Y+EC1+A6SFOGYTYGpqnbcr2zJ9yIHx2Df09BgGDSYhMHObqQR5ADYG7dVvEned6651w8aj45/j8t86xRr/L7LbQTB3TSmtmFwCSy49Z3G3AL0NfKngbGxrGCzWiwHQvquJzpCyCxCyUBSFCkKIKVClAREQEREBERAREQFClQghCpUKjEqFkViUViVR4jhTmkyU425vj2Ani33XfIq9KxKo46eOKpa5sgs4ZOuMweD27+vxXLVOD1dATJSPswm5YefC49XsHuK9LxDC45szdrxse3Jw/EdBVPLTVMF+byjfeZk63xMOR7O5dOPiJrHLaNx/qW+maYjltG476OTpdNWN5tZC+E+80GSM9w1h3dqvqHF6af8zPG/oa8EjrbtCwlgo57h7AHb9XmO7WOFvkqiu0DpZb2c3qewj5tv4LPl4e/S019fFlNMNultev4dK9akoXLnQOVv5uqLbbNWpe38Fg7Qic+vWPI6atx/ip/T1/UhPYx/3H1XVZKxgJe5rQN5cAucrdI6YG0bjK7hGNb9rZ8192aCU4OtLMwnjz5D4fxW9Hh1FAMmOefiIjb3NuT3p7PDX4r79IPZ4462+jmmMrax2oxhiafZbznkdLt3nNWVLhdPRjnASSe403aD/mPG3qb3roIKSqqRqQx6kZ22bybO07Xdt10WDaHxREPm+seN1uaD1b0niOWNYo18/NJyxHhSNfdzOC6Nz1rxNUXbGNgtbmjY1jdjWr0ejpWRMbHG0Na3YAvqBbIKVyNKVIUBZBRAKURRBSiIClQpQEREBERAREQEREBQpUIChSiCFiVkhVGChZEKLIrAhRZZqLKjUqqCKUWkja7rAVe/RyH/AA3yR9DZDbuNwruyWVVzztHn7qp3bGw+AWH/AG1IdtSeyNq6OymyDnWaKx+3NI7tDf3QrCkwOmiN2RNvxPOPeVZWRREALJFKCFNkAWQCgBSiIgpRFARFKAiIgIiICIiAiIgIiICIiCEREBQiICiyhFRFksiIqERFQRSiCFKIgKbIiglSiIgpRFAREQSiIgIiICIiAiIg/9k="/>
+          <a:ln w="9525">
+            <a:noFill/>
+            <a:miter lim="800000"/>
+            <a:headEnd/>
+            <a:tailEnd/>
+          </a:ln>
+        </p:spPr>
+        <p:txBody>
+          <a:bodyPr/>
+          <a:lstStyle/>
+          <a:p>
+            <a:endParaRPr lang="ru-RU">
+              <a:latin typeface="Calibri" pitchFamily="34" charset="0"/>
+            </a:endParaRPr>
+          </a:p>
+        </p:txBody>
+      </p:sp>
+      <p:sp>
+        <p:nvSpPr>
+          <p:cNvPr id="6149" name="AutoShape 6" descr="data:image/jpeg;base64,/9j/4AAQSkZJRgABAQAAAQABAAD/2wCEAAkGBxAQDxAPDxAVFRUQFRUWEhUYEhYWGBUSFRUWGBUWFxgYHSggGBolGxUWIzEhJiktLi4uFx8zODMtNygtLisBCgoKDg0OGBAQGC0mHx0rLTcrLSstLSstKystNjcrKystLSstLSstLSsrNy0rLS0tKysrMSs3ListLTctLSsrK//AABEIALcBEwMBIgACEQEDEQH/xAAcAAEAAgMBAQEAAAAAAAAAAAAAAQUCBAYHAwj/xABIEAABAwICBQgGBQkHBQAAAAABAAIDBBEFIQYSMUFREyJhcYGRsfAHMkJSYqEUI3KC0SQzc5KissHh8SU0Q2OTs8IVFlOU0//EABkBAQEAAwEAAAAAAAAAAAAAAAABAgMEBf/EAC4RAQACAgAEAwcDBQAAAAAAAAABAgMRBBIx8CFBcRMiMmGRseFTgaEUI0JRUv/aAAwDAQACEQMRAD8A9xREQEREBERAREQEREBERAREQEREBERAREQEREBERAREQEREBERAREQEREBERAREQEREBERAREQEREBERARatfXxQN15Xho69q4nHPSE1jSYy1jB7bzbuv4IO+e8NzJA6zZac2LQN2yBeFYt6TNYnkxJMeN+TZ3nM9ypotKcVqSRSxDbb6qB0rh1k3HyCuh+hzj8G4nuWbcbiPHuXgLcP0leL/Xj/Qj/AHrLNmF6TtzDp/8AVp3fLWKvKP0CzEoj7S2WTNOwhfnV+M6R0mcrJXD/ADKQOb2vjaLd63cJ9LkjbfSaW43vgfv+w8/8lND9AIuF0a09pauwgna92+N3MkH3XZnsyXYUteyTfY8CoNpFCIJRQiCUUKUBERAREQEREBERAREQEREBERAREQEREBczpVpbHRgxss+U7G7m9JXx030qFIzkYiDM8fqDieleA4ti01XLyMBc/lHWLhm6Vx9lvw+PVtC20n03klkdqu5R+d3E/Vs6vePm+5amH6JVNUW1FbLyTHZtdICXuH+VCLZdJ1R1q3wXBIaGznBktQLcHRQH4Rskk+I5DcDtVk6oc5xc9xLjtJNz3qxA+mG4NQU9uTphI4f4k9pD1iP1G9x61eDEZCAC8gDY0c0D7rclRskX1bMuimPbLS5ZOtqKdcZX6UUtOdWWUaw2taNYjrAvbtXypNPKFzg3lS2+9zCB32yWzlrHhMq9GgqyNjiOokL44jhlLVj8qpo5CfbLdWQdUjbO+aq6Sta9ocxwc1wuCDcEdBG1WUEywvj0mnE4/wCisH6zDpTrDMRSkNdcbOTlFhfhrW61X4LpzXYdL9GxKOSRrLAlwtPGNxufzg6zc8SvVYnrWxzBaeui5KpZew5kjbCSM8WO4fCbg8FzzCLnR7SWKoiZJHIJI3+q8buhwOYI3g5hdG1wIuF+bqmkrsAqg+Mh8UnWIqho2gjPUkA7R0jb7FodpTFVQtmiddjsnNPrRvG1jhuIuOsEEZEKI7BFAN80UEoiIClQiCUREBERAREQEREBERAREQEREBVekeLtpKd0pzdsYOLzsVovH/SfpDd0jgbsg5kY3OkOXj8gUHAaY4zJNK+LWLnyG8ztpz2MHSfC3FXGD4YKKO1vyh4tK7byLD/hN+L3iPs7Ab1mheHkufWyZlriIr+1Oc3P+4CLfE4e6r97EHw8+fxWQf58+KhzfPncvm4+fO9bKQr7iRVeLVMsskVFTu1XzXL5NvJQj1nZb8iB3bSFt6/nztWlo+8nE6k5XbEwAnhkSO/wXXrVdR5sp6OnwfDqeiZq00YBtnLYGRx3lz93ULBb1ZNyrXMnY2RpGbXND29ZBWmH5ZZXBJvv6k19pzAsLg7T1KxSNa0wcrVObhFZGYnn6LUk8pFckQuuBrtJz1c/kQb5L0OllXjmlda6cyvuAxrtVjT62qNh7Tn2r0/R6Yup6dx2uijJ6y0LKcfL7vy2yh1NO9brCqylcrGNceSPFJYYjQRVML4J2a0b9o3gjY9p9lw3H+C8kZ9IwHETe74n217DKaC51ZGjc9ueXEEbDdeyBUmmOAiupXRgfWx3fAfitzmdTgLdeqdy1wOr0fxNkrGarw5j2h0bgcnNIuLdiul4h6Kcbc0voHk8y8lPfaBf6yPsJuB0u4L2qlm12B3Hb1qTGkl9URFBKIiCUREBERAREQEREBERAREQEREFfjtZyNNJINtrN+0cgvz/AKXwvmmjgYCdTnEcZH5NHXb95e16aSXbHHxJcezIeK4umwYA/SHDNzi4eDO7moKuGgEMccDfVibq34nMvd2uLj95YPiV06n8/NfCSm8+elBRyR+fPBakrVeTU3nz0qvqIFtxrCqcVraMtJxKq5ut9UzLsC+UOI8pK6LUI1S4Xvt1TbhvWzoo1v8A1Gp1ta3JM9Xau+td8vq2VjcxDqAy4y59mm49xVukEpELg062uADJ/wCNvtHzxV46Pmt18hqHV1Np+2qHFYi+Vxf61oxGG/myL5a/au7HhiZb64duLxql/J5XhuuAfzvYMrL0bRv+7U/6KP8AcC5PSmlAp6jXuH3GTb8nsHzV7BiX0Wggm1C+0cI1QbbWtG1auJrrJ+zXkpyy7alKsolzmi+J/Sqdk+oWaxcNUm9tVxbtt0XXRxLysvVpl9gslipWhHlWmlMaDE2VkQyc4TtA43tOztu7/UXsuj1WHDmm7XgOYeIIv4FcD6TKMPpGS74ZB+pINU/taisfRrXF1FTE7YiYj1McQ39nVWdo3WJWem3o6IiwYilQpCgKVCkICIiAiIgIiICIiAiIgIoRBy+krdacDg0DvumMUwYyNoH9AP5r64q29Qfu+AWxjwuY+o/wQc2YF8nU/n5q15NYmLz2IKSWlVdU0a6l8K056dbKdVh5Bhkd6yVvTN8nq80PjIxOps8M+qZmR0DJV2BN/tOZp3uqAOx5PgF0OjkRbi1Q3UDi+NpAOywAzXp4fJ0YI3eF5UN1WENPJF8ZuXZ8px1fO9V5pQA9rW8m0hl4nZuk+yd3BW07dthypa0tcCMos9o87liWAkgXkFma0pHOjtwXp01Ed99+D1601Dl9K6fVoqlrSI23/Mkc7dndaeKj+yovsweDVe6YMtQzu1Q9r3WbKfWOwKgxp9sNjYdtoR2gfyXHxUxvfy776vP4yNWj0dN6O/7hF9qX/ccuxiXD6Ay2oYx8Un+45dbHOvJydXDKwumstQTpyvnsWhGnpawPoKoHdGXdrCHj5tCovRnJaGobwlDv1o2j/grnSKT8jqv0MvzYVQej42ZUdLmfulboj+3Pqzj4ZexxOu1p4gH5LNfCiP1cf2W+AX3C0tYiIoJQIgQSiIgIiICIiAiIgKERARFCoosVbaYnoafPcvtiwvqHrHeL/wAExplnMdxBHaMx4lRUu1oGu921/A/JFaNkIRRdEYuWrOFtFfGQLKqvINLInUWJioaOa8iVvSDzZW9e39YK8xGJz+SrqQ6zmNvZu2SA5kDeSLk225neF0elGBMrITE46rmnWjf7r+n4TsP4gLzWgxOpwuV1PPG4sBuWXzbf24nbCD3HoN124smmylprMTD0PDcYp6ljnRSCI6oBZfNx6eKsK17Wa5mnawagyGQcBuK5BtXhlYdcuYHnaQ/kZCfiacnHpt2r5VlPQR857i62zlKkW7mgE967Yzx3p6McdGvGPFjjmItrXjk26lPEQX8HvGxoG+/hc8FzmkFaZXshbmWm5A3vdk1vXn+0ssXx8O5kFrNyaQ3VYwfA3eenxWxgeFGK00w55zjadov7buB4DpvwXLly7cOXLOS25dXg7RDFHED6jQCeJ2uPffvVvFU+fmucglW9FP589K4bztoXrZ19BMqdk/nz0r7Nm8/L8VgGk1Tajm+IBv67gPArT0NbqwyH35MuoNaPEnuWlpRU3EUQPrOLz9losPmR3K+0Ypf7tDvJBd94657gbdi361h9ZbOlPWXp1O2zGjg0D5L6hQpC52tKIiiJQIpCAiIgIiICIiAiIghEQoIREVGji8WtESNrOd2Db8rrSoXBzHRnYR8irkrnC0wylm4Zt6WHZ3bOxWFfGInNp2sJa7rG/tFj2rJY4ueTe2f2H2bL0e6/q3HoPQpVtGlmArFylQVEfB7FXYphUNSzk54mvaNl8i08WuGbexWxCwLVnFtK81xz0ewMjlmime0Rtc/UewPvqgmwcLcOC5rRbRuOr5Rxk1BHq5BmsXa19mYtsXrukLPyOq/Qy/uOXn/owbdlV1xeD1n7Q23KbA6emziYS8bJJLOcOlrQLNPTa/SvnLHmSe3+f4LoKqLz/RVc8fnzsWM2Gi3Lz5zX3ZIsHt8+dgWF/PnwWCN5kvnzwX3ZJ589CrmuWtiVUbCFh50m34Wbz1nzsVpSbWiseaxG51DKl/KakvPqbB+iZcuPbnbrC9F0HpzJM+cjJgsPtO/l4riaKn5KNrGjny6uXCP2B942d1Bq9a0dw76PTsj9o85/2jtW7iJjcUjpXuWeWY3yx5LRSFAUhczWlERREqVClAREQEREBERAREQQiIghQpUFUQVXYvSGRgcwc9mbekb29viArErFFc7TyNkjMbhcOBFj8welUtNUGnkFNMeacoHneN0bjxG7j17egxehLHGaMXBzkaNv229PEb1V19KyqiLTZ2sP1ulvxLdjms+7ZspqfdlsKFzVPjD6R3JVhLo9jJ7XLR7so/5d/FdHHIHNDmkEOFwQbgjiCFL47UnUpek0nUpXnOlmEY9JWzPonTiA6nJ6lVCxuUbQ6zXSAjnB20L0ZFgweQSaPaSuBa81DmuBDmmspyCDkQfrdi1YNEschvyEUkWtbW1aqmF7bL2l6SvZ3rUmU0aeSP0f0g3mf/26f/6rqqaGRsMTZr8o1jRJchx1w0B13C4JvfMXXQVDfP8AVV07UFVIzz58Stdw8+fFb8rFUV9e1juTYNeQ+yN3S47llWs2nULETPhCKyqEYB2udkxu9x/gF9sIotVrqmozucx7790Y+EC1+A6SFOGYTYGpqnbcr2zJ9yIHx2Df09BgGDSYhMHObqQR5ADYG7dVvEned6651w8aj45/j8t86xRr/L7LbQTB3TSmtmFwCSy49Z3G3AL0NfKngbGxrGCzWiwHQvquJzpCyCxCyUBSFCkKIKVClAREQEREBERAREQFClQghCpUKjEqFkViUViVR4jhTmkyU425vj2Ani33XfIq9KxKo46eOKpa5sgs4ZOuMweD27+vxXLVOD1dATJSPswm5YefC49XsHuK9LxDC45szdrxse3Jw/EdBVPLTVMF+byjfeZk63xMOR7O5dOPiJrHLaNx/qW+maYjltG476OTpdNWN5tZC+E+80GSM9w1h3dqvqHF6af8zPG/oa8EjrbtCwlgo57h7AHb9XmO7WOFvkqiu0DpZb2c3qewj5tv4LPl4e/S019fFlNMNultev4dK9akoXLnQOVv5uqLbbNWpe38Fg7Qic+vWPI6atx/ip/T1/UhPYx/3H1XVZKxgJe5rQN5cAucrdI6YG0bjK7hGNb9rZ8192aCU4OtLMwnjz5D4fxW9Hh1FAMmOefiIjb3NuT3p7PDX4r79IPZ4462+jmmMrax2oxhiafZbznkdLt3nNWVLhdPRjnASSe403aD/mPG3qb3roIKSqqRqQx6kZ22bybO07Xdt10WDaHxREPm+seN1uaD1b0niOWNYo18/NJyxHhSNfdzOC6Nz1rxNUXbGNgtbmjY1jdjWr0ejpWRMbHG0Na3YAvqBbIKVyNKVIUBZBRAKURRBSiIClQpQEREBERAREQEREBQpUIChSiCFiVkhVGChZEKLIrAhRZZqLKjUqqCKUWkja7rAVe/RyH/AA3yR9DZDbuNwruyWVVzztHn7qp3bGw+AWH/AG1IdtSeyNq6OymyDnWaKx+3NI7tDf3QrCkwOmiN2RNvxPOPeVZWRREALJFKCFNkAWQCgBSiIgpRFARFKAiIgIiICIiAiIgIiICIiCEREBQiICiyhFRFksiIqERFQRSiCFKIgKbIiglSiIgpRFAREQSiIgIiICIiAiIg/9k="/>
           <p:cNvSpPr>
             <a:spLocks noChangeAspect="1" noChangeArrowheads="1"/>
           </p:cNvSpPr>
@@ -4738,116 +5322,91 @@
             <a:avLst/>
           </a:prstGeom>
           <a:noFill/>
-        </p:spPr>
-        <p:txBody>
-          <a:bodyPr vert="horz" wrap="square" lIns="91440" tIns="45720" rIns="91440" bIns="45720" numCol="1" anchor="t" anchorCtr="0" compatLnSpc="1">
-            <a:prstTxWarp prst="textNoShape">
-              <a:avLst/>
-            </a:prstTxWarp>
-          </a:bodyPr>
-          <a:lstStyle/>
-          <a:p>
-            <a:endParaRPr lang="ru-RU"/>
-          </a:p>
-        </p:txBody>
-      </p:sp>
-      <p:sp>
-        <p:nvSpPr>
-          <p:cNvPr id="8" name="TextBox 7"/>
-          <p:cNvSpPr txBox="1"/>
+          <a:ln w="9525">
+            <a:noFill/>
+            <a:miter lim="800000"/>
+            <a:headEnd/>
+            <a:tailEnd/>
+          </a:ln>
+        </p:spPr>
+        <p:txBody>
+          <a:bodyPr/>
+          <a:lstStyle/>
+          <a:p>
+            <a:endParaRPr lang="ru-RU">
+              <a:latin typeface="Calibri" pitchFamily="34" charset="0"/>
+            </a:endParaRPr>
+          </a:p>
+        </p:txBody>
+      </p:sp>
+      <p:sp>
+        <p:nvSpPr>
+          <p:cNvPr id="6154" name="Прямоугольник 13"/>
+          <p:cNvSpPr>
+            <a:spLocks noChangeArrowheads="1"/>
+          </p:cNvSpPr>
           <p:nvPr/>
         </p:nvSpPr>
-        <p:spPr>
-          <a:xfrm>
-            <a:off x="683568" y="1268760"/>
-            <a:ext cx="2424062" cy="461665"/>
+        <p:spPr bwMode="auto">
+          <a:xfrm>
+            <a:off x="683568" y="1340768"/>
+            <a:ext cx="6840760" cy="461665"/>
           </a:xfrm>
           <a:prstGeom prst="rect">
             <a:avLst/>
           </a:prstGeom>
           <a:noFill/>
-        </p:spPr>
-        <p:txBody>
-          <a:bodyPr wrap="none" rtlCol="0">
+          <a:ln w="9525">
+            <a:noFill/>
+            <a:miter lim="800000"/>
+            <a:headEnd/>
+            <a:tailEnd/>
+          </a:ln>
+        </p:spPr>
+        <p:txBody>
+          <a:bodyPr wrap="square">
             <a:spAutoFit/>
           </a:bodyPr>
           <a:lstStyle/>
           <a:p>
             <a:r>
-              <a:rPr lang="ru-RU" sz="2400" i="1" dirty="0" smtClean="0"/>
-              <a:t>Нейронные сети</a:t>
-            </a:r>
-            <a:endParaRPr lang="ru-RU" sz="2400" b="1" dirty="0"/>
-          </a:p>
-        </p:txBody>
-      </p:sp>
-      <p:sp>
-        <p:nvSpPr>
-          <p:cNvPr id="10" name="Прямоугольник 9"/>
-          <p:cNvSpPr/>
+              <a:rPr lang="ru-RU" sz="2400" i="1" dirty="0" smtClean="0">
+                <a:latin typeface="Calibri" pitchFamily="34" charset="0"/>
+              </a:rPr>
+              <a:t>Метод Виолы-Джонса с признаками Хаара</a:t>
+            </a:r>
+            <a:endParaRPr lang="ru-RU" sz="2400" i="1" dirty="0">
+              <a:latin typeface="Calibri" pitchFamily="34" charset="0"/>
+            </a:endParaRPr>
+          </a:p>
+        </p:txBody>
+      </p:sp>
+      <p:pic>
+        <p:nvPicPr>
+          <p:cNvPr id="6155" name="Picture 11" descr="C:\PROGRAMMER\c#\GIT\EyeWindowsController\картинки\метод Виолы-Джонса.jpg"/>
+          <p:cNvPicPr>
+            <a:picLocks noChangeAspect="1" noChangeArrowheads="1"/>
+          </p:cNvPicPr>
           <p:nvPr/>
-        </p:nvSpPr>
-        <p:spPr>
-          <a:xfrm>
-            <a:off x="683568" y="1916833"/>
-            <a:ext cx="7848872" cy="4154984"/>
+        </p:nvPicPr>
+        <p:blipFill>
+          <a:blip r:embed="rId2" cstate="print"/>
+          <a:srcRect/>
+          <a:stretch>
+            <a:fillRect/>
+          </a:stretch>
+        </p:blipFill>
+        <p:spPr bwMode="auto">
+          <a:xfrm>
+            <a:off x="683568" y="1844823"/>
+            <a:ext cx="7704856" cy="4424079"/>
           </a:xfrm>
           <a:prstGeom prst="rect">
             <a:avLst/>
           </a:prstGeom>
-        </p:spPr>
-        <p:txBody>
-          <a:bodyPr wrap="square">
-            <a:spAutoFit/>
-          </a:bodyPr>
-          <a:lstStyle/>
-          <a:p>
-            <a:pPr indent="180975"/>
-            <a:r>
-              <a:rPr lang="ru-RU" sz="2400" dirty="0" smtClean="0"/>
-              <a:t>Данное изображение обрабатывается, чтобы сделать более ясный вход для нейронной сети. Применяются два процесса</a:t>
-            </a:r>
-            <a:r>
-              <a:rPr lang="en-US" sz="2400" dirty="0" smtClean="0"/>
-              <a:t>: </a:t>
-            </a:r>
-            <a:endParaRPr lang="ru-RU" sz="2400" dirty="0" smtClean="0"/>
-          </a:p>
-          <a:p>
-            <a:pPr lvl="1" indent="180975">
-              <a:buFont typeface="Arial" pitchFamily="34" charset="0"/>
-              <a:buChar char="•"/>
-            </a:pPr>
-            <a:r>
-              <a:rPr lang="ru-RU" sz="2400" dirty="0" smtClean="0"/>
-              <a:t>выравнивание </a:t>
-            </a:r>
-            <a:r>
-              <a:rPr lang="ru-RU" sz="2400" dirty="0" smtClean="0"/>
-              <a:t>гистограммы, которое осветляет склеру и затемняет границы глаз</a:t>
-            </a:r>
-            <a:r>
-              <a:rPr lang="ru-RU" sz="2400" dirty="0" smtClean="0"/>
-              <a:t>,</a:t>
-            </a:r>
-          </a:p>
-          <a:p>
-            <a:pPr lvl="1" indent="180975"/>
-            <a:endParaRPr lang="ru-RU" sz="2400" dirty="0" smtClean="0"/>
-          </a:p>
-          <a:p>
-            <a:pPr lvl="1" indent="180975">
-              <a:buFont typeface="Arial" pitchFamily="34" charset="0"/>
-              <a:buChar char="•"/>
-            </a:pPr>
-            <a:r>
-              <a:rPr lang="ru-RU" sz="2400" dirty="0" smtClean="0"/>
-              <a:t>изменение размера изображения до меньшего формата с использованием бикубической интерполяции. Это уменьшает пиксель в четыре раза, что сокращает время обучения Нейронной сети от нескольких минут до, как правило, менее 60 секунд</a:t>
-            </a:r>
-            <a:endParaRPr lang="ru-RU" sz="2400" dirty="0"/>
-          </a:p>
-        </p:txBody>
-      </p:sp>
+          <a:noFill/>
+        </p:spPr>
+      </p:pic>
     </p:spTree>
   </p:cSld>
   <p:clrMapOvr>
@@ -4882,7 +5441,7 @@
       </p:grpSpPr>
       <p:sp>
         <p:nvSpPr>
-          <p:cNvPr id="2" name="Заголовок 1"/>
+          <p:cNvPr id="8194" name="Заголовок 1"/>
           <p:cNvSpPr>
             <a:spLocks noGrp="1"/>
           </p:cNvSpPr>
@@ -4892,22 +5451,19 @@
         </p:nvSpPr>
         <p:spPr/>
         <p:txBody>
-          <a:bodyPr>
-            <a:normAutofit/>
-          </a:bodyPr>
-          <a:lstStyle/>
-          <a:p>
-            <a:r>
-              <a:rPr lang="ru-RU" dirty="0" smtClean="0"/>
+          <a:bodyPr/>
+          <a:lstStyle/>
+          <a:p>
+            <a:r>
+              <a:rPr lang="ru-RU" smtClean="0"/>
               <a:t>Алгоритм работы приложения</a:t>
             </a:r>
-            <a:endParaRPr lang="ru-RU" dirty="0" smtClean="0"/>
-          </a:p>
-        </p:txBody>
-      </p:sp>
-      <p:sp>
-        <p:nvSpPr>
-          <p:cNvPr id="2050" name="AutoShape 2" descr="data:image/jpeg;base64,/9j/4AAQSkZJRgABAQAAAQABAAD/2wCEAAkGBxAQDxAPDxAVFRUQFRUWEhUYEhYWGBUSFRUWGBUWFxgYHSggGBolGxUWIzEhJiktLi4uFx8zODMtNygtLisBCgoKDg0OGBAQGC0mHx0rLTcrLSstLSstKystNjcrKystLSstLSstLSsrNy0rLS0tKysrMSs3ListLTctLSsrK//AABEIALcBEwMBIgACEQEDEQH/xAAcAAEAAgMBAQEAAAAAAAAAAAAAAQUCBAYHAwj/xABIEAABAwICBQgGBQkHBQAAAAABAAIDBBEFIQYSMUFREyJhcYGRsfAHMkJSYqEUI3KC0SQzc5KissHh8SU0Q2OTs8IVFlOU0//EABkBAQEAAwEAAAAAAAAAAAAAAAABAgMEBf/EAC4RAQACAgAEAwcDBQAAAAAAAAABAgMRBBIx8CFBcRMiMmGRseFTgaEUI0JRUv/aAAwDAQACEQMRAD8A9xREQEREBERAREQEREBERAREQEREBERAREQEREBERAREQEREBERAREQEREBERAREQEREBERAREQEREBERARatfXxQN15Xho69q4nHPSE1jSYy1jB7bzbuv4IO+e8NzJA6zZac2LQN2yBeFYt6TNYnkxJMeN+TZ3nM9ypotKcVqSRSxDbb6qB0rh1k3HyCuh+hzj8G4nuWbcbiPHuXgLcP0leL/Xj/Qj/AHrLNmF6TtzDp/8AVp3fLWKvKP0CzEoj7S2WTNOwhfnV+M6R0mcrJXD/ADKQOb2vjaLd63cJ9LkjbfSaW43vgfv+w8/8lND9AIuF0a09pauwgna92+N3MkH3XZnsyXYUteyTfY8CoNpFCIJRQiCUUKUBERAREQEREBERAREQEREBERAREQEREBczpVpbHRgxss+U7G7m9JXx030qFIzkYiDM8fqDieleA4ti01XLyMBc/lHWLhm6Vx9lvw+PVtC20n03klkdqu5R+d3E/Vs6vePm+5amH6JVNUW1FbLyTHZtdICXuH+VCLZdJ1R1q3wXBIaGznBktQLcHRQH4Rskk+I5DcDtVk6oc5xc9xLjtJNz3qxA+mG4NQU9uTphI4f4k9pD1iP1G9x61eDEZCAC8gDY0c0D7rclRskX1bMuimPbLS5ZOtqKdcZX6UUtOdWWUaw2taNYjrAvbtXypNPKFzg3lS2+9zCB32yWzlrHhMq9GgqyNjiOokL44jhlLVj8qpo5CfbLdWQdUjbO+aq6Sta9ocxwc1wuCDcEdBG1WUEywvj0mnE4/wCisH6zDpTrDMRSkNdcbOTlFhfhrW61X4LpzXYdL9GxKOSRrLAlwtPGNxufzg6zc8SvVYnrWxzBaeui5KpZew5kjbCSM8WO4fCbg8FzzCLnR7SWKoiZJHIJI3+q8buhwOYI3g5hdG1wIuF+bqmkrsAqg+Mh8UnWIqho2gjPUkA7R0jb7FodpTFVQtmiddjsnNPrRvG1jhuIuOsEEZEKI7BFAN80UEoiIClQiCUREBERAREQEREBERAREQEREBVekeLtpKd0pzdsYOLzsVovH/SfpDd0jgbsg5kY3OkOXj8gUHAaY4zJNK+LWLnyG8ztpz2MHSfC3FXGD4YKKO1vyh4tK7byLD/hN+L3iPs7Ab1mheHkufWyZlriIr+1Oc3P+4CLfE4e6r97EHw8+fxWQf58+KhzfPncvm4+fO9bKQr7iRVeLVMsskVFTu1XzXL5NvJQj1nZb8iB3bSFt6/nztWlo+8nE6k5XbEwAnhkSO/wXXrVdR5sp6OnwfDqeiZq00YBtnLYGRx3lz93ULBb1ZNyrXMnY2RpGbXND29ZBWmH5ZZXBJvv6k19pzAsLg7T1KxSNa0wcrVObhFZGYnn6LUk8pFckQuuBrtJz1c/kQb5L0OllXjmlda6cyvuAxrtVjT62qNh7Tn2r0/R6Yup6dx2uijJ6y0LKcfL7vy2yh1NO9brCqylcrGNceSPFJYYjQRVML4J2a0b9o3gjY9p9lw3H+C8kZ9IwHETe74n217DKaC51ZGjc9ueXEEbDdeyBUmmOAiupXRgfWx3fAfitzmdTgLdeqdy1wOr0fxNkrGarw5j2h0bgcnNIuLdiul4h6Kcbc0voHk8y8lPfaBf6yPsJuB0u4L2qlm12B3Hb1qTGkl9URFBKIiCUREBERAREQEREBERAREQEREFfjtZyNNJINtrN+0cgvz/AKXwvmmjgYCdTnEcZH5NHXb95e16aSXbHHxJcezIeK4umwYA/SHDNzi4eDO7moKuGgEMccDfVibq34nMvd2uLj95YPiV06n8/NfCSm8+elBRyR+fPBakrVeTU3nz0qvqIFtxrCqcVraMtJxKq5ut9UzLsC+UOI8pK6LUI1S4Xvt1TbhvWzoo1v8A1Gp1ta3JM9Xau+td8vq2VjcxDqAy4y59mm49xVukEpELg062uADJ/wCNvtHzxV46Pmt18hqHV1Np+2qHFYi+Vxf61oxGG/myL5a/au7HhiZb64duLxql/J5XhuuAfzvYMrL0bRv+7U/6KP8AcC5PSmlAp6jXuH3GTb8nsHzV7BiX0Wggm1C+0cI1QbbWtG1auJrrJ+zXkpyy7alKsolzmi+J/Sqdk+oWaxcNUm9tVxbtt0XXRxLysvVpl9gslipWhHlWmlMaDE2VkQyc4TtA43tOztu7/UXsuj1WHDmm7XgOYeIIv4FcD6TKMPpGS74ZB+pINU/taisfRrXF1FTE7YiYj1McQ39nVWdo3WJWem3o6IiwYilQpCgKVCkICIiAiIgIiICIiAiIgIoRBy+krdacDg0DvumMUwYyNoH9AP5r64q29Qfu+AWxjwuY+o/wQc2YF8nU/n5q15NYmLz2IKSWlVdU0a6l8K056dbKdVh5Bhkd6yVvTN8nq80PjIxOps8M+qZmR0DJV2BN/tOZp3uqAOx5PgF0OjkRbi1Q3UDi+NpAOywAzXp4fJ0YI3eF5UN1WENPJF8ZuXZ8px1fO9V5pQA9rW8m0hl4nZuk+yd3BW07dthypa0tcCMos9o87liWAkgXkFma0pHOjtwXp01Ed99+D1601Dl9K6fVoqlrSI23/Mkc7dndaeKj+yovsweDVe6YMtQzu1Q9r3WbKfWOwKgxp9sNjYdtoR2gfyXHxUxvfy776vP4yNWj0dN6O/7hF9qX/ccuxiXD6Ay2oYx8Un+45dbHOvJydXDKwumstQTpyvnsWhGnpawPoKoHdGXdrCHj5tCovRnJaGobwlDv1o2j/grnSKT8jqv0MvzYVQej42ZUdLmfulboj+3Pqzj4ZexxOu1p4gH5LNfCiP1cf2W+AX3C0tYiIoJQIgQSiIgIiICIiAiIgKERARFCoosVbaYnoafPcvtiwvqHrHeL/wAExplnMdxBHaMx4lRUu1oGu921/A/JFaNkIRRdEYuWrOFtFfGQLKqvINLInUWJioaOa8iVvSDzZW9e39YK8xGJz+SrqQ6zmNvZu2SA5kDeSLk225neF0elGBMrITE46rmnWjf7r+n4TsP4gLzWgxOpwuV1PPG4sBuWXzbf24nbCD3HoN124smmylprMTD0PDcYp6ljnRSCI6oBZfNx6eKsK17Wa5mnawagyGQcBuK5BtXhlYdcuYHnaQ/kZCfiacnHpt2r5VlPQR857i62zlKkW7mgE967Yzx3p6McdGvGPFjjmItrXjk26lPEQX8HvGxoG+/hc8FzmkFaZXshbmWm5A3vdk1vXn+0ssXx8O5kFrNyaQ3VYwfA3eenxWxgeFGK00w55zjadov7buB4DpvwXLly7cOXLOS25dXg7RDFHED6jQCeJ2uPffvVvFU+fmucglW9FP589K4bztoXrZ19BMqdk/nz0r7Nm8/L8VgGk1Tajm+IBv67gPArT0NbqwyH35MuoNaPEnuWlpRU3EUQPrOLz9losPmR3K+0Ypf7tDvJBd94657gbdi361h9ZbOlPWXp1O2zGjg0D5L6hQpC52tKIiiJQIpCAiIgIiICIiAiIghEQoIREVGji8WtESNrOd2Db8rrSoXBzHRnYR8irkrnC0wylm4Zt6WHZ3bOxWFfGInNp2sJa7rG/tFj2rJY4ueTe2f2H2bL0e6/q3HoPQpVtGlmArFylQVEfB7FXYphUNSzk54mvaNl8i08WuGbexWxCwLVnFtK81xz0ewMjlmime0Rtc/UewPvqgmwcLcOC5rRbRuOr5Rxk1BHq5BmsXa19mYtsXrukLPyOq/Qy/uOXn/owbdlV1xeD1n7Q23KbA6emziYS8bJJLOcOlrQLNPTa/SvnLHmSe3+f4LoKqLz/RVc8fnzsWM2Gi3Lz5zX3ZIsHt8+dgWF/PnwWCN5kvnzwX3ZJ589CrmuWtiVUbCFh50m34Wbz1nzsVpSbWiseaxG51DKl/KakvPqbB+iZcuPbnbrC9F0HpzJM+cjJgsPtO/l4riaKn5KNrGjny6uXCP2B942d1Bq9a0dw76PTsj9o85/2jtW7iJjcUjpXuWeWY3yx5LRSFAUhczWlERREqVClAREQEREBERAREQQiIghQpUFUQVXYvSGRgcwc9mbekb29viArErFFc7TyNkjMbhcOBFj8welUtNUGnkFNMeacoHneN0bjxG7j17egxehLHGaMXBzkaNv229PEb1V19KyqiLTZ2sP1ulvxLdjms+7ZspqfdlsKFzVPjD6R3JVhLo9jJ7XLR7so/5d/FdHHIHNDmkEOFwQbgjiCFL47UnUpek0nUpXnOlmEY9JWzPonTiA6nJ6lVCxuUbQ6zXSAjnB20L0ZFgweQSaPaSuBa81DmuBDmmspyCDkQfrdi1YNEschvyEUkWtbW1aqmF7bL2l6SvZ3rUmU0aeSP0f0g3mf/26f/6rqqaGRsMTZr8o1jRJchx1w0B13C4JvfMXXQVDfP8AVV07UFVIzz58Stdw8+fFb8rFUV9e1juTYNeQ+yN3S47llWs2nULETPhCKyqEYB2udkxu9x/gF9sIotVrqmozucx7790Y+EC1+A6SFOGYTYGpqnbcr2zJ9yIHx2Df09BgGDSYhMHObqQR5ADYG7dVvEned6651w8aj45/j8t86xRr/L7LbQTB3TSmtmFwCSy49Z3G3AL0NfKngbGxrGCzWiwHQvquJzpCyCxCyUBSFCkKIKVClAREQEREBERAREQFClQghCpUKjEqFkViUViVR4jhTmkyU425vj2Ani33XfIq9KxKo46eOKpa5sgs4ZOuMweD27+vxXLVOD1dATJSPswm5YefC49XsHuK9LxDC45szdrxse3Jw/EdBVPLTVMF+byjfeZk63xMOR7O5dOPiJrHLaNx/qW+maYjltG476OTpdNWN5tZC+E+80GSM9w1h3dqvqHF6af8zPG/oa8EjrbtCwlgo57h7AHb9XmO7WOFvkqiu0DpZb2c3qewj5tv4LPl4e/S019fFlNMNultev4dK9akoXLnQOVv5uqLbbNWpe38Fg7Qic+vWPI6atx/ip/T1/UhPYx/3H1XVZKxgJe5rQN5cAucrdI6YG0bjK7hGNb9rZ8192aCU4OtLMwnjz5D4fxW9Hh1FAMmOefiIjb3NuT3p7PDX4r79IPZ4462+jmmMrax2oxhiafZbznkdLt3nNWVLhdPRjnASSe403aD/mPG3qb3roIKSqqRqQx6kZ22bybO07Xdt10WDaHxREPm+seN1uaD1b0niOWNYo18/NJyxHhSNfdzOC6Nz1rxNUXbGNgtbmjY1jdjWr0ejpWRMbHG0Na3YAvqBbIKVyNKVIUBZBRAKURRBSiIClQpQEREBERAREQEREBQpUIChSiCFiVkhVGChZEKLIrAhRZZqLKjUqqCKUWkja7rAVe/RyH/AA3yR9DZDbuNwruyWVVzztHn7qp3bGw+AWH/AG1IdtSeyNq6OymyDnWaKx+3NI7tDf3QrCkwOmiN2RNvxPOPeVZWRREALJFKCFNkAWQCgBSiIgpRFARFKAiIgIiICIiAiIgIiICIiCEREBQiICiyhFRFksiIqERFQRSiCFKIgKbIiglSiIgpRFAREQSiIgIiICIiAiIg/9k="/>
+          </a:p>
+        </p:txBody>
+      </p:sp>
+      <p:sp>
+        <p:nvSpPr>
+          <p:cNvPr id="8195" name="AutoShape 2" descr="data:image/jpeg;base64,/9j/4AAQSkZJRgABAQAAAQABAAD/2wCEAAkGBxAQDxAPDxAVFRUQFRUWEhUYEhYWGBUSFRUWGBUWFxgYHSggGBolGxUWIzEhJiktLi4uFx8zODMtNygtLisBCgoKDg0OGBAQGC0mHx0rLTcrLSstLSstKystNjcrKystLSstLSstLSsrNy0rLS0tKysrMSs3ListLTctLSsrK//AABEIALcBEwMBIgACEQEDEQH/xAAcAAEAAgMBAQEAAAAAAAAAAAAAAQUCBAYHAwj/xABIEAABAwICBQgGBQkHBQAAAAABAAIDBBEFIQYSMUFREyJhcYGRsfAHMkJSYqEUI3KC0SQzc5KissHh8SU0Q2OTs8IVFlOU0//EABkBAQEAAwEAAAAAAAAAAAAAAAABAgMEBf/EAC4RAQACAgAEAwcDBQAAAAAAAAABAgMRBBIx8CFBcRMiMmGRseFTgaEUI0JRUv/aAAwDAQACEQMRAD8A9xREQEREBERAREQEREBERAREQEREBERAREQEREBERAREQEREBERAREQEREBERAREQEREBERAREQEREBERARatfXxQN15Xho69q4nHPSE1jSYy1jB7bzbuv4IO+e8NzJA6zZac2LQN2yBeFYt6TNYnkxJMeN+TZ3nM9ypotKcVqSRSxDbb6qB0rh1k3HyCuh+hzj8G4nuWbcbiPHuXgLcP0leL/Xj/Qj/AHrLNmF6TtzDp/8AVp3fLWKvKP0CzEoj7S2WTNOwhfnV+M6R0mcrJXD/ADKQOb2vjaLd63cJ9LkjbfSaW43vgfv+w8/8lND9AIuF0a09pauwgna92+N3MkH3XZnsyXYUteyTfY8CoNpFCIJRQiCUUKUBERAREQEREBERAREQEREBERAREQEREBczpVpbHRgxss+U7G7m9JXx030qFIzkYiDM8fqDieleA4ti01XLyMBc/lHWLhm6Vx9lvw+PVtC20n03klkdqu5R+d3E/Vs6vePm+5amH6JVNUW1FbLyTHZtdICXuH+VCLZdJ1R1q3wXBIaGznBktQLcHRQH4Rskk+I5DcDtVk6oc5xc9xLjtJNz3qxA+mG4NQU9uTphI4f4k9pD1iP1G9x61eDEZCAC8gDY0c0D7rclRskX1bMuimPbLS5ZOtqKdcZX6UUtOdWWUaw2taNYjrAvbtXypNPKFzg3lS2+9zCB32yWzlrHhMq9GgqyNjiOokL44jhlLVj8qpo5CfbLdWQdUjbO+aq6Sta9ocxwc1wuCDcEdBG1WUEywvj0mnE4/wCisH6zDpTrDMRSkNdcbOTlFhfhrW61X4LpzXYdL9GxKOSRrLAlwtPGNxufzg6zc8SvVYnrWxzBaeui5KpZew5kjbCSM8WO4fCbg8FzzCLnR7SWKoiZJHIJI3+q8buhwOYI3g5hdG1wIuF+bqmkrsAqg+Mh8UnWIqho2gjPUkA7R0jb7FodpTFVQtmiddjsnNPrRvG1jhuIuOsEEZEKI7BFAN80UEoiIClQiCUREBERAREQEREBERAREQEREBVekeLtpKd0pzdsYOLzsVovH/SfpDd0jgbsg5kY3OkOXj8gUHAaY4zJNK+LWLnyG8ztpz2MHSfC3FXGD4YKKO1vyh4tK7byLD/hN+L3iPs7Ab1mheHkufWyZlriIr+1Oc3P+4CLfE4e6r97EHw8+fxWQf58+KhzfPncvm4+fO9bKQr7iRVeLVMsskVFTu1XzXL5NvJQj1nZb8iB3bSFt6/nztWlo+8nE6k5XbEwAnhkSO/wXXrVdR5sp6OnwfDqeiZq00YBtnLYGRx3lz93ULBb1ZNyrXMnY2RpGbXND29ZBWmH5ZZXBJvv6k19pzAsLg7T1KxSNa0wcrVObhFZGYnn6LUk8pFckQuuBrtJz1c/kQb5L0OllXjmlda6cyvuAxrtVjT62qNh7Tn2r0/R6Yup6dx2uijJ6y0LKcfL7vy2yh1NO9brCqylcrGNceSPFJYYjQRVML4J2a0b9o3gjY9p9lw3H+C8kZ9IwHETe74n217DKaC51ZGjc9ueXEEbDdeyBUmmOAiupXRgfWx3fAfitzmdTgLdeqdy1wOr0fxNkrGarw5j2h0bgcnNIuLdiul4h6Kcbc0voHk8y8lPfaBf6yPsJuB0u4L2qlm12B3Hb1qTGkl9URFBKIiCUREBERAREQEREBERAREQEREFfjtZyNNJINtrN+0cgvz/AKXwvmmjgYCdTnEcZH5NHXb95e16aSXbHHxJcezIeK4umwYA/SHDNzi4eDO7moKuGgEMccDfVibq34nMvd2uLj95YPiV06n8/NfCSm8+elBRyR+fPBakrVeTU3nz0qvqIFtxrCqcVraMtJxKq5ut9UzLsC+UOI8pK6LUI1S4Xvt1TbhvWzoo1v8A1Gp1ta3JM9Xau+td8vq2VjcxDqAy4y59mm49xVukEpELg062uADJ/wCNvtHzxV46Pmt18hqHV1Np+2qHFYi+Vxf61oxGG/myL5a/au7HhiZb64duLxql/J5XhuuAfzvYMrL0bRv+7U/6KP8AcC5PSmlAp6jXuH3GTb8nsHzV7BiX0Wggm1C+0cI1QbbWtG1auJrrJ+zXkpyy7alKsolzmi+J/Sqdk+oWaxcNUm9tVxbtt0XXRxLysvVpl9gslipWhHlWmlMaDE2VkQyc4TtA43tOztu7/UXsuj1WHDmm7XgOYeIIv4FcD6TKMPpGS74ZB+pINU/taisfRrXF1FTE7YiYj1McQ39nVWdo3WJWem3o6IiwYilQpCgKVCkICIiAiIgIiICIiAiIgIoRBy+krdacDg0DvumMUwYyNoH9AP5r64q29Qfu+AWxjwuY+o/wQc2YF8nU/n5q15NYmLz2IKSWlVdU0a6l8K056dbKdVh5Bhkd6yVvTN8nq80PjIxOps8M+qZmR0DJV2BN/tOZp3uqAOx5PgF0OjkRbi1Q3UDi+NpAOywAzXp4fJ0YI3eF5UN1WENPJF8ZuXZ8px1fO9V5pQA9rW8m0hl4nZuk+yd3BW07dthypa0tcCMos9o87liWAkgXkFma0pHOjtwXp01Ed99+D1601Dl9K6fVoqlrSI23/Mkc7dndaeKj+yovsweDVe6YMtQzu1Q9r3WbKfWOwKgxp9sNjYdtoR2gfyXHxUxvfy776vP4yNWj0dN6O/7hF9qX/ccuxiXD6Ay2oYx8Un+45dbHOvJydXDKwumstQTpyvnsWhGnpawPoKoHdGXdrCHj5tCovRnJaGobwlDv1o2j/grnSKT8jqv0MvzYVQej42ZUdLmfulboj+3Pqzj4ZexxOu1p4gH5LNfCiP1cf2W+AX3C0tYiIoJQIgQSiIgIiICIiAiIgKERARFCoosVbaYnoafPcvtiwvqHrHeL/wAExplnMdxBHaMx4lRUu1oGu921/A/JFaNkIRRdEYuWrOFtFfGQLKqvINLInUWJioaOa8iVvSDzZW9e39YK8xGJz+SrqQ6zmNvZu2SA5kDeSLk225neF0elGBMrITE46rmnWjf7r+n4TsP4gLzWgxOpwuV1PPG4sBuWXzbf24nbCD3HoN124smmylprMTD0PDcYp6ljnRSCI6oBZfNx6eKsK17Wa5mnawagyGQcBuK5BtXhlYdcuYHnaQ/kZCfiacnHpt2r5VlPQR857i62zlKkW7mgE967Yzx3p6McdGvGPFjjmItrXjk26lPEQX8HvGxoG+/hc8FzmkFaZXshbmWm5A3vdk1vXn+0ssXx8O5kFrNyaQ3VYwfA3eenxWxgeFGK00w55zjadov7buB4DpvwXLly7cOXLOS25dXg7RDFHED6jQCeJ2uPffvVvFU+fmucglW9FP589K4bztoXrZ19BMqdk/nz0r7Nm8/L8VgGk1Tajm+IBv67gPArT0NbqwyH35MuoNaPEnuWlpRU3EUQPrOLz9losPmR3K+0Ypf7tDvJBd94657gbdi361h9ZbOlPWXp1O2zGjg0D5L6hQpC52tKIiiJQIpCAiIgIiICIiAiIghEQoIREVGji8WtESNrOd2Db8rrSoXBzHRnYR8irkrnC0wylm4Zt6WHZ3bOxWFfGInNp2sJa7rG/tFj2rJY4ueTe2f2H2bL0e6/q3HoPQpVtGlmArFylQVEfB7FXYphUNSzk54mvaNl8i08WuGbexWxCwLVnFtK81xz0ewMjlmime0Rtc/UewPvqgmwcLcOC5rRbRuOr5Rxk1BHq5BmsXa19mYtsXrukLPyOq/Qy/uOXn/owbdlV1xeD1n7Q23KbA6emziYS8bJJLOcOlrQLNPTa/SvnLHmSe3+f4LoKqLz/RVc8fnzsWM2Gi3Lz5zX3ZIsHt8+dgWF/PnwWCN5kvnzwX3ZJ589CrmuWtiVUbCFh50m34Wbz1nzsVpSbWiseaxG51DKl/KakvPqbB+iZcuPbnbrC9F0HpzJM+cjJgsPtO/l4riaKn5KNrGjny6uXCP2B942d1Bq9a0dw76PTsj9o85/2jtW7iJjcUjpXuWeWY3yx5LRSFAUhczWlERREqVClAREQEREBERAREQQiIghQpUFUQVXYvSGRgcwc9mbekb29viArErFFc7TyNkjMbhcOBFj8welUtNUGnkFNMeacoHneN0bjxG7j17egxehLHGaMXBzkaNv229PEb1V19KyqiLTZ2sP1ulvxLdjms+7ZspqfdlsKFzVPjD6R3JVhLo9jJ7XLR7so/5d/FdHHIHNDmkEOFwQbgjiCFL47UnUpek0nUpXnOlmEY9JWzPonTiA6nJ6lVCxuUbQ6zXSAjnB20L0ZFgweQSaPaSuBa81DmuBDmmspyCDkQfrdi1YNEschvyEUkWtbW1aqmF7bL2l6SvZ3rUmU0aeSP0f0g3mf/26f/6rqqaGRsMTZr8o1jRJchx1w0B13C4JvfMXXQVDfP8AVV07UFVIzz58Stdw8+fFb8rFUV9e1juTYNeQ+yN3S47llWs2nULETPhCKyqEYB2udkxu9x/gF9sIotVrqmozucx7790Y+EC1+A6SFOGYTYGpqnbcr2zJ9yIHx2Df09BgGDSYhMHObqQR5ADYG7dVvEned6651w8aj45/j8t86xRr/L7LbQTB3TSmtmFwCSy49Z3G3AL0NfKngbGxrGCzWiwHQvquJzpCyCxCyUBSFCkKIKVClAREQEREBERAREQFClQghCpUKjEqFkViUViVR4jhTmkyU425vj2Ani33XfIq9KxKo46eOKpa5sgs4ZOuMweD27+vxXLVOD1dATJSPswm5YefC49XsHuK9LxDC45szdrxse3Jw/EdBVPLTVMF+byjfeZk63xMOR7O5dOPiJrHLaNx/qW+maYjltG476OTpdNWN5tZC+E+80GSM9w1h3dqvqHF6af8zPG/oa8EjrbtCwlgo57h7AHb9XmO7WOFvkqiu0DpZb2c3qewj5tv4LPl4e/S019fFlNMNultev4dK9akoXLnQOVv5uqLbbNWpe38Fg7Qic+vWPI6atx/ip/T1/UhPYx/3H1XVZKxgJe5rQN5cAucrdI6YG0bjK7hGNb9rZ8192aCU4OtLMwnjz5D4fxW9Hh1FAMmOefiIjb3NuT3p7PDX4r79IPZ4462+jmmMrax2oxhiafZbznkdLt3nNWVLhdPRjnASSe403aD/mPG3qb3roIKSqqRqQx6kZ22bybO07Xdt10WDaHxREPm+seN1uaD1b0niOWNYo18/NJyxHhSNfdzOC6Nz1rxNUXbGNgtbmjY1jdjWr0ejpWRMbHG0Na3YAvqBbIKVyNKVIUBZBRAKURRBSiIClQpQEREBERAREQEREBQpUIChSiCFiVkhVGChZEKLIrAhRZZqLKjUqqCKUWkja7rAVe/RyH/AA3yR9DZDbuNwruyWVVzztHn7qp3bGw+AWH/AG1IdtSeyNq6OymyDnWaKx+3NI7tDf3QrCkwOmiN2RNvxPOPeVZWRREALJFKCFNkAWQCgBSiIgpRFARFKAiIgIiICIiAiIgIiICIiCEREBQiICiyhFRFksiIqERFQRSiCFKIgKbIiglSiIgpRFAREQSiIgIiICIiAiIg/9k="/>
           <p:cNvSpPr>
             <a:spLocks noChangeAspect="1" noChangeArrowheads="1"/>
           </p:cNvSpPr>
@@ -4922,22 +5478,26 @@
             <a:avLst/>
           </a:prstGeom>
           <a:noFill/>
-        </p:spPr>
-        <p:txBody>
-          <a:bodyPr vert="horz" wrap="square" lIns="91440" tIns="45720" rIns="91440" bIns="45720" numCol="1" anchor="t" anchorCtr="0" compatLnSpc="1">
-            <a:prstTxWarp prst="textNoShape">
-              <a:avLst/>
-            </a:prstTxWarp>
-          </a:bodyPr>
-          <a:lstStyle/>
-          <a:p>
-            <a:endParaRPr lang="ru-RU"/>
-          </a:p>
-        </p:txBody>
-      </p:sp>
-      <p:sp>
-        <p:nvSpPr>
-          <p:cNvPr id="2052" name="AutoShape 4" descr="data:image/jpeg;base64,/9j/4AAQSkZJRgABAQAAAQABAAD/2wCEAAkGBxAQDxAPDxAVFRUQFRUWEhUYEhYWGBUSFRUWGBUWFxgYHSggGBolGxUWIzEhJiktLi4uFx8zODMtNygtLisBCgoKDg0OGBAQGC0mHx0rLTcrLSstLSstKystNjcrKystLSstLSstLSsrNy0rLS0tKysrMSs3ListLTctLSsrK//AABEIALcBEwMBIgACEQEDEQH/xAAcAAEAAgMBAQEAAAAAAAAAAAAAAQUCBAYHAwj/xABIEAABAwICBQgGBQkHBQAAAAABAAIDBBEFIQYSMUFREyJhcYGRsfAHMkJSYqEUI3KC0SQzc5KissHh8SU0Q2OTs8IVFlOU0//EABkBAQEAAwEAAAAAAAAAAAAAAAABAgMEBf/EAC4RAQACAgAEAwcDBQAAAAAAAAABAgMRBBIx8CFBcRMiMmGRseFTgaEUI0JRUv/aAAwDAQACEQMRAD8A9xREQEREBERAREQEREBERAREQEREBERAREQEREBERAREQEREBERAREQEREBERAREQEREBERAREQEREBERARatfXxQN15Xho69q4nHPSE1jSYy1jB7bzbuv4IO+e8NzJA6zZac2LQN2yBeFYt6TNYnkxJMeN+TZ3nM9ypotKcVqSRSxDbb6qB0rh1k3HyCuh+hzj8G4nuWbcbiPHuXgLcP0leL/Xj/Qj/AHrLNmF6TtzDp/8AVp3fLWKvKP0CzEoj7S2WTNOwhfnV+M6R0mcrJXD/ADKQOb2vjaLd63cJ9LkjbfSaW43vgfv+w8/8lND9AIuF0a09pauwgna92+N3MkH3XZnsyXYUteyTfY8CoNpFCIJRQiCUUKUBERAREQEREBERAREQEREBERAREQEREBczpVpbHRgxss+U7G7m9JXx030qFIzkYiDM8fqDieleA4ti01XLyMBc/lHWLhm6Vx9lvw+PVtC20n03klkdqu5R+d3E/Vs6vePm+5amH6JVNUW1FbLyTHZtdICXuH+VCLZdJ1R1q3wXBIaGznBktQLcHRQH4Rskk+I5DcDtVk6oc5xc9xLjtJNz3qxA+mG4NQU9uTphI4f4k9pD1iP1G9x61eDEZCAC8gDY0c0D7rclRskX1bMuimPbLS5ZOtqKdcZX6UUtOdWWUaw2taNYjrAvbtXypNPKFzg3lS2+9zCB32yWzlrHhMq9GgqyNjiOokL44jhlLVj8qpo5CfbLdWQdUjbO+aq6Sta9ocxwc1wuCDcEdBG1WUEywvj0mnE4/wCisH6zDpTrDMRSkNdcbOTlFhfhrW61X4LpzXYdL9GxKOSRrLAlwtPGNxufzg6zc8SvVYnrWxzBaeui5KpZew5kjbCSM8WO4fCbg8FzzCLnR7SWKoiZJHIJI3+q8buhwOYI3g5hdG1wIuF+bqmkrsAqg+Mh8UnWIqho2gjPUkA7R0jb7FodpTFVQtmiddjsnNPrRvG1jhuIuOsEEZEKI7BFAN80UEoiIClQiCUREBERAREQEREBERAREQEREBVekeLtpKd0pzdsYOLzsVovH/SfpDd0jgbsg5kY3OkOXj8gUHAaY4zJNK+LWLnyG8ztpz2MHSfC3FXGD4YKKO1vyh4tK7byLD/hN+L3iPs7Ab1mheHkufWyZlriIr+1Oc3P+4CLfE4e6r97EHw8+fxWQf58+KhzfPncvm4+fO9bKQr7iRVeLVMsskVFTu1XzXL5NvJQj1nZb8iB3bSFt6/nztWlo+8nE6k5XbEwAnhkSO/wXXrVdR5sp6OnwfDqeiZq00YBtnLYGRx3lz93ULBb1ZNyrXMnY2RpGbXND29ZBWmH5ZZXBJvv6k19pzAsLg7T1KxSNa0wcrVObhFZGYnn6LUk8pFckQuuBrtJz1c/kQb5L0OllXjmlda6cyvuAxrtVjT62qNh7Tn2r0/R6Yup6dx2uijJ6y0LKcfL7vy2yh1NO9brCqylcrGNceSPFJYYjQRVML4J2a0b9o3gjY9p9lw3H+C8kZ9IwHETe74n217DKaC51ZGjc9ueXEEbDdeyBUmmOAiupXRgfWx3fAfitzmdTgLdeqdy1wOr0fxNkrGarw5j2h0bgcnNIuLdiul4h6Kcbc0voHk8y8lPfaBf6yPsJuB0u4L2qlm12B3Hb1qTGkl9URFBKIiCUREBERAREQEREBERAREQEREFfjtZyNNJINtrN+0cgvz/AKXwvmmjgYCdTnEcZH5NHXb95e16aSXbHHxJcezIeK4umwYA/SHDNzi4eDO7moKuGgEMccDfVibq34nMvd2uLj95YPiV06n8/NfCSm8+elBRyR+fPBakrVeTU3nz0qvqIFtxrCqcVraMtJxKq5ut9UzLsC+UOI8pK6LUI1S4Xvt1TbhvWzoo1v8A1Gp1ta3JM9Xau+td8vq2VjcxDqAy4y59mm49xVukEpELg062uADJ/wCNvtHzxV46Pmt18hqHV1Np+2qHFYi+Vxf61oxGG/myL5a/au7HhiZb64duLxql/J5XhuuAfzvYMrL0bRv+7U/6KP8AcC5PSmlAp6jXuH3GTb8nsHzV7BiX0Wggm1C+0cI1QbbWtG1auJrrJ+zXkpyy7alKsolzmi+J/Sqdk+oWaxcNUm9tVxbtt0XXRxLysvVpl9gslipWhHlWmlMaDE2VkQyc4TtA43tOztu7/UXsuj1WHDmm7XgOYeIIv4FcD6TKMPpGS74ZB+pINU/taisfRrXF1FTE7YiYj1McQ39nVWdo3WJWem3o6IiwYilQpCgKVCkICIiAiIgIiICIiAiIgIoRBy+krdacDg0DvumMUwYyNoH9AP5r64q29Qfu+AWxjwuY+o/wQc2YF8nU/n5q15NYmLz2IKSWlVdU0a6l8K056dbKdVh5Bhkd6yVvTN8nq80PjIxOps8M+qZmR0DJV2BN/tOZp3uqAOx5PgF0OjkRbi1Q3UDi+NpAOywAzXp4fJ0YI3eF5UN1WENPJF8ZuXZ8px1fO9V5pQA9rW8m0hl4nZuk+yd3BW07dthypa0tcCMos9o87liWAkgXkFma0pHOjtwXp01Ed99+D1601Dl9K6fVoqlrSI23/Mkc7dndaeKj+yovsweDVe6YMtQzu1Q9r3WbKfWOwKgxp9sNjYdtoR2gfyXHxUxvfy776vP4yNWj0dN6O/7hF9qX/ccuxiXD6Ay2oYx8Un+45dbHOvJydXDKwumstQTpyvnsWhGnpawPoKoHdGXdrCHj5tCovRnJaGobwlDv1o2j/grnSKT8jqv0MvzYVQej42ZUdLmfulboj+3Pqzj4ZexxOu1p4gH5LNfCiP1cf2W+AX3C0tYiIoJQIgQSiIgIiICIiAiIgKERARFCoosVbaYnoafPcvtiwvqHrHeL/wAExplnMdxBHaMx4lRUu1oGu921/A/JFaNkIRRdEYuWrOFtFfGQLKqvINLInUWJioaOa8iVvSDzZW9e39YK8xGJz+SrqQ6zmNvZu2SA5kDeSLk225neF0elGBMrITE46rmnWjf7r+n4TsP4gLzWgxOpwuV1PPG4sBuWXzbf24nbCD3HoN124smmylprMTD0PDcYp6ljnRSCI6oBZfNx6eKsK17Wa5mnawagyGQcBuK5BtXhlYdcuYHnaQ/kZCfiacnHpt2r5VlPQR857i62zlKkW7mgE967Yzx3p6McdGvGPFjjmItrXjk26lPEQX8HvGxoG+/hc8FzmkFaZXshbmWm5A3vdk1vXn+0ssXx8O5kFrNyaQ3VYwfA3eenxWxgeFGK00w55zjadov7buB4DpvwXLly7cOXLOS25dXg7RDFHED6jQCeJ2uPffvVvFU+fmucglW9FP589K4bztoXrZ19BMqdk/nz0r7Nm8/L8VgGk1Tajm+IBv67gPArT0NbqwyH35MuoNaPEnuWlpRU3EUQPrOLz9losPmR3K+0Ypf7tDvJBd94657gbdi361h9ZbOlPWXp1O2zGjg0D5L6hQpC52tKIiiJQIpCAiIgIiICIiAiIghEQoIREVGji8WtESNrOd2Db8rrSoXBzHRnYR8irkrnC0wylm4Zt6WHZ3bOxWFfGInNp2sJa7rG/tFj2rJY4ueTe2f2H2bL0e6/q3HoPQpVtGlmArFylQVEfB7FXYphUNSzk54mvaNl8i08WuGbexWxCwLVnFtK81xz0ewMjlmime0Rtc/UewPvqgmwcLcOC5rRbRuOr5Rxk1BHq5BmsXa19mYtsXrukLPyOq/Qy/uOXn/owbdlV1xeD1n7Q23KbA6emziYS8bJJLOcOlrQLNPTa/SvnLHmSe3+f4LoKqLz/RVc8fnzsWM2Gi3Lz5zX3ZIsHt8+dgWF/PnwWCN5kvnzwX3ZJ589CrmuWtiVUbCFh50m34Wbz1nzsVpSbWiseaxG51DKl/KakvPqbB+iZcuPbnbrC9F0HpzJM+cjJgsPtO/l4riaKn5KNrGjny6uXCP2B942d1Bq9a0dw76PTsj9o85/2jtW7iJjcUjpXuWeWY3yx5LRSFAUhczWlERREqVClAREQEREBERAREQQiIghQpUFUQVXYvSGRgcwc9mbekb29viArErFFc7TyNkjMbhcOBFj8welUtNUGnkFNMeacoHneN0bjxG7j17egxehLHGaMXBzkaNv229PEb1V19KyqiLTZ2sP1ulvxLdjms+7ZspqfdlsKFzVPjD6R3JVhLo9jJ7XLR7so/5d/FdHHIHNDmkEOFwQbgjiCFL47UnUpek0nUpXnOlmEY9JWzPonTiA6nJ6lVCxuUbQ6zXSAjnB20L0ZFgweQSaPaSuBa81DmuBDmmspyCDkQfrdi1YNEschvyEUkWtbW1aqmF7bL2l6SvZ3rUmU0aeSP0f0g3mf/26f/6rqqaGRsMTZr8o1jRJchx1w0B13C4JvfMXXQVDfP8AVV07UFVIzz58Stdw8+fFb8rFUV9e1juTYNeQ+yN3S47llWs2nULETPhCKyqEYB2udkxu9x/gF9sIotVrqmozucx7790Y+EC1+A6SFOGYTYGpqnbcr2zJ9yIHx2Df09BgGDSYhMHObqQR5ADYG7dVvEned6651w8aj45/j8t86xRr/L7LbQTB3TSmtmFwCSy49Z3G3AL0NfKngbGxrGCzWiwHQvquJzpCyCxCyUBSFCkKIKVClAREQEREBERAREQFClQghCpUKjEqFkViUViVR4jhTmkyU425vj2Ani33XfIq9KxKo46eOKpa5sgs4ZOuMweD27+vxXLVOD1dATJSPswm5YefC49XsHuK9LxDC45szdrxse3Jw/EdBVPLTVMF+byjfeZk63xMOR7O5dOPiJrHLaNx/qW+maYjltG476OTpdNWN5tZC+E+80GSM9w1h3dqvqHF6af8zPG/oa8EjrbtCwlgo57h7AHb9XmO7WOFvkqiu0DpZb2c3qewj5tv4LPl4e/S019fFlNMNultev4dK9akoXLnQOVv5uqLbbNWpe38Fg7Qic+vWPI6atx/ip/T1/UhPYx/3H1XVZKxgJe5rQN5cAucrdI6YG0bjK7hGNb9rZ8192aCU4OtLMwnjz5D4fxW9Hh1FAMmOefiIjb3NuT3p7PDX4r79IPZ4462+jmmMrax2oxhiafZbznkdLt3nNWVLhdPRjnASSe403aD/mPG3qb3roIKSqqRqQx6kZ22bybO07Xdt10WDaHxREPm+seN1uaD1b0niOWNYo18/NJyxHhSNfdzOC6Nz1rxNUXbGNgtbmjY1jdjWr0ejpWRMbHG0Na3YAvqBbIKVyNKVIUBZBRAKURRBSiIClQpQEREBERAREQEREBQpUIChSiCFiVkhVGChZEKLIrAhRZZqLKjUqqCKUWkja7rAVe/RyH/AA3yR9DZDbuNwruyWVVzztHn7qp3bGw+AWH/AG1IdtSeyNq6OymyDnWaKx+3NI7tDf3QrCkwOmiN2RNvxPOPeVZWRREALJFKCFNkAWQCgBSiIgpRFARFKAiIgIiICIiAiIgIiICIiCEREBQiICiyhFRFksiIqERFQRSiCFKIgKbIiglSiIgpRFAREQSiIgIiICIiAiIg/9k="/>
+          <a:ln w="9525">
+            <a:noFill/>
+            <a:miter lim="800000"/>
+            <a:headEnd/>
+            <a:tailEnd/>
+          </a:ln>
+        </p:spPr>
+        <p:txBody>
+          <a:bodyPr/>
+          <a:lstStyle/>
+          <a:p>
+            <a:endParaRPr lang="ru-RU">
+              <a:latin typeface="Calibri" pitchFamily="34" charset="0"/>
+            </a:endParaRPr>
+          </a:p>
+        </p:txBody>
+      </p:sp>
+      <p:sp>
+        <p:nvSpPr>
+          <p:cNvPr id="8196" name="AutoShape 4" descr="data:image/jpeg;base64,/9j/4AAQSkZJRgABAQAAAQABAAD/2wCEAAkGBxAQDxAPDxAVFRUQFRUWEhUYEhYWGBUSFRUWGBUWFxgYHSggGBolGxUWIzEhJiktLi4uFx8zODMtNygtLisBCgoKDg0OGBAQGC0mHx0rLTcrLSstLSstKystNjcrKystLSstLSstLSsrNy0rLS0tKysrMSs3ListLTctLSsrK//AABEIALcBEwMBIgACEQEDEQH/xAAcAAEAAgMBAQEAAAAAAAAAAAAAAQUCBAYHAwj/xABIEAABAwICBQgGBQkHBQAAAAABAAIDBBEFIQYSMUFREyJhcYGRsfAHMkJSYqEUI3KC0SQzc5KissHh8SU0Q2OTs8IVFlOU0//EABkBAQEAAwEAAAAAAAAAAAAAAAABAgMEBf/EAC4RAQACAgAEAwcDBQAAAAAAAAABAgMRBBIx8CFBcRMiMmGRseFTgaEUI0JRUv/aAAwDAQACEQMRAD8A9xREQEREBERAREQEREBERAREQEREBERAREQEREBERAREQEREBERAREQEREBERAREQEREBERAREQEREBERARatfXxQN15Xho69q4nHPSE1jSYy1jB7bzbuv4IO+e8NzJA6zZac2LQN2yBeFYt6TNYnkxJMeN+TZ3nM9ypotKcVqSRSxDbb6qB0rh1k3HyCuh+hzj8G4nuWbcbiPHuXgLcP0leL/Xj/Qj/AHrLNmF6TtzDp/8AVp3fLWKvKP0CzEoj7S2WTNOwhfnV+M6R0mcrJXD/ADKQOb2vjaLd63cJ9LkjbfSaW43vgfv+w8/8lND9AIuF0a09pauwgna92+N3MkH3XZnsyXYUteyTfY8CoNpFCIJRQiCUUKUBERAREQEREBERAREQEREBERAREQEREBczpVpbHRgxss+U7G7m9JXx030qFIzkYiDM8fqDieleA4ti01XLyMBc/lHWLhm6Vx9lvw+PVtC20n03klkdqu5R+d3E/Vs6vePm+5amH6JVNUW1FbLyTHZtdICXuH+VCLZdJ1R1q3wXBIaGznBktQLcHRQH4Rskk+I5DcDtVk6oc5xc9xLjtJNz3qxA+mG4NQU9uTphI4f4k9pD1iP1G9x61eDEZCAC8gDY0c0D7rclRskX1bMuimPbLS5ZOtqKdcZX6UUtOdWWUaw2taNYjrAvbtXypNPKFzg3lS2+9zCB32yWzlrHhMq9GgqyNjiOokL44jhlLVj8qpo5CfbLdWQdUjbO+aq6Sta9ocxwc1wuCDcEdBG1WUEywvj0mnE4/wCisH6zDpTrDMRSkNdcbOTlFhfhrW61X4LpzXYdL9GxKOSRrLAlwtPGNxufzg6zc8SvVYnrWxzBaeui5KpZew5kjbCSM8WO4fCbg8FzzCLnR7SWKoiZJHIJI3+q8buhwOYI3g5hdG1wIuF+bqmkrsAqg+Mh8UnWIqho2gjPUkA7R0jb7FodpTFVQtmiddjsnNPrRvG1jhuIuOsEEZEKI7BFAN80UEoiIClQiCUREBERAREQEREBERAREQEREBVekeLtpKd0pzdsYOLzsVovH/SfpDd0jgbsg5kY3OkOXj8gUHAaY4zJNK+LWLnyG8ztpz2MHSfC3FXGD4YKKO1vyh4tK7byLD/hN+L3iPs7Ab1mheHkufWyZlriIr+1Oc3P+4CLfE4e6r97EHw8+fxWQf58+KhzfPncvm4+fO9bKQr7iRVeLVMsskVFTu1XzXL5NvJQj1nZb8iB3bSFt6/nztWlo+8nE6k5XbEwAnhkSO/wXXrVdR5sp6OnwfDqeiZq00YBtnLYGRx3lz93ULBb1ZNyrXMnY2RpGbXND29ZBWmH5ZZXBJvv6k19pzAsLg7T1KxSNa0wcrVObhFZGYnn6LUk8pFckQuuBrtJz1c/kQb5L0OllXjmlda6cyvuAxrtVjT62qNh7Tn2r0/R6Yup6dx2uijJ6y0LKcfL7vy2yh1NO9brCqylcrGNceSPFJYYjQRVML4J2a0b9o3gjY9p9lw3H+C8kZ9IwHETe74n217DKaC51ZGjc9ueXEEbDdeyBUmmOAiupXRgfWx3fAfitzmdTgLdeqdy1wOr0fxNkrGarw5j2h0bgcnNIuLdiul4h6Kcbc0voHk8y8lPfaBf6yPsJuB0u4L2qlm12B3Hb1qTGkl9URFBKIiCUREBERAREQEREBERAREQEREFfjtZyNNJINtrN+0cgvz/AKXwvmmjgYCdTnEcZH5NHXb95e16aSXbHHxJcezIeK4umwYA/SHDNzi4eDO7moKuGgEMccDfVibq34nMvd2uLj95YPiV06n8/NfCSm8+elBRyR+fPBakrVeTU3nz0qvqIFtxrCqcVraMtJxKq5ut9UzLsC+UOI8pK6LUI1S4Xvt1TbhvWzoo1v8A1Gp1ta3JM9Xau+td8vq2VjcxDqAy4y59mm49xVukEpELg062uADJ/wCNvtHzxV46Pmt18hqHV1Np+2qHFYi+Vxf61oxGG/myL5a/au7HhiZb64duLxql/J5XhuuAfzvYMrL0bRv+7U/6KP8AcC5PSmlAp6jXuH3GTb8nsHzV7BiX0Wggm1C+0cI1QbbWtG1auJrrJ+zXkpyy7alKsolzmi+J/Sqdk+oWaxcNUm9tVxbtt0XXRxLysvVpl9gslipWhHlWmlMaDE2VkQyc4TtA43tOztu7/UXsuj1WHDmm7XgOYeIIv4FcD6TKMPpGS74ZB+pINU/taisfRrXF1FTE7YiYj1McQ39nVWdo3WJWem3o6IiwYilQpCgKVCkICIiAiIgIiICIiAiIgIoRBy+krdacDg0DvumMUwYyNoH9AP5r64q29Qfu+AWxjwuY+o/wQc2YF8nU/n5q15NYmLz2IKSWlVdU0a6l8K056dbKdVh5Bhkd6yVvTN8nq80PjIxOps8M+qZmR0DJV2BN/tOZp3uqAOx5PgF0OjkRbi1Q3UDi+NpAOywAzXp4fJ0YI3eF5UN1WENPJF8ZuXZ8px1fO9V5pQA9rW8m0hl4nZuk+yd3BW07dthypa0tcCMos9o87liWAkgXkFma0pHOjtwXp01Ed99+D1601Dl9K6fVoqlrSI23/Mkc7dndaeKj+yovsweDVe6YMtQzu1Q9r3WbKfWOwKgxp9sNjYdtoR2gfyXHxUxvfy776vP4yNWj0dN6O/7hF9qX/ccuxiXD6Ay2oYx8Un+45dbHOvJydXDKwumstQTpyvnsWhGnpawPoKoHdGXdrCHj5tCovRnJaGobwlDv1o2j/grnSKT8jqv0MvzYVQej42ZUdLmfulboj+3Pqzj4ZexxOu1p4gH5LNfCiP1cf2W+AX3C0tYiIoJQIgQSiIgIiICIiAiIgKERARFCoosVbaYnoafPcvtiwvqHrHeL/wAExplnMdxBHaMx4lRUu1oGu921/A/JFaNkIRRdEYuWrOFtFfGQLKqvINLInUWJioaOa8iVvSDzZW9e39YK8xGJz+SrqQ6zmNvZu2SA5kDeSLk225neF0elGBMrITE46rmnWjf7r+n4TsP4gLzWgxOpwuV1PPG4sBuWXzbf24nbCD3HoN124smmylprMTD0PDcYp6ljnRSCI6oBZfNx6eKsK17Wa5mnawagyGQcBuK5BtXhlYdcuYHnaQ/kZCfiacnHpt2r5VlPQR857i62zlKkW7mgE967Yzx3p6McdGvGPFjjmItrXjk26lPEQX8HvGxoG+/hc8FzmkFaZXshbmWm5A3vdk1vXn+0ssXx8O5kFrNyaQ3VYwfA3eenxWxgeFGK00w55zjadov7buB4DpvwXLly7cOXLOS25dXg7RDFHED6jQCeJ2uPffvVvFU+fmucglW9FP589K4bztoXrZ19BMqdk/nz0r7Nm8/L8VgGk1Tajm+IBv67gPArT0NbqwyH35MuoNaPEnuWlpRU3EUQPrOLz9losPmR3K+0Ypf7tDvJBd94657gbdi361h9ZbOlPWXp1O2zGjg0D5L6hQpC52tKIiiJQIpCAiIgIiICIiAiIghEQoIREVGji8WtESNrOd2Db8rrSoXBzHRnYR8irkrnC0wylm4Zt6WHZ3bOxWFfGInNp2sJa7rG/tFj2rJY4ueTe2f2H2bL0e6/q3HoPQpVtGlmArFylQVEfB7FXYphUNSzk54mvaNl8i08WuGbexWxCwLVnFtK81xz0ewMjlmime0Rtc/UewPvqgmwcLcOC5rRbRuOr5Rxk1BHq5BmsXa19mYtsXrukLPyOq/Qy/uOXn/owbdlV1xeD1n7Q23KbA6emziYS8bJJLOcOlrQLNPTa/SvnLHmSe3+f4LoKqLz/RVc8fnzsWM2Gi3Lz5zX3ZIsHt8+dgWF/PnwWCN5kvnzwX3ZJ589CrmuWtiVUbCFh50m34Wbz1nzsVpSbWiseaxG51DKl/KakvPqbB+iZcuPbnbrC9F0HpzJM+cjJgsPtO/l4riaKn5KNrGjny6uXCP2B942d1Bq9a0dw76PTsj9o85/2jtW7iJjcUjpXuWeWY3yx5LRSFAUhczWlERREqVClAREQEREBERAREQQiIghQpUFUQVXYvSGRgcwc9mbekb29viArErFFc7TyNkjMbhcOBFj8welUtNUGnkFNMeacoHneN0bjxG7j17egxehLHGaMXBzkaNv229PEb1V19KyqiLTZ2sP1ulvxLdjms+7ZspqfdlsKFzVPjD6R3JVhLo9jJ7XLR7so/5d/FdHHIHNDmkEOFwQbgjiCFL47UnUpek0nUpXnOlmEY9JWzPonTiA6nJ6lVCxuUbQ6zXSAjnB20L0ZFgweQSaPaSuBa81DmuBDmmspyCDkQfrdi1YNEschvyEUkWtbW1aqmF7bL2l6SvZ3rUmU0aeSP0f0g3mf/26f/6rqqaGRsMTZr8o1jRJchx1w0B13C4JvfMXXQVDfP8AVV07UFVIzz58Stdw8+fFb8rFUV9e1juTYNeQ+yN3S47llWs2nULETPhCKyqEYB2udkxu9x/gF9sIotVrqmozucx7790Y+EC1+A6SFOGYTYGpqnbcr2zJ9yIHx2Df09BgGDSYhMHObqQR5ADYG7dVvEned6651w8aj45/j8t86xRr/L7LbQTB3TSmtmFwCSy49Z3G3AL0NfKngbGxrGCzWiwHQvquJzpCyCxCyUBSFCkKIKVClAREQEREBERAREQFClQghCpUKjEqFkViUViVR4jhTmkyU425vj2Ani33XfIq9KxKo46eOKpa5sgs4ZOuMweD27+vxXLVOD1dATJSPswm5YefC49XsHuK9LxDC45szdrxse3Jw/EdBVPLTVMF+byjfeZk63xMOR7O5dOPiJrHLaNx/qW+maYjltG476OTpdNWN5tZC+E+80GSM9w1h3dqvqHF6af8zPG/oa8EjrbtCwlgo57h7AHb9XmO7WOFvkqiu0DpZb2c3qewj5tv4LPl4e/S019fFlNMNultev4dK9akoXLnQOVv5uqLbbNWpe38Fg7Qic+vWPI6atx/ip/T1/UhPYx/3H1XVZKxgJe5rQN5cAucrdI6YG0bjK7hGNb9rZ8192aCU4OtLMwnjz5D4fxW9Hh1FAMmOefiIjb3NuT3p7PDX4r79IPZ4462+jmmMrax2oxhiafZbznkdLt3nNWVLhdPRjnASSe403aD/mPG3qb3roIKSqqRqQx6kZ22bybO07Xdt10WDaHxREPm+seN1uaD1b0niOWNYo18/NJyxHhSNfdzOC6Nz1rxNUXbGNgtbmjY1jdjWr0ejpWRMbHG0Na3YAvqBbIKVyNKVIUBZBRAKURRBSiIClQpQEREBERAREQEREBQpUIChSiCFiVkhVGChZEKLIrAhRZZqLKjUqqCKUWkja7rAVe/RyH/AA3yR9DZDbuNwruyWVVzztHn7qp3bGw+AWH/AG1IdtSeyNq6OymyDnWaKx+3NI7tDf3QrCkwOmiN2RNvxPOPeVZWRREALJFKCFNkAWQCgBSiIgpRFARFKAiIgIiICIiAiIgIiICIiCEREBQiICiyhFRFksiIqERFQRSiCFKIgKbIiglSiIgpRFAREQSiIgIiICIiAiIg/9k="/>
           <p:cNvSpPr>
             <a:spLocks noChangeAspect="1" noChangeArrowheads="1"/>
           </p:cNvSpPr>
@@ -4952,22 +5512,26 @@
             <a:avLst/>
           </a:prstGeom>
           <a:noFill/>
-        </p:spPr>
-        <p:txBody>
-          <a:bodyPr vert="horz" wrap="square" lIns="91440" tIns="45720" rIns="91440" bIns="45720" numCol="1" anchor="t" anchorCtr="0" compatLnSpc="1">
-            <a:prstTxWarp prst="textNoShape">
-              <a:avLst/>
-            </a:prstTxWarp>
-          </a:bodyPr>
-          <a:lstStyle/>
-          <a:p>
-            <a:endParaRPr lang="ru-RU"/>
-          </a:p>
-        </p:txBody>
-      </p:sp>
-      <p:sp>
-        <p:nvSpPr>
-          <p:cNvPr id="2054" name="AutoShape 6" descr="data:image/jpeg;base64,/9j/4AAQSkZJRgABAQAAAQABAAD/2wCEAAkGBxAQDxAPDxAVFRUQFRUWEhUYEhYWGBUSFRUWGBUWFxgYHSggGBolGxUWIzEhJiktLi4uFx8zODMtNygtLisBCgoKDg0OGBAQGC0mHx0rLTcrLSstLSstKystNjcrKystLSstLSstLSsrNy0rLS0tKysrMSs3ListLTctLSsrK//AABEIALcBEwMBIgACEQEDEQH/xAAcAAEAAgMBAQEAAAAAAAAAAAAAAQUCBAYHAwj/xABIEAABAwICBQgGBQkHBQAAAAABAAIDBBEFIQYSMUFREyJhcYGRsfAHMkJSYqEUI3KC0SQzc5KissHh8SU0Q2OTs8IVFlOU0//EABkBAQEAAwEAAAAAAAAAAAAAAAABAgMEBf/EAC4RAQACAgAEAwcDBQAAAAAAAAABAgMRBBIx8CFBcRMiMmGRseFTgaEUI0JRUv/aAAwDAQACEQMRAD8A9xREQEREBERAREQEREBERAREQEREBERAREQEREBERAREQEREBERAREQEREBERAREQEREBERAREQEREBERARatfXxQN15Xho69q4nHPSE1jSYy1jB7bzbuv4IO+e8NzJA6zZac2LQN2yBeFYt6TNYnkxJMeN+TZ3nM9ypotKcVqSRSxDbb6qB0rh1k3HyCuh+hzj8G4nuWbcbiPHuXgLcP0leL/Xj/Qj/AHrLNmF6TtzDp/8AVp3fLWKvKP0CzEoj7S2WTNOwhfnV+M6R0mcrJXD/ADKQOb2vjaLd63cJ9LkjbfSaW43vgfv+w8/8lND9AIuF0a09pauwgna92+N3MkH3XZnsyXYUteyTfY8CoNpFCIJRQiCUUKUBERAREQEREBERAREQEREBERAREQEREBczpVpbHRgxss+U7G7m9JXx030qFIzkYiDM8fqDieleA4ti01XLyMBc/lHWLhm6Vx9lvw+PVtC20n03klkdqu5R+d3E/Vs6vePm+5amH6JVNUW1FbLyTHZtdICXuH+VCLZdJ1R1q3wXBIaGznBktQLcHRQH4Rskk+I5DcDtVk6oc5xc9xLjtJNz3qxA+mG4NQU9uTphI4f4k9pD1iP1G9x61eDEZCAC8gDY0c0D7rclRskX1bMuimPbLS5ZOtqKdcZX6UUtOdWWUaw2taNYjrAvbtXypNPKFzg3lS2+9zCB32yWzlrHhMq9GgqyNjiOokL44jhlLVj8qpo5CfbLdWQdUjbO+aq6Sta9ocxwc1wuCDcEdBG1WUEywvj0mnE4/wCisH6zDpTrDMRSkNdcbOTlFhfhrW61X4LpzXYdL9GxKOSRrLAlwtPGNxufzg6zc8SvVYnrWxzBaeui5KpZew5kjbCSM8WO4fCbg8FzzCLnR7SWKoiZJHIJI3+q8buhwOYI3g5hdG1wIuF+bqmkrsAqg+Mh8UnWIqho2gjPUkA7R0jb7FodpTFVQtmiddjsnNPrRvG1jhuIuOsEEZEKI7BFAN80UEoiIClQiCUREBERAREQEREBERAREQEREBVekeLtpKd0pzdsYOLzsVovH/SfpDd0jgbsg5kY3OkOXj8gUHAaY4zJNK+LWLnyG8ztpz2MHSfC3FXGD4YKKO1vyh4tK7byLD/hN+L3iPs7Ab1mheHkufWyZlriIr+1Oc3P+4CLfE4e6r97EHw8+fxWQf58+KhzfPncvm4+fO9bKQr7iRVeLVMsskVFTu1XzXL5NvJQj1nZb8iB3bSFt6/nztWlo+8nE6k5XbEwAnhkSO/wXXrVdR5sp6OnwfDqeiZq00YBtnLYGRx3lz93ULBb1ZNyrXMnY2RpGbXND29ZBWmH5ZZXBJvv6k19pzAsLg7T1KxSNa0wcrVObhFZGYnn6LUk8pFckQuuBrtJz1c/kQb5L0OllXjmlda6cyvuAxrtVjT62qNh7Tn2r0/R6Yup6dx2uijJ6y0LKcfL7vy2yh1NO9brCqylcrGNceSPFJYYjQRVML4J2a0b9o3gjY9p9lw3H+C8kZ9IwHETe74n217DKaC51ZGjc9ueXEEbDdeyBUmmOAiupXRgfWx3fAfitzmdTgLdeqdy1wOr0fxNkrGarw5j2h0bgcnNIuLdiul4h6Kcbc0voHk8y8lPfaBf6yPsJuB0u4L2qlm12B3Hb1qTGkl9URFBKIiCUREBERAREQEREBERAREQEREFfjtZyNNJINtrN+0cgvz/AKXwvmmjgYCdTnEcZH5NHXb95e16aSXbHHxJcezIeK4umwYA/SHDNzi4eDO7moKuGgEMccDfVibq34nMvd2uLj95YPiV06n8/NfCSm8+elBRyR+fPBakrVeTU3nz0qvqIFtxrCqcVraMtJxKq5ut9UzLsC+UOI8pK6LUI1S4Xvt1TbhvWzoo1v8A1Gp1ta3JM9Xau+td8vq2VjcxDqAy4y59mm49xVukEpELg062uADJ/wCNvtHzxV46Pmt18hqHV1Np+2qHFYi+Vxf61oxGG/myL5a/au7HhiZb64duLxql/J5XhuuAfzvYMrL0bRv+7U/6KP8AcC5PSmlAp6jXuH3GTb8nsHzV7BiX0Wggm1C+0cI1QbbWtG1auJrrJ+zXkpyy7alKsolzmi+J/Sqdk+oWaxcNUm9tVxbtt0XXRxLysvVpl9gslipWhHlWmlMaDE2VkQyc4TtA43tOztu7/UXsuj1WHDmm7XgOYeIIv4FcD6TKMPpGS74ZB+pINU/taisfRrXF1FTE7YiYj1McQ39nVWdo3WJWem3o6IiwYilQpCgKVCkICIiAiIgIiICIiAiIgIoRBy+krdacDg0DvumMUwYyNoH9AP5r64q29Qfu+AWxjwuY+o/wQc2YF8nU/n5q15NYmLz2IKSWlVdU0a6l8K056dbKdVh5Bhkd6yVvTN8nq80PjIxOps8M+qZmR0DJV2BN/tOZp3uqAOx5PgF0OjkRbi1Q3UDi+NpAOywAzXp4fJ0YI3eF5UN1WENPJF8ZuXZ8px1fO9V5pQA9rW8m0hl4nZuk+yd3BW07dthypa0tcCMos9o87liWAkgXkFma0pHOjtwXp01Ed99+D1601Dl9K6fVoqlrSI23/Mkc7dndaeKj+yovsweDVe6YMtQzu1Q9r3WbKfWOwKgxp9sNjYdtoR2gfyXHxUxvfy776vP4yNWj0dN6O/7hF9qX/ccuxiXD6Ay2oYx8Un+45dbHOvJydXDKwumstQTpyvnsWhGnpawPoKoHdGXdrCHj5tCovRnJaGobwlDv1o2j/grnSKT8jqv0MvzYVQej42ZUdLmfulboj+3Pqzj4ZexxOu1p4gH5LNfCiP1cf2W+AX3C0tYiIoJQIgQSiIgIiICIiAiIgKERARFCoosVbaYnoafPcvtiwvqHrHeL/wAExplnMdxBHaMx4lRUu1oGu921/A/JFaNkIRRdEYuWrOFtFfGQLKqvINLInUWJioaOa8iVvSDzZW9e39YK8xGJz+SrqQ6zmNvZu2SA5kDeSLk225neF0elGBMrITE46rmnWjf7r+n4TsP4gLzWgxOpwuV1PPG4sBuWXzbf24nbCD3HoN124smmylprMTD0PDcYp6ljnRSCI6oBZfNx6eKsK17Wa5mnawagyGQcBuK5BtXhlYdcuYHnaQ/kZCfiacnHpt2r5VlPQR857i62zlKkW7mgE967Yzx3p6McdGvGPFjjmItrXjk26lPEQX8HvGxoG+/hc8FzmkFaZXshbmWm5A3vdk1vXn+0ssXx8O5kFrNyaQ3VYwfA3eenxWxgeFGK00w55zjadov7buB4DpvwXLly7cOXLOS25dXg7RDFHED6jQCeJ2uPffvVvFU+fmucglW9FP589K4bztoXrZ19BMqdk/nz0r7Nm8/L8VgGk1Tajm+IBv67gPArT0NbqwyH35MuoNaPEnuWlpRU3EUQPrOLz9losPmR3K+0Ypf7tDvJBd94657gbdi361h9ZbOlPWXp1O2zGjg0D5L6hQpC52tKIiiJQIpCAiIgIiICIiAiIghEQoIREVGji8WtESNrOd2Db8rrSoXBzHRnYR8irkrnC0wylm4Zt6WHZ3bOxWFfGInNp2sJa7rG/tFj2rJY4ueTe2f2H2bL0e6/q3HoPQpVtGlmArFylQVEfB7FXYphUNSzk54mvaNl8i08WuGbexWxCwLVnFtK81xz0ewMjlmime0Rtc/UewPvqgmwcLcOC5rRbRuOr5Rxk1BHq5BmsXa19mYtsXrukLPyOq/Qy/uOXn/owbdlV1xeD1n7Q23KbA6emziYS8bJJLOcOlrQLNPTa/SvnLHmSe3+f4LoKqLz/RVc8fnzsWM2Gi3Lz5zX3ZIsHt8+dgWF/PnwWCN5kvnzwX3ZJ589CrmuWtiVUbCFh50m34Wbz1nzsVpSbWiseaxG51DKl/KakvPqbB+iZcuPbnbrC9F0HpzJM+cjJgsPtO/l4riaKn5KNrGjny6uXCP2B942d1Bq9a0dw76PTsj9o85/2jtW7iJjcUjpXuWeWY3yx5LRSFAUhczWlERREqVClAREQEREBERAREQQiIghQpUFUQVXYvSGRgcwc9mbekb29viArErFFc7TyNkjMbhcOBFj8welUtNUGnkFNMeacoHneN0bjxG7j17egxehLHGaMXBzkaNv229PEb1V19KyqiLTZ2sP1ulvxLdjms+7ZspqfdlsKFzVPjD6R3JVhLo9jJ7XLR7so/5d/FdHHIHNDmkEOFwQbgjiCFL47UnUpek0nUpXnOlmEY9JWzPonTiA6nJ6lVCxuUbQ6zXSAjnB20L0ZFgweQSaPaSuBa81DmuBDmmspyCDkQfrdi1YNEschvyEUkWtbW1aqmF7bL2l6SvZ3rUmU0aeSP0f0g3mf/26f/6rqqaGRsMTZr8o1jRJchx1w0B13C4JvfMXXQVDfP8AVV07UFVIzz58Stdw8+fFb8rFUV9e1juTYNeQ+yN3S47llWs2nULETPhCKyqEYB2udkxu9x/gF9sIotVrqmozucx7790Y+EC1+A6SFOGYTYGpqnbcr2zJ9yIHx2Df09BgGDSYhMHObqQR5ADYG7dVvEned6651w8aj45/j8t86xRr/L7LbQTB3TSmtmFwCSy49Z3G3AL0NfKngbGxrGCzWiwHQvquJzpCyCxCyUBSFCkKIKVClAREQEREBERAREQFClQghCpUKjEqFkViUViVR4jhTmkyU425vj2Ani33XfIq9KxKo46eOKpa5sgs4ZOuMweD27+vxXLVOD1dATJSPswm5YefC49XsHuK9LxDC45szdrxse3Jw/EdBVPLTVMF+byjfeZk63xMOR7O5dOPiJrHLaNx/qW+maYjltG476OTpdNWN5tZC+E+80GSM9w1h3dqvqHF6af8zPG/oa8EjrbtCwlgo57h7AHb9XmO7WOFvkqiu0DpZb2c3qewj5tv4LPl4e/S019fFlNMNultev4dK9akoXLnQOVv5uqLbbNWpe38Fg7Qic+vWPI6atx/ip/T1/UhPYx/3H1XVZKxgJe5rQN5cAucrdI6YG0bjK7hGNb9rZ8192aCU4OtLMwnjz5D4fxW9Hh1FAMmOefiIjb3NuT3p7PDX4r79IPZ4462+jmmMrax2oxhiafZbznkdLt3nNWVLhdPRjnASSe403aD/mPG3qb3roIKSqqRqQx6kZ22bybO07Xdt10WDaHxREPm+seN1uaD1b0niOWNYo18/NJyxHhSNfdzOC6Nz1rxNUXbGNgtbmjY1jdjWr0ejpWRMbHG0Na3YAvqBbIKVyNKVIUBZBRAKURRBSiIClQpQEREBERAREQEREBQpUIChSiCFiVkhVGChZEKLIrAhRZZqLKjUqqCKUWkja7rAVe/RyH/AA3yR9DZDbuNwruyWVVzztHn7qp3bGw+AWH/AG1IdtSeyNq6OymyDnWaKx+3NI7tDf3QrCkwOmiN2RNvxPOPeVZWRREALJFKCFNkAWQCgBSiIgpRFARFKAiIgIiICIiAiIgIiICIiCEREBQiICiyhFRFksiIqERFQRSiCFKIgKbIiglSiIgpRFAREQSiIgIiICIiAiIg/9k="/>
+          <a:ln w="9525">
+            <a:noFill/>
+            <a:miter lim="800000"/>
+            <a:headEnd/>
+            <a:tailEnd/>
+          </a:ln>
+        </p:spPr>
+        <p:txBody>
+          <a:bodyPr/>
+          <a:lstStyle/>
+          <a:p>
+            <a:endParaRPr lang="ru-RU">
+              <a:latin typeface="Calibri" pitchFamily="34" charset="0"/>
+            </a:endParaRPr>
+          </a:p>
+        </p:txBody>
+      </p:sp>
+      <p:sp>
+        <p:nvSpPr>
+          <p:cNvPr id="8197" name="AutoShape 6" descr="data:image/jpeg;base64,/9j/4AAQSkZJRgABAQAAAQABAAD/2wCEAAkGBxAQDxAPDxAVFRUQFRUWEhUYEhYWGBUSFRUWGBUWFxgYHSggGBolGxUWIzEhJiktLi4uFx8zODMtNygtLisBCgoKDg0OGBAQGC0mHx0rLTcrLSstLSstKystNjcrKystLSstLSstLSsrNy0rLS0tKysrMSs3ListLTctLSsrK//AABEIALcBEwMBIgACEQEDEQH/xAAcAAEAAgMBAQEAAAAAAAAAAAAAAQUCBAYHAwj/xABIEAABAwICBQgGBQkHBQAAAAABAAIDBBEFIQYSMUFREyJhcYGRsfAHMkJSYqEUI3KC0SQzc5KissHh8SU0Q2OTs8IVFlOU0//EABkBAQEAAwEAAAAAAAAAAAAAAAABAgMEBf/EAC4RAQACAgAEAwcDBQAAAAAAAAABAgMRBBIx8CFBcRMiMmGRseFTgaEUI0JRUv/aAAwDAQACEQMRAD8A9xREQEREBERAREQEREBERAREQEREBERAREQEREBERAREQEREBERAREQEREBERAREQEREBERAREQEREBERARatfXxQN15Xho69q4nHPSE1jSYy1jB7bzbuv4IO+e8NzJA6zZac2LQN2yBeFYt6TNYnkxJMeN+TZ3nM9ypotKcVqSRSxDbb6qB0rh1k3HyCuh+hzj8G4nuWbcbiPHuXgLcP0leL/Xj/Qj/AHrLNmF6TtzDp/8AVp3fLWKvKP0CzEoj7S2WTNOwhfnV+M6R0mcrJXD/ADKQOb2vjaLd63cJ9LkjbfSaW43vgfv+w8/8lND9AIuF0a09pauwgna92+N3MkH3XZnsyXYUteyTfY8CoNpFCIJRQiCUUKUBERAREQEREBERAREQEREBERAREQEREBczpVpbHRgxss+U7G7m9JXx030qFIzkYiDM8fqDieleA4ti01XLyMBc/lHWLhm6Vx9lvw+PVtC20n03klkdqu5R+d3E/Vs6vePm+5amH6JVNUW1FbLyTHZtdICXuH+VCLZdJ1R1q3wXBIaGznBktQLcHRQH4Rskk+I5DcDtVk6oc5xc9xLjtJNz3qxA+mG4NQU9uTphI4f4k9pD1iP1G9x61eDEZCAC8gDY0c0D7rclRskX1bMuimPbLS5ZOtqKdcZX6UUtOdWWUaw2taNYjrAvbtXypNPKFzg3lS2+9zCB32yWzlrHhMq9GgqyNjiOokL44jhlLVj8qpo5CfbLdWQdUjbO+aq6Sta9ocxwc1wuCDcEdBG1WUEywvj0mnE4/wCisH6zDpTrDMRSkNdcbOTlFhfhrW61X4LpzXYdL9GxKOSRrLAlwtPGNxufzg6zc8SvVYnrWxzBaeui5KpZew5kjbCSM8WO4fCbg8FzzCLnR7SWKoiZJHIJI3+q8buhwOYI3g5hdG1wIuF+bqmkrsAqg+Mh8UnWIqho2gjPUkA7R0jb7FodpTFVQtmiddjsnNPrRvG1jhuIuOsEEZEKI7BFAN80UEoiIClQiCUREBERAREQEREBERAREQEREBVekeLtpKd0pzdsYOLzsVovH/SfpDd0jgbsg5kY3OkOXj8gUHAaY4zJNK+LWLnyG8ztpz2MHSfC3FXGD4YKKO1vyh4tK7byLD/hN+L3iPs7Ab1mheHkufWyZlriIr+1Oc3P+4CLfE4e6r97EHw8+fxWQf58+KhzfPncvm4+fO9bKQr7iRVeLVMsskVFTu1XzXL5NvJQj1nZb8iB3bSFt6/nztWlo+8nE6k5XbEwAnhkSO/wXXrVdR5sp6OnwfDqeiZq00YBtnLYGRx3lz93ULBb1ZNyrXMnY2RpGbXND29ZBWmH5ZZXBJvv6k19pzAsLg7T1KxSNa0wcrVObhFZGYnn6LUk8pFckQuuBrtJz1c/kQb5L0OllXjmlda6cyvuAxrtVjT62qNh7Tn2r0/R6Yup6dx2uijJ6y0LKcfL7vy2yh1NO9brCqylcrGNceSPFJYYjQRVML4J2a0b9o3gjY9p9lw3H+C8kZ9IwHETe74n217DKaC51ZGjc9ueXEEbDdeyBUmmOAiupXRgfWx3fAfitzmdTgLdeqdy1wOr0fxNkrGarw5j2h0bgcnNIuLdiul4h6Kcbc0voHk8y8lPfaBf6yPsJuB0u4L2qlm12B3Hb1qTGkl9URFBKIiCUREBERAREQEREBERAREQEREFfjtZyNNJINtrN+0cgvz/AKXwvmmjgYCdTnEcZH5NHXb95e16aSXbHHxJcezIeK4umwYA/SHDNzi4eDO7moKuGgEMccDfVibq34nMvd2uLj95YPiV06n8/NfCSm8+elBRyR+fPBakrVeTU3nz0qvqIFtxrCqcVraMtJxKq5ut9UzLsC+UOI8pK6LUI1S4Xvt1TbhvWzoo1v8A1Gp1ta3JM9Xau+td8vq2VjcxDqAy4y59mm49xVukEpELg062uADJ/wCNvtHzxV46Pmt18hqHV1Np+2qHFYi+Vxf61oxGG/myL5a/au7HhiZb64duLxql/J5XhuuAfzvYMrL0bRv+7U/6KP8AcC5PSmlAp6jXuH3GTb8nsHzV7BiX0Wggm1C+0cI1QbbWtG1auJrrJ+zXkpyy7alKsolzmi+J/Sqdk+oWaxcNUm9tVxbtt0XXRxLysvVpl9gslipWhHlWmlMaDE2VkQyc4TtA43tOztu7/UXsuj1WHDmm7XgOYeIIv4FcD6TKMPpGS74ZB+pINU/taisfRrXF1FTE7YiYj1McQ39nVWdo3WJWem3o6IiwYilQpCgKVCkICIiAiIgIiICIiAiIgIoRBy+krdacDg0DvumMUwYyNoH9AP5r64q29Qfu+AWxjwuY+o/wQc2YF8nU/n5q15NYmLz2IKSWlVdU0a6l8K056dbKdVh5Bhkd6yVvTN8nq80PjIxOps8M+qZmR0DJV2BN/tOZp3uqAOx5PgF0OjkRbi1Q3UDi+NpAOywAzXp4fJ0YI3eF5UN1WENPJF8ZuXZ8px1fO9V5pQA9rW8m0hl4nZuk+yd3BW07dthypa0tcCMos9o87liWAkgXkFma0pHOjtwXp01Ed99+D1601Dl9K6fVoqlrSI23/Mkc7dndaeKj+yovsweDVe6YMtQzu1Q9r3WbKfWOwKgxp9sNjYdtoR2gfyXHxUxvfy776vP4yNWj0dN6O/7hF9qX/ccuxiXD6Ay2oYx8Un+45dbHOvJydXDKwumstQTpyvnsWhGnpawPoKoHdGXdrCHj5tCovRnJaGobwlDv1o2j/grnSKT8jqv0MvzYVQej42ZUdLmfulboj+3Pqzj4ZexxOu1p4gH5LNfCiP1cf2W+AX3C0tYiIoJQIgQSiIgIiICIiAiIgKERARFCoosVbaYnoafPcvtiwvqHrHeL/wAExplnMdxBHaMx4lRUu1oGu921/A/JFaNkIRRdEYuWrOFtFfGQLKqvINLInUWJioaOa8iVvSDzZW9e39YK8xGJz+SrqQ6zmNvZu2SA5kDeSLk225neF0elGBMrITE46rmnWjf7r+n4TsP4gLzWgxOpwuV1PPG4sBuWXzbf24nbCD3HoN124smmylprMTD0PDcYp6ljnRSCI6oBZfNx6eKsK17Wa5mnawagyGQcBuK5BtXhlYdcuYHnaQ/kZCfiacnHpt2r5VlPQR857i62zlKkW7mgE967Yzx3p6McdGvGPFjjmItrXjk26lPEQX8HvGxoG+/hc8FzmkFaZXshbmWm5A3vdk1vXn+0ssXx8O5kFrNyaQ3VYwfA3eenxWxgeFGK00w55zjadov7buB4DpvwXLly7cOXLOS25dXg7RDFHED6jQCeJ2uPffvVvFU+fmucglW9FP589K4bztoXrZ19BMqdk/nz0r7Nm8/L8VgGk1Tajm+IBv67gPArT0NbqwyH35MuoNaPEnuWlpRU3EUQPrOLz9losPmR3K+0Ypf7tDvJBd94657gbdi361h9ZbOlPWXp1O2zGjg0D5L6hQpC52tKIiiJQIpCAiIgIiICIiAiIghEQoIREVGji8WtESNrOd2Db8rrSoXBzHRnYR8irkrnC0wylm4Zt6WHZ3bOxWFfGInNp2sJa7rG/tFj2rJY4ueTe2f2H2bL0e6/q3HoPQpVtGlmArFylQVEfB7FXYphUNSzk54mvaNl8i08WuGbexWxCwLVnFtK81xz0ewMjlmime0Rtc/UewPvqgmwcLcOC5rRbRuOr5Rxk1BHq5BmsXa19mYtsXrukLPyOq/Qy/uOXn/owbdlV1xeD1n7Q23KbA6emziYS8bJJLOcOlrQLNPTa/SvnLHmSe3+f4LoKqLz/RVc8fnzsWM2Gi3Lz5zX3ZIsHt8+dgWF/PnwWCN5kvnzwX3ZJ589CrmuWtiVUbCFh50m34Wbz1nzsVpSbWiseaxG51DKl/KakvPqbB+iZcuPbnbrC9F0HpzJM+cjJgsPtO/l4riaKn5KNrGjny6uXCP2B942d1Bq9a0dw76PTsj9o85/2jtW7iJjcUjpXuWeWY3yx5LRSFAUhczWlERREqVClAREQEREBERAREQQiIghQpUFUQVXYvSGRgcwc9mbekb29viArErFFc7TyNkjMbhcOBFj8welUtNUGnkFNMeacoHneN0bjxG7j17egxehLHGaMXBzkaNv229PEb1V19KyqiLTZ2sP1ulvxLdjms+7ZspqfdlsKFzVPjD6R3JVhLo9jJ7XLR7so/5d/FdHHIHNDmkEOFwQbgjiCFL47UnUpek0nUpXnOlmEY9JWzPonTiA6nJ6lVCxuUbQ6zXSAjnB20L0ZFgweQSaPaSuBa81DmuBDmmspyCDkQfrdi1YNEschvyEUkWtbW1aqmF7bL2l6SvZ3rUmU0aeSP0f0g3mf/26f/6rqqaGRsMTZr8o1jRJchx1w0B13C4JvfMXXQVDfP8AVV07UFVIzz58Stdw8+fFb8rFUV9e1juTYNeQ+yN3S47llWs2nULETPhCKyqEYB2udkxu9x/gF9sIotVrqmozucx7790Y+EC1+A6SFOGYTYGpqnbcr2zJ9yIHx2Df09BgGDSYhMHObqQR5ADYG7dVvEned6651w8aj45/j8t86xRr/L7LbQTB3TSmtmFwCSy49Z3G3AL0NfKngbGxrGCzWiwHQvquJzpCyCxCyUBSFCkKIKVClAREQEREBERAREQFClQghCpUKjEqFkViUViVR4jhTmkyU425vj2Ani33XfIq9KxKo46eOKpa5sgs4ZOuMweD27+vxXLVOD1dATJSPswm5YefC49XsHuK9LxDC45szdrxse3Jw/EdBVPLTVMF+byjfeZk63xMOR7O5dOPiJrHLaNx/qW+maYjltG476OTpdNWN5tZC+E+80GSM9w1h3dqvqHF6af8zPG/oa8EjrbtCwlgo57h7AHb9XmO7WOFvkqiu0DpZb2c3qewj5tv4LPl4e/S019fFlNMNultev4dK9akoXLnQOVv5uqLbbNWpe38Fg7Qic+vWPI6atx/ip/T1/UhPYx/3H1XVZKxgJe5rQN5cAucrdI6YG0bjK7hGNb9rZ8192aCU4OtLMwnjz5D4fxW9Hh1FAMmOefiIjb3NuT3p7PDX4r79IPZ4462+jmmMrax2oxhiafZbznkdLt3nNWVLhdPRjnASSe403aD/mPG3qb3roIKSqqRqQx6kZ22bybO07Xdt10WDaHxREPm+seN1uaD1b0niOWNYo18/NJyxHhSNfdzOC6Nz1rxNUXbGNgtbmjY1jdjWr0ejpWRMbHG0Na3YAvqBbIKVyNKVIUBZBRAKURRBSiIClQpQEREBERAREQEREBQpUIChSiCFiVkhVGChZEKLIrAhRZZqLKjUqqCKUWkja7rAVe/RyH/AA3yR9DZDbuNwruyWVVzztHn7qp3bGw+AWH/AG1IdtSeyNq6OymyDnWaKx+3NI7tDf3QrCkwOmiN2RNvxPOPeVZWRREALJFKCFNkAWQCgBSiIgpRFARFKAiIgIiICIiAiIgIiICIiCEREBQiICiyhFRFksiIqERFQRSiCFKIgKbIiglSiIgpRFAREQSiIgIiICIiAiIg/9k="/>
           <p:cNvSpPr>
             <a:spLocks noChangeAspect="1" noChangeArrowheads="1"/>
           </p:cNvSpPr>
@@ -4982,16 +5546,20 @@
             <a:avLst/>
           </a:prstGeom>
           <a:noFill/>
-        </p:spPr>
-        <p:txBody>
-          <a:bodyPr vert="horz" wrap="square" lIns="91440" tIns="45720" rIns="91440" bIns="45720" numCol="1" anchor="t" anchorCtr="0" compatLnSpc="1">
-            <a:prstTxWarp prst="textNoShape">
-              <a:avLst/>
-            </a:prstTxWarp>
-          </a:bodyPr>
-          <a:lstStyle/>
-          <a:p>
-            <a:endParaRPr lang="ru-RU"/>
+          <a:ln w="9525">
+            <a:noFill/>
+            <a:miter lim="800000"/>
+            <a:headEnd/>
+            <a:tailEnd/>
+          </a:ln>
+        </p:spPr>
+        <p:txBody>
+          <a:bodyPr/>
+          <a:lstStyle/>
+          <a:p>
+            <a:endParaRPr lang="ru-RU">
+              <a:latin typeface="Calibri" pitchFamily="34" charset="0"/>
+            </a:endParaRPr>
           </a:p>
         </p:txBody>
       </p:sp>
@@ -5003,8 +5571,8 @@
         </p:nvSpPr>
         <p:spPr>
           <a:xfrm>
-            <a:off x="2555776" y="1340768"/>
-            <a:ext cx="3744416" cy="735510"/>
+            <a:off x="395536" y="1525340"/>
+            <a:ext cx="3744913" cy="735012"/>
           </a:xfrm>
           <a:prstGeom prst="rect">
             <a:avLst/>
@@ -5027,12 +5595,20 @@
           </a:fontRef>
         </p:style>
         <p:txBody>
-          <a:bodyPr rtlCol="0" anchor="ctr"/>
-          <a:lstStyle/>
-          <a:p>
-            <a:pPr algn="ctr"/>
-            <a:r>
-              <a:rPr lang="ru-RU" sz="2400" dirty="0" smtClean="0"/>
+          <a:bodyPr anchor="ctr"/>
+          <a:lstStyle/>
+          <a:p>
+            <a:pPr algn="ctr" fontAlgn="auto">
+              <a:spcBef>
+                <a:spcPts val="0"/>
+              </a:spcBef>
+              <a:spcAft>
+                <a:spcPts val="0"/>
+              </a:spcAft>
+              <a:defRPr/>
+            </a:pPr>
+            <a:r>
+              <a:rPr lang="ru-RU" sz="2400" dirty="0"/>
               <a:t>Входное изображение</a:t>
             </a:r>
             <a:endParaRPr lang="ru-RU" sz="2400" dirty="0"/>
@@ -5047,8 +5623,8 @@
         </p:nvSpPr>
         <p:spPr>
           <a:xfrm>
-            <a:off x="2555776" y="2276872"/>
-            <a:ext cx="3744416" cy="735510"/>
+            <a:off x="4499495" y="1340768"/>
+            <a:ext cx="3744913" cy="1008510"/>
           </a:xfrm>
           <a:prstGeom prst="rect">
             <a:avLst/>
@@ -5071,13 +5647,21 @@
           </a:fontRef>
         </p:style>
         <p:txBody>
-          <a:bodyPr rtlCol="0" anchor="ctr"/>
-          <a:lstStyle/>
-          <a:p>
-            <a:pPr algn="ctr"/>
+          <a:bodyPr anchor="ctr"/>
+          <a:lstStyle/>
+          <a:p>
+            <a:pPr algn="ctr" fontAlgn="auto">
+              <a:spcBef>
+                <a:spcPts val="0"/>
+              </a:spcBef>
+              <a:spcAft>
+                <a:spcPts val="0"/>
+              </a:spcAft>
+              <a:defRPr/>
+            </a:pPr>
             <a:r>
               <a:rPr lang="ru-RU" sz="2400" dirty="0" smtClean="0"/>
-              <a:t>Поиск пары глаз на изображении</a:t>
+              <a:t>Поиск лица и частей лица  (рот, нос, глаза) на изображении</a:t>
             </a:r>
             <a:endParaRPr lang="ru-RU" sz="2400" dirty="0"/>
           </a:p>
@@ -5091,8 +5675,8 @@
         </p:nvSpPr>
         <p:spPr>
           <a:xfrm>
-            <a:off x="2555776" y="3356992"/>
-            <a:ext cx="3744416" cy="735510"/>
+            <a:off x="395536" y="2764408"/>
+            <a:ext cx="3744913" cy="735012"/>
           </a:xfrm>
           <a:prstGeom prst="rect">
             <a:avLst/>
@@ -5115,12 +5699,20 @@
           </a:fontRef>
         </p:style>
         <p:txBody>
-          <a:bodyPr rtlCol="0" anchor="ctr"/>
-          <a:lstStyle/>
-          <a:p>
-            <a:pPr algn="ctr"/>
-            <a:r>
-              <a:rPr lang="ru-RU" sz="2400" dirty="0" smtClean="0"/>
+          <a:bodyPr anchor="ctr"/>
+          <a:lstStyle/>
+          <a:p>
+            <a:pPr algn="ctr" fontAlgn="auto">
+              <a:spcBef>
+                <a:spcPts val="0"/>
+              </a:spcBef>
+              <a:spcAft>
+                <a:spcPts val="0"/>
+              </a:spcAft>
+              <a:defRPr/>
+            </a:pPr>
+            <a:r>
+              <a:rPr lang="ru-RU" sz="2400" dirty="0"/>
               <a:t>Обработка глаз по отдельности</a:t>
             </a:r>
             <a:endParaRPr lang="ru-RU" sz="2400" dirty="0"/>
@@ -5135,8 +5727,8 @@
         </p:nvSpPr>
         <p:spPr>
           <a:xfrm>
-            <a:off x="2555776" y="4293096"/>
-            <a:ext cx="3744416" cy="735510"/>
+            <a:off x="4499992" y="2764408"/>
+            <a:ext cx="3744913" cy="736600"/>
           </a:xfrm>
           <a:prstGeom prst="rect">
             <a:avLst/>
@@ -5159,13 +5751,21 @@
           </a:fontRef>
         </p:style>
         <p:txBody>
-          <a:bodyPr rtlCol="0" anchor="ctr"/>
-          <a:lstStyle/>
-          <a:p>
-            <a:pPr algn="ctr"/>
+          <a:bodyPr anchor="ctr"/>
+          <a:lstStyle/>
+          <a:p>
+            <a:pPr algn="ctr" fontAlgn="auto">
+              <a:spcBef>
+                <a:spcPts val="0"/>
+              </a:spcBef>
+              <a:spcAft>
+                <a:spcPts val="0"/>
+              </a:spcAft>
+              <a:defRPr/>
+            </a:pPr>
             <a:r>
               <a:rPr lang="ru-RU" sz="2400" dirty="0" smtClean="0"/>
-              <a:t>Поиск зрачка</a:t>
+              <a:t>Вычисление координат зрачков </a:t>
             </a:r>
             <a:endParaRPr lang="ru-RU" sz="2400" dirty="0"/>
           </a:p>
@@ -5179,8 +5779,8 @@
         </p:nvSpPr>
         <p:spPr>
           <a:xfrm>
-            <a:off x="683568" y="5445224"/>
-            <a:ext cx="3744416" cy="735510"/>
+            <a:off x="323528" y="4077072"/>
+            <a:ext cx="3743325" cy="735013"/>
           </a:xfrm>
           <a:prstGeom prst="rect">
             <a:avLst/>
@@ -5203,13 +5803,21 @@
           </a:fontRef>
         </p:style>
         <p:txBody>
-          <a:bodyPr rtlCol="0" anchor="ctr"/>
-          <a:lstStyle/>
-          <a:p>
-            <a:pPr algn="ctr"/>
+          <a:bodyPr anchor="ctr"/>
+          <a:lstStyle/>
+          <a:p>
+            <a:pPr algn="ctr" fontAlgn="auto">
+              <a:spcBef>
+                <a:spcPts val="0"/>
+              </a:spcBef>
+              <a:spcAft>
+                <a:spcPts val="0"/>
+              </a:spcAft>
+              <a:defRPr/>
+            </a:pPr>
             <a:r>
               <a:rPr lang="ru-RU" sz="2400" dirty="0" smtClean="0"/>
-              <a:t>Поиск угла</a:t>
+              <a:t>Определение угла поворота головы</a:t>
             </a:r>
             <a:endParaRPr lang="ru-RU" sz="2400" dirty="0"/>
           </a:p>
@@ -5223,8 +5831,8 @@
         </p:nvSpPr>
         <p:spPr>
           <a:xfrm>
-            <a:off x="4788024" y="5445224"/>
-            <a:ext cx="3744416" cy="735510"/>
+            <a:off x="4499992" y="5445224"/>
+            <a:ext cx="3744913" cy="735013"/>
           </a:xfrm>
           <a:prstGeom prst="rect">
             <a:avLst/>
@@ -5247,13 +5855,21 @@
           </a:fontRef>
         </p:style>
         <p:txBody>
-          <a:bodyPr rtlCol="0" anchor="ctr"/>
-          <a:lstStyle/>
-          <a:p>
-            <a:pPr algn="ctr"/>
+          <a:bodyPr anchor="ctr"/>
+          <a:lstStyle/>
+          <a:p>
+            <a:pPr algn="ctr" fontAlgn="auto">
+              <a:spcBef>
+                <a:spcPts val="0"/>
+              </a:spcBef>
+              <a:spcAft>
+                <a:spcPts val="0"/>
+              </a:spcAft>
+              <a:defRPr/>
+            </a:pPr>
             <a:r>
               <a:rPr lang="ru-RU" sz="2400" dirty="0" smtClean="0"/>
-              <a:t>Получение координат</a:t>
+              <a:t>Сохранение координат</a:t>
             </a:r>
             <a:endParaRPr lang="ru-RU" sz="2400" dirty="0"/>
           </a:p>
@@ -5266,8 +5882,8 @@
           <p:nvPr/>
         </p:nvSpPr>
         <p:spPr>
-          <a:xfrm>
-            <a:off x="4211960" y="1916832"/>
+          <a:xfrm rot="16200000">
+            <a:off x="4031940" y="1720292"/>
             <a:ext cx="504056" cy="432048"/>
           </a:xfrm>
           <a:prstGeom prst="downArrow">
@@ -5289,10 +5905,18 @@
           </a:fontRef>
         </p:style>
         <p:txBody>
-          <a:bodyPr rtlCol="0" anchor="ctr"/>
-          <a:lstStyle/>
-          <a:p>
-            <a:pPr algn="ctr"/>
+          <a:bodyPr anchor="ctr"/>
+          <a:lstStyle/>
+          <a:p>
+            <a:pPr algn="ctr" fontAlgn="auto">
+              <a:spcBef>
+                <a:spcPts val="0"/>
+              </a:spcBef>
+              <a:spcAft>
+                <a:spcPts val="0"/>
+              </a:spcAft>
+              <a:defRPr/>
+            </a:pPr>
             <a:endParaRPr lang="ru-RU"/>
           </a:p>
         </p:txBody>
@@ -5304,8 +5928,8 @@
           <p:nvPr/>
         </p:nvSpPr>
         <p:spPr>
-          <a:xfrm>
-            <a:off x="4211960" y="2996952"/>
+          <a:xfrm rot="3261358">
+            <a:off x="3994322" y="2375027"/>
             <a:ext cx="504056" cy="432048"/>
           </a:xfrm>
           <a:prstGeom prst="downArrow">
@@ -5327,10 +5951,18 @@
           </a:fontRef>
         </p:style>
         <p:txBody>
-          <a:bodyPr rtlCol="0" anchor="ctr"/>
-          <a:lstStyle/>
-          <a:p>
-            <a:pPr algn="ctr"/>
+          <a:bodyPr anchor="ctr"/>
+          <a:lstStyle/>
+          <a:p>
+            <a:pPr algn="ctr" fontAlgn="auto">
+              <a:spcBef>
+                <a:spcPts val="0"/>
+              </a:spcBef>
+              <a:spcAft>
+                <a:spcPts val="0"/>
+              </a:spcAft>
+              <a:defRPr/>
+            </a:pPr>
             <a:endParaRPr lang="ru-RU"/>
           </a:p>
         </p:txBody>
@@ -5342,8 +5974,8 @@
           <p:nvPr/>
         </p:nvSpPr>
         <p:spPr>
-          <a:xfrm>
-            <a:off x="4211960" y="4077072"/>
+          <a:xfrm rot="16200000">
+            <a:off x="4031940" y="2960948"/>
             <a:ext cx="504056" cy="432048"/>
           </a:xfrm>
           <a:prstGeom prst="downArrow">
@@ -5365,23 +5997,31 @@
           </a:fontRef>
         </p:style>
         <p:txBody>
-          <a:bodyPr rtlCol="0" anchor="ctr"/>
-          <a:lstStyle/>
-          <a:p>
-            <a:pPr algn="ctr"/>
-            <a:endParaRPr lang="ru-RU"/>
-          </a:p>
-        </p:txBody>
-      </p:sp>
-      <p:sp>
-        <p:nvSpPr>
-          <p:cNvPr id="19" name="Стрелка вниз 18"/>
+          <a:bodyPr anchor="ctr"/>
+          <a:lstStyle/>
+          <a:p>
+            <a:pPr algn="ctr" fontAlgn="auto">
+              <a:spcBef>
+                <a:spcPts val="0"/>
+              </a:spcBef>
+              <a:spcAft>
+                <a:spcPts val="0"/>
+              </a:spcAft>
+              <a:defRPr/>
+            </a:pPr>
+            <a:endParaRPr lang="ru-RU" dirty="0"/>
+          </a:p>
+        </p:txBody>
+      </p:sp>
+      <p:sp>
+        <p:nvSpPr>
+          <p:cNvPr id="20" name="Стрелка вниз 19"/>
           <p:cNvSpPr/>
           <p:nvPr/>
         </p:nvSpPr>
         <p:spPr>
-          <a:xfrm>
-            <a:off x="3131840" y="5013176"/>
+          <a:xfrm rot="16200000">
+            <a:off x="4031940" y="5553237"/>
             <a:ext cx="504056" cy="432048"/>
           </a:xfrm>
           <a:prstGeom prst="downArrow">
@@ -5403,23 +6043,31 @@
           </a:fontRef>
         </p:style>
         <p:txBody>
-          <a:bodyPr rtlCol="0" anchor="ctr"/>
-          <a:lstStyle/>
-          <a:p>
-            <a:pPr algn="ctr"/>
+          <a:bodyPr anchor="ctr"/>
+          <a:lstStyle/>
+          <a:p>
+            <a:pPr algn="ctr" fontAlgn="auto">
+              <a:spcBef>
+                <a:spcPts val="0"/>
+              </a:spcBef>
+              <a:spcAft>
+                <a:spcPts val="0"/>
+              </a:spcAft>
+              <a:defRPr/>
+            </a:pPr>
             <a:endParaRPr lang="ru-RU"/>
           </a:p>
         </p:txBody>
       </p:sp>
       <p:sp>
         <p:nvSpPr>
-          <p:cNvPr id="20" name="Стрелка вниз 19"/>
+          <p:cNvPr id="23" name="Стрелка вниз 22"/>
           <p:cNvSpPr/>
           <p:nvPr/>
         </p:nvSpPr>
         <p:spPr>
-          <a:xfrm rot="16200000">
-            <a:off x="4391980" y="5635455"/>
+          <a:xfrm rot="3261358">
+            <a:off x="3994321" y="3602357"/>
             <a:ext cx="504056" cy="432048"/>
           </a:xfrm>
           <a:prstGeom prst="downArrow">
@@ -5441,10 +6089,214 @@
           </a:fontRef>
         </p:style>
         <p:txBody>
-          <a:bodyPr rtlCol="0" anchor="ctr"/>
-          <a:lstStyle/>
-          <a:p>
-            <a:pPr algn="ctr"/>
+          <a:bodyPr anchor="ctr"/>
+          <a:lstStyle/>
+          <a:p>
+            <a:pPr algn="ctr" fontAlgn="auto">
+              <a:spcBef>
+                <a:spcPts val="0"/>
+              </a:spcBef>
+              <a:spcAft>
+                <a:spcPts val="0"/>
+              </a:spcAft>
+              <a:defRPr/>
+            </a:pPr>
+            <a:endParaRPr lang="ru-RU"/>
+          </a:p>
+        </p:txBody>
+      </p:sp>
+      <p:sp>
+        <p:nvSpPr>
+          <p:cNvPr id="24" name="Прямоугольник 23"/>
+          <p:cNvSpPr/>
+          <p:nvPr/>
+        </p:nvSpPr>
+        <p:spPr>
+          <a:xfrm>
+            <a:off x="4501083" y="4005064"/>
+            <a:ext cx="3743325" cy="864096"/>
+          </a:xfrm>
+          <a:prstGeom prst="rect">
+            <a:avLst/>
+          </a:prstGeom>
+        </p:spPr>
+        <p:style>
+          <a:lnRef idx="2">
+            <a:schemeClr val="accent1">
+              <a:shade val="50000"/>
+            </a:schemeClr>
+          </a:lnRef>
+          <a:fillRef idx="1">
+            <a:schemeClr val="accent1"/>
+          </a:fillRef>
+          <a:effectRef idx="0">
+            <a:schemeClr val="accent1"/>
+          </a:effectRef>
+          <a:fontRef idx="minor">
+            <a:schemeClr val="lt1"/>
+          </a:fontRef>
+        </p:style>
+        <p:txBody>
+          <a:bodyPr anchor="ctr"/>
+          <a:lstStyle/>
+          <a:p>
+            <a:pPr algn="ctr" fontAlgn="auto">
+              <a:spcBef>
+                <a:spcPts val="0"/>
+              </a:spcBef>
+              <a:spcAft>
+                <a:spcPts val="0"/>
+              </a:spcAft>
+              <a:defRPr/>
+            </a:pPr>
+            <a:r>
+              <a:rPr lang="ru-RU" sz="2400" dirty="0" smtClean="0"/>
+              <a:t>Определение направления взгляда </a:t>
+            </a:r>
+            <a:endParaRPr lang="ru-RU" sz="2400" dirty="0"/>
+          </a:p>
+        </p:txBody>
+      </p:sp>
+      <p:sp>
+        <p:nvSpPr>
+          <p:cNvPr id="25" name="Прямоугольник 24"/>
+          <p:cNvSpPr/>
+          <p:nvPr/>
+        </p:nvSpPr>
+        <p:spPr>
+          <a:xfrm>
+            <a:off x="323528" y="5373216"/>
+            <a:ext cx="3743325" cy="864096"/>
+          </a:xfrm>
+          <a:prstGeom prst="rect">
+            <a:avLst/>
+          </a:prstGeom>
+        </p:spPr>
+        <p:style>
+          <a:lnRef idx="2">
+            <a:schemeClr val="accent1">
+              <a:shade val="50000"/>
+            </a:schemeClr>
+          </a:lnRef>
+          <a:fillRef idx="1">
+            <a:schemeClr val="accent1"/>
+          </a:fillRef>
+          <a:effectRef idx="0">
+            <a:schemeClr val="accent1"/>
+          </a:effectRef>
+          <a:fontRef idx="minor">
+            <a:schemeClr val="lt1"/>
+          </a:fontRef>
+        </p:style>
+        <p:txBody>
+          <a:bodyPr anchor="ctr"/>
+          <a:lstStyle/>
+          <a:p>
+            <a:pPr algn="ctr" fontAlgn="auto">
+              <a:spcBef>
+                <a:spcPts val="0"/>
+              </a:spcBef>
+              <a:spcAft>
+                <a:spcPts val="0"/>
+              </a:spcAft>
+              <a:defRPr/>
+            </a:pPr>
+            <a:r>
+              <a:rPr lang="ru-RU" sz="2400" dirty="0" smtClean="0"/>
+              <a:t>Аппроксимирование результата</a:t>
+            </a:r>
+            <a:endParaRPr lang="ru-RU" sz="2400" dirty="0"/>
+          </a:p>
+        </p:txBody>
+      </p:sp>
+      <p:sp>
+        <p:nvSpPr>
+          <p:cNvPr id="26" name="Стрелка вниз 25"/>
+          <p:cNvSpPr/>
+          <p:nvPr/>
+        </p:nvSpPr>
+        <p:spPr>
+          <a:xfrm rot="3261358">
+            <a:off x="3994322" y="4911827"/>
+            <a:ext cx="504056" cy="432048"/>
+          </a:xfrm>
+          <a:prstGeom prst="downArrow">
+            <a:avLst/>
+          </a:prstGeom>
+        </p:spPr>
+        <p:style>
+          <a:lnRef idx="0">
+            <a:schemeClr val="accent3"/>
+          </a:lnRef>
+          <a:fillRef idx="3">
+            <a:schemeClr val="accent3"/>
+          </a:fillRef>
+          <a:effectRef idx="3">
+            <a:schemeClr val="accent3"/>
+          </a:effectRef>
+          <a:fontRef idx="minor">
+            <a:schemeClr val="lt1"/>
+          </a:fontRef>
+        </p:style>
+        <p:txBody>
+          <a:bodyPr anchor="ctr"/>
+          <a:lstStyle/>
+          <a:p>
+            <a:pPr algn="ctr" fontAlgn="auto">
+              <a:spcBef>
+                <a:spcPts val="0"/>
+              </a:spcBef>
+              <a:spcAft>
+                <a:spcPts val="0"/>
+              </a:spcAft>
+              <a:defRPr/>
+            </a:pPr>
+            <a:endParaRPr lang="ru-RU"/>
+          </a:p>
+        </p:txBody>
+      </p:sp>
+      <p:sp>
+        <p:nvSpPr>
+          <p:cNvPr id="22" name="Стрелка вниз 21"/>
+          <p:cNvSpPr/>
+          <p:nvPr/>
+        </p:nvSpPr>
+        <p:spPr>
+          <a:xfrm rot="16200000">
+            <a:off x="4031940" y="4257092"/>
+            <a:ext cx="504056" cy="432048"/>
+          </a:xfrm>
+          <a:prstGeom prst="downArrow">
+            <a:avLst/>
+          </a:prstGeom>
+        </p:spPr>
+        <p:style>
+          <a:lnRef idx="0">
+            <a:schemeClr val="accent3"/>
+          </a:lnRef>
+          <a:fillRef idx="3">
+            <a:schemeClr val="accent3"/>
+          </a:fillRef>
+          <a:effectRef idx="3">
+            <a:schemeClr val="accent3"/>
+          </a:effectRef>
+          <a:fontRef idx="minor">
+            <a:schemeClr val="lt1"/>
+          </a:fontRef>
+        </p:style>
+        <p:txBody>
+          <a:bodyPr anchor="ctr"/>
+          <a:lstStyle/>
+          <a:p>
+            <a:pPr algn="ctr" fontAlgn="auto">
+              <a:spcBef>
+                <a:spcPts val="0"/>
+              </a:spcBef>
+              <a:spcAft>
+                <a:spcPts val="0"/>
+              </a:spcAft>
+              <a:defRPr/>
+            </a:pPr>
             <a:endParaRPr lang="ru-RU"/>
           </a:p>
         </p:txBody>
@@ -5483,7 +6335,7 @@
       </p:grpSpPr>
       <p:sp>
         <p:nvSpPr>
-          <p:cNvPr id="2" name="Заголовок 1"/>
+          <p:cNvPr id="9218" name="Заголовок 1"/>
           <p:cNvSpPr>
             <a:spLocks noGrp="1"/>
           </p:cNvSpPr>
@@ -5493,22 +6345,19 @@
         </p:nvSpPr>
         <p:spPr/>
         <p:txBody>
-          <a:bodyPr>
-            <a:normAutofit/>
-          </a:bodyPr>
-          <a:lstStyle/>
-          <a:p>
-            <a:r>
-              <a:rPr lang="ru-RU" dirty="0" smtClean="0"/>
+          <a:bodyPr/>
+          <a:lstStyle/>
+          <a:p>
+            <a:r>
+              <a:rPr lang="ru-RU" smtClean="0"/>
               <a:t>Алгоритм работы приложения</a:t>
             </a:r>
-            <a:endParaRPr lang="ru-RU" dirty="0" smtClean="0"/>
-          </a:p>
-        </p:txBody>
-      </p:sp>
-      <p:sp>
-        <p:nvSpPr>
-          <p:cNvPr id="2050" name="AutoShape 2" descr="data:image/jpeg;base64,/9j/4AAQSkZJRgABAQAAAQABAAD/2wCEAAkGBxAQDxAPDxAVFRUQFRUWEhUYEhYWGBUSFRUWGBUWFxgYHSggGBolGxUWIzEhJiktLi4uFx8zODMtNygtLisBCgoKDg0OGBAQGC0mHx0rLTcrLSstLSstKystNjcrKystLSstLSstLSsrNy0rLS0tKysrMSs3ListLTctLSsrK//AABEIALcBEwMBIgACEQEDEQH/xAAcAAEAAgMBAQEAAAAAAAAAAAAAAQUCBAYHAwj/xABIEAABAwICBQgGBQkHBQAAAAABAAIDBBEFIQYSMUFREyJhcYGRsfAHMkJSYqEUI3KC0SQzc5KissHh8SU0Q2OTs8IVFlOU0//EABkBAQEAAwEAAAAAAAAAAAAAAAABAgMEBf/EAC4RAQACAgAEAwcDBQAAAAAAAAABAgMRBBIx8CFBcRMiMmGRseFTgaEUI0JRUv/aAAwDAQACEQMRAD8A9xREQEREBERAREQEREBERAREQEREBERAREQEREBERAREQEREBERAREQEREBERAREQEREBERAREQEREBERARatfXxQN15Xho69q4nHPSE1jSYy1jB7bzbuv4IO+e8NzJA6zZac2LQN2yBeFYt6TNYnkxJMeN+TZ3nM9ypotKcVqSRSxDbb6qB0rh1k3HyCuh+hzj8G4nuWbcbiPHuXgLcP0leL/Xj/Qj/AHrLNmF6TtzDp/8AVp3fLWKvKP0CzEoj7S2WTNOwhfnV+M6R0mcrJXD/ADKQOb2vjaLd63cJ9LkjbfSaW43vgfv+w8/8lND9AIuF0a09pauwgna92+N3MkH3XZnsyXYUteyTfY8CoNpFCIJRQiCUUKUBERAREQEREBERAREQEREBERAREQEREBczpVpbHRgxss+U7G7m9JXx030qFIzkYiDM8fqDieleA4ti01XLyMBc/lHWLhm6Vx9lvw+PVtC20n03klkdqu5R+d3E/Vs6vePm+5amH6JVNUW1FbLyTHZtdICXuH+VCLZdJ1R1q3wXBIaGznBktQLcHRQH4Rskk+I5DcDtVk6oc5xc9xLjtJNz3qxA+mG4NQU9uTphI4f4k9pD1iP1G9x61eDEZCAC8gDY0c0D7rclRskX1bMuimPbLS5ZOtqKdcZX6UUtOdWWUaw2taNYjrAvbtXypNPKFzg3lS2+9zCB32yWzlrHhMq9GgqyNjiOokL44jhlLVj8qpo5CfbLdWQdUjbO+aq6Sta9ocxwc1wuCDcEdBG1WUEywvj0mnE4/wCisH6zDpTrDMRSkNdcbOTlFhfhrW61X4LpzXYdL9GxKOSRrLAlwtPGNxufzg6zc8SvVYnrWxzBaeui5KpZew5kjbCSM8WO4fCbg8FzzCLnR7SWKoiZJHIJI3+q8buhwOYI3g5hdG1wIuF+bqmkrsAqg+Mh8UnWIqho2gjPUkA7R0jb7FodpTFVQtmiddjsnNPrRvG1jhuIuOsEEZEKI7BFAN80UEoiIClQiCUREBERAREQEREBERAREQEREBVekeLtpKd0pzdsYOLzsVovH/SfpDd0jgbsg5kY3OkOXj8gUHAaY4zJNK+LWLnyG8ztpz2MHSfC3FXGD4YKKO1vyh4tK7byLD/hN+L3iPs7Ab1mheHkufWyZlriIr+1Oc3P+4CLfE4e6r97EHw8+fxWQf58+KhzfPncvm4+fO9bKQr7iRVeLVMsskVFTu1XzXL5NvJQj1nZb8iB3bSFt6/nztWlo+8nE6k5XbEwAnhkSO/wXXrVdR5sp6OnwfDqeiZq00YBtnLYGRx3lz93ULBb1ZNyrXMnY2RpGbXND29ZBWmH5ZZXBJvv6k19pzAsLg7T1KxSNa0wcrVObhFZGYnn6LUk8pFckQuuBrtJz1c/kQb5L0OllXjmlda6cyvuAxrtVjT62qNh7Tn2r0/R6Yup6dx2uijJ6y0LKcfL7vy2yh1NO9brCqylcrGNceSPFJYYjQRVML4J2a0b9o3gjY9p9lw3H+C8kZ9IwHETe74n217DKaC51ZGjc9ueXEEbDdeyBUmmOAiupXRgfWx3fAfitzmdTgLdeqdy1wOr0fxNkrGarw5j2h0bgcnNIuLdiul4h6Kcbc0voHk8y8lPfaBf6yPsJuB0u4L2qlm12B3Hb1qTGkl9URFBKIiCUREBERAREQEREBERAREQEREFfjtZyNNJINtrN+0cgvz/AKXwvmmjgYCdTnEcZH5NHXb95e16aSXbHHxJcezIeK4umwYA/SHDNzi4eDO7moKuGgEMccDfVibq34nMvd2uLj95YPiV06n8/NfCSm8+elBRyR+fPBakrVeTU3nz0qvqIFtxrCqcVraMtJxKq5ut9UzLsC+UOI8pK6LUI1S4Xvt1TbhvWzoo1v8A1Gp1ta3JM9Xau+td8vq2VjcxDqAy4y59mm49xVukEpELg062uADJ/wCNvtHzxV46Pmt18hqHV1Np+2qHFYi+Vxf61oxGG/myL5a/au7HhiZb64duLxql/J5XhuuAfzvYMrL0bRv+7U/6KP8AcC5PSmlAp6jXuH3GTb8nsHzV7BiX0Wggm1C+0cI1QbbWtG1auJrrJ+zXkpyy7alKsolzmi+J/Sqdk+oWaxcNUm9tVxbtt0XXRxLysvVpl9gslipWhHlWmlMaDE2VkQyc4TtA43tOztu7/UXsuj1WHDmm7XgOYeIIv4FcD6TKMPpGS74ZB+pINU/taisfRrXF1FTE7YiYj1McQ39nVWdo3WJWem3o6IiwYilQpCgKVCkICIiAiIgIiICIiAiIgIoRBy+krdacDg0DvumMUwYyNoH9AP5r64q29Qfu+AWxjwuY+o/wQc2YF8nU/n5q15NYmLz2IKSWlVdU0a6l8K056dbKdVh5Bhkd6yVvTN8nq80PjIxOps8M+qZmR0DJV2BN/tOZp3uqAOx5PgF0OjkRbi1Q3UDi+NpAOywAzXp4fJ0YI3eF5UN1WENPJF8ZuXZ8px1fO9V5pQA9rW8m0hl4nZuk+yd3BW07dthypa0tcCMos9o87liWAkgXkFma0pHOjtwXp01Ed99+D1601Dl9K6fVoqlrSI23/Mkc7dndaeKj+yovsweDVe6YMtQzu1Q9r3WbKfWOwKgxp9sNjYdtoR2gfyXHxUxvfy776vP4yNWj0dN6O/7hF9qX/ccuxiXD6Ay2oYx8Un+45dbHOvJydXDKwumstQTpyvnsWhGnpawPoKoHdGXdrCHj5tCovRnJaGobwlDv1o2j/grnSKT8jqv0MvzYVQej42ZUdLmfulboj+3Pqzj4ZexxOu1p4gH5LNfCiP1cf2W+AX3C0tYiIoJQIgQSiIgIiICIiAiIgKERARFCoosVbaYnoafPcvtiwvqHrHeL/wAExplnMdxBHaMx4lRUu1oGu921/A/JFaNkIRRdEYuWrOFtFfGQLKqvINLInUWJioaOa8iVvSDzZW9e39YK8xGJz+SrqQ6zmNvZu2SA5kDeSLk225neF0elGBMrITE46rmnWjf7r+n4TsP4gLzWgxOpwuV1PPG4sBuWXzbf24nbCD3HoN124smmylprMTD0PDcYp6ljnRSCI6oBZfNx6eKsK17Wa5mnawagyGQcBuK5BtXhlYdcuYHnaQ/kZCfiacnHpt2r5VlPQR857i62zlKkW7mgE967Yzx3p6McdGvGPFjjmItrXjk26lPEQX8HvGxoG+/hc8FzmkFaZXshbmWm5A3vdk1vXn+0ssXx8O5kFrNyaQ3VYwfA3eenxWxgeFGK00w55zjadov7buB4DpvwXLly7cOXLOS25dXg7RDFHED6jQCeJ2uPffvVvFU+fmucglW9FP589K4bztoXrZ19BMqdk/nz0r7Nm8/L8VgGk1Tajm+IBv67gPArT0NbqwyH35MuoNaPEnuWlpRU3EUQPrOLz9losPmR3K+0Ypf7tDvJBd94657gbdi361h9ZbOlPWXp1O2zGjg0D5L6hQpC52tKIiiJQIpCAiIgIiICIiAiIghEQoIREVGji8WtESNrOd2Db8rrSoXBzHRnYR8irkrnC0wylm4Zt6WHZ3bOxWFfGInNp2sJa7rG/tFj2rJY4ueTe2f2H2bL0e6/q3HoPQpVtGlmArFylQVEfB7FXYphUNSzk54mvaNl8i08WuGbexWxCwLVnFtK81xz0ewMjlmime0Rtc/UewPvqgmwcLcOC5rRbRuOr5Rxk1BHq5BmsXa19mYtsXrukLPyOq/Qy/uOXn/owbdlV1xeD1n7Q23KbA6emziYS8bJJLOcOlrQLNPTa/SvnLHmSe3+f4LoKqLz/RVc8fnzsWM2Gi3Lz5zX3ZIsHt8+dgWF/PnwWCN5kvnzwX3ZJ589CrmuWtiVUbCFh50m34Wbz1nzsVpSbWiseaxG51DKl/KakvPqbB+iZcuPbnbrC9F0HpzJM+cjJgsPtO/l4riaKn5KNrGjny6uXCP2B942d1Bq9a0dw76PTsj9o85/2jtW7iJjcUjpXuWeWY3yx5LRSFAUhczWlERREqVClAREQEREBERAREQQiIghQpUFUQVXYvSGRgcwc9mbekb29viArErFFc7TyNkjMbhcOBFj8welUtNUGnkFNMeacoHneN0bjxG7j17egxehLHGaMXBzkaNv229PEb1V19KyqiLTZ2sP1ulvxLdjms+7ZspqfdlsKFzVPjD6R3JVhLo9jJ7XLR7so/5d/FdHHIHNDmkEOFwQbgjiCFL47UnUpek0nUpXnOlmEY9JWzPonTiA6nJ6lVCxuUbQ6zXSAjnB20L0ZFgweQSaPaSuBa81DmuBDmmspyCDkQfrdi1YNEschvyEUkWtbW1aqmF7bL2l6SvZ3rUmU0aeSP0f0g3mf/26f/6rqqaGRsMTZr8o1jRJchx1w0B13C4JvfMXXQVDfP8AVV07UFVIzz58Stdw8+fFb8rFUV9e1juTYNeQ+yN3S47llWs2nULETPhCKyqEYB2udkxu9x/gF9sIotVrqmozucx7790Y+EC1+A6SFOGYTYGpqnbcr2zJ9yIHx2Df09BgGDSYhMHObqQR5ADYG7dVvEned6651w8aj45/j8t86xRr/L7LbQTB3TSmtmFwCSy49Z3G3AL0NfKngbGxrGCzWiwHQvquJzpCyCxCyUBSFCkKIKVClAREQEREBERAREQFClQghCpUKjEqFkViUViVR4jhTmkyU425vj2Ani33XfIq9KxKo46eOKpa5sgs4ZOuMweD27+vxXLVOD1dATJSPswm5YefC49XsHuK9LxDC45szdrxse3Jw/EdBVPLTVMF+byjfeZk63xMOR7O5dOPiJrHLaNx/qW+maYjltG476OTpdNWN5tZC+E+80GSM9w1h3dqvqHF6af8zPG/oa8EjrbtCwlgo57h7AHb9XmO7WOFvkqiu0DpZb2c3qewj5tv4LPl4e/S019fFlNMNultev4dK9akoXLnQOVv5uqLbbNWpe38Fg7Qic+vWPI6atx/ip/T1/UhPYx/3H1XVZKxgJe5rQN5cAucrdI6YG0bjK7hGNb9rZ8192aCU4OtLMwnjz5D4fxW9Hh1FAMmOefiIjb3NuT3p7PDX4r79IPZ4462+jmmMrax2oxhiafZbznkdLt3nNWVLhdPRjnASSe403aD/mPG3qb3roIKSqqRqQx6kZ22bybO07Xdt10WDaHxREPm+seN1uaD1b0niOWNYo18/NJyxHhSNfdzOC6Nz1rxNUXbGNgtbmjY1jdjWr0ejpWRMbHG0Na3YAvqBbIKVyNKVIUBZBRAKURRBSiIClQpQEREBERAREQEREBQpUIChSiCFiVkhVGChZEKLIrAhRZZqLKjUqqCKUWkja7rAVe/RyH/AA3yR9DZDbuNwruyWVVzztHn7qp3bGw+AWH/AG1IdtSeyNq6OymyDnWaKx+3NI7tDf3QrCkwOmiN2RNvxPOPeVZWRREALJFKCFNkAWQCgBSiIgpRFARFKAiIgIiICIiAiIgIiICIiCEREBQiICiyhFRFksiIqERFQRSiCFKIgKbIiglSiIgpRFAREQSiIgIiICIiAiIg/9k="/>
+          </a:p>
+        </p:txBody>
+      </p:sp>
+      <p:sp>
+        <p:nvSpPr>
+          <p:cNvPr id="9219" name="AutoShape 2" descr="data:image/jpeg;base64,/9j/4AAQSkZJRgABAQAAAQABAAD/2wCEAAkGBxAQDxAPDxAVFRUQFRUWEhUYEhYWGBUSFRUWGBUWFxgYHSggGBolGxUWIzEhJiktLi4uFx8zODMtNygtLisBCgoKDg0OGBAQGC0mHx0rLTcrLSstLSstKystNjcrKystLSstLSstLSsrNy0rLS0tKysrMSs3ListLTctLSsrK//AABEIALcBEwMBIgACEQEDEQH/xAAcAAEAAgMBAQEAAAAAAAAAAAAAAQUCBAYHAwj/xABIEAABAwICBQgGBQkHBQAAAAABAAIDBBEFIQYSMUFREyJhcYGRsfAHMkJSYqEUI3KC0SQzc5KissHh8SU0Q2OTs8IVFlOU0//EABkBAQEAAwEAAAAAAAAAAAAAAAABAgMEBf/EAC4RAQACAgAEAwcDBQAAAAAAAAABAgMRBBIx8CFBcRMiMmGRseFTgaEUI0JRUv/aAAwDAQACEQMRAD8A9xREQEREBERAREQEREBERAREQEREBERAREQEREBERAREQEREBERAREQEREBERAREQEREBERAREQEREBERARatfXxQN15Xho69q4nHPSE1jSYy1jB7bzbuv4IO+e8NzJA6zZac2LQN2yBeFYt6TNYnkxJMeN+TZ3nM9ypotKcVqSRSxDbb6qB0rh1k3HyCuh+hzj8G4nuWbcbiPHuXgLcP0leL/Xj/Qj/AHrLNmF6TtzDp/8AVp3fLWKvKP0CzEoj7S2WTNOwhfnV+M6R0mcrJXD/ADKQOb2vjaLd63cJ9LkjbfSaW43vgfv+w8/8lND9AIuF0a09pauwgna92+N3MkH3XZnsyXYUteyTfY8CoNpFCIJRQiCUUKUBERAREQEREBERAREQEREBERAREQEREBczpVpbHRgxss+U7G7m9JXx030qFIzkYiDM8fqDieleA4ti01XLyMBc/lHWLhm6Vx9lvw+PVtC20n03klkdqu5R+d3E/Vs6vePm+5amH6JVNUW1FbLyTHZtdICXuH+VCLZdJ1R1q3wXBIaGznBktQLcHRQH4Rskk+I5DcDtVk6oc5xc9xLjtJNz3qxA+mG4NQU9uTphI4f4k9pD1iP1G9x61eDEZCAC8gDY0c0D7rclRskX1bMuimPbLS5ZOtqKdcZX6UUtOdWWUaw2taNYjrAvbtXypNPKFzg3lS2+9zCB32yWzlrHhMq9GgqyNjiOokL44jhlLVj8qpo5CfbLdWQdUjbO+aq6Sta9ocxwc1wuCDcEdBG1WUEywvj0mnE4/wCisH6zDpTrDMRSkNdcbOTlFhfhrW61X4LpzXYdL9GxKOSRrLAlwtPGNxufzg6zc8SvVYnrWxzBaeui5KpZew5kjbCSM8WO4fCbg8FzzCLnR7SWKoiZJHIJI3+q8buhwOYI3g5hdG1wIuF+bqmkrsAqg+Mh8UnWIqho2gjPUkA7R0jb7FodpTFVQtmiddjsnNPrRvG1jhuIuOsEEZEKI7BFAN80UEoiIClQiCUREBERAREQEREBERAREQEREBVekeLtpKd0pzdsYOLzsVovH/SfpDd0jgbsg5kY3OkOXj8gUHAaY4zJNK+LWLnyG8ztpz2MHSfC3FXGD4YKKO1vyh4tK7byLD/hN+L3iPs7Ab1mheHkufWyZlriIr+1Oc3P+4CLfE4e6r97EHw8+fxWQf58+KhzfPncvm4+fO9bKQr7iRVeLVMsskVFTu1XzXL5NvJQj1nZb8iB3bSFt6/nztWlo+8nE6k5XbEwAnhkSO/wXXrVdR5sp6OnwfDqeiZq00YBtnLYGRx3lz93ULBb1ZNyrXMnY2RpGbXND29ZBWmH5ZZXBJvv6k19pzAsLg7T1KxSNa0wcrVObhFZGYnn6LUk8pFckQuuBrtJz1c/kQb5L0OllXjmlda6cyvuAxrtVjT62qNh7Tn2r0/R6Yup6dx2uijJ6y0LKcfL7vy2yh1NO9brCqylcrGNceSPFJYYjQRVML4J2a0b9o3gjY9p9lw3H+C8kZ9IwHETe74n217DKaC51ZGjc9ueXEEbDdeyBUmmOAiupXRgfWx3fAfitzmdTgLdeqdy1wOr0fxNkrGarw5j2h0bgcnNIuLdiul4h6Kcbc0voHk8y8lPfaBf6yPsJuB0u4L2qlm12B3Hb1qTGkl9URFBKIiCUREBERAREQEREBERAREQEREFfjtZyNNJINtrN+0cgvz/AKXwvmmjgYCdTnEcZH5NHXb95e16aSXbHHxJcezIeK4umwYA/SHDNzi4eDO7moKuGgEMccDfVibq34nMvd2uLj95YPiV06n8/NfCSm8+elBRyR+fPBakrVeTU3nz0qvqIFtxrCqcVraMtJxKq5ut9UzLsC+UOI8pK6LUI1S4Xvt1TbhvWzoo1v8A1Gp1ta3JM9Xau+td8vq2VjcxDqAy4y59mm49xVukEpELg062uADJ/wCNvtHzxV46Pmt18hqHV1Np+2qHFYi+Vxf61oxGG/myL5a/au7HhiZb64duLxql/J5XhuuAfzvYMrL0bRv+7U/6KP8AcC5PSmlAp6jXuH3GTb8nsHzV7BiX0Wggm1C+0cI1QbbWtG1auJrrJ+zXkpyy7alKsolzmi+J/Sqdk+oWaxcNUm9tVxbtt0XXRxLysvVpl9gslipWhHlWmlMaDE2VkQyc4TtA43tOztu7/UXsuj1WHDmm7XgOYeIIv4FcD6TKMPpGS74ZB+pINU/taisfRrXF1FTE7YiYj1McQ39nVWdo3WJWem3o6IiwYilQpCgKVCkICIiAiIgIiICIiAiIgIoRBy+krdacDg0DvumMUwYyNoH9AP5r64q29Qfu+AWxjwuY+o/wQc2YF8nU/n5q15NYmLz2IKSWlVdU0a6l8K056dbKdVh5Bhkd6yVvTN8nq80PjIxOps8M+qZmR0DJV2BN/tOZp3uqAOx5PgF0OjkRbi1Q3UDi+NpAOywAzXp4fJ0YI3eF5UN1WENPJF8ZuXZ8px1fO9V5pQA9rW8m0hl4nZuk+yd3BW07dthypa0tcCMos9o87liWAkgXkFma0pHOjtwXp01Ed99+D1601Dl9K6fVoqlrSI23/Mkc7dndaeKj+yovsweDVe6YMtQzu1Q9r3WbKfWOwKgxp9sNjYdtoR2gfyXHxUxvfy776vP4yNWj0dN6O/7hF9qX/ccuxiXD6Ay2oYx8Un+45dbHOvJydXDKwumstQTpyvnsWhGnpawPoKoHdGXdrCHj5tCovRnJaGobwlDv1o2j/grnSKT8jqv0MvzYVQej42ZUdLmfulboj+3Pqzj4ZexxOu1p4gH5LNfCiP1cf2W+AX3C0tYiIoJQIgQSiIgIiICIiAiIgKERARFCoosVbaYnoafPcvtiwvqHrHeL/wAExplnMdxBHaMx4lRUu1oGu921/A/JFaNkIRRdEYuWrOFtFfGQLKqvINLInUWJioaOa8iVvSDzZW9e39YK8xGJz+SrqQ6zmNvZu2SA5kDeSLk225neF0elGBMrITE46rmnWjf7r+n4TsP4gLzWgxOpwuV1PPG4sBuWXzbf24nbCD3HoN124smmylprMTD0PDcYp6ljnRSCI6oBZfNx6eKsK17Wa5mnawagyGQcBuK5BtXhlYdcuYHnaQ/kZCfiacnHpt2r5VlPQR857i62zlKkW7mgE967Yzx3p6McdGvGPFjjmItrXjk26lPEQX8HvGxoG+/hc8FzmkFaZXshbmWm5A3vdk1vXn+0ssXx8O5kFrNyaQ3VYwfA3eenxWxgeFGK00w55zjadov7buB4DpvwXLly7cOXLOS25dXg7RDFHED6jQCeJ2uPffvVvFU+fmucglW9FP589K4bztoXrZ19BMqdk/nz0r7Nm8/L8VgGk1Tajm+IBv67gPArT0NbqwyH35MuoNaPEnuWlpRU3EUQPrOLz9losPmR3K+0Ypf7tDvJBd94657gbdi361h9ZbOlPWXp1O2zGjg0D5L6hQpC52tKIiiJQIpCAiIgIiICIiAiIghEQoIREVGji8WtESNrOd2Db8rrSoXBzHRnYR8irkrnC0wylm4Zt6WHZ3bOxWFfGInNp2sJa7rG/tFj2rJY4ueTe2f2H2bL0e6/q3HoPQpVtGlmArFylQVEfB7FXYphUNSzk54mvaNl8i08WuGbexWxCwLVnFtK81xz0ewMjlmime0Rtc/UewPvqgmwcLcOC5rRbRuOr5Rxk1BHq5BmsXa19mYtsXrukLPyOq/Qy/uOXn/owbdlV1xeD1n7Q23KbA6emziYS8bJJLOcOlrQLNPTa/SvnLHmSe3+f4LoKqLz/RVc8fnzsWM2Gi3Lz5zX3ZIsHt8+dgWF/PnwWCN5kvnzwX3ZJ589CrmuWtiVUbCFh50m34Wbz1nzsVpSbWiseaxG51DKl/KakvPqbB+iZcuPbnbrC9F0HpzJM+cjJgsPtO/l4riaKn5KNrGjny6uXCP2B942d1Bq9a0dw76PTsj9o85/2jtW7iJjcUjpXuWeWY3yx5LRSFAUhczWlERREqVClAREQEREBERAREQQiIghQpUFUQVXYvSGRgcwc9mbekb29viArErFFc7TyNkjMbhcOBFj8welUtNUGnkFNMeacoHneN0bjxG7j17egxehLHGaMXBzkaNv229PEb1V19KyqiLTZ2sP1ulvxLdjms+7ZspqfdlsKFzVPjD6R3JVhLo9jJ7XLR7so/5d/FdHHIHNDmkEOFwQbgjiCFL47UnUpek0nUpXnOlmEY9JWzPonTiA6nJ6lVCxuUbQ6zXSAjnB20L0ZFgweQSaPaSuBa81DmuBDmmspyCDkQfrdi1YNEschvyEUkWtbW1aqmF7bL2l6SvZ3rUmU0aeSP0f0g3mf/26f/6rqqaGRsMTZr8o1jRJchx1w0B13C4JvfMXXQVDfP8AVV07UFVIzz58Stdw8+fFb8rFUV9e1juTYNeQ+yN3S47llWs2nULETPhCKyqEYB2udkxu9x/gF9sIotVrqmozucx7790Y+EC1+A6SFOGYTYGpqnbcr2zJ9yIHx2Df09BgGDSYhMHObqQR5ADYG7dVvEned6651w8aj45/j8t86xRr/L7LbQTB3TSmtmFwCSy49Z3G3AL0NfKngbGxrGCzWiwHQvquJzpCyCxCyUBSFCkKIKVClAREQEREBERAREQFClQghCpUKjEqFkViUViVR4jhTmkyU425vj2Ani33XfIq9KxKo46eOKpa5sgs4ZOuMweD27+vxXLVOD1dATJSPswm5YefC49XsHuK9LxDC45szdrxse3Jw/EdBVPLTVMF+byjfeZk63xMOR7O5dOPiJrHLaNx/qW+maYjltG476OTpdNWN5tZC+E+80GSM9w1h3dqvqHF6af8zPG/oa8EjrbtCwlgo57h7AHb9XmO7WOFvkqiu0DpZb2c3qewj5tv4LPl4e/S019fFlNMNultev4dK9akoXLnQOVv5uqLbbNWpe38Fg7Qic+vWPI6atx/ip/T1/UhPYx/3H1XVZKxgJe5rQN5cAucrdI6YG0bjK7hGNb9rZ8192aCU4OtLMwnjz5D4fxW9Hh1FAMmOefiIjb3NuT3p7PDX4r79IPZ4462+jmmMrax2oxhiafZbznkdLt3nNWVLhdPRjnASSe403aD/mPG3qb3roIKSqqRqQx6kZ22bybO07Xdt10WDaHxREPm+seN1uaD1b0niOWNYo18/NJyxHhSNfdzOC6Nz1rxNUXbGNgtbmjY1jdjWr0ejpWRMbHG0Na3YAvqBbIKVyNKVIUBZBRAKURRBSiIClQpQEREBERAREQEREBQpUIChSiCFiVkhVGChZEKLIrAhRZZqLKjUqqCKUWkja7rAVe/RyH/AA3yR9DZDbuNwruyWVVzztHn7qp3bGw+AWH/AG1IdtSeyNq6OymyDnWaKx+3NI7tDf3QrCkwOmiN2RNvxPOPeVZWRREALJFKCFNkAWQCgBSiIgpRFARFKAiIgIiICIiAiIgIiICIiCEREBQiICiyhFRFksiIqERFQRSiCFKIgKbIiglSiIgpRFAREQSiIgIiICIiAiIg/9k="/>
           <p:cNvSpPr>
             <a:spLocks noChangeAspect="1" noChangeArrowheads="1"/>
           </p:cNvSpPr>
@@ -5523,22 +6372,26 @@
             <a:avLst/>
           </a:prstGeom>
           <a:noFill/>
-        </p:spPr>
-        <p:txBody>
-          <a:bodyPr vert="horz" wrap="square" lIns="91440" tIns="45720" rIns="91440" bIns="45720" numCol="1" anchor="t" anchorCtr="0" compatLnSpc="1">
-            <a:prstTxWarp prst="textNoShape">
-              <a:avLst/>
-            </a:prstTxWarp>
-          </a:bodyPr>
-          <a:lstStyle/>
-          <a:p>
-            <a:endParaRPr lang="ru-RU"/>
-          </a:p>
-        </p:txBody>
-      </p:sp>
-      <p:sp>
-        <p:nvSpPr>
-          <p:cNvPr id="2052" name="AutoShape 4" descr="data:image/jpeg;base64,/9j/4AAQSkZJRgABAQAAAQABAAD/2wCEAAkGBxAQDxAPDxAVFRUQFRUWEhUYEhYWGBUSFRUWGBUWFxgYHSggGBolGxUWIzEhJiktLi4uFx8zODMtNygtLisBCgoKDg0OGBAQGC0mHx0rLTcrLSstLSstKystNjcrKystLSstLSstLSsrNy0rLS0tKysrMSs3ListLTctLSsrK//AABEIALcBEwMBIgACEQEDEQH/xAAcAAEAAgMBAQEAAAAAAAAAAAAAAQUCBAYHAwj/xABIEAABAwICBQgGBQkHBQAAAAABAAIDBBEFIQYSMUFREyJhcYGRsfAHMkJSYqEUI3KC0SQzc5KissHh8SU0Q2OTs8IVFlOU0//EABkBAQEAAwEAAAAAAAAAAAAAAAABAgMEBf/EAC4RAQACAgAEAwcDBQAAAAAAAAABAgMRBBIx8CFBcRMiMmGRseFTgaEUI0JRUv/aAAwDAQACEQMRAD8A9xREQEREBERAREQEREBERAREQEREBERAREQEREBERAREQEREBERAREQEREBERAREQEREBERAREQEREBERARatfXxQN15Xho69q4nHPSE1jSYy1jB7bzbuv4IO+e8NzJA6zZac2LQN2yBeFYt6TNYnkxJMeN+TZ3nM9ypotKcVqSRSxDbb6qB0rh1k3HyCuh+hzj8G4nuWbcbiPHuXgLcP0leL/Xj/Qj/AHrLNmF6TtzDp/8AVp3fLWKvKP0CzEoj7S2WTNOwhfnV+M6R0mcrJXD/ADKQOb2vjaLd63cJ9LkjbfSaW43vgfv+w8/8lND9AIuF0a09pauwgna92+N3MkH3XZnsyXYUteyTfY8CoNpFCIJRQiCUUKUBERAREQEREBERAREQEREBERAREQEREBczpVpbHRgxss+U7G7m9JXx030qFIzkYiDM8fqDieleA4ti01XLyMBc/lHWLhm6Vx9lvw+PVtC20n03klkdqu5R+d3E/Vs6vePm+5amH6JVNUW1FbLyTHZtdICXuH+VCLZdJ1R1q3wXBIaGznBktQLcHRQH4Rskk+I5DcDtVk6oc5xc9xLjtJNz3qxA+mG4NQU9uTphI4f4k9pD1iP1G9x61eDEZCAC8gDY0c0D7rclRskX1bMuimPbLS5ZOtqKdcZX6UUtOdWWUaw2taNYjrAvbtXypNPKFzg3lS2+9zCB32yWzlrHhMq9GgqyNjiOokL44jhlLVj8qpo5CfbLdWQdUjbO+aq6Sta9ocxwc1wuCDcEdBG1WUEywvj0mnE4/wCisH6zDpTrDMRSkNdcbOTlFhfhrW61X4LpzXYdL9GxKOSRrLAlwtPGNxufzg6zc8SvVYnrWxzBaeui5KpZew5kjbCSM8WO4fCbg8FzzCLnR7SWKoiZJHIJI3+q8buhwOYI3g5hdG1wIuF+bqmkrsAqg+Mh8UnWIqho2gjPUkA7R0jb7FodpTFVQtmiddjsnNPrRvG1jhuIuOsEEZEKI7BFAN80UEoiIClQiCUREBERAREQEREBERAREQEREBVekeLtpKd0pzdsYOLzsVovH/SfpDd0jgbsg5kY3OkOXj8gUHAaY4zJNK+LWLnyG8ztpz2MHSfC3FXGD4YKKO1vyh4tK7byLD/hN+L3iPs7Ab1mheHkufWyZlriIr+1Oc3P+4CLfE4e6r97EHw8+fxWQf58+KhzfPncvm4+fO9bKQr7iRVeLVMsskVFTu1XzXL5NvJQj1nZb8iB3bSFt6/nztWlo+8nE6k5XbEwAnhkSO/wXXrVdR5sp6OnwfDqeiZq00YBtnLYGRx3lz93ULBb1ZNyrXMnY2RpGbXND29ZBWmH5ZZXBJvv6k19pzAsLg7T1KxSNa0wcrVObhFZGYnn6LUk8pFckQuuBrtJz1c/kQb5L0OllXjmlda6cyvuAxrtVjT62qNh7Tn2r0/R6Yup6dx2uijJ6y0LKcfL7vy2yh1NO9brCqylcrGNceSPFJYYjQRVML4J2a0b9o3gjY9p9lw3H+C8kZ9IwHETe74n217DKaC51ZGjc9ueXEEbDdeyBUmmOAiupXRgfWx3fAfitzmdTgLdeqdy1wOr0fxNkrGarw5j2h0bgcnNIuLdiul4h6Kcbc0voHk8y8lPfaBf6yPsJuB0u4L2qlm12B3Hb1qTGkl9URFBKIiCUREBERAREQEREBERAREQEREFfjtZyNNJINtrN+0cgvz/AKXwvmmjgYCdTnEcZH5NHXb95e16aSXbHHxJcezIeK4umwYA/SHDNzi4eDO7moKuGgEMccDfVibq34nMvd2uLj95YPiV06n8/NfCSm8+elBRyR+fPBakrVeTU3nz0qvqIFtxrCqcVraMtJxKq5ut9UzLsC+UOI8pK6LUI1S4Xvt1TbhvWzoo1v8A1Gp1ta3JM9Xau+td8vq2VjcxDqAy4y59mm49xVukEpELg062uADJ/wCNvtHzxV46Pmt18hqHV1Np+2qHFYi+Vxf61oxGG/myL5a/au7HhiZb64duLxql/J5XhuuAfzvYMrL0bRv+7U/6KP8AcC5PSmlAp6jXuH3GTb8nsHzV7BiX0Wggm1C+0cI1QbbWtG1auJrrJ+zXkpyy7alKsolzmi+J/Sqdk+oWaxcNUm9tVxbtt0XXRxLysvVpl9gslipWhHlWmlMaDE2VkQyc4TtA43tOztu7/UXsuj1WHDmm7XgOYeIIv4FcD6TKMPpGS74ZB+pINU/taisfRrXF1FTE7YiYj1McQ39nVWdo3WJWem3o6IiwYilQpCgKVCkICIiAiIgIiICIiAiIgIoRBy+krdacDg0DvumMUwYyNoH9AP5r64q29Qfu+AWxjwuY+o/wQc2YF8nU/n5q15NYmLz2IKSWlVdU0a6l8K056dbKdVh5Bhkd6yVvTN8nq80PjIxOps8M+qZmR0DJV2BN/tOZp3uqAOx5PgF0OjkRbi1Q3UDi+NpAOywAzXp4fJ0YI3eF5UN1WENPJF8ZuXZ8px1fO9V5pQA9rW8m0hl4nZuk+yd3BW07dthypa0tcCMos9o87liWAkgXkFma0pHOjtwXp01Ed99+D1601Dl9K6fVoqlrSI23/Mkc7dndaeKj+yovsweDVe6YMtQzu1Q9r3WbKfWOwKgxp9sNjYdtoR2gfyXHxUxvfy776vP4yNWj0dN6O/7hF9qX/ccuxiXD6Ay2oYx8Un+45dbHOvJydXDKwumstQTpyvnsWhGnpawPoKoHdGXdrCHj5tCovRnJaGobwlDv1o2j/grnSKT8jqv0MvzYVQej42ZUdLmfulboj+3Pqzj4ZexxOu1p4gH5LNfCiP1cf2W+AX3C0tYiIoJQIgQSiIgIiICIiAiIgKERARFCoosVbaYnoafPcvtiwvqHrHeL/wAExplnMdxBHaMx4lRUu1oGu921/A/JFaNkIRRdEYuWrOFtFfGQLKqvINLInUWJioaOa8iVvSDzZW9e39YK8xGJz+SrqQ6zmNvZu2SA5kDeSLk225neF0elGBMrITE46rmnWjf7r+n4TsP4gLzWgxOpwuV1PPG4sBuWXzbf24nbCD3HoN124smmylprMTD0PDcYp6ljnRSCI6oBZfNx6eKsK17Wa5mnawagyGQcBuK5BtXhlYdcuYHnaQ/kZCfiacnHpt2r5VlPQR857i62zlKkW7mgE967Yzx3p6McdGvGPFjjmItrXjk26lPEQX8HvGxoG+/hc8FzmkFaZXshbmWm5A3vdk1vXn+0ssXx8O5kFrNyaQ3VYwfA3eenxWxgeFGK00w55zjadov7buB4DpvwXLly7cOXLOS25dXg7RDFHED6jQCeJ2uPffvVvFU+fmucglW9FP589K4bztoXrZ19BMqdk/nz0r7Nm8/L8VgGk1Tajm+IBv67gPArT0NbqwyH35MuoNaPEnuWlpRU3EUQPrOLz9losPmR3K+0Ypf7tDvJBd94657gbdi361h9ZbOlPWXp1O2zGjg0D5L6hQpC52tKIiiJQIpCAiIgIiICIiAiIghEQoIREVGji8WtESNrOd2Db8rrSoXBzHRnYR8irkrnC0wylm4Zt6WHZ3bOxWFfGInNp2sJa7rG/tFj2rJY4ueTe2f2H2bL0e6/q3HoPQpVtGlmArFylQVEfB7FXYphUNSzk54mvaNl8i08WuGbexWxCwLVnFtK81xz0ewMjlmime0Rtc/UewPvqgmwcLcOC5rRbRuOr5Rxk1BHq5BmsXa19mYtsXrukLPyOq/Qy/uOXn/owbdlV1xeD1n7Q23KbA6emziYS8bJJLOcOlrQLNPTa/SvnLHmSe3+f4LoKqLz/RVc8fnzsWM2Gi3Lz5zX3ZIsHt8+dgWF/PnwWCN5kvnzwX3ZJ589CrmuWtiVUbCFh50m34Wbz1nzsVpSbWiseaxG51DKl/KakvPqbB+iZcuPbnbrC9F0HpzJM+cjJgsPtO/l4riaKn5KNrGjny6uXCP2B942d1Bq9a0dw76PTsj9o85/2jtW7iJjcUjpXuWeWY3yx5LRSFAUhczWlERREqVClAREQEREBERAREQQiIghQpUFUQVXYvSGRgcwc9mbekb29viArErFFc7TyNkjMbhcOBFj8welUtNUGnkFNMeacoHneN0bjxG7j17egxehLHGaMXBzkaNv229PEb1V19KyqiLTZ2sP1ulvxLdjms+7ZspqfdlsKFzVPjD6R3JVhLo9jJ7XLR7so/5d/FdHHIHNDmkEOFwQbgjiCFL47UnUpek0nUpXnOlmEY9JWzPonTiA6nJ6lVCxuUbQ6zXSAjnB20L0ZFgweQSaPaSuBa81DmuBDmmspyCDkQfrdi1YNEschvyEUkWtbW1aqmF7bL2l6SvZ3rUmU0aeSP0f0g3mf/26f/6rqqaGRsMTZr8o1jRJchx1w0B13C4JvfMXXQVDfP8AVV07UFVIzz58Stdw8+fFb8rFUV9e1juTYNeQ+yN3S47llWs2nULETPhCKyqEYB2udkxu9x/gF9sIotVrqmozucx7790Y+EC1+A6SFOGYTYGpqnbcr2zJ9yIHx2Df09BgGDSYhMHObqQR5ADYG7dVvEned6651w8aj45/j8t86xRr/L7LbQTB3TSmtmFwCSy49Z3G3AL0NfKngbGxrGCzWiwHQvquJzpCyCxCyUBSFCkKIKVClAREQEREBERAREQFClQghCpUKjEqFkViUViVR4jhTmkyU425vj2Ani33XfIq9KxKo46eOKpa5sgs4ZOuMweD27+vxXLVOD1dATJSPswm5YefC49XsHuK9LxDC45szdrxse3Jw/EdBVPLTVMF+byjfeZk63xMOR7O5dOPiJrHLaNx/qW+maYjltG476OTpdNWN5tZC+E+80GSM9w1h3dqvqHF6af8zPG/oa8EjrbtCwlgo57h7AHb9XmO7WOFvkqiu0DpZb2c3qewj5tv4LPl4e/S019fFlNMNultev4dK9akoXLnQOVv5uqLbbNWpe38Fg7Qic+vWPI6atx/ip/T1/UhPYx/3H1XVZKxgJe5rQN5cAucrdI6YG0bjK7hGNb9rZ8192aCU4OtLMwnjz5D4fxW9Hh1FAMmOefiIjb3NuT3p7PDX4r79IPZ4462+jmmMrax2oxhiafZbznkdLt3nNWVLhdPRjnASSe403aD/mPG3qb3roIKSqqRqQx6kZ22bybO07Xdt10WDaHxREPm+seN1uaD1b0niOWNYo18/NJyxHhSNfdzOC6Nz1rxNUXbGNgtbmjY1jdjWr0ejpWRMbHG0Na3YAvqBbIKVyNKVIUBZBRAKURRBSiIClQpQEREBERAREQEREBQpUIChSiCFiVkhVGChZEKLIrAhRZZqLKjUqqCKUWkja7rAVe/RyH/AA3yR9DZDbuNwruyWVVzztHn7qp3bGw+AWH/AG1IdtSeyNq6OymyDnWaKx+3NI7tDf3QrCkwOmiN2RNvxPOPeVZWRREALJFKCFNkAWQCgBSiIgpRFARFKAiIgIiICIiAiIgIiICIiCEREBQiICiyhFRFksiIqERFQRSiCFKIgKbIiglSiIgpRFAREQSiIgIiICIiAiIg/9k="/>
+          <a:ln w="9525">
+            <a:noFill/>
+            <a:miter lim="800000"/>
+            <a:headEnd/>
+            <a:tailEnd/>
+          </a:ln>
+        </p:spPr>
+        <p:txBody>
+          <a:bodyPr/>
+          <a:lstStyle/>
+          <a:p>
+            <a:endParaRPr lang="ru-RU">
+              <a:latin typeface="Calibri" pitchFamily="34" charset="0"/>
+            </a:endParaRPr>
+          </a:p>
+        </p:txBody>
+      </p:sp>
+      <p:sp>
+        <p:nvSpPr>
+          <p:cNvPr id="9220" name="AutoShape 4" descr="data:image/jpeg;base64,/9j/4AAQSkZJRgABAQAAAQABAAD/2wCEAAkGBxAQDxAPDxAVFRUQFRUWEhUYEhYWGBUSFRUWGBUWFxgYHSggGBolGxUWIzEhJiktLi4uFx8zODMtNygtLisBCgoKDg0OGBAQGC0mHx0rLTcrLSstLSstKystNjcrKystLSstLSstLSsrNy0rLS0tKysrMSs3ListLTctLSsrK//AABEIALcBEwMBIgACEQEDEQH/xAAcAAEAAgMBAQEAAAAAAAAAAAAAAQUCBAYHAwj/xABIEAABAwICBQgGBQkHBQAAAAABAAIDBBEFIQYSMUFREyJhcYGRsfAHMkJSYqEUI3KC0SQzc5KissHh8SU0Q2OTs8IVFlOU0//EABkBAQEAAwEAAAAAAAAAAAAAAAABAgMEBf/EAC4RAQACAgAEAwcDBQAAAAAAAAABAgMRBBIx8CFBcRMiMmGRseFTgaEUI0JRUv/aAAwDAQACEQMRAD8A9xREQEREBERAREQEREBERAREQEREBERAREQEREBERAREQEREBERAREQEREBERAREQEREBERAREQEREBERARatfXxQN15Xho69q4nHPSE1jSYy1jB7bzbuv4IO+e8NzJA6zZac2LQN2yBeFYt6TNYnkxJMeN+TZ3nM9ypotKcVqSRSxDbb6qB0rh1k3HyCuh+hzj8G4nuWbcbiPHuXgLcP0leL/Xj/Qj/AHrLNmF6TtzDp/8AVp3fLWKvKP0CzEoj7S2WTNOwhfnV+M6R0mcrJXD/ADKQOb2vjaLd63cJ9LkjbfSaW43vgfv+w8/8lND9AIuF0a09pauwgna92+N3MkH3XZnsyXYUteyTfY8CoNpFCIJRQiCUUKUBERAREQEREBERAREQEREBERAREQEREBczpVpbHRgxss+U7G7m9JXx030qFIzkYiDM8fqDieleA4ti01XLyMBc/lHWLhm6Vx9lvw+PVtC20n03klkdqu5R+d3E/Vs6vePm+5amH6JVNUW1FbLyTHZtdICXuH+VCLZdJ1R1q3wXBIaGznBktQLcHRQH4Rskk+I5DcDtVk6oc5xc9xLjtJNz3qxA+mG4NQU9uTphI4f4k9pD1iP1G9x61eDEZCAC8gDY0c0D7rclRskX1bMuimPbLS5ZOtqKdcZX6UUtOdWWUaw2taNYjrAvbtXypNPKFzg3lS2+9zCB32yWzlrHhMq9GgqyNjiOokL44jhlLVj8qpo5CfbLdWQdUjbO+aq6Sta9ocxwc1wuCDcEdBG1WUEywvj0mnE4/wCisH6zDpTrDMRSkNdcbOTlFhfhrW61X4LpzXYdL9GxKOSRrLAlwtPGNxufzg6zc8SvVYnrWxzBaeui5KpZew5kjbCSM8WO4fCbg8FzzCLnR7SWKoiZJHIJI3+q8buhwOYI3g5hdG1wIuF+bqmkrsAqg+Mh8UnWIqho2gjPUkA7R0jb7FodpTFVQtmiddjsnNPrRvG1jhuIuOsEEZEKI7BFAN80UEoiIClQiCUREBERAREQEREBERAREQEREBVekeLtpKd0pzdsYOLzsVovH/SfpDd0jgbsg5kY3OkOXj8gUHAaY4zJNK+LWLnyG8ztpz2MHSfC3FXGD4YKKO1vyh4tK7byLD/hN+L3iPs7Ab1mheHkufWyZlriIr+1Oc3P+4CLfE4e6r97EHw8+fxWQf58+KhzfPncvm4+fO9bKQr7iRVeLVMsskVFTu1XzXL5NvJQj1nZb8iB3bSFt6/nztWlo+8nE6k5XbEwAnhkSO/wXXrVdR5sp6OnwfDqeiZq00YBtnLYGRx3lz93ULBb1ZNyrXMnY2RpGbXND29ZBWmH5ZZXBJvv6k19pzAsLg7T1KxSNa0wcrVObhFZGYnn6LUk8pFckQuuBrtJz1c/kQb5L0OllXjmlda6cyvuAxrtVjT62qNh7Tn2r0/R6Yup6dx2uijJ6y0LKcfL7vy2yh1NO9brCqylcrGNceSPFJYYjQRVML4J2a0b9o3gjY9p9lw3H+C8kZ9IwHETe74n217DKaC51ZGjc9ueXEEbDdeyBUmmOAiupXRgfWx3fAfitzmdTgLdeqdy1wOr0fxNkrGarw5j2h0bgcnNIuLdiul4h6Kcbc0voHk8y8lPfaBf6yPsJuB0u4L2qlm12B3Hb1qTGkl9URFBKIiCUREBERAREQEREBERAREQEREFfjtZyNNJINtrN+0cgvz/AKXwvmmjgYCdTnEcZH5NHXb95e16aSXbHHxJcezIeK4umwYA/SHDNzi4eDO7moKuGgEMccDfVibq34nMvd2uLj95YPiV06n8/NfCSm8+elBRyR+fPBakrVeTU3nz0qvqIFtxrCqcVraMtJxKq5ut9UzLsC+UOI8pK6LUI1S4Xvt1TbhvWzoo1v8A1Gp1ta3JM9Xau+td8vq2VjcxDqAy4y59mm49xVukEpELg062uADJ/wCNvtHzxV46Pmt18hqHV1Np+2qHFYi+Vxf61oxGG/myL5a/au7HhiZb64duLxql/J5XhuuAfzvYMrL0bRv+7U/6KP8AcC5PSmlAp6jXuH3GTb8nsHzV7BiX0Wggm1C+0cI1QbbWtG1auJrrJ+zXkpyy7alKsolzmi+J/Sqdk+oWaxcNUm9tVxbtt0XXRxLysvVpl9gslipWhHlWmlMaDE2VkQyc4TtA43tOztu7/UXsuj1WHDmm7XgOYeIIv4FcD6TKMPpGS74ZB+pINU/taisfRrXF1FTE7YiYj1McQ39nVWdo3WJWem3o6IiwYilQpCgKVCkICIiAiIgIiICIiAiIgIoRBy+krdacDg0DvumMUwYyNoH9AP5r64q29Qfu+AWxjwuY+o/wQc2YF8nU/n5q15NYmLz2IKSWlVdU0a6l8K056dbKdVh5Bhkd6yVvTN8nq80PjIxOps8M+qZmR0DJV2BN/tOZp3uqAOx5PgF0OjkRbi1Q3UDi+NpAOywAzXp4fJ0YI3eF5UN1WENPJF8ZuXZ8px1fO9V5pQA9rW8m0hl4nZuk+yd3BW07dthypa0tcCMos9o87liWAkgXkFma0pHOjtwXp01Ed99+D1601Dl9K6fVoqlrSI23/Mkc7dndaeKj+yovsweDVe6YMtQzu1Q9r3WbKfWOwKgxp9sNjYdtoR2gfyXHxUxvfy776vP4yNWj0dN6O/7hF9qX/ccuxiXD6Ay2oYx8Un+45dbHOvJydXDKwumstQTpyvnsWhGnpawPoKoHdGXdrCHj5tCovRnJaGobwlDv1o2j/grnSKT8jqv0MvzYVQej42ZUdLmfulboj+3Pqzj4ZexxOu1p4gH5LNfCiP1cf2W+AX3C0tYiIoJQIgQSiIgIiICIiAiIgKERARFCoosVbaYnoafPcvtiwvqHrHeL/wAExplnMdxBHaMx4lRUu1oGu921/A/JFaNkIRRdEYuWrOFtFfGQLKqvINLInUWJioaOa8iVvSDzZW9e39YK8xGJz+SrqQ6zmNvZu2SA5kDeSLk225neF0elGBMrITE46rmnWjf7r+n4TsP4gLzWgxOpwuV1PPG4sBuWXzbf24nbCD3HoN124smmylprMTD0PDcYp6ljnRSCI6oBZfNx6eKsK17Wa5mnawagyGQcBuK5BtXhlYdcuYHnaQ/kZCfiacnHpt2r5VlPQR857i62zlKkW7mgE967Yzx3p6McdGvGPFjjmItrXjk26lPEQX8HvGxoG+/hc8FzmkFaZXshbmWm5A3vdk1vXn+0ssXx8O5kFrNyaQ3VYwfA3eenxWxgeFGK00w55zjadov7buB4DpvwXLly7cOXLOS25dXg7RDFHED6jQCeJ2uPffvVvFU+fmucglW9FP589K4bztoXrZ19BMqdk/nz0r7Nm8/L8VgGk1Tajm+IBv67gPArT0NbqwyH35MuoNaPEnuWlpRU3EUQPrOLz9losPmR3K+0Ypf7tDvJBd94657gbdi361h9ZbOlPWXp1O2zGjg0D5L6hQpC52tKIiiJQIpCAiIgIiICIiAiIghEQoIREVGji8WtESNrOd2Db8rrSoXBzHRnYR8irkrnC0wylm4Zt6WHZ3bOxWFfGInNp2sJa7rG/tFj2rJY4ueTe2f2H2bL0e6/q3HoPQpVtGlmArFylQVEfB7FXYphUNSzk54mvaNl8i08WuGbexWxCwLVnFtK81xz0ewMjlmime0Rtc/UewPvqgmwcLcOC5rRbRuOr5Rxk1BHq5BmsXa19mYtsXrukLPyOq/Qy/uOXn/owbdlV1xeD1n7Q23KbA6emziYS8bJJLOcOlrQLNPTa/SvnLHmSe3+f4LoKqLz/RVc8fnzsWM2Gi3Lz5zX3ZIsHt8+dgWF/PnwWCN5kvnzwX3ZJ589CrmuWtiVUbCFh50m34Wbz1nzsVpSbWiseaxG51DKl/KakvPqbB+iZcuPbnbrC9F0HpzJM+cjJgsPtO/l4riaKn5KNrGjny6uXCP2B942d1Bq9a0dw76PTsj9o85/2jtW7iJjcUjpXuWeWY3yx5LRSFAUhczWlERREqVClAREQEREBERAREQQiIghQpUFUQVXYvSGRgcwc9mbekb29viArErFFc7TyNkjMbhcOBFj8welUtNUGnkFNMeacoHneN0bjxG7j17egxehLHGaMXBzkaNv229PEb1V19KyqiLTZ2sP1ulvxLdjms+7ZspqfdlsKFzVPjD6R3JVhLo9jJ7XLR7so/5d/FdHHIHNDmkEOFwQbgjiCFL47UnUpek0nUpXnOlmEY9JWzPonTiA6nJ6lVCxuUbQ6zXSAjnB20L0ZFgweQSaPaSuBa81DmuBDmmspyCDkQfrdi1YNEschvyEUkWtbW1aqmF7bL2l6SvZ3rUmU0aeSP0f0g3mf/26f/6rqqaGRsMTZr8o1jRJchx1w0B13C4JvfMXXQVDfP8AVV07UFVIzz58Stdw8+fFb8rFUV9e1juTYNeQ+yN3S47llWs2nULETPhCKyqEYB2udkxu9x/gF9sIotVrqmozucx7790Y+EC1+A6SFOGYTYGpqnbcr2zJ9yIHx2Df09BgGDSYhMHObqQR5ADYG7dVvEned6651w8aj45/j8t86xRr/L7LbQTB3TSmtmFwCSy49Z3G3AL0NfKngbGxrGCzWiwHQvquJzpCyCxCyUBSFCkKIKVClAREQEREBERAREQFClQghCpUKjEqFkViUViVR4jhTmkyU425vj2Ani33XfIq9KxKo46eOKpa5sgs4ZOuMweD27+vxXLVOD1dATJSPswm5YefC49XsHuK9LxDC45szdrxse3Jw/EdBVPLTVMF+byjfeZk63xMOR7O5dOPiJrHLaNx/qW+maYjltG476OTpdNWN5tZC+E+80GSM9w1h3dqvqHF6af8zPG/oa8EjrbtCwlgo57h7AHb9XmO7WOFvkqiu0DpZb2c3qewj5tv4LPl4e/S019fFlNMNultev4dK9akoXLnQOVv5uqLbbNWpe38Fg7Qic+vWPI6atx/ip/T1/UhPYx/3H1XVZKxgJe5rQN5cAucrdI6YG0bjK7hGNb9rZ8192aCU4OtLMwnjz5D4fxW9Hh1FAMmOefiIjb3NuT3p7PDX4r79IPZ4462+jmmMrax2oxhiafZbznkdLt3nNWVLhdPRjnASSe403aD/mPG3qb3roIKSqqRqQx6kZ22bybO07Xdt10WDaHxREPm+seN1uaD1b0niOWNYo18/NJyxHhSNfdzOC6Nz1rxNUXbGNgtbmjY1jdjWr0ejpWRMbHG0Na3YAvqBbIKVyNKVIUBZBRAKURRBSiIClQpQEREBERAREQEREBQpUIChSiCFiVkhVGChZEKLIrAhRZZqLKjUqqCKUWkja7rAVe/RyH/AA3yR9DZDbuNwruyWVVzztHn7qp3bGw+AWH/AG1IdtSeyNq6OymyDnWaKx+3NI7tDf3QrCkwOmiN2RNvxPOPeVZWRREALJFKCFNkAWQCgBSiIgpRFARFKAiIgIiICIiAiIgIiICIiCEREBQiICiyhFRFksiIqERFQRSiCFKIgKbIiglSiIgpRFAREQSiIgIiICIiAiIg/9k="/>
           <p:cNvSpPr>
             <a:spLocks noChangeAspect="1" noChangeArrowheads="1"/>
           </p:cNvSpPr>
@@ -5553,22 +6406,26 @@
             <a:avLst/>
           </a:prstGeom>
           <a:noFill/>
-        </p:spPr>
-        <p:txBody>
-          <a:bodyPr vert="horz" wrap="square" lIns="91440" tIns="45720" rIns="91440" bIns="45720" numCol="1" anchor="t" anchorCtr="0" compatLnSpc="1">
-            <a:prstTxWarp prst="textNoShape">
-              <a:avLst/>
-            </a:prstTxWarp>
-          </a:bodyPr>
-          <a:lstStyle/>
-          <a:p>
-            <a:endParaRPr lang="ru-RU"/>
-          </a:p>
-        </p:txBody>
-      </p:sp>
-      <p:sp>
-        <p:nvSpPr>
-          <p:cNvPr id="2054" name="AutoShape 6" descr="data:image/jpeg;base64,/9j/4AAQSkZJRgABAQAAAQABAAD/2wCEAAkGBxAQDxAPDxAVFRUQFRUWEhUYEhYWGBUSFRUWGBUWFxgYHSggGBolGxUWIzEhJiktLi4uFx8zODMtNygtLisBCgoKDg0OGBAQGC0mHx0rLTcrLSstLSstKystNjcrKystLSstLSstLSsrNy0rLS0tKysrMSs3ListLTctLSsrK//AABEIALcBEwMBIgACEQEDEQH/xAAcAAEAAgMBAQEAAAAAAAAAAAAAAQUCBAYHAwj/xABIEAABAwICBQgGBQkHBQAAAAABAAIDBBEFIQYSMUFREyJhcYGRsfAHMkJSYqEUI3KC0SQzc5KissHh8SU0Q2OTs8IVFlOU0//EABkBAQEAAwEAAAAAAAAAAAAAAAABAgMEBf/EAC4RAQACAgAEAwcDBQAAAAAAAAABAgMRBBIx8CFBcRMiMmGRseFTgaEUI0JRUv/aAAwDAQACEQMRAD8A9xREQEREBERAREQEREBERAREQEREBERAREQEREBERAREQEREBERAREQEREBERAREQEREBERAREQEREBERARatfXxQN15Xho69q4nHPSE1jSYy1jB7bzbuv4IO+e8NzJA6zZac2LQN2yBeFYt6TNYnkxJMeN+TZ3nM9ypotKcVqSRSxDbb6qB0rh1k3HyCuh+hzj8G4nuWbcbiPHuXgLcP0leL/Xj/Qj/AHrLNmF6TtzDp/8AVp3fLWKvKP0CzEoj7S2WTNOwhfnV+M6R0mcrJXD/ADKQOb2vjaLd63cJ9LkjbfSaW43vgfv+w8/8lND9AIuF0a09pauwgna92+N3MkH3XZnsyXYUteyTfY8CoNpFCIJRQiCUUKUBERAREQEREBERAREQEREBERAREQEREBczpVpbHRgxss+U7G7m9JXx030qFIzkYiDM8fqDieleA4ti01XLyMBc/lHWLhm6Vx9lvw+PVtC20n03klkdqu5R+d3E/Vs6vePm+5amH6JVNUW1FbLyTHZtdICXuH+VCLZdJ1R1q3wXBIaGznBktQLcHRQH4Rskk+I5DcDtVk6oc5xc9xLjtJNz3qxA+mG4NQU9uTphI4f4k9pD1iP1G9x61eDEZCAC8gDY0c0D7rclRskX1bMuimPbLS5ZOtqKdcZX6UUtOdWWUaw2taNYjrAvbtXypNPKFzg3lS2+9zCB32yWzlrHhMq9GgqyNjiOokL44jhlLVj8qpo5CfbLdWQdUjbO+aq6Sta9ocxwc1wuCDcEdBG1WUEywvj0mnE4/wCisH6zDpTrDMRSkNdcbOTlFhfhrW61X4LpzXYdL9GxKOSRrLAlwtPGNxufzg6zc8SvVYnrWxzBaeui5KpZew5kjbCSM8WO4fCbg8FzzCLnR7SWKoiZJHIJI3+q8buhwOYI3g5hdG1wIuF+bqmkrsAqg+Mh8UnWIqho2gjPUkA7R0jb7FodpTFVQtmiddjsnNPrRvG1jhuIuOsEEZEKI7BFAN80UEoiIClQiCUREBERAREQEREBERAREQEREBVekeLtpKd0pzdsYOLzsVovH/SfpDd0jgbsg5kY3OkOXj8gUHAaY4zJNK+LWLnyG8ztpz2MHSfC3FXGD4YKKO1vyh4tK7byLD/hN+L3iPs7Ab1mheHkufWyZlriIr+1Oc3P+4CLfE4e6r97EHw8+fxWQf58+KhzfPncvm4+fO9bKQr7iRVeLVMsskVFTu1XzXL5NvJQj1nZb8iB3bSFt6/nztWlo+8nE6k5XbEwAnhkSO/wXXrVdR5sp6OnwfDqeiZq00YBtnLYGRx3lz93ULBb1ZNyrXMnY2RpGbXND29ZBWmH5ZZXBJvv6k19pzAsLg7T1KxSNa0wcrVObhFZGYnn6LUk8pFckQuuBrtJz1c/kQb5L0OllXjmlda6cyvuAxrtVjT62qNh7Tn2r0/R6Yup6dx2uijJ6y0LKcfL7vy2yh1NO9brCqylcrGNceSPFJYYjQRVML4J2a0b9o3gjY9p9lw3H+C8kZ9IwHETe74n217DKaC51ZGjc9ueXEEbDdeyBUmmOAiupXRgfWx3fAfitzmdTgLdeqdy1wOr0fxNkrGarw5j2h0bgcnNIuLdiul4h6Kcbc0voHk8y8lPfaBf6yPsJuB0u4L2qlm12B3Hb1qTGkl9URFBKIiCUREBERAREQEREBERAREQEREFfjtZyNNJINtrN+0cgvz/AKXwvmmjgYCdTnEcZH5NHXb95e16aSXbHHxJcezIeK4umwYA/SHDNzi4eDO7moKuGgEMccDfVibq34nMvd2uLj95YPiV06n8/NfCSm8+elBRyR+fPBakrVeTU3nz0qvqIFtxrCqcVraMtJxKq5ut9UzLsC+UOI8pK6LUI1S4Xvt1TbhvWzoo1v8A1Gp1ta3JM9Xau+td8vq2VjcxDqAy4y59mm49xVukEpELg062uADJ/wCNvtHzxV46Pmt18hqHV1Np+2qHFYi+Vxf61oxGG/myL5a/au7HhiZb64duLxql/J5XhuuAfzvYMrL0bRv+7U/6KP8AcC5PSmlAp6jXuH3GTb8nsHzV7BiX0Wggm1C+0cI1QbbWtG1auJrrJ+zXkpyy7alKsolzmi+J/Sqdk+oWaxcNUm9tVxbtt0XXRxLysvVpl9gslipWhHlWmlMaDE2VkQyc4TtA43tOztu7/UXsuj1WHDmm7XgOYeIIv4FcD6TKMPpGS74ZB+pINU/taisfRrXF1FTE7YiYj1McQ39nVWdo3WJWem3o6IiwYilQpCgKVCkICIiAiIgIiICIiAiIgIoRBy+krdacDg0DvumMUwYyNoH9AP5r64q29Qfu+AWxjwuY+o/wQc2YF8nU/n5q15NYmLz2IKSWlVdU0a6l8K056dbKdVh5Bhkd6yVvTN8nq80PjIxOps8M+qZmR0DJV2BN/tOZp3uqAOx5PgF0OjkRbi1Q3UDi+NpAOywAzXp4fJ0YI3eF5UN1WENPJF8ZuXZ8px1fO9V5pQA9rW8m0hl4nZuk+yd3BW07dthypa0tcCMos9o87liWAkgXkFma0pHOjtwXp01Ed99+D1601Dl9K6fVoqlrSI23/Mkc7dndaeKj+yovsweDVe6YMtQzu1Q9r3WbKfWOwKgxp9sNjYdtoR2gfyXHxUxvfy776vP4yNWj0dN6O/7hF9qX/ccuxiXD6Ay2oYx8Un+45dbHOvJydXDKwumstQTpyvnsWhGnpawPoKoHdGXdrCHj5tCovRnJaGobwlDv1o2j/grnSKT8jqv0MvzYVQej42ZUdLmfulboj+3Pqzj4ZexxOu1p4gH5LNfCiP1cf2W+AX3C0tYiIoJQIgQSiIgIiICIiAiIgKERARFCoosVbaYnoafPcvtiwvqHrHeL/wAExplnMdxBHaMx4lRUu1oGu921/A/JFaNkIRRdEYuWrOFtFfGQLKqvINLInUWJioaOa8iVvSDzZW9e39YK8xGJz+SrqQ6zmNvZu2SA5kDeSLk225neF0elGBMrITE46rmnWjf7r+n4TsP4gLzWgxOpwuV1PPG4sBuWXzbf24nbCD3HoN124smmylprMTD0PDcYp6ljnRSCI6oBZfNx6eKsK17Wa5mnawagyGQcBuK5BtXhlYdcuYHnaQ/kZCfiacnHpt2r5VlPQR857i62zlKkW7mgE967Yzx3p6McdGvGPFjjmItrXjk26lPEQX8HvGxoG+/hc8FzmkFaZXshbmWm5A3vdk1vXn+0ssXx8O5kFrNyaQ3VYwfA3eenxWxgeFGK00w55zjadov7buB4DpvwXLly7cOXLOS25dXg7RDFHED6jQCeJ2uPffvVvFU+fmucglW9FP589K4bztoXrZ19BMqdk/nz0r7Nm8/L8VgGk1Tajm+IBv67gPArT0NbqwyH35MuoNaPEnuWlpRU3EUQPrOLz9losPmR3K+0Ypf7tDvJBd94657gbdi361h9ZbOlPWXp1O2zGjg0D5L6hQpC52tKIiiJQIpCAiIgIiICIiAiIghEQoIREVGji8WtESNrOd2Db8rrSoXBzHRnYR8irkrnC0wylm4Zt6WHZ3bOxWFfGInNp2sJa7rG/tFj2rJY4ueTe2f2H2bL0e6/q3HoPQpVtGlmArFylQVEfB7FXYphUNSzk54mvaNl8i08WuGbexWxCwLVnFtK81xz0ewMjlmime0Rtc/UewPvqgmwcLcOC5rRbRuOr5Rxk1BHq5BmsXa19mYtsXrukLPyOq/Qy/uOXn/owbdlV1xeD1n7Q23KbA6emziYS8bJJLOcOlrQLNPTa/SvnLHmSe3+f4LoKqLz/RVc8fnzsWM2Gi3Lz5zX3ZIsHt8+dgWF/PnwWCN5kvnzwX3ZJ589CrmuWtiVUbCFh50m34Wbz1nzsVpSbWiseaxG51DKl/KakvPqbB+iZcuPbnbrC9F0HpzJM+cjJgsPtO/l4riaKn5KNrGjny6uXCP2B942d1Bq9a0dw76PTsj9o85/2jtW7iJjcUjpXuWeWY3yx5LRSFAUhczWlERREqVClAREQEREBERAREQQiIghQpUFUQVXYvSGRgcwc9mbekb29viArErFFc7TyNkjMbhcOBFj8welUtNUGnkFNMeacoHneN0bjxG7j17egxehLHGaMXBzkaNv229PEb1V19KyqiLTZ2sP1ulvxLdjms+7ZspqfdlsKFzVPjD6R3JVhLo9jJ7XLR7so/5d/FdHHIHNDmkEOFwQbgjiCFL47UnUpek0nUpXnOlmEY9JWzPonTiA6nJ6lVCxuUbQ6zXSAjnB20L0ZFgweQSaPaSuBa81DmuBDmmspyCDkQfrdi1YNEschvyEUkWtbW1aqmF7bL2l6SvZ3rUmU0aeSP0f0g3mf/26f/6rqqaGRsMTZr8o1jRJchx1w0B13C4JvfMXXQVDfP8AVV07UFVIzz58Stdw8+fFb8rFUV9e1juTYNeQ+yN3S47llWs2nULETPhCKyqEYB2udkxu9x/gF9sIotVrqmozucx7790Y+EC1+A6SFOGYTYGpqnbcr2zJ9yIHx2Df09BgGDSYhMHObqQR5ADYG7dVvEned6651w8aj45/j8t86xRr/L7LbQTB3TSmtmFwCSy49Z3G3AL0NfKngbGxrGCzWiwHQvquJzpCyCxCyUBSFCkKIKVClAREQEREBERAREQFClQghCpUKjEqFkViUViVR4jhTmkyU425vj2Ani33XfIq9KxKo46eOKpa5sgs4ZOuMweD27+vxXLVOD1dATJSPswm5YefC49XsHuK9LxDC45szdrxse3Jw/EdBVPLTVMF+byjfeZk63xMOR7O5dOPiJrHLaNx/qW+maYjltG476OTpdNWN5tZC+E+80GSM9w1h3dqvqHF6af8zPG/oa8EjrbtCwlgo57h7AHb9XmO7WOFvkqiu0DpZb2c3qewj5tv4LPl4e/S019fFlNMNultev4dK9akoXLnQOVv5uqLbbNWpe38Fg7Qic+vWPI6atx/ip/T1/UhPYx/3H1XVZKxgJe5rQN5cAucrdI6YG0bjK7hGNb9rZ8192aCU4OtLMwnjz5D4fxW9Hh1FAMmOefiIjb3NuT3p7PDX4r79IPZ4462+jmmMrax2oxhiafZbznkdLt3nNWVLhdPRjnASSe403aD/mPG3qb3roIKSqqRqQx6kZ22bybO07Xdt10WDaHxREPm+seN1uaD1b0niOWNYo18/NJyxHhSNfdzOC6Nz1rxNUXbGNgtbmjY1jdjWr0ejpWRMbHG0Na3YAvqBbIKVyNKVIUBZBRAKURRBSiIClQpQEREBERAREQEREBQpUIChSiCFiVkhVGChZEKLIrAhRZZqLKjUqqCKUWkja7rAVe/RyH/AA3yR9DZDbuNwruyWVVzztHn7qp3bGw+AWH/AG1IdtSeyNq6OymyDnWaKx+3NI7tDf3QrCkwOmiN2RNvxPOPeVZWRREALJFKCFNkAWQCgBSiIgpRFARFKAiIgIiICIiAiIgIiICIiCEREBQiICiyhFRFksiIqERFQRSiCFKIgKbIiglSiIgpRFAREQSiIgIiICIiAiIg/9k="/>
+          <a:ln w="9525">
+            <a:noFill/>
+            <a:miter lim="800000"/>
+            <a:headEnd/>
+            <a:tailEnd/>
+          </a:ln>
+        </p:spPr>
+        <p:txBody>
+          <a:bodyPr/>
+          <a:lstStyle/>
+          <a:p>
+            <a:endParaRPr lang="ru-RU">
+              <a:latin typeface="Calibri" pitchFamily="34" charset="0"/>
+            </a:endParaRPr>
+          </a:p>
+        </p:txBody>
+      </p:sp>
+      <p:sp>
+        <p:nvSpPr>
+          <p:cNvPr id="9221" name="AutoShape 6" descr="data:image/jpeg;base64,/9j/4AAQSkZJRgABAQAAAQABAAD/2wCEAAkGBxAQDxAPDxAVFRUQFRUWEhUYEhYWGBUSFRUWGBUWFxgYHSggGBolGxUWIzEhJiktLi4uFx8zODMtNygtLisBCgoKDg0OGBAQGC0mHx0rLTcrLSstLSstKystNjcrKystLSstLSstLSsrNy0rLS0tKysrMSs3ListLTctLSsrK//AABEIALcBEwMBIgACEQEDEQH/xAAcAAEAAgMBAQEAAAAAAAAAAAAAAQUCBAYHAwj/xABIEAABAwICBQgGBQkHBQAAAAABAAIDBBEFIQYSMUFREyJhcYGRsfAHMkJSYqEUI3KC0SQzc5KissHh8SU0Q2OTs8IVFlOU0//EABkBAQEAAwEAAAAAAAAAAAAAAAABAgMEBf/EAC4RAQACAgAEAwcDBQAAAAAAAAABAgMRBBIx8CFBcRMiMmGRseFTgaEUI0JRUv/aAAwDAQACEQMRAD8A9xREQEREBERAREQEREBERAREQEREBERAREQEREBERAREQEREBERAREQEREBERAREQEREBERAREQEREBERARatfXxQN15Xho69q4nHPSE1jSYy1jB7bzbuv4IO+e8NzJA6zZac2LQN2yBeFYt6TNYnkxJMeN+TZ3nM9ypotKcVqSRSxDbb6qB0rh1k3HyCuh+hzj8G4nuWbcbiPHuXgLcP0leL/Xj/Qj/AHrLNmF6TtzDp/8AVp3fLWKvKP0CzEoj7S2WTNOwhfnV+M6R0mcrJXD/ADKQOb2vjaLd63cJ9LkjbfSaW43vgfv+w8/8lND9AIuF0a09pauwgna92+N3MkH3XZnsyXYUteyTfY8CoNpFCIJRQiCUUKUBERAREQEREBERAREQEREBERAREQEREBczpVpbHRgxss+U7G7m9JXx030qFIzkYiDM8fqDieleA4ti01XLyMBc/lHWLhm6Vx9lvw+PVtC20n03klkdqu5R+d3E/Vs6vePm+5amH6JVNUW1FbLyTHZtdICXuH+VCLZdJ1R1q3wXBIaGznBktQLcHRQH4Rskk+I5DcDtVk6oc5xc9xLjtJNz3qxA+mG4NQU9uTphI4f4k9pD1iP1G9x61eDEZCAC8gDY0c0D7rclRskX1bMuimPbLS5ZOtqKdcZX6UUtOdWWUaw2taNYjrAvbtXypNPKFzg3lS2+9zCB32yWzlrHhMq9GgqyNjiOokL44jhlLVj8qpo5CfbLdWQdUjbO+aq6Sta9ocxwc1wuCDcEdBG1WUEywvj0mnE4/wCisH6zDpTrDMRSkNdcbOTlFhfhrW61X4LpzXYdL9GxKOSRrLAlwtPGNxufzg6zc8SvVYnrWxzBaeui5KpZew5kjbCSM8WO4fCbg8FzzCLnR7SWKoiZJHIJI3+q8buhwOYI3g5hdG1wIuF+bqmkrsAqg+Mh8UnWIqho2gjPUkA7R0jb7FodpTFVQtmiddjsnNPrRvG1jhuIuOsEEZEKI7BFAN80UEoiIClQiCUREBERAREQEREBERAREQEREBVekeLtpKd0pzdsYOLzsVovH/SfpDd0jgbsg5kY3OkOXj8gUHAaY4zJNK+LWLnyG8ztpz2MHSfC3FXGD4YKKO1vyh4tK7byLD/hN+L3iPs7Ab1mheHkufWyZlriIr+1Oc3P+4CLfE4e6r97EHw8+fxWQf58+KhzfPncvm4+fO9bKQr7iRVeLVMsskVFTu1XzXL5NvJQj1nZb8iB3bSFt6/nztWlo+8nE6k5XbEwAnhkSO/wXXrVdR5sp6OnwfDqeiZq00YBtnLYGRx3lz93ULBb1ZNyrXMnY2RpGbXND29ZBWmH5ZZXBJvv6k19pzAsLg7T1KxSNa0wcrVObhFZGYnn6LUk8pFckQuuBrtJz1c/kQb5L0OllXjmlda6cyvuAxrtVjT62qNh7Tn2r0/R6Yup6dx2uijJ6y0LKcfL7vy2yh1NO9brCqylcrGNceSPFJYYjQRVML4J2a0b9o3gjY9p9lw3H+C8kZ9IwHETe74n217DKaC51ZGjc9ueXEEbDdeyBUmmOAiupXRgfWx3fAfitzmdTgLdeqdy1wOr0fxNkrGarw5j2h0bgcnNIuLdiul4h6Kcbc0voHk8y8lPfaBf6yPsJuB0u4L2qlm12B3Hb1qTGkl9URFBKIiCUREBERAREQEREBERAREQEREFfjtZyNNJINtrN+0cgvz/AKXwvmmjgYCdTnEcZH5NHXb95e16aSXbHHxJcezIeK4umwYA/SHDNzi4eDO7moKuGgEMccDfVibq34nMvd2uLj95YPiV06n8/NfCSm8+elBRyR+fPBakrVeTU3nz0qvqIFtxrCqcVraMtJxKq5ut9UzLsC+UOI8pK6LUI1S4Xvt1TbhvWzoo1v8A1Gp1ta3JM9Xau+td8vq2VjcxDqAy4y59mm49xVukEpELg062uADJ/wCNvtHzxV46Pmt18hqHV1Np+2qHFYi+Vxf61oxGG/myL5a/au7HhiZb64duLxql/J5XhuuAfzvYMrL0bRv+7U/6KP8AcC5PSmlAp6jXuH3GTb8nsHzV7BiX0Wggm1C+0cI1QbbWtG1auJrrJ+zXkpyy7alKsolzmi+J/Sqdk+oWaxcNUm9tVxbtt0XXRxLysvVpl9gslipWhHlWmlMaDE2VkQyc4TtA43tOztu7/UXsuj1WHDmm7XgOYeIIv4FcD6TKMPpGS74ZB+pINU/taisfRrXF1FTE7YiYj1McQ39nVWdo3WJWem3o6IiwYilQpCgKVCkICIiAiIgIiICIiAiIgIoRBy+krdacDg0DvumMUwYyNoH9AP5r64q29Qfu+AWxjwuY+o/wQc2YF8nU/n5q15NYmLz2IKSWlVdU0a6l8K056dbKdVh5Bhkd6yVvTN8nq80PjIxOps8M+qZmR0DJV2BN/tOZp3uqAOx5PgF0OjkRbi1Q3UDi+NpAOywAzXp4fJ0YI3eF5UN1WENPJF8ZuXZ8px1fO9V5pQA9rW8m0hl4nZuk+yd3BW07dthypa0tcCMos9o87liWAkgXkFma0pHOjtwXp01Ed99+D1601Dl9K6fVoqlrSI23/Mkc7dndaeKj+yovsweDVe6YMtQzu1Q9r3WbKfWOwKgxp9sNjYdtoR2gfyXHxUxvfy776vP4yNWj0dN6O/7hF9qX/ccuxiXD6Ay2oYx8Un+45dbHOvJydXDKwumstQTpyvnsWhGnpawPoKoHdGXdrCHj5tCovRnJaGobwlDv1o2j/grnSKT8jqv0MvzYVQej42ZUdLmfulboj+3Pqzj4ZexxOu1p4gH5LNfCiP1cf2W+AX3C0tYiIoJQIgQSiIgIiICIiAiIgKERARFCoosVbaYnoafPcvtiwvqHrHeL/wAExplnMdxBHaMx4lRUu1oGu921/A/JFaNkIRRdEYuWrOFtFfGQLKqvINLInUWJioaOa8iVvSDzZW9e39YK8xGJz+SrqQ6zmNvZu2SA5kDeSLk225neF0elGBMrITE46rmnWjf7r+n4TsP4gLzWgxOpwuV1PPG4sBuWXzbf24nbCD3HoN124smmylprMTD0PDcYp6ljnRSCI6oBZfNx6eKsK17Wa5mnawagyGQcBuK5BtXhlYdcuYHnaQ/kZCfiacnHpt2r5VlPQR857i62zlKkW7mgE967Yzx3p6McdGvGPFjjmItrXjk26lPEQX8HvGxoG+/hc8FzmkFaZXshbmWm5A3vdk1vXn+0ssXx8O5kFrNyaQ3VYwfA3eenxWxgeFGK00w55zjadov7buB4DpvwXLly7cOXLOS25dXg7RDFHED6jQCeJ2uPffvVvFU+fmucglW9FP589K4bztoXrZ19BMqdk/nz0r7Nm8/L8VgGk1Tajm+IBv67gPArT0NbqwyH35MuoNaPEnuWlpRU3EUQPrOLz9losPmR3K+0Ypf7tDvJBd94657gbdi361h9ZbOlPWXp1O2zGjg0D5L6hQpC52tKIiiJQIpCAiIgIiICIiAiIghEQoIREVGji8WtESNrOd2Db8rrSoXBzHRnYR8irkrnC0wylm4Zt6WHZ3bOxWFfGInNp2sJa7rG/tFj2rJY4ueTe2f2H2bL0e6/q3HoPQpVtGlmArFylQVEfB7FXYphUNSzk54mvaNl8i08WuGbexWxCwLVnFtK81xz0ewMjlmime0Rtc/UewPvqgmwcLcOC5rRbRuOr5Rxk1BHq5BmsXa19mYtsXrukLPyOq/Qy/uOXn/owbdlV1xeD1n7Q23KbA6emziYS8bJJLOcOlrQLNPTa/SvnLHmSe3+f4LoKqLz/RVc8fnzsWM2Gi3Lz5zX3ZIsHt8+dgWF/PnwWCN5kvnzwX3ZJ589CrmuWtiVUbCFh50m34Wbz1nzsVpSbWiseaxG51DKl/KakvPqbB+iZcuPbnbrC9F0HpzJM+cjJgsPtO/l4riaKn5KNrGjny6uXCP2B942d1Bq9a0dw76PTsj9o85/2jtW7iJjcUjpXuWeWY3yx5LRSFAUhczWlERREqVClAREQEREBERAREQQiIghQpUFUQVXYvSGRgcwc9mbekb29viArErFFc7TyNkjMbhcOBFj8welUtNUGnkFNMeacoHneN0bjxG7j17egxehLHGaMXBzkaNv229PEb1V19KyqiLTZ2sP1ulvxLdjms+7ZspqfdlsKFzVPjD6R3JVhLo9jJ7XLR7so/5d/FdHHIHNDmkEOFwQbgjiCFL47UnUpek0nUpXnOlmEY9JWzPonTiA6nJ6lVCxuUbQ6zXSAjnB20L0ZFgweQSaPaSuBa81DmuBDmmspyCDkQfrdi1YNEschvyEUkWtbW1aqmF7bL2l6SvZ3rUmU0aeSP0f0g3mf/26f/6rqqaGRsMTZr8o1jRJchx1w0B13C4JvfMXXQVDfP8AVV07UFVIzz58Stdw8+fFb8rFUV9e1juTYNeQ+yN3S47llWs2nULETPhCKyqEYB2udkxu9x/gF9sIotVrqmozucx7790Y+EC1+A6SFOGYTYGpqnbcr2zJ9yIHx2Df09BgGDSYhMHObqQR5ADYG7dVvEned6651w8aj45/j8t86xRr/L7LbQTB3TSmtmFwCSy49Z3G3AL0NfKngbGxrGCzWiwHQvquJzpCyCxCyUBSFCkKIKVClAREQEREBERAREQFClQghCpUKjEqFkViUViVR4jhTmkyU425vj2Ani33XfIq9KxKo46eOKpa5sgs4ZOuMweD27+vxXLVOD1dATJSPswm5YefC49XsHuK9LxDC45szdrxse3Jw/EdBVPLTVMF+byjfeZk63xMOR7O5dOPiJrHLaNx/qW+maYjltG476OTpdNWN5tZC+E+80GSM9w1h3dqvqHF6af8zPG/oa8EjrbtCwlgo57h7AHb9XmO7WOFvkqiu0DpZb2c3qewj5tv4LPl4e/S019fFlNMNultev4dK9akoXLnQOVv5uqLbbNWpe38Fg7Qic+vWPI6atx/ip/T1/UhPYx/3H1XVZKxgJe5rQN5cAucrdI6YG0bjK7hGNb9rZ8192aCU4OtLMwnjz5D4fxW9Hh1FAMmOefiIjb3NuT3p7PDX4r79IPZ4462+jmmMrax2oxhiafZbznkdLt3nNWVLhdPRjnASSe403aD/mPG3qb3roIKSqqRqQx6kZ22bybO07Xdt10WDaHxREPm+seN1uaD1b0niOWNYo18/NJyxHhSNfdzOC6Nz1rxNUXbGNgtbmjY1jdjWr0ejpWRMbHG0Na3YAvqBbIKVyNKVIUBZBRAKURRBSiIClQpQEREBERAREQEREBQpUIChSiCFiVkhVGChZEKLIrAhRZZqLKjUqqCKUWkja7rAVe/RyH/AA3yR9DZDbuNwruyWVVzztHn7qp3bGw+AWH/AG1IdtSeyNq6OymyDnWaKx+3NI7tDf3QrCkwOmiN2RNvxPOPeVZWRREALJFKCFNkAWQCgBSiIgpRFARFKAiIgIiICIiAiIgIiICIiCEREBQiICiyhFRFksiIqERFQRSiCFKIgKbIiglSiIgpRFAREQSiIgIiICIiAiIg/9k="/>
           <p:cNvSpPr>
             <a:spLocks noChangeAspect="1" noChangeArrowheads="1"/>
           </p:cNvSpPr>
@@ -5583,52 +6440,65 @@
             <a:avLst/>
           </a:prstGeom>
           <a:noFill/>
-        </p:spPr>
-        <p:txBody>
-          <a:bodyPr vert="horz" wrap="square" lIns="91440" tIns="45720" rIns="91440" bIns="45720" numCol="1" anchor="t" anchorCtr="0" compatLnSpc="1">
-            <a:prstTxWarp prst="textNoShape">
-              <a:avLst/>
-            </a:prstTxWarp>
-          </a:bodyPr>
-          <a:lstStyle/>
-          <a:p>
-            <a:endParaRPr lang="ru-RU"/>
-          </a:p>
-        </p:txBody>
-      </p:sp>
-      <p:sp>
-        <p:nvSpPr>
-          <p:cNvPr id="22" name="TextBox 21"/>
-          <p:cNvSpPr txBox="1"/>
+          <a:ln w="9525">
+            <a:noFill/>
+            <a:miter lim="800000"/>
+            <a:headEnd/>
+            <a:tailEnd/>
+          </a:ln>
+        </p:spPr>
+        <p:txBody>
+          <a:bodyPr/>
+          <a:lstStyle/>
+          <a:p>
+            <a:endParaRPr lang="ru-RU">
+              <a:latin typeface="Calibri" pitchFamily="34" charset="0"/>
+            </a:endParaRPr>
+          </a:p>
+        </p:txBody>
+      </p:sp>
+      <p:sp>
+        <p:nvSpPr>
+          <p:cNvPr id="9222" name="TextBox 21"/>
+          <p:cNvSpPr txBox="1">
+            <a:spLocks noChangeArrowheads="1"/>
+          </p:cNvSpPr>
           <p:nvPr/>
         </p:nvSpPr>
-        <p:spPr>
-          <a:xfrm>
-            <a:off x="251520" y="1340768"/>
-            <a:ext cx="5431680" cy="523220"/>
+        <p:spPr bwMode="auto">
+          <a:xfrm>
+            <a:off x="250825" y="1341438"/>
+            <a:ext cx="5432425" cy="522287"/>
           </a:xfrm>
           <a:prstGeom prst="rect">
             <a:avLst/>
           </a:prstGeom>
           <a:noFill/>
-        </p:spPr>
-        <p:txBody>
-          <a:bodyPr wrap="none" rtlCol="0">
+          <a:ln w="9525">
+            <a:noFill/>
+            <a:miter lim="800000"/>
+            <a:headEnd/>
+            <a:tailEnd/>
+          </a:ln>
+        </p:spPr>
+        <p:txBody>
+          <a:bodyPr wrap="none">
             <a:spAutoFit/>
           </a:bodyPr>
           <a:lstStyle/>
           <a:p>
             <a:r>
-              <a:rPr lang="ru-RU" sz="2800" i="1" dirty="0" smtClean="0"/>
+              <a:rPr lang="ru-RU" sz="2800" i="1">
+                <a:latin typeface="Calibri" pitchFamily="34" charset="0"/>
+              </a:rPr>
               <a:t>Обработка глаз по отдельности</a:t>
             </a:r>
-            <a:endParaRPr lang="ru-RU" sz="2800" i="1" dirty="0"/>
           </a:p>
         </p:txBody>
       </p:sp>
       <p:pic>
         <p:nvPicPr>
-          <p:cNvPr id="25602" name="Picture 2"/>
+          <p:cNvPr id="9223" name="Picture 2"/>
           <p:cNvPicPr>
             <a:picLocks noChangeAspect="1" noChangeArrowheads="1"/>
           </p:cNvPicPr>
@@ -5643,8 +6513,8 @@
         </p:blipFill>
         <p:spPr bwMode="auto">
           <a:xfrm>
-            <a:off x="1288435" y="2276872"/>
-            <a:ext cx="1771397" cy="864096"/>
+            <a:off x="1289050" y="2276475"/>
+            <a:ext cx="1770063" cy="865188"/>
           </a:xfrm>
           <a:prstGeom prst="rect">
             <a:avLst/>
@@ -5660,7 +6530,7 @@
       </p:pic>
       <p:pic>
         <p:nvPicPr>
-          <p:cNvPr id="25603" name="Picture 3"/>
+          <p:cNvPr id="9224" name="Picture 3"/>
           <p:cNvPicPr>
             <a:picLocks noChangeAspect="1" noChangeArrowheads="1"/>
           </p:cNvPicPr>
@@ -5675,8 +6545,8 @@
         </p:blipFill>
         <p:spPr bwMode="auto">
           <a:xfrm>
-            <a:off x="5652120" y="2276872"/>
-            <a:ext cx="1800200" cy="878146"/>
+            <a:off x="5651500" y="2276475"/>
+            <a:ext cx="1800225" cy="877888"/>
           </a:xfrm>
           <a:prstGeom prst="rect">
             <a:avLst/>
@@ -5692,7 +6562,7 @@
       </p:pic>
       <p:pic>
         <p:nvPicPr>
-          <p:cNvPr id="25604" name="Picture 4"/>
+          <p:cNvPr id="9225" name="Picture 4"/>
           <p:cNvPicPr>
             <a:picLocks noChangeAspect="1" noChangeArrowheads="1"/>
           </p:cNvPicPr>
@@ -5707,8 +6577,8 @@
         </p:blipFill>
         <p:spPr bwMode="auto">
           <a:xfrm>
-            <a:off x="1259632" y="4365104"/>
-            <a:ext cx="1800200" cy="878146"/>
+            <a:off x="1258888" y="4365625"/>
+            <a:ext cx="1800225" cy="877888"/>
           </a:xfrm>
           <a:prstGeom prst="rect">
             <a:avLst/>
@@ -5724,7 +6594,7 @@
       </p:pic>
       <p:pic>
         <p:nvPicPr>
-          <p:cNvPr id="25605" name="Picture 5"/>
+          <p:cNvPr id="9226" name="Picture 5"/>
           <p:cNvPicPr>
             <a:picLocks noChangeAspect="1" noChangeArrowheads="1"/>
           </p:cNvPicPr>
@@ -5739,8 +6609,8 @@
         </p:blipFill>
         <p:spPr bwMode="auto">
           <a:xfrm>
-            <a:off x="5724128" y="4365104"/>
-            <a:ext cx="1849920" cy="936104"/>
+            <a:off x="5724525" y="4365625"/>
+            <a:ext cx="1849438" cy="935038"/>
           </a:xfrm>
           <a:prstGeom prst="rect">
             <a:avLst/>
@@ -5756,131 +6626,165 @@
       </p:pic>
       <p:sp>
         <p:nvSpPr>
-          <p:cNvPr id="23" name="TextBox 22"/>
-          <p:cNvSpPr txBox="1"/>
+          <p:cNvPr id="9227" name="TextBox 22"/>
+          <p:cNvSpPr txBox="1">
+            <a:spLocks noChangeArrowheads="1"/>
+          </p:cNvSpPr>
           <p:nvPr/>
         </p:nvSpPr>
-        <p:spPr>
-          <a:xfrm>
-            <a:off x="899592" y="3212976"/>
-            <a:ext cx="2518062" cy="369332"/>
+        <p:spPr bwMode="auto">
+          <a:xfrm>
+            <a:off x="900113" y="3213100"/>
+            <a:ext cx="2517775" cy="369888"/>
           </a:xfrm>
           <a:prstGeom prst="rect">
             <a:avLst/>
           </a:prstGeom>
           <a:noFill/>
-        </p:spPr>
-        <p:txBody>
-          <a:bodyPr wrap="none" rtlCol="0">
+          <a:ln w="9525">
+            <a:noFill/>
+            <a:miter lim="800000"/>
+            <a:headEnd/>
+            <a:tailEnd/>
+          </a:ln>
+        </p:spPr>
+        <p:txBody>
+          <a:bodyPr wrap="none">
             <a:spAutoFit/>
           </a:bodyPr>
           <a:lstStyle/>
           <a:p>
             <a:r>
-              <a:rPr lang="ru-RU" dirty="0" smtClean="0"/>
+              <a:rPr lang="ru-RU">
+                <a:latin typeface="Calibri" pitchFamily="34" charset="0"/>
+              </a:rPr>
               <a:t>Исходное изображение</a:t>
             </a:r>
-            <a:endParaRPr lang="ru-RU" dirty="0"/>
-          </a:p>
-        </p:txBody>
-      </p:sp>
-      <p:sp>
-        <p:nvSpPr>
-          <p:cNvPr id="24" name="TextBox 23"/>
-          <p:cNvSpPr txBox="1"/>
+          </a:p>
+        </p:txBody>
+      </p:sp>
+      <p:sp>
+        <p:nvSpPr>
+          <p:cNvPr id="9228" name="TextBox 23"/>
+          <p:cNvSpPr txBox="1">
+            <a:spLocks noChangeArrowheads="1"/>
+          </p:cNvSpPr>
           <p:nvPr/>
         </p:nvSpPr>
-        <p:spPr>
-          <a:xfrm>
-            <a:off x="4932040" y="3212976"/>
-            <a:ext cx="3355214" cy="369332"/>
+        <p:spPr bwMode="auto">
+          <a:xfrm>
+            <a:off x="4932363" y="3213100"/>
+            <a:ext cx="3354387" cy="369888"/>
           </a:xfrm>
           <a:prstGeom prst="rect">
             <a:avLst/>
           </a:prstGeom>
           <a:noFill/>
-        </p:spPr>
-        <p:txBody>
-          <a:bodyPr wrap="none" rtlCol="0">
+          <a:ln w="9525">
+            <a:noFill/>
+            <a:miter lim="800000"/>
+            <a:headEnd/>
+            <a:tailEnd/>
+          </a:ln>
+        </p:spPr>
+        <p:txBody>
+          <a:bodyPr wrap="none">
             <a:spAutoFit/>
           </a:bodyPr>
           <a:lstStyle/>
           <a:p>
             <a:r>
-              <a:rPr lang="ru-RU" dirty="0" smtClean="0"/>
+              <a:rPr lang="ru-RU">
+                <a:latin typeface="Calibri" pitchFamily="34" charset="0"/>
+              </a:rPr>
               <a:t>Инвертированное изображение</a:t>
             </a:r>
-            <a:endParaRPr lang="ru-RU" dirty="0"/>
-          </a:p>
-        </p:txBody>
-      </p:sp>
-      <p:sp>
-        <p:nvSpPr>
-          <p:cNvPr id="25" name="TextBox 24"/>
-          <p:cNvSpPr txBox="1"/>
+          </a:p>
+        </p:txBody>
+      </p:sp>
+      <p:sp>
+        <p:nvSpPr>
+          <p:cNvPr id="9229" name="TextBox 24"/>
+          <p:cNvSpPr txBox="1">
+            <a:spLocks noChangeArrowheads="1"/>
+          </p:cNvSpPr>
           <p:nvPr/>
         </p:nvSpPr>
-        <p:spPr>
-          <a:xfrm>
-            <a:off x="4932040" y="5445224"/>
-            <a:ext cx="3425490" cy="646331"/>
+        <p:spPr bwMode="auto">
+          <a:xfrm>
+            <a:off x="4932363" y="5445125"/>
+            <a:ext cx="3425825" cy="646113"/>
           </a:xfrm>
           <a:prstGeom prst="rect">
             <a:avLst/>
           </a:prstGeom>
           <a:noFill/>
-        </p:spPr>
-        <p:txBody>
-          <a:bodyPr wrap="none" rtlCol="0">
+          <a:ln w="9525">
+            <a:noFill/>
+            <a:miter lim="800000"/>
+            <a:headEnd/>
+            <a:tailEnd/>
+          </a:ln>
+        </p:spPr>
+        <p:txBody>
+          <a:bodyPr wrap="none">
             <a:spAutoFit/>
           </a:bodyPr>
           <a:lstStyle/>
           <a:p>
             <a:r>
-              <a:rPr lang="ru-RU" dirty="0" err="1" smtClean="0"/>
-              <a:t>Бинаризированое</a:t>
-            </a:r>
-            <a:r>
-              <a:rPr lang="ru-RU" dirty="0" smtClean="0"/>
-              <a:t> изображение</a:t>
-            </a:r>
-          </a:p>
-          <a:p>
-            <a:r>
-              <a:rPr lang="ru-RU" dirty="0" smtClean="0"/>
+              <a:rPr lang="ru-RU">
+                <a:latin typeface="Calibri" pitchFamily="34" charset="0"/>
+              </a:rPr>
+              <a:t>Бинаризированое изображение</a:t>
+            </a:r>
+          </a:p>
+          <a:p>
+            <a:r>
+              <a:rPr lang="ru-RU">
+                <a:latin typeface="Calibri" pitchFamily="34" charset="0"/>
+              </a:rPr>
               <a:t>с применением размытия Гаусса</a:t>
             </a:r>
-            <a:endParaRPr lang="ru-RU" dirty="0"/>
-          </a:p>
-        </p:txBody>
-      </p:sp>
-      <p:sp>
-        <p:nvSpPr>
-          <p:cNvPr id="27" name="TextBox 26"/>
-          <p:cNvSpPr txBox="1"/>
+          </a:p>
+        </p:txBody>
+      </p:sp>
+      <p:sp>
+        <p:nvSpPr>
+          <p:cNvPr id="9230" name="TextBox 26"/>
+          <p:cNvSpPr txBox="1">
+            <a:spLocks noChangeArrowheads="1"/>
+          </p:cNvSpPr>
           <p:nvPr/>
         </p:nvSpPr>
-        <p:spPr>
-          <a:xfrm>
-            <a:off x="467544" y="5517232"/>
-            <a:ext cx="3800849" cy="369332"/>
+        <p:spPr bwMode="auto">
+          <a:xfrm>
+            <a:off x="468313" y="5516563"/>
+            <a:ext cx="3800475" cy="369887"/>
           </a:xfrm>
           <a:prstGeom prst="rect">
             <a:avLst/>
           </a:prstGeom>
           <a:noFill/>
-        </p:spPr>
-        <p:txBody>
-          <a:bodyPr wrap="none" rtlCol="0">
+          <a:ln w="9525">
+            <a:noFill/>
+            <a:miter lim="800000"/>
+            <a:headEnd/>
+            <a:tailEnd/>
+          </a:ln>
+        </p:spPr>
+        <p:txBody>
+          <a:bodyPr wrap="none">
             <a:spAutoFit/>
           </a:bodyPr>
           <a:lstStyle/>
           <a:p>
             <a:r>
-              <a:rPr lang="ru-RU" dirty="0" smtClean="0"/>
+              <a:rPr lang="ru-RU">
+                <a:latin typeface="Calibri" pitchFamily="34" charset="0"/>
+              </a:rPr>
               <a:t>Инвертированное (ЧБ) изображение</a:t>
             </a:r>
-            <a:endParaRPr lang="ru-RU" dirty="0"/>
           </a:p>
         </p:txBody>
       </p:sp>
@@ -5892,8 +6796,8 @@
         </p:nvSpPr>
         <p:spPr>
           <a:xfrm>
-            <a:off x="3707904" y="2348880"/>
-            <a:ext cx="1296144" cy="642015"/>
+            <a:off x="3708400" y="2349500"/>
+            <a:ext cx="1295400" cy="641350"/>
           </a:xfrm>
           <a:prstGeom prst="rightArrow">
             <a:avLst/>
@@ -5916,10 +6820,18 @@
           </a:fontRef>
         </p:style>
         <p:txBody>
-          <a:bodyPr rtlCol="0" anchor="ctr"/>
-          <a:lstStyle/>
-          <a:p>
-            <a:pPr algn="ctr"/>
+          <a:bodyPr anchor="ctr"/>
+          <a:lstStyle/>
+          <a:p>
+            <a:pPr algn="ctr" fontAlgn="auto">
+              <a:spcBef>
+                <a:spcPts val="0"/>
+              </a:spcBef>
+              <a:spcAft>
+                <a:spcPts val="0"/>
+              </a:spcAft>
+              <a:defRPr/>
+            </a:pPr>
             <a:endParaRPr lang="ru-RU"/>
           </a:p>
         </p:txBody>
@@ -5932,8 +6844,8 @@
         </p:nvSpPr>
         <p:spPr>
           <a:xfrm>
-            <a:off x="3707904" y="4515177"/>
-            <a:ext cx="1296144" cy="642015"/>
+            <a:off x="3708400" y="4514850"/>
+            <a:ext cx="1295400" cy="642938"/>
           </a:xfrm>
           <a:prstGeom prst="rightArrow">
             <a:avLst/>
@@ -5956,10 +6868,18 @@
           </a:fontRef>
         </p:style>
         <p:txBody>
-          <a:bodyPr rtlCol="0" anchor="ctr"/>
-          <a:lstStyle/>
-          <a:p>
-            <a:pPr algn="ctr"/>
+          <a:bodyPr anchor="ctr"/>
+          <a:lstStyle/>
+          <a:p>
+            <a:pPr algn="ctr" fontAlgn="auto">
+              <a:spcBef>
+                <a:spcPts val="0"/>
+              </a:spcBef>
+              <a:spcAft>
+                <a:spcPts val="0"/>
+              </a:spcAft>
+              <a:defRPr/>
+            </a:pPr>
             <a:endParaRPr lang="ru-RU"/>
           </a:p>
         </p:txBody>
@@ -5972,8 +6892,8 @@
         </p:nvSpPr>
         <p:spPr>
           <a:xfrm rot="9423615">
-            <a:off x="3565745" y="3495881"/>
-            <a:ext cx="1296144" cy="642015"/>
+            <a:off x="3565525" y="3495675"/>
+            <a:ext cx="1296988" cy="642938"/>
           </a:xfrm>
           <a:prstGeom prst="rightArrow">
             <a:avLst/>
@@ -5996,125 +6916,145 @@
           </a:fontRef>
         </p:style>
         <p:txBody>
-          <a:bodyPr rtlCol="0" anchor="ctr"/>
-          <a:lstStyle/>
-          <a:p>
-            <a:pPr algn="ctr"/>
+          <a:bodyPr anchor="ctr"/>
+          <a:lstStyle/>
+          <a:p>
+            <a:pPr algn="ctr" fontAlgn="auto">
+              <a:spcBef>
+                <a:spcPts val="0"/>
+              </a:spcBef>
+              <a:spcAft>
+                <a:spcPts val="0"/>
+              </a:spcAft>
+              <a:defRPr/>
+            </a:pPr>
             <a:endParaRPr lang="ru-RU"/>
           </a:p>
         </p:txBody>
       </p:sp>
       <p:sp>
         <p:nvSpPr>
-          <p:cNvPr id="33" name="TextBox 32"/>
-          <p:cNvSpPr txBox="1"/>
+          <p:cNvPr id="9234" name="TextBox 32"/>
+          <p:cNvSpPr txBox="1">
+            <a:spLocks noChangeArrowheads="1"/>
+          </p:cNvSpPr>
           <p:nvPr/>
         </p:nvSpPr>
-        <p:spPr>
-          <a:xfrm>
-            <a:off x="3851920" y="2492896"/>
-            <a:ext cx="745717" cy="369332"/>
+        <p:spPr bwMode="auto">
+          <a:xfrm>
+            <a:off x="3851275" y="2492375"/>
+            <a:ext cx="746125" cy="369888"/>
           </a:xfrm>
           <a:prstGeom prst="rect">
             <a:avLst/>
           </a:prstGeom>
           <a:noFill/>
-        </p:spPr>
-        <p:txBody>
-          <a:bodyPr wrap="none" rtlCol="0">
+          <a:ln w="9525">
+            <a:noFill/>
+            <a:miter lim="800000"/>
+            <a:headEnd/>
+            <a:tailEnd/>
+          </a:ln>
+        </p:spPr>
+        <p:txBody>
+          <a:bodyPr wrap="none">
             <a:spAutoFit/>
           </a:bodyPr>
           <a:lstStyle/>
           <a:p>
             <a:r>
-              <a:rPr lang="ru-RU" dirty="0" smtClean="0">
+              <a:rPr lang="ru-RU">
                 <a:solidFill>
                   <a:schemeClr val="bg1"/>
                 </a:solidFill>
+                <a:latin typeface="Calibri" pitchFamily="34" charset="0"/>
               </a:rPr>
               <a:t>Шаг 1</a:t>
             </a:r>
-            <a:endParaRPr lang="ru-RU" dirty="0">
-              <a:solidFill>
-                <a:schemeClr val="bg1"/>
-              </a:solidFill>
-            </a:endParaRPr>
-          </a:p>
-        </p:txBody>
-      </p:sp>
-      <p:sp>
-        <p:nvSpPr>
-          <p:cNvPr id="34" name="TextBox 33"/>
-          <p:cNvSpPr txBox="1"/>
+          </a:p>
+        </p:txBody>
+      </p:sp>
+      <p:sp>
+        <p:nvSpPr>
+          <p:cNvPr id="9235" name="TextBox 33"/>
+          <p:cNvSpPr txBox="1">
+            <a:spLocks noChangeArrowheads="1"/>
+          </p:cNvSpPr>
           <p:nvPr/>
         </p:nvSpPr>
-        <p:spPr>
-          <a:xfrm rot="20329766">
-            <a:off x="3995936" y="3573016"/>
-            <a:ext cx="745717" cy="369332"/>
+        <p:spPr bwMode="auto">
+          <a:xfrm rot="-1270234">
+            <a:off x="3995738" y="3573463"/>
+            <a:ext cx="746125" cy="368300"/>
           </a:xfrm>
           <a:prstGeom prst="rect">
             <a:avLst/>
           </a:prstGeom>
           <a:noFill/>
-        </p:spPr>
-        <p:txBody>
-          <a:bodyPr wrap="none" rtlCol="0">
+          <a:ln w="9525">
+            <a:noFill/>
+            <a:miter lim="800000"/>
+            <a:headEnd/>
+            <a:tailEnd/>
+          </a:ln>
+        </p:spPr>
+        <p:txBody>
+          <a:bodyPr wrap="none">
             <a:spAutoFit/>
           </a:bodyPr>
           <a:lstStyle/>
           <a:p>
             <a:r>
-              <a:rPr lang="ru-RU" dirty="0" smtClean="0">
+              <a:rPr lang="ru-RU">
                 <a:solidFill>
                   <a:schemeClr val="bg1"/>
                 </a:solidFill>
+                <a:latin typeface="Calibri" pitchFamily="34" charset="0"/>
               </a:rPr>
               <a:t>Шаг 2</a:t>
             </a:r>
-            <a:endParaRPr lang="ru-RU" dirty="0">
-              <a:solidFill>
-                <a:schemeClr val="bg1"/>
-              </a:solidFill>
-            </a:endParaRPr>
-          </a:p>
-        </p:txBody>
-      </p:sp>
-      <p:sp>
-        <p:nvSpPr>
-          <p:cNvPr id="35" name="TextBox 34"/>
-          <p:cNvSpPr txBox="1"/>
+          </a:p>
+        </p:txBody>
+      </p:sp>
+      <p:sp>
+        <p:nvSpPr>
+          <p:cNvPr id="9236" name="TextBox 34"/>
+          <p:cNvSpPr txBox="1">
+            <a:spLocks noChangeArrowheads="1"/>
+          </p:cNvSpPr>
           <p:nvPr/>
         </p:nvSpPr>
-        <p:spPr>
-          <a:xfrm>
-            <a:off x="3851920" y="4653136"/>
-            <a:ext cx="745717" cy="369332"/>
+        <p:spPr bwMode="auto">
+          <a:xfrm>
+            <a:off x="3851275" y="4652963"/>
+            <a:ext cx="746125" cy="369887"/>
           </a:xfrm>
           <a:prstGeom prst="rect">
             <a:avLst/>
           </a:prstGeom>
           <a:noFill/>
-        </p:spPr>
-        <p:txBody>
-          <a:bodyPr wrap="none" rtlCol="0">
+          <a:ln w="9525">
+            <a:noFill/>
+            <a:miter lim="800000"/>
+            <a:headEnd/>
+            <a:tailEnd/>
+          </a:ln>
+        </p:spPr>
+        <p:txBody>
+          <a:bodyPr wrap="none">
             <a:spAutoFit/>
           </a:bodyPr>
           <a:lstStyle/>
           <a:p>
             <a:r>
-              <a:rPr lang="ru-RU" dirty="0" smtClean="0">
+              <a:rPr lang="ru-RU">
                 <a:solidFill>
                   <a:schemeClr val="bg1"/>
                 </a:solidFill>
+                <a:latin typeface="Calibri" pitchFamily="34" charset="0"/>
               </a:rPr>
               <a:t>Шаг 3</a:t>
             </a:r>
-            <a:endParaRPr lang="ru-RU" dirty="0">
-              <a:solidFill>
-                <a:schemeClr val="bg1"/>
-              </a:solidFill>
-            </a:endParaRPr>
           </a:p>
         </p:txBody>
       </p:sp>
@@ -6152,7 +7092,7 @@
       </p:grpSpPr>
       <p:sp>
         <p:nvSpPr>
-          <p:cNvPr id="2" name="Заголовок 1"/>
+          <p:cNvPr id="10242" name="Заголовок 1"/>
           <p:cNvSpPr>
             <a:spLocks noGrp="1"/>
           </p:cNvSpPr>
@@ -6162,22 +7102,19 @@
         </p:nvSpPr>
         <p:spPr/>
         <p:txBody>
-          <a:bodyPr>
-            <a:normAutofit/>
-          </a:bodyPr>
-          <a:lstStyle/>
-          <a:p>
-            <a:r>
-              <a:rPr lang="ru-RU" dirty="0" smtClean="0"/>
+          <a:bodyPr/>
+          <a:lstStyle/>
+          <a:p>
+            <a:r>
+              <a:rPr lang="ru-RU" smtClean="0"/>
               <a:t>Интерфейс приложения</a:t>
             </a:r>
-            <a:endParaRPr lang="ru-RU" dirty="0"/>
           </a:p>
         </p:txBody>
       </p:sp>
       <p:pic>
         <p:nvPicPr>
-          <p:cNvPr id="8193" name="Picture 1"/>
+          <p:cNvPr id="10245" name="Picture 5"/>
           <p:cNvPicPr>
             <a:picLocks noChangeAspect="1" noChangeArrowheads="1"/>
           </p:cNvPicPr>
@@ -6192,8 +7129,8 @@
         </p:blipFill>
         <p:spPr bwMode="auto">
           <a:xfrm>
-            <a:off x="323528" y="1628800"/>
-            <a:ext cx="8578070" cy="3816424"/>
+            <a:off x="179512" y="1628800"/>
+            <a:ext cx="8725794" cy="4750406"/>
           </a:xfrm>
           <a:prstGeom prst="rect">
             <a:avLst/>
